--- a/docs/Lectures/Week01/Week01_Intro.pptx
+++ b/docs/Lectures/Week01/Week01_Intro.pptx
@@ -24,9 +24,10 @@
     <p:sldId id="274" r:id="rId18"/>
     <p:sldId id="275" r:id="rId19"/>
     <p:sldId id="276" r:id="rId20"/>
-    <p:sldId id="277" r:id="rId21"/>
-    <p:sldId id="270" r:id="rId22"/>
-    <p:sldId id="271" r:id="rId23"/>
+    <p:sldId id="278" r:id="rId21"/>
+    <p:sldId id="277" r:id="rId22"/>
+    <p:sldId id="270" r:id="rId23"/>
+    <p:sldId id="271" r:id="rId24"/>
   </p:sldIdLst>
   <p:sldSz cx="12192000" cy="6858000"/>
   <p:notesSz cx="6858000" cy="9144000"/>
@@ -1076,38 +1077,37 @@
           <a:p>
             <a:pPr lvl="0"/>
             <a:r>
-              <a:rPr lang="en-US"/>
+              <a:rPr lang="en-US" dirty="0"/>
               <a:t>Click to edit Master text styles</a:t>
             </a:r>
           </a:p>
           <a:p>
             <a:pPr lvl="1"/>
             <a:r>
-              <a:rPr lang="en-US"/>
+              <a:rPr lang="en-US" dirty="0"/>
               <a:t>Second level</a:t>
             </a:r>
           </a:p>
           <a:p>
             <a:pPr lvl="2"/>
             <a:r>
-              <a:rPr lang="en-US"/>
+              <a:rPr lang="en-US" dirty="0"/>
               <a:t>Third level</a:t>
             </a:r>
           </a:p>
           <a:p>
             <a:pPr lvl="3"/>
             <a:r>
-              <a:rPr lang="en-US"/>
+              <a:rPr lang="en-US" dirty="0"/>
               <a:t>Fourth level</a:t>
             </a:r>
           </a:p>
           <a:p>
             <a:pPr lvl="4"/>
             <a:r>
-              <a:rPr lang="en-US"/>
+              <a:rPr lang="en-US" dirty="0"/>
               <a:t>Fifth level</a:t>
             </a:r>
-            <a:endParaRPr lang="en-US" dirty="0"/>
           </a:p>
         </p:txBody>
       </p:sp>
@@ -1297,10 +1297,9 @@
           </a:lstStyle>
           <a:p>
             <a:r>
-              <a:rPr lang="en-US"/>
+              <a:rPr lang="en-US" dirty="0"/>
               <a:t>Click to edit Master title style</a:t>
             </a:r>
-            <a:endParaRPr lang="en-US" dirty="0"/>
           </a:p>
         </p:txBody>
       </p:sp>
@@ -4263,7 +4262,7 @@
         </p:nvSpPr>
         <p:spPr>
           <a:xfrm>
-            <a:off x="581360" y="1453800"/>
+            <a:off x="581360" y="1212302"/>
             <a:ext cx="11029615" cy="999102"/>
           </a:xfrm>
         </p:spPr>
@@ -4478,7 +4477,7 @@
         </p:nvSpPr>
         <p:spPr>
           <a:xfrm>
-            <a:off x="580857" y="1399032"/>
+            <a:off x="581360" y="1298448"/>
             <a:ext cx="11029615" cy="896112"/>
           </a:xfrm>
         </p:spPr>
@@ -5652,7 +5651,7 @@
         </p:nvSpPr>
         <p:spPr>
           <a:xfrm>
-            <a:off x="581192" y="2340864"/>
+            <a:off x="581360" y="1532382"/>
             <a:ext cx="11029615" cy="2520061"/>
           </a:xfrm>
         </p:spPr>
@@ -5754,7 +5753,7 @@
         </p:blipFill>
         <p:spPr>
           <a:xfrm>
-            <a:off x="6370637" y="4302125"/>
+            <a:off x="6096000" y="3515741"/>
             <a:ext cx="314325" cy="285750"/>
           </a:xfrm>
           <a:prstGeom prst="rect">
@@ -6124,7 +6123,7 @@
         <p:spPr>
           <a:xfrm>
             <a:off x="581192" y="1604211"/>
-            <a:ext cx="11029615" cy="4371139"/>
+            <a:ext cx="11029615" cy="1577901"/>
           </a:xfrm>
         </p:spPr>
         <p:txBody>
@@ -6209,6 +6208,146 @@
           <p:cNvPr id="2" name="Title 1">
             <a:extLst>
               <a:ext uri="{FF2B5EF4-FFF2-40B4-BE49-F238E27FC236}">
+                <a16:creationId xmlns:a16="http://schemas.microsoft.com/office/drawing/2014/main" id="{8862BBB0-0FBE-B2B8-506E-78322C7EB688}"/>
+              </a:ext>
+            </a:extLst>
+          </p:cNvPr>
+          <p:cNvSpPr>
+            <a:spLocks noGrp="1"/>
+          </p:cNvSpPr>
+          <p:nvPr>
+            <p:ph type="title"/>
+          </p:nvPr>
+        </p:nvSpPr>
+        <p:spPr>
+          <a:xfrm>
+            <a:off x="581192" y="702156"/>
+            <a:ext cx="11029616" cy="523140"/>
+          </a:xfrm>
+        </p:spPr>
+        <p:txBody>
+          <a:bodyPr/>
+          <a:lstStyle/>
+          <a:p>
+            <a:r>
+              <a:rPr lang="en-US" dirty="0"/>
+              <a:t>LIST IN R</a:t>
+            </a:r>
+          </a:p>
+        </p:txBody>
+      </p:sp>
+      <p:sp>
+        <p:nvSpPr>
+          <p:cNvPr id="3" name="Content Placeholder 2">
+            <a:extLst>
+              <a:ext uri="{FF2B5EF4-FFF2-40B4-BE49-F238E27FC236}">
+                <a16:creationId xmlns:a16="http://schemas.microsoft.com/office/drawing/2014/main" id="{BAAB52E6-6887-C0A3-DDE3-CA6AAA229011}"/>
+              </a:ext>
+            </a:extLst>
+          </p:cNvPr>
+          <p:cNvSpPr>
+            <a:spLocks noGrp="1"/>
+          </p:cNvSpPr>
+          <p:nvPr>
+            <p:ph idx="1"/>
+          </p:nvPr>
+        </p:nvSpPr>
+        <p:spPr>
+          <a:xfrm>
+            <a:off x="581193" y="1437540"/>
+            <a:ext cx="11029615" cy="2988156"/>
+          </a:xfrm>
+        </p:spPr>
+        <p:txBody>
+          <a:bodyPr>
+            <a:normAutofit/>
+          </a:bodyPr>
+          <a:lstStyle/>
+          <a:p>
+            <a:r>
+              <a:rPr lang="en-US" dirty="0"/>
+              <a:t>Creating a list</a:t>
+            </a:r>
+          </a:p>
+          <a:p>
+            <a:pPr lvl="1"/>
+            <a:r>
+              <a:rPr lang="en-US" dirty="0"/>
+              <a:t>A list in R is a flexible data structure that can contain elements of different types: numbers, characters, vectors, matrices, data frames, or even other lists.</a:t>
+            </a:r>
+          </a:p>
+          <a:p>
+            <a:pPr lvl="1"/>
+            <a:r>
+              <a:rPr lang="en-US" dirty="0"/>
+              <a:t>It's like a container for multiple objects.</a:t>
+            </a:r>
+          </a:p>
+          <a:p>
+            <a:pPr lvl="1"/>
+            <a:endParaRPr lang="en-US" dirty="0"/>
+          </a:p>
+          <a:p>
+            <a:r>
+              <a:rPr lang="en-US" dirty="0"/>
+              <a:t>Accessing elements in a list</a:t>
+            </a:r>
+          </a:p>
+          <a:p>
+            <a:pPr lvl="1"/>
+            <a:r>
+              <a:rPr lang="en-US" dirty="0"/>
+              <a:t>Use [[ ]] to access elements by position or name.</a:t>
+            </a:r>
+          </a:p>
+          <a:p>
+            <a:pPr lvl="1"/>
+            <a:r>
+              <a:rPr lang="en-US" dirty="0"/>
+              <a:t>Use $ to access elements by name.</a:t>
+            </a:r>
+          </a:p>
+          <a:p>
+            <a:pPr lvl="1"/>
+            <a:endParaRPr lang="en-US" dirty="0"/>
+          </a:p>
+        </p:txBody>
+      </p:sp>
+    </p:spTree>
+    <p:extLst>
+      <p:ext uri="{BB962C8B-B14F-4D97-AF65-F5344CB8AC3E}">
+        <p14:creationId xmlns:p14="http://schemas.microsoft.com/office/powerpoint/2010/main" val="226845293"/>
+      </p:ext>
+    </p:extLst>
+  </p:cSld>
+  <p:clrMapOvr>
+    <a:masterClrMapping/>
+  </p:clrMapOvr>
+</p:sld>
+</file>
+
+<file path=ppt/slides/slide21.xml><?xml version="1.0" encoding="utf-8"?>
+<p:sld xmlns:a="http://schemas.openxmlformats.org/drawingml/2006/main" xmlns:r="http://schemas.openxmlformats.org/officeDocument/2006/relationships" xmlns:p="http://schemas.openxmlformats.org/presentationml/2006/main">
+  <p:cSld>
+    <p:spTree>
+      <p:nvGrpSpPr>
+        <p:cNvPr id="1" name=""/>
+        <p:cNvGrpSpPr/>
+        <p:nvPr/>
+      </p:nvGrpSpPr>
+      <p:grpSpPr>
+        <a:xfrm>
+          <a:off x="0" y="0"/>
+          <a:ext cx="0" cy="0"/>
+          <a:chOff x="0" y="0"/>
+          <a:chExt cx="0" cy="0"/>
+        </a:xfrm>
+      </p:grpSpPr>
+      <p:sp>
+        <p:nvSpPr>
+          <p:cNvPr id="2" name="Title 1">
+            <a:extLst>
+              <a:ext uri="{FF2B5EF4-FFF2-40B4-BE49-F238E27FC236}">
                 <a16:creationId xmlns:a16="http://schemas.microsoft.com/office/drawing/2014/main" id="{5EAF1A1A-5D62-6502-24F8-E47A009B8D56}"/>
               </a:ext>
             </a:extLst>
@@ -6220,7 +6359,12 @@
             <p:ph type="title"/>
           </p:nvPr>
         </p:nvSpPr>
-        <p:spPr/>
+        <p:spPr>
+          <a:xfrm>
+            <a:off x="581192" y="702156"/>
+            <a:ext cx="11029616" cy="550572"/>
+          </a:xfrm>
+        </p:spPr>
         <p:txBody>
           <a:bodyPr/>
           <a:lstStyle/>
@@ -6248,12 +6392,67 @@
             <p:ph idx="1"/>
           </p:nvPr>
         </p:nvSpPr>
-        <p:spPr/>
-        <p:txBody>
-          <a:bodyPr/>
+        <p:spPr>
+          <a:xfrm>
+            <a:off x="581191" y="1442820"/>
+            <a:ext cx="11029615" cy="2498244"/>
+          </a:xfrm>
+        </p:spPr>
+        <p:txBody>
+          <a:bodyPr>
+            <a:normAutofit/>
+          </a:bodyPr>
           <a:lstStyle/>
           <a:p>
-            <a:endParaRPr lang="en-US"/>
+            <a:r>
+              <a:rPr lang="en-US" dirty="0"/>
+              <a:t>Read csv</a:t>
+            </a:r>
+          </a:p>
+          <a:p>
+            <a:pPr lvl="1"/>
+            <a:r>
+              <a:rPr lang="en-US" b="1" dirty="0"/>
+              <a:t>read.csv() </a:t>
+            </a:r>
+            <a:r>
+              <a:rPr lang="en-US" dirty="0"/>
+              <a:t>for reading CSV files.</a:t>
+            </a:r>
+          </a:p>
+          <a:p>
+            <a:r>
+              <a:rPr lang="en-US" dirty="0"/>
+              <a:t>Check columns</a:t>
+            </a:r>
+          </a:p>
+          <a:p>
+            <a:pPr lvl="1"/>
+            <a:r>
+              <a:rPr lang="en-US" dirty="0"/>
+              <a:t>Accessing column names using </a:t>
+            </a:r>
+            <a:r>
+              <a:rPr lang="en-US" b="1" dirty="0" err="1"/>
+              <a:t>colnames</a:t>
+            </a:r>
+            <a:r>
+              <a:rPr lang="en-US" b="1" dirty="0"/>
+              <a:t>()</a:t>
+            </a:r>
+          </a:p>
+          <a:p>
+            <a:r>
+              <a:rPr lang="en-US" dirty="0"/>
+              <a:t>Add new columns</a:t>
+            </a:r>
+          </a:p>
+          <a:p>
+            <a:pPr lvl="1"/>
+            <a:r>
+              <a:rPr lang="en-US" dirty="0"/>
+              <a:t>Adding columns based on calculations or conditions</a:t>
+            </a:r>
           </a:p>
         </p:txBody>
       </p:sp>
@@ -6270,7 +6469,7 @@
 </p:sld>
 </file>
 
-<file path=ppt/slides/slide21.xml><?xml version="1.0" encoding="utf-8"?>
+<file path=ppt/slides/slide22.xml><?xml version="1.0" encoding="utf-8"?>
 <p:sld xmlns:a="http://schemas.openxmlformats.org/drawingml/2006/main" xmlns:r="http://schemas.openxmlformats.org/officeDocument/2006/relationships" xmlns:p="http://schemas.openxmlformats.org/presentationml/2006/main">
   <p:cSld>
     <p:spTree>
@@ -6485,7 +6684,7 @@
 </p:sld>
 </file>
 
-<file path=ppt/slides/slide22.xml><?xml version="1.0" encoding="utf-8"?>
+<file path=ppt/slides/slide23.xml><?xml version="1.0" encoding="utf-8"?>
 <p:sld xmlns:a="http://schemas.openxmlformats.org/drawingml/2006/main" xmlns:r="http://schemas.openxmlformats.org/officeDocument/2006/relationships" xmlns:p="http://schemas.openxmlformats.org/presentationml/2006/main">
   <p:cSld>
     <p:spTree>
@@ -6556,16 +6755,24 @@
         <p:spPr>
           <a:xfrm>
             <a:off x="581191" y="1413764"/>
-            <a:ext cx="11029615" cy="618236"/>
-          </a:xfrm>
-        </p:spPr>
-        <p:txBody>
-          <a:bodyPr/>
+            <a:ext cx="11029615" cy="1439164"/>
+          </a:xfrm>
+        </p:spPr>
+        <p:txBody>
+          <a:bodyPr>
+            <a:normAutofit/>
+          </a:bodyPr>
           <a:lstStyle/>
           <a:p>
             <a:r>
               <a:rPr lang="en-US" dirty="0"/>
               <a:t>Explore Tools and Help in RStudio</a:t>
+            </a:r>
+          </a:p>
+          <a:p>
+            <a:r>
+              <a:rPr lang="en-US" dirty="0"/>
+              <a:t>Explore the different tables in RStudio</a:t>
             </a:r>
           </a:p>
         </p:txBody>
@@ -8081,7 +8288,7 @@
         </p:nvSpPr>
         <p:spPr>
           <a:xfrm>
-            <a:off x="1309325" y="2014364"/>
+            <a:off x="1537925" y="1474868"/>
             <a:ext cx="8105775" cy="2416046"/>
           </a:xfrm>
           <a:prstGeom prst="rect">
@@ -8547,10 +8754,9 @@
           </a:lstStyle>
           <a:p>
             <a:r>
-              <a:rPr lang="en-US"/>
+              <a:rPr lang="en-US" dirty="0"/>
               <a:t>Open-source IDE (integrated development environment)</a:t>
             </a:r>
-            <a:endParaRPr lang="en-US" dirty="0"/>
           </a:p>
         </p:txBody>
       </p:sp>
@@ -8675,7 +8881,7 @@
                   <a:srgbClr val="FFFFFF"/>
                 </a:solidFill>
               </a:rPr>
-              <a:t>Lab session</a:t>
+              <a:t>lab session</a:t>
             </a:r>
           </a:p>
         </p:txBody>
@@ -9279,80 +9485,16 @@
         <a:srgbClr val="7F7F7F"/>
       </a:folHlink>
     </a:clrScheme>
-    <a:fontScheme name="Dividend">
+    <a:fontScheme name="Custom 1">
       <a:majorFont>
-        <a:latin typeface="Gill Sans MT" panose="020B0502020104020203"/>
+        <a:latin typeface="Calibri"/>
         <a:ea typeface=""/>
         <a:cs typeface=""/>
-        <a:font script="Grek" typeface="Corbel"/>
-        <a:font script="Cyrl" typeface="Corbel"/>
-        <a:font script="Jpan" typeface="HGｺﾞｼｯｸE"/>
-        <a:font script="Hang" typeface="휴먼매직체"/>
-        <a:font script="Hans" typeface="华文中宋"/>
-        <a:font script="Hant" typeface="微軟正黑體"/>
-        <a:font script="Arab" typeface="Majalla UI"/>
-        <a:font script="Hebr" typeface="Arial"/>
-        <a:font script="Thai" typeface="Cordia New"/>
-        <a:font script="Ethi" typeface="Nyala"/>
-        <a:font script="Beng" typeface="Vrinda"/>
-        <a:font script="Gujr" typeface="Shruti"/>
-        <a:font script="Khmr" typeface="DaunPenh"/>
-        <a:font script="Knda" typeface="Tunga"/>
-        <a:font script="Guru" typeface="Raavi"/>
-        <a:font script="Cans" typeface="Euphemia"/>
-        <a:font script="Cher" typeface="Plantagenet Cherokee"/>
-        <a:font script="Yiii" typeface="Microsoft Yi Baiti"/>
-        <a:font script="Tibt" typeface="Microsoft Himalaya"/>
-        <a:font script="Thaa" typeface="MV Boli"/>
-        <a:font script="Deva" typeface="Mangal"/>
-        <a:font script="Telu" typeface="Gautami"/>
-        <a:font script="Taml" typeface="Latha"/>
-        <a:font script="Syrc" typeface="Estrangelo Edessa"/>
-        <a:font script="Orya" typeface="Kalinga"/>
-        <a:font script="Mlym" typeface="Kartika"/>
-        <a:font script="Laoo" typeface="DokChampa"/>
-        <a:font script="Sinh" typeface="Iskoola Pota"/>
-        <a:font script="Mong" typeface="Mongolian Baiti"/>
-        <a:font script="Viet" typeface="Tahoma"/>
-        <a:font script="Uigh" typeface="Microsoft Uighur"/>
-        <a:font script="Geor" typeface="Sylfaen"/>
       </a:majorFont>
       <a:minorFont>
-        <a:latin typeface="Gill Sans MT" panose="020B0502020104020203"/>
+        <a:latin typeface="Calibri"/>
         <a:ea typeface=""/>
         <a:cs typeface=""/>
-        <a:font script="Grek" typeface="Corbel"/>
-        <a:font script="Cyrl" typeface="Corbel"/>
-        <a:font script="Jpan" typeface="HGｺﾞｼｯｸE"/>
-        <a:font script="Hang" typeface="휴먼매직체"/>
-        <a:font script="Hans" typeface="华文中宋"/>
-        <a:font script="Hant" typeface="微軟正黑體"/>
-        <a:font script="Arab" typeface="Majalla UI"/>
-        <a:font script="Hebr" typeface="Arial"/>
-        <a:font script="Thai" typeface="Cordia New"/>
-        <a:font script="Ethi" typeface="Nyala"/>
-        <a:font script="Beng" typeface="Vrinda"/>
-        <a:font script="Gujr" typeface="Shruti"/>
-        <a:font script="Khmr" typeface="DaunPenh"/>
-        <a:font script="Knda" typeface="Tunga"/>
-        <a:font script="Guru" typeface="Raavi"/>
-        <a:font script="Cans" typeface="Euphemia"/>
-        <a:font script="Cher" typeface="Plantagenet Cherokee"/>
-        <a:font script="Yiii" typeface="Microsoft Yi Baiti"/>
-        <a:font script="Tibt" typeface="Microsoft Himalaya"/>
-        <a:font script="Thaa" typeface="MV Boli"/>
-        <a:font script="Deva" typeface="Mangal"/>
-        <a:font script="Telu" typeface="Gautami"/>
-        <a:font script="Taml" typeface="Latha"/>
-        <a:font script="Syrc" typeface="Estrangelo Edessa"/>
-        <a:font script="Orya" typeface="Kalinga"/>
-        <a:font script="Mlym" typeface="Kartika"/>
-        <a:font script="Laoo" typeface="DokChampa"/>
-        <a:font script="Sinh" typeface="Iskoola Pota"/>
-        <a:font script="Mong" typeface="Mongolian Baiti"/>
-        <a:font script="Viet" typeface="Tahoma"/>
-        <a:font script="Uigh" typeface="Microsoft Uighur"/>
-        <a:font script="Geor" typeface="Sylfaen"/>
       </a:minorFont>
     </a:fontScheme>
     <a:fmtScheme name="Dividend">

--- a/docs/Lectures/Week01/Week01_Intro.pptx
+++ b/docs/Lectures/Week01/Week01_Intro.pptx
@@ -6,28 +6,35 @@
   </p:sldMasterIdLst>
   <p:sldIdLst>
     <p:sldId id="256" r:id="rId2"/>
-    <p:sldId id="257" r:id="rId3"/>
-    <p:sldId id="260" r:id="rId4"/>
-    <p:sldId id="258" r:id="rId5"/>
-    <p:sldId id="259" r:id="rId6"/>
-    <p:sldId id="261" r:id="rId7"/>
-    <p:sldId id="265" r:id="rId8"/>
-    <p:sldId id="262" r:id="rId9"/>
-    <p:sldId id="263" r:id="rId10"/>
-    <p:sldId id="264" r:id="rId11"/>
-    <p:sldId id="266" r:id="rId12"/>
-    <p:sldId id="272" r:id="rId13"/>
-    <p:sldId id="267" r:id="rId14"/>
-    <p:sldId id="268" r:id="rId15"/>
-    <p:sldId id="269" r:id="rId16"/>
-    <p:sldId id="273" r:id="rId17"/>
-    <p:sldId id="274" r:id="rId18"/>
-    <p:sldId id="275" r:id="rId19"/>
-    <p:sldId id="276" r:id="rId20"/>
-    <p:sldId id="278" r:id="rId21"/>
-    <p:sldId id="277" r:id="rId22"/>
-    <p:sldId id="270" r:id="rId23"/>
-    <p:sldId id="271" r:id="rId24"/>
+    <p:sldId id="279" r:id="rId3"/>
+    <p:sldId id="280" r:id="rId4"/>
+    <p:sldId id="285" r:id="rId5"/>
+    <p:sldId id="281" r:id="rId6"/>
+    <p:sldId id="282" r:id="rId7"/>
+    <p:sldId id="283" r:id="rId8"/>
+    <p:sldId id="284" r:id="rId9"/>
+    <p:sldId id="257" r:id="rId10"/>
+    <p:sldId id="260" r:id="rId11"/>
+    <p:sldId id="258" r:id="rId12"/>
+    <p:sldId id="259" r:id="rId13"/>
+    <p:sldId id="261" r:id="rId14"/>
+    <p:sldId id="265" r:id="rId15"/>
+    <p:sldId id="262" r:id="rId16"/>
+    <p:sldId id="263" r:id="rId17"/>
+    <p:sldId id="264" r:id="rId18"/>
+    <p:sldId id="266" r:id="rId19"/>
+    <p:sldId id="272" r:id="rId20"/>
+    <p:sldId id="267" r:id="rId21"/>
+    <p:sldId id="268" r:id="rId22"/>
+    <p:sldId id="269" r:id="rId23"/>
+    <p:sldId id="273" r:id="rId24"/>
+    <p:sldId id="274" r:id="rId25"/>
+    <p:sldId id="275" r:id="rId26"/>
+    <p:sldId id="276" r:id="rId27"/>
+    <p:sldId id="278" r:id="rId28"/>
+    <p:sldId id="277" r:id="rId29"/>
+    <p:sldId id="270" r:id="rId30"/>
+    <p:sldId id="271" r:id="rId31"/>
   </p:sldIdLst>
   <p:sldSz cx="12192000" cy="6858000"/>
   <p:notesSz cx="6858000" cy="9144000"/>
@@ -372,7 +379,7 @@
           <a:p>
             <a:fld id="{ED291B17-9318-49DB-B28B-6E5994AE9581}" type="datetime1">
               <a:rPr lang="en-US" smtClean="0"/>
-              <a:t>12/22/2024</a:t>
+              <a:t>12/26/2024</a:t>
             </a:fld>
             <a:endParaRPr lang="en-US" dirty="0"/>
           </a:p>
@@ -575,7 +582,7 @@
           <a:p>
             <a:fld id="{2CED4963-E985-44C4-B8C4-FDD613B7C2F8}" type="datetime1">
               <a:rPr lang="en-US" smtClean="0"/>
-              <a:t>12/22/2024</a:t>
+              <a:t>12/26/2024</a:t>
             </a:fld>
             <a:endParaRPr lang="en-US" dirty="0"/>
           </a:p>
@@ -937,7 +944,7 @@
           <a:p>
             <a:fld id="{ED291B17-9318-49DB-B28B-6E5994AE9581}" type="datetime1">
               <a:rPr lang="en-US" smtClean="0"/>
-              <a:t>12/22/2024</a:t>
+              <a:t>12/26/2024</a:t>
             </a:fld>
             <a:endParaRPr lang="en-US" dirty="0"/>
           </a:p>
@@ -1134,7 +1141,7 @@
           <a:p>
             <a:fld id="{78DD82B9-B8EE-4375-B6FF-88FA6ABB15D9}" type="datetime1">
               <a:rPr lang="en-US" smtClean="0"/>
-              <a:t>12/22/2024</a:t>
+              <a:t>12/26/2024</a:t>
             </a:fld>
             <a:endParaRPr lang="en-US" dirty="0"/>
           </a:p>
@@ -1445,7 +1452,7 @@
           <a:p>
             <a:fld id="{B2497495-0637-405E-AE64-5CC7506D51F5}" type="datetime1">
               <a:rPr lang="en-US" smtClean="0"/>
-              <a:t>12/22/2024</a:t>
+              <a:t>12/26/2024</a:t>
             </a:fld>
             <a:endParaRPr lang="en-US" dirty="0"/>
           </a:p>
@@ -1698,7 +1705,7 @@
           <a:p>
             <a:fld id="{7BFFD690-9426-415D-8B65-26881E07B2D4}" type="datetime1">
               <a:rPr lang="en-US" smtClean="0"/>
-              <a:t>12/22/2024</a:t>
+              <a:t>12/26/2024</a:t>
             </a:fld>
             <a:endParaRPr lang="en-US" dirty="0"/>
           </a:p>
@@ -2120,7 +2127,7 @@
           <a:p>
             <a:fld id="{04C4989A-474C-40DE-95B9-011C28B71673}" type="datetime1">
               <a:rPr lang="en-US" smtClean="0"/>
-              <a:t>12/22/2024</a:t>
+              <a:t>12/26/2024</a:t>
             </a:fld>
             <a:endParaRPr lang="en-US" dirty="0"/>
           </a:p>
@@ -2243,7 +2250,7 @@
           <a:p>
             <a:fld id="{5DB4ED54-5B5E-4A04-93D3-5772E3CE3818}" type="datetime1">
               <a:rPr lang="en-US" smtClean="0"/>
-              <a:t>12/22/2024</a:t>
+              <a:t>12/26/2024</a:t>
             </a:fld>
             <a:endParaRPr lang="en-US" dirty="0"/>
           </a:p>
@@ -2338,7 +2345,7 @@
           <a:p>
             <a:fld id="{4EDE50D6-574B-40AF-946F-D52A04ADE379}" type="datetime1">
               <a:rPr lang="en-US" smtClean="0"/>
-              <a:t>12/22/2024</a:t>
+              <a:t>12/26/2024</a:t>
             </a:fld>
             <a:endParaRPr lang="en-US" dirty="0"/>
           </a:p>
@@ -2715,7 +2722,7 @@
           <a:p>
             <a:fld id="{D82884F1-FFEA-405F-9602-3DCA865EDA4E}" type="datetime1">
               <a:rPr lang="en-US" smtClean="0"/>
-              <a:t>12/22/2024</a:t>
+              <a:t>12/26/2024</a:t>
             </a:fld>
             <a:endParaRPr lang="en-US" dirty="0"/>
           </a:p>
@@ -3008,7 +3015,7 @@
           <a:p>
             <a:fld id="{7E18DB4A-8810-4A10-AD5C-D5E2C667F5B3}" type="datetime1">
               <a:rPr lang="en-US" smtClean="0"/>
-              <a:t>12/22/2024</a:t>
+              <a:t>12/26/2024</a:t>
             </a:fld>
             <a:endParaRPr lang="en-US" dirty="0"/>
           </a:p>
@@ -3223,7 +3230,7 @@
           <a:p>
             <a:fld id="{ED291B17-9318-49DB-B28B-6E5994AE9581}" type="datetime1">
               <a:rPr lang="en-US" smtClean="0"/>
-              <a:t>12/22/2024</a:t>
+              <a:t>12/26/2024</a:t>
             </a:fld>
             <a:endParaRPr lang="en-US" dirty="0"/>
           </a:p>
@@ -4246,10 +4253,43 @@
       </p:grpSpPr>
       <p:sp>
         <p:nvSpPr>
+          <p:cNvPr id="2" name="Title 1">
+            <a:extLst>
+              <a:ext uri="{FF2B5EF4-FFF2-40B4-BE49-F238E27FC236}">
+                <a16:creationId xmlns:a16="http://schemas.microsoft.com/office/drawing/2014/main" id="{00AB2D42-357C-B1A6-9BD8-35AA7EF9E907}"/>
+              </a:ext>
+            </a:extLst>
+          </p:cNvPr>
+          <p:cNvSpPr>
+            <a:spLocks noGrp="1"/>
+          </p:cNvSpPr>
+          <p:nvPr>
+            <p:ph type="title"/>
+          </p:nvPr>
+        </p:nvSpPr>
+        <p:spPr>
+          <a:xfrm>
+            <a:off x="581192" y="702156"/>
+            <a:ext cx="11029616" cy="567844"/>
+          </a:xfrm>
+        </p:spPr>
+        <p:txBody>
+          <a:bodyPr/>
+          <a:lstStyle/>
+          <a:p>
+            <a:r>
+              <a:rPr lang="en-US" dirty="0"/>
+              <a:t>R-INTRODUCTION</a:t>
+            </a:r>
+          </a:p>
+        </p:txBody>
+      </p:sp>
+      <p:sp>
+        <p:nvSpPr>
           <p:cNvPr id="3" name="Content Placeholder 2">
             <a:extLst>
               <a:ext uri="{FF2B5EF4-FFF2-40B4-BE49-F238E27FC236}">
-                <a16:creationId xmlns:a16="http://schemas.microsoft.com/office/drawing/2014/main" id="{6A6A1143-4A87-25CD-F6F1-42721EAA0FBB}"/>
+                <a16:creationId xmlns:a16="http://schemas.microsoft.com/office/drawing/2014/main" id="{BA0DE883-575A-D8AA-9F01-D0BDB9E3A534}"/>
               </a:ext>
             </a:extLst>
           </p:cNvPr>
@@ -4262,8 +4302,8 @@
         </p:nvSpPr>
         <p:spPr>
           <a:xfrm>
-            <a:off x="581360" y="1212302"/>
-            <a:ext cx="11029615" cy="999102"/>
+            <a:off x="581191" y="1350264"/>
+            <a:ext cx="11029615" cy="567844"/>
           </a:xfrm>
         </p:spPr>
         <p:txBody>
@@ -4272,24 +4312,59 @@
           <a:p>
             <a:r>
               <a:rPr lang="en-US" dirty="0"/>
-              <a:t>Keyboard shortcuts</a:t>
-            </a:r>
-          </a:p>
-          <a:p>
-            <a:pPr lvl="1"/>
-            <a:r>
-              <a:rPr lang="en-US" dirty="0"/>
-              <a:t> Help – Keyboard Shortcuts Help</a:t>
+              <a:t>An online free learning source:  </a:t>
+            </a:r>
+            <a:r>
+              <a:rPr lang="en-US" dirty="0">
+                <a:hlinkClick r:id="rId2"/>
+              </a:rPr>
+              <a:t>An Introduction to R</a:t>
+            </a:r>
+            <a:endParaRPr lang="en-US" dirty="0"/>
+          </a:p>
+        </p:txBody>
+      </p:sp>
+      <p:sp>
+        <p:nvSpPr>
+          <p:cNvPr id="5" name="TextBox 4">
+            <a:extLst>
+              <a:ext uri="{FF2B5EF4-FFF2-40B4-BE49-F238E27FC236}">
+                <a16:creationId xmlns:a16="http://schemas.microsoft.com/office/drawing/2014/main" id="{29A0EA8D-5246-A32D-4815-EF7401CB2BD3}"/>
+              </a:ext>
+            </a:extLst>
+          </p:cNvPr>
+          <p:cNvSpPr txBox="1"/>
+          <p:nvPr/>
+        </p:nvSpPr>
+        <p:spPr>
+          <a:xfrm>
+            <a:off x="2218268" y="1998372"/>
+            <a:ext cx="2438400" cy="369332"/>
+          </a:xfrm>
+          <a:prstGeom prst="rect">
+            <a:avLst/>
+          </a:prstGeom>
+          <a:noFill/>
+        </p:spPr>
+        <p:txBody>
+          <a:bodyPr wrap="square" rtlCol="0">
+            <a:spAutoFit/>
+          </a:bodyPr>
+          <a:lstStyle/>
+          <a:p>
+            <a:r>
+              <a:rPr lang="en-US" dirty="0"/>
+              <a:t>Data Manipulation</a:t>
             </a:r>
           </a:p>
         </p:txBody>
       </p:sp>
       <p:pic>
         <p:nvPicPr>
-          <p:cNvPr id="5" name="Picture 4">
+          <p:cNvPr id="12" name="Picture 11">
             <a:extLst>
               <a:ext uri="{FF2B5EF4-FFF2-40B4-BE49-F238E27FC236}">
-                <a16:creationId xmlns:a16="http://schemas.microsoft.com/office/drawing/2014/main" id="{EBFF9A3C-04DA-C9A4-E97B-1F71A7764958}"/>
+                <a16:creationId xmlns:a16="http://schemas.microsoft.com/office/drawing/2014/main" id="{A2ABC7AB-8C96-D4B3-A1D2-E0BB80F5D4F8}"/>
               </a:ext>
             </a:extLst>
           </p:cNvPr>
@@ -4299,15 +4374,15 @@
           <p:nvPr/>
         </p:nvPicPr>
         <p:blipFill>
-          <a:blip r:embed="rId2"/>
+          <a:blip r:embed="rId3"/>
           <a:stretch>
             <a:fillRect/>
           </a:stretch>
         </p:blipFill>
         <p:spPr>
           <a:xfrm>
-            <a:off x="6412531" y="2068278"/>
-            <a:ext cx="3448050" cy="3895725"/>
+            <a:off x="1162311" y="2568450"/>
+            <a:ext cx="3739889" cy="4130286"/>
           </a:xfrm>
           <a:prstGeom prst="rect">
             <a:avLst/>
@@ -4316,105 +4391,261 @@
       </p:pic>
       <p:sp>
         <p:nvSpPr>
-          <p:cNvPr id="7" name="Title 1">
+          <p:cNvPr id="13" name="TextBox 12">
             <a:extLst>
               <a:ext uri="{FF2B5EF4-FFF2-40B4-BE49-F238E27FC236}">
-                <a16:creationId xmlns:a16="http://schemas.microsoft.com/office/drawing/2014/main" id="{0E279B3A-8D2F-FBE3-38EB-140E7C40FA9C}"/>
+                <a16:creationId xmlns:a16="http://schemas.microsoft.com/office/drawing/2014/main" id="{34D704B2-E657-F7E3-85CE-A7D7388ADC90}"/>
               </a:ext>
             </a:extLst>
           </p:cNvPr>
-          <p:cNvSpPr txBox="1">
-            <a:spLocks noGrp="1"/>
-          </p:cNvSpPr>
-          <p:nvPr>
-            <p:ph type="title"/>
-          </p:nvPr>
-        </p:nvSpPr>
-        <p:spPr>
-          <a:xfrm>
-            <a:off x="581025" y="701675"/>
-            <a:ext cx="11029950" cy="501483"/>
+          <p:cNvSpPr txBox="1"/>
+          <p:nvPr/>
+        </p:nvSpPr>
+        <p:spPr>
+          <a:xfrm>
+            <a:off x="8229601" y="3984987"/>
+            <a:ext cx="2438400" cy="369332"/>
           </a:xfrm>
           <a:prstGeom prst="rect">
             <a:avLst/>
           </a:prstGeom>
-        </p:spPr>
-        <p:txBody>
-          <a:bodyPr vert="horz" lIns="91440" tIns="45720" rIns="91440" bIns="45720" rtlCol="0" anchor="b">
-            <a:normAutofit fontScale="90000"/>
+          <a:noFill/>
+        </p:spPr>
+        <p:txBody>
+          <a:bodyPr wrap="square" rtlCol="0">
+            <a:spAutoFit/>
+          </a:bodyPr>
+          <a:lstStyle/>
+          <a:p>
+            <a:r>
+              <a:rPr lang="en-US" dirty="0"/>
+              <a:t>Interactive Applications</a:t>
+            </a:r>
+          </a:p>
+        </p:txBody>
+      </p:sp>
+      <p:sp>
+        <p:nvSpPr>
+          <p:cNvPr id="14" name="TextBox 13">
+            <a:extLst>
+              <a:ext uri="{FF2B5EF4-FFF2-40B4-BE49-F238E27FC236}">
+                <a16:creationId xmlns:a16="http://schemas.microsoft.com/office/drawing/2014/main" id="{44726345-900F-C015-C861-8F342B6E1EC9}"/>
+              </a:ext>
+            </a:extLst>
+          </p:cNvPr>
+          <p:cNvSpPr txBox="1"/>
+          <p:nvPr/>
+        </p:nvSpPr>
+        <p:spPr>
+          <a:xfrm>
+            <a:off x="6629400" y="2098077"/>
+            <a:ext cx="5207001" cy="1533762"/>
+          </a:xfrm>
+          <a:prstGeom prst="rect">
+            <a:avLst/>
+          </a:prstGeom>
+        </p:spPr>
+        <p:txBody>
+          <a:bodyPr vert="horz" lIns="91440" tIns="45720" rIns="91440" bIns="45720" rtlCol="0" anchor="ctr">
+            <a:normAutofit lnSpcReduction="10000"/>
           </a:bodyPr>
           <a:lstStyle>
-            <a:lvl1pPr algn="l" defTabSz="457200" rtl="0" eaLnBrk="1" latinLnBrk="0" hangingPunct="1">
+            <a:lvl1pPr marL="306000" indent="-306000">
               <a:lnSpc>
                 <a:spcPct val="100000"/>
               </a:lnSpc>
               <a:spcBef>
-                <a:spcPct val="0"/>
+                <a:spcPct val="20000"/>
               </a:spcBef>
-              <a:buNone/>
-              <a:defRPr sz="2800" b="0" kern="1200" cap="all">
+              <a:spcAft>
+                <a:spcPts val="600"/>
+              </a:spcAft>
+              <a:buClr>
+                <a:schemeClr val="accent1"/>
+              </a:buClr>
+              <a:buSzPct val="92000"/>
+              <a:buFont typeface="Wingdings 2" panose="05020102010507070707" pitchFamily="18" charset="2"/>
+              <a:buChar char=""/>
+              <a:defRPr>
                 <a:solidFill>
                   <a:schemeClr val="tx1">
                     <a:lumMod val="75000"/>
                     <a:lumOff val="25000"/>
                   </a:schemeClr>
                 </a:solidFill>
-                <a:latin typeface="+mj-lt"/>
-                <a:ea typeface="+mj-ea"/>
-                <a:cs typeface="+mj-cs"/>
               </a:defRPr>
             </a:lvl1pPr>
-            <a:lvl2pPr eaLnBrk="1" hangingPunct="1">
-              <a:defRPr>
+            <a:lvl2pPr marL="630000" indent="-306000">
+              <a:lnSpc>
+                <a:spcPct val="100000"/>
+              </a:lnSpc>
+              <a:spcBef>
+                <a:spcPct val="20000"/>
+              </a:spcBef>
+              <a:spcAft>
+                <a:spcPts val="600"/>
+              </a:spcAft>
+              <a:buClr>
+                <a:schemeClr val="accent1"/>
+              </a:buClr>
+              <a:buSzPct val="92000"/>
+              <a:buFont typeface="Wingdings 2" panose="05020102010507070707" pitchFamily="18" charset="2"/>
+              <a:buChar char=""/>
+              <a:defRPr sz="1600">
+                <a:solidFill>
+                  <a:schemeClr val="tx1">
+                    <a:lumMod val="75000"/>
+                    <a:lumOff val="25000"/>
+                  </a:schemeClr>
+                </a:solidFill>
+              </a:defRPr>
+            </a:lvl2pPr>
+            <a:lvl3pPr marL="900000" indent="-270000">
+              <a:lnSpc>
+                <a:spcPct val="100000"/>
+              </a:lnSpc>
+              <a:spcBef>
+                <a:spcPct val="20000"/>
+              </a:spcBef>
+              <a:spcAft>
+                <a:spcPts val="600"/>
+              </a:spcAft>
+              <a:buClr>
+                <a:schemeClr val="accent1"/>
+              </a:buClr>
+              <a:buSzPct val="92000"/>
+              <a:buFont typeface="Wingdings 2" panose="05020102010507070707" pitchFamily="18" charset="2"/>
+              <a:buChar char=""/>
+              <a:defRPr sz="1400">
+                <a:solidFill>
+                  <a:schemeClr val="tx1">
+                    <a:lumMod val="75000"/>
+                    <a:lumOff val="25000"/>
+                  </a:schemeClr>
+                </a:solidFill>
+              </a:defRPr>
+            </a:lvl3pPr>
+            <a:lvl4pPr marL="1242000" indent="-234000">
+              <a:lnSpc>
+                <a:spcPct val="100000"/>
+              </a:lnSpc>
+              <a:spcBef>
+                <a:spcPct val="20000"/>
+              </a:spcBef>
+              <a:spcAft>
+                <a:spcPts val="600"/>
+              </a:spcAft>
+              <a:buClr>
+                <a:schemeClr val="accent1"/>
+              </a:buClr>
+              <a:buSzPct val="92000"/>
+              <a:buFont typeface="Wingdings 2" panose="05020102010507070707" pitchFamily="18" charset="2"/>
+              <a:buChar char=""/>
+              <a:defRPr sz="1200">
+                <a:solidFill>
+                  <a:schemeClr val="tx1">
+                    <a:lumMod val="75000"/>
+                    <a:lumOff val="25000"/>
+                  </a:schemeClr>
+                </a:solidFill>
+              </a:defRPr>
+            </a:lvl4pPr>
+            <a:lvl5pPr marL="1602000" indent="-234000">
+              <a:lnSpc>
+                <a:spcPct val="100000"/>
+              </a:lnSpc>
+              <a:spcBef>
+                <a:spcPct val="20000"/>
+              </a:spcBef>
+              <a:spcAft>
+                <a:spcPts val="600"/>
+              </a:spcAft>
+              <a:buClr>
+                <a:schemeClr val="accent1"/>
+              </a:buClr>
+              <a:buSzPct val="92000"/>
+              <a:buFont typeface="Wingdings 2" panose="05020102010507070707" pitchFamily="18" charset="2"/>
+              <a:buChar char=""/>
+              <a:defRPr sz="1200">
+                <a:solidFill>
+                  <a:schemeClr val="tx1">
+                    <a:lumMod val="75000"/>
+                    <a:lumOff val="25000"/>
+                  </a:schemeClr>
+                </a:solidFill>
+              </a:defRPr>
+            </a:lvl5pPr>
+            <a:lvl6pPr marL="1900000" indent="-228600">
+              <a:spcBef>
+                <a:spcPct val="20000"/>
+              </a:spcBef>
+              <a:spcAft>
+                <a:spcPts val="600"/>
+              </a:spcAft>
+              <a:buClr>
+                <a:schemeClr val="accent2"/>
+              </a:buClr>
+              <a:buSzPct val="92000"/>
+              <a:buFont typeface="Wingdings 2" panose="05020102010507070707" pitchFamily="18" charset="2"/>
+              <a:buChar char=""/>
+              <a:defRPr sz="1200">
                 <a:solidFill>
                   <a:schemeClr val="tx2"/>
                 </a:solidFill>
               </a:defRPr>
-            </a:lvl2pPr>
-            <a:lvl3pPr eaLnBrk="1" hangingPunct="1">
-              <a:defRPr>
+            </a:lvl6pPr>
+            <a:lvl7pPr marL="2200000" indent="-228600">
+              <a:spcBef>
+                <a:spcPct val="20000"/>
+              </a:spcBef>
+              <a:spcAft>
+                <a:spcPts val="600"/>
+              </a:spcAft>
+              <a:buClr>
+                <a:schemeClr val="accent2"/>
+              </a:buClr>
+              <a:buSzPct val="92000"/>
+              <a:buFont typeface="Wingdings 2" panose="05020102010507070707" pitchFamily="18" charset="2"/>
+              <a:buChar char=""/>
+              <a:defRPr sz="1200">
                 <a:solidFill>
                   <a:schemeClr val="tx2"/>
                 </a:solidFill>
               </a:defRPr>
-            </a:lvl3pPr>
-            <a:lvl4pPr eaLnBrk="1" hangingPunct="1">
-              <a:defRPr>
+            </a:lvl7pPr>
+            <a:lvl8pPr marL="2500000" indent="-228600">
+              <a:spcBef>
+                <a:spcPct val="20000"/>
+              </a:spcBef>
+              <a:spcAft>
+                <a:spcPts val="600"/>
+              </a:spcAft>
+              <a:buClr>
+                <a:schemeClr val="accent2"/>
+              </a:buClr>
+              <a:buSzPct val="92000"/>
+              <a:buFont typeface="Wingdings 2" panose="05020102010507070707" pitchFamily="18" charset="2"/>
+              <a:buChar char=""/>
+              <a:defRPr sz="1200">
                 <a:solidFill>
                   <a:schemeClr val="tx2"/>
                 </a:solidFill>
               </a:defRPr>
-            </a:lvl4pPr>
-            <a:lvl5pPr eaLnBrk="1" hangingPunct="1">
-              <a:defRPr>
-                <a:solidFill>
-                  <a:schemeClr val="tx2"/>
-                </a:solidFill>
-              </a:defRPr>
-            </a:lvl5pPr>
-            <a:lvl6pPr eaLnBrk="1" hangingPunct="1">
-              <a:defRPr>
-                <a:solidFill>
-                  <a:schemeClr val="tx2"/>
-                </a:solidFill>
-              </a:defRPr>
-            </a:lvl6pPr>
-            <a:lvl7pPr eaLnBrk="1" hangingPunct="1">
-              <a:defRPr>
-                <a:solidFill>
-                  <a:schemeClr val="tx2"/>
-                </a:solidFill>
-              </a:defRPr>
-            </a:lvl7pPr>
-            <a:lvl8pPr eaLnBrk="1" hangingPunct="1">
-              <a:defRPr>
-                <a:solidFill>
-                  <a:schemeClr val="tx2"/>
-                </a:solidFill>
-              </a:defRPr>
             </a:lvl8pPr>
-            <a:lvl9pPr eaLnBrk="1" hangingPunct="1">
-              <a:defRPr>
+            <a:lvl9pPr marL="2800000" indent="-228600">
+              <a:spcBef>
+                <a:spcPct val="20000"/>
+              </a:spcBef>
+              <a:spcAft>
+                <a:spcPts val="600"/>
+              </a:spcAft>
+              <a:buClr>
+                <a:schemeClr val="accent2"/>
+              </a:buClr>
+              <a:buSzPct val="92000"/>
+              <a:buFont typeface="Wingdings 2" panose="05020102010507070707" pitchFamily="18" charset="2"/>
+              <a:buChar char=""/>
+              <a:defRPr sz="1200">
                 <a:solidFill>
                   <a:schemeClr val="tx2"/>
                 </a:solidFill>
@@ -4422,17 +4653,294 @@
             </a:lvl9pPr>
           </a:lstStyle>
           <a:p>
-            <a:r>
-              <a:rPr lang="en-US" dirty="0"/>
-              <a:t>Overview of keyboard shortcuts</a:t>
-            </a:r>
+            <a:pPr marL="0" indent="0" algn="ctr">
+              <a:buNone/>
+            </a:pPr>
+            <a:r>
+              <a:rPr lang="en-US" dirty="0"/>
+              <a:t>Data Visualization</a:t>
+            </a:r>
+          </a:p>
+          <a:p>
+            <a:endParaRPr lang="en-US" dirty="0"/>
+          </a:p>
+          <a:p>
+            <a:r>
+              <a:rPr lang="en-US" dirty="0"/>
+              <a:t>Data Visualization Section in </a:t>
+            </a:r>
+            <a:r>
+              <a:rPr lang="en-US" dirty="0">
+                <a:hlinkClick r:id="rId4"/>
+              </a:rPr>
+              <a:t>R for Data Science</a:t>
+            </a:r>
+            <a:endParaRPr lang="en-US" dirty="0"/>
+          </a:p>
+          <a:p>
+            <a:r>
+              <a:rPr lang="en-US" dirty="0">
+                <a:hlinkClick r:id="rId5"/>
+              </a:rPr>
+              <a:t>Modern Data Visualization with R</a:t>
+            </a:r>
+            <a:endParaRPr lang="en-US" dirty="0"/>
+          </a:p>
+        </p:txBody>
+      </p:sp>
+      <p:sp>
+        <p:nvSpPr>
+          <p:cNvPr id="15" name="TextBox 14">
+            <a:extLst>
+              <a:ext uri="{FF2B5EF4-FFF2-40B4-BE49-F238E27FC236}">
+                <a16:creationId xmlns:a16="http://schemas.microsoft.com/office/drawing/2014/main" id="{A9B4895F-93C4-229F-839F-F40E65141117}"/>
+              </a:ext>
+            </a:extLst>
+          </p:cNvPr>
+          <p:cNvSpPr txBox="1"/>
+          <p:nvPr/>
+        </p:nvSpPr>
+        <p:spPr>
+          <a:xfrm>
+            <a:off x="6739467" y="4707467"/>
+            <a:ext cx="4047065" cy="1448377"/>
+          </a:xfrm>
+          <a:prstGeom prst="rect">
+            <a:avLst/>
+          </a:prstGeom>
+        </p:spPr>
+        <p:txBody>
+          <a:bodyPr vert="horz" lIns="91440" tIns="45720" rIns="91440" bIns="45720" rtlCol="0" anchor="ctr">
+            <a:normAutofit/>
+          </a:bodyPr>
+          <a:lstStyle>
+            <a:defPPr>
+              <a:defRPr lang="en-US"/>
+            </a:defPPr>
+            <a:lvl1pPr indent="0" algn="ctr">
+              <a:lnSpc>
+                <a:spcPct val="100000"/>
+              </a:lnSpc>
+              <a:spcBef>
+                <a:spcPct val="20000"/>
+              </a:spcBef>
+              <a:spcAft>
+                <a:spcPts val="600"/>
+              </a:spcAft>
+              <a:buClr>
+                <a:schemeClr val="accent1"/>
+              </a:buClr>
+              <a:buSzPct val="92000"/>
+              <a:buFont typeface="Wingdings 2" panose="05020102010507070707" pitchFamily="18" charset="2"/>
+              <a:buNone/>
+              <a:defRPr>
+                <a:solidFill>
+                  <a:schemeClr val="tx1">
+                    <a:lumMod val="75000"/>
+                    <a:lumOff val="25000"/>
+                  </a:schemeClr>
+                </a:solidFill>
+              </a:defRPr>
+            </a:lvl1pPr>
+            <a:lvl2pPr marL="630000" indent="-306000">
+              <a:lnSpc>
+                <a:spcPct val="100000"/>
+              </a:lnSpc>
+              <a:spcBef>
+                <a:spcPct val="20000"/>
+              </a:spcBef>
+              <a:spcAft>
+                <a:spcPts val="600"/>
+              </a:spcAft>
+              <a:buClr>
+                <a:schemeClr val="accent1"/>
+              </a:buClr>
+              <a:buSzPct val="92000"/>
+              <a:buFont typeface="Wingdings 2" panose="05020102010507070707" pitchFamily="18" charset="2"/>
+              <a:buChar char=""/>
+              <a:defRPr sz="1600">
+                <a:solidFill>
+                  <a:schemeClr val="tx1">
+                    <a:lumMod val="75000"/>
+                    <a:lumOff val="25000"/>
+                  </a:schemeClr>
+                </a:solidFill>
+              </a:defRPr>
+            </a:lvl2pPr>
+            <a:lvl3pPr marL="900000" indent="-270000">
+              <a:lnSpc>
+                <a:spcPct val="100000"/>
+              </a:lnSpc>
+              <a:spcBef>
+                <a:spcPct val="20000"/>
+              </a:spcBef>
+              <a:spcAft>
+                <a:spcPts val="600"/>
+              </a:spcAft>
+              <a:buClr>
+                <a:schemeClr val="accent1"/>
+              </a:buClr>
+              <a:buSzPct val="92000"/>
+              <a:buFont typeface="Wingdings 2" panose="05020102010507070707" pitchFamily="18" charset="2"/>
+              <a:buChar char=""/>
+              <a:defRPr sz="1400">
+                <a:solidFill>
+                  <a:schemeClr val="tx1">
+                    <a:lumMod val="75000"/>
+                    <a:lumOff val="25000"/>
+                  </a:schemeClr>
+                </a:solidFill>
+              </a:defRPr>
+            </a:lvl3pPr>
+            <a:lvl4pPr marL="1242000" indent="-234000">
+              <a:lnSpc>
+                <a:spcPct val="100000"/>
+              </a:lnSpc>
+              <a:spcBef>
+                <a:spcPct val="20000"/>
+              </a:spcBef>
+              <a:spcAft>
+                <a:spcPts val="600"/>
+              </a:spcAft>
+              <a:buClr>
+                <a:schemeClr val="accent1"/>
+              </a:buClr>
+              <a:buSzPct val="92000"/>
+              <a:buFont typeface="Wingdings 2" panose="05020102010507070707" pitchFamily="18" charset="2"/>
+              <a:buChar char=""/>
+              <a:defRPr sz="1200">
+                <a:solidFill>
+                  <a:schemeClr val="tx1">
+                    <a:lumMod val="75000"/>
+                    <a:lumOff val="25000"/>
+                  </a:schemeClr>
+                </a:solidFill>
+              </a:defRPr>
+            </a:lvl4pPr>
+            <a:lvl5pPr marL="1602000" indent="-234000">
+              <a:lnSpc>
+                <a:spcPct val="100000"/>
+              </a:lnSpc>
+              <a:spcBef>
+                <a:spcPct val="20000"/>
+              </a:spcBef>
+              <a:spcAft>
+                <a:spcPts val="600"/>
+              </a:spcAft>
+              <a:buClr>
+                <a:schemeClr val="accent1"/>
+              </a:buClr>
+              <a:buSzPct val="92000"/>
+              <a:buFont typeface="Wingdings 2" panose="05020102010507070707" pitchFamily="18" charset="2"/>
+              <a:buChar char=""/>
+              <a:defRPr sz="1200">
+                <a:solidFill>
+                  <a:schemeClr val="tx1">
+                    <a:lumMod val="75000"/>
+                    <a:lumOff val="25000"/>
+                  </a:schemeClr>
+                </a:solidFill>
+              </a:defRPr>
+            </a:lvl5pPr>
+            <a:lvl6pPr marL="1900000" indent="-228600">
+              <a:spcBef>
+                <a:spcPct val="20000"/>
+              </a:spcBef>
+              <a:spcAft>
+                <a:spcPts val="600"/>
+              </a:spcAft>
+              <a:buClr>
+                <a:schemeClr val="accent2"/>
+              </a:buClr>
+              <a:buSzPct val="92000"/>
+              <a:buFont typeface="Wingdings 2" panose="05020102010507070707" pitchFamily="18" charset="2"/>
+              <a:buChar char=""/>
+              <a:defRPr sz="1200">
+                <a:solidFill>
+                  <a:schemeClr val="tx2"/>
+                </a:solidFill>
+              </a:defRPr>
+            </a:lvl6pPr>
+            <a:lvl7pPr marL="2200000" indent="-228600">
+              <a:spcBef>
+                <a:spcPct val="20000"/>
+              </a:spcBef>
+              <a:spcAft>
+                <a:spcPts val="600"/>
+              </a:spcAft>
+              <a:buClr>
+                <a:schemeClr val="accent2"/>
+              </a:buClr>
+              <a:buSzPct val="92000"/>
+              <a:buFont typeface="Wingdings 2" panose="05020102010507070707" pitchFamily="18" charset="2"/>
+              <a:buChar char=""/>
+              <a:defRPr sz="1200">
+                <a:solidFill>
+                  <a:schemeClr val="tx2"/>
+                </a:solidFill>
+              </a:defRPr>
+            </a:lvl7pPr>
+            <a:lvl8pPr marL="2500000" indent="-228600">
+              <a:spcBef>
+                <a:spcPct val="20000"/>
+              </a:spcBef>
+              <a:spcAft>
+                <a:spcPts val="600"/>
+              </a:spcAft>
+              <a:buClr>
+                <a:schemeClr val="accent2"/>
+              </a:buClr>
+              <a:buSzPct val="92000"/>
+              <a:buFont typeface="Wingdings 2" panose="05020102010507070707" pitchFamily="18" charset="2"/>
+              <a:buChar char=""/>
+              <a:defRPr sz="1200">
+                <a:solidFill>
+                  <a:schemeClr val="tx2"/>
+                </a:solidFill>
+              </a:defRPr>
+            </a:lvl8pPr>
+            <a:lvl9pPr marL="2800000" indent="-228600">
+              <a:spcBef>
+                <a:spcPct val="20000"/>
+              </a:spcBef>
+              <a:spcAft>
+                <a:spcPts val="600"/>
+              </a:spcAft>
+              <a:buClr>
+                <a:schemeClr val="accent2"/>
+              </a:buClr>
+              <a:buSzPct val="92000"/>
+              <a:buFont typeface="Wingdings 2" panose="05020102010507070707" pitchFamily="18" charset="2"/>
+              <a:buChar char=""/>
+              <a:defRPr sz="1200">
+                <a:solidFill>
+                  <a:schemeClr val="tx2"/>
+                </a:solidFill>
+              </a:defRPr>
+            </a:lvl9pPr>
+          </a:lstStyle>
+          <a:p>
+            <a:pPr marL="285750" indent="-285750" algn="l">
+              <a:buFont typeface="Wingdings" panose="05000000000000000000" pitchFamily="2" charset="2"/>
+              <a:buChar char="§"/>
+            </a:pPr>
+            <a:r>
+              <a:rPr lang="en-US" dirty="0">
+                <a:hlinkClick r:id="rId6"/>
+              </a:rPr>
+              <a:t>Shiny Gallery in R</a:t>
+            </a:r>
+            <a:endParaRPr lang="en-US" dirty="0"/>
+          </a:p>
+          <a:p>
+            <a:endParaRPr lang="en-US" dirty="0"/>
           </a:p>
         </p:txBody>
       </p:sp>
     </p:spTree>
     <p:extLst>
       <p:ext uri="{BB962C8B-B14F-4D97-AF65-F5344CB8AC3E}">
-        <p14:creationId xmlns:p14="http://schemas.microsoft.com/office/powerpoint/2010/main" val="3432800378"/>
+        <p14:creationId xmlns:p14="http://schemas.microsoft.com/office/powerpoint/2010/main" val="389562344"/>
       </p:ext>
     </p:extLst>
   </p:cSld>
@@ -4461,10 +4969,10 @@
       </p:grpSpPr>
       <p:sp>
         <p:nvSpPr>
-          <p:cNvPr id="3" name="Content Placeholder 2">
+          <p:cNvPr id="6" name="Title 5">
             <a:extLst>
               <a:ext uri="{FF2B5EF4-FFF2-40B4-BE49-F238E27FC236}">
-                <a16:creationId xmlns:a16="http://schemas.microsoft.com/office/drawing/2014/main" id="{FBC10F8A-C23D-5A9F-BB5B-0AC49564F914}"/>
+                <a16:creationId xmlns:a16="http://schemas.microsoft.com/office/drawing/2014/main" id="{2ABC362E-1B18-9966-A9CB-F82CFEA7ABA2}"/>
               </a:ext>
             </a:extLst>
           </p:cNvPr>
@@ -4472,13 +4980,13 @@
             <a:spLocks noGrp="1"/>
           </p:cNvSpPr>
           <p:nvPr>
-            <p:ph idx="1"/>
-          </p:nvPr>
-        </p:nvSpPr>
-        <p:spPr>
-          <a:xfrm>
-            <a:off x="581360" y="1298448"/>
-            <a:ext cx="11029615" cy="896112"/>
+            <p:ph type="title"/>
+          </p:nvPr>
+        </p:nvSpPr>
+        <p:spPr>
+          <a:xfrm>
+            <a:off x="581192" y="702156"/>
+            <a:ext cx="11029616" cy="646331"/>
           </a:xfrm>
         </p:spPr>
         <p:txBody>
@@ -4486,132 +4994,237 @@
           <a:lstStyle/>
           <a:p>
             <a:r>
-              <a:rPr lang="en-US" dirty="0" err="1"/>
-              <a:t>Cheatsheets</a:t>
-            </a:r>
-            <a:r>
-              <a:rPr lang="en-US" dirty="0"/>
-              <a:t> in </a:t>
-            </a:r>
-            <a:r>
-              <a:rPr lang="en-US" dirty="0" err="1"/>
-              <a:t>Rstudio</a:t>
-            </a:r>
-            <a:endParaRPr lang="en-US" dirty="0"/>
-          </a:p>
-          <a:p>
-            <a:pPr lvl="1"/>
-            <a:r>
-              <a:rPr lang="en-US" dirty="0"/>
-              <a:t>Help - </a:t>
-            </a:r>
-            <a:r>
-              <a:rPr lang="en-US" dirty="0" err="1"/>
-              <a:t>Cheatsheets</a:t>
-            </a:r>
-            <a:endParaRPr lang="en-US" dirty="0"/>
-          </a:p>
-        </p:txBody>
-      </p:sp>
-      <p:sp>
-        <p:nvSpPr>
-          <p:cNvPr id="4" name="Title 1">
+              <a:rPr lang="en-US" dirty="0"/>
+              <a:t>R - Introduction</a:t>
+            </a:r>
+          </a:p>
+        </p:txBody>
+      </p:sp>
+      <p:sp>
+        <p:nvSpPr>
+          <p:cNvPr id="7" name="TextBox 6">
             <a:extLst>
               <a:ext uri="{FF2B5EF4-FFF2-40B4-BE49-F238E27FC236}">
-                <a16:creationId xmlns:a16="http://schemas.microsoft.com/office/drawing/2014/main" id="{4B06D59C-3F2F-48FF-2272-A15CF996D346}"/>
+                <a16:creationId xmlns:a16="http://schemas.microsoft.com/office/drawing/2014/main" id="{785BB354-13AE-5762-F3DF-53CFFD1955AC}"/>
               </a:ext>
             </a:extLst>
           </p:cNvPr>
-          <p:cNvSpPr txBox="1">
-            <a:spLocks/>
-          </p:cNvSpPr>
+          <p:cNvSpPr txBox="1"/>
           <p:nvPr/>
         </p:nvSpPr>
         <p:spPr>
           <a:xfrm>
-            <a:off x="581025" y="701675"/>
-            <a:ext cx="11029950" cy="501483"/>
+            <a:off x="482602" y="2125132"/>
+            <a:ext cx="5613398" cy="2443747"/>
           </a:xfrm>
           <a:prstGeom prst="rect">
             <a:avLst/>
           </a:prstGeom>
         </p:spPr>
         <p:txBody>
-          <a:bodyPr vert="horz" lIns="91440" tIns="45720" rIns="91440" bIns="45720" rtlCol="0" anchor="b">
-            <a:normAutofit fontScale="97500" lnSpcReduction="10000"/>
+          <a:bodyPr vert="horz" lIns="91440" tIns="45720" rIns="91440" bIns="45720" rtlCol="0" anchor="ctr">
+            <a:normAutofit/>
           </a:bodyPr>
           <a:lstStyle>
-            <a:lvl1pPr algn="l" defTabSz="457200" rtl="0" eaLnBrk="1" latinLnBrk="0" hangingPunct="1">
+            <a:defPPr>
+              <a:defRPr lang="en-US"/>
+            </a:defPPr>
+            <a:lvl1pPr indent="0" algn="ctr">
               <a:lnSpc>
                 <a:spcPct val="100000"/>
               </a:lnSpc>
               <a:spcBef>
-                <a:spcPct val="0"/>
+                <a:spcPct val="20000"/>
               </a:spcBef>
+              <a:spcAft>
+                <a:spcPts val="600"/>
+              </a:spcAft>
+              <a:buClr>
+                <a:schemeClr val="accent1"/>
+              </a:buClr>
+              <a:buSzPct val="92000"/>
+              <a:buFont typeface="Wingdings 2" panose="05020102010507070707" pitchFamily="18" charset="2"/>
               <a:buNone/>
-              <a:defRPr sz="2800" b="0" kern="1200" cap="all">
+              <a:defRPr>
                 <a:solidFill>
                   <a:schemeClr val="tx1">
                     <a:lumMod val="75000"/>
                     <a:lumOff val="25000"/>
                   </a:schemeClr>
                 </a:solidFill>
-                <a:latin typeface="+mj-lt"/>
-                <a:ea typeface="+mj-ea"/>
-                <a:cs typeface="+mj-cs"/>
               </a:defRPr>
             </a:lvl1pPr>
-            <a:lvl2pPr eaLnBrk="1" hangingPunct="1">
-              <a:defRPr>
+            <a:lvl2pPr marL="630000" indent="-306000">
+              <a:lnSpc>
+                <a:spcPct val="100000"/>
+              </a:lnSpc>
+              <a:spcBef>
+                <a:spcPct val="20000"/>
+              </a:spcBef>
+              <a:spcAft>
+                <a:spcPts val="600"/>
+              </a:spcAft>
+              <a:buClr>
+                <a:schemeClr val="accent1"/>
+              </a:buClr>
+              <a:buSzPct val="92000"/>
+              <a:buFont typeface="Wingdings 2" panose="05020102010507070707" pitchFamily="18" charset="2"/>
+              <a:buChar char=""/>
+              <a:defRPr sz="1600">
+                <a:solidFill>
+                  <a:schemeClr val="tx1">
+                    <a:lumMod val="75000"/>
+                    <a:lumOff val="25000"/>
+                  </a:schemeClr>
+                </a:solidFill>
+              </a:defRPr>
+            </a:lvl2pPr>
+            <a:lvl3pPr marL="900000" indent="-270000">
+              <a:lnSpc>
+                <a:spcPct val="100000"/>
+              </a:lnSpc>
+              <a:spcBef>
+                <a:spcPct val="20000"/>
+              </a:spcBef>
+              <a:spcAft>
+                <a:spcPts val="600"/>
+              </a:spcAft>
+              <a:buClr>
+                <a:schemeClr val="accent1"/>
+              </a:buClr>
+              <a:buSzPct val="92000"/>
+              <a:buFont typeface="Wingdings 2" panose="05020102010507070707" pitchFamily="18" charset="2"/>
+              <a:buChar char=""/>
+              <a:defRPr sz="1400">
+                <a:solidFill>
+                  <a:schemeClr val="tx1">
+                    <a:lumMod val="75000"/>
+                    <a:lumOff val="25000"/>
+                  </a:schemeClr>
+                </a:solidFill>
+              </a:defRPr>
+            </a:lvl3pPr>
+            <a:lvl4pPr marL="1242000" indent="-234000">
+              <a:lnSpc>
+                <a:spcPct val="100000"/>
+              </a:lnSpc>
+              <a:spcBef>
+                <a:spcPct val="20000"/>
+              </a:spcBef>
+              <a:spcAft>
+                <a:spcPts val="600"/>
+              </a:spcAft>
+              <a:buClr>
+                <a:schemeClr val="accent1"/>
+              </a:buClr>
+              <a:buSzPct val="92000"/>
+              <a:buFont typeface="Wingdings 2" panose="05020102010507070707" pitchFamily="18" charset="2"/>
+              <a:buChar char=""/>
+              <a:defRPr sz="1200">
+                <a:solidFill>
+                  <a:schemeClr val="tx1">
+                    <a:lumMod val="75000"/>
+                    <a:lumOff val="25000"/>
+                  </a:schemeClr>
+                </a:solidFill>
+              </a:defRPr>
+            </a:lvl4pPr>
+            <a:lvl5pPr marL="1602000" indent="-234000">
+              <a:lnSpc>
+                <a:spcPct val="100000"/>
+              </a:lnSpc>
+              <a:spcBef>
+                <a:spcPct val="20000"/>
+              </a:spcBef>
+              <a:spcAft>
+                <a:spcPts val="600"/>
+              </a:spcAft>
+              <a:buClr>
+                <a:schemeClr val="accent1"/>
+              </a:buClr>
+              <a:buSzPct val="92000"/>
+              <a:buFont typeface="Wingdings 2" panose="05020102010507070707" pitchFamily="18" charset="2"/>
+              <a:buChar char=""/>
+              <a:defRPr sz="1200">
+                <a:solidFill>
+                  <a:schemeClr val="tx1">
+                    <a:lumMod val="75000"/>
+                    <a:lumOff val="25000"/>
+                  </a:schemeClr>
+                </a:solidFill>
+              </a:defRPr>
+            </a:lvl5pPr>
+            <a:lvl6pPr marL="1900000" indent="-228600">
+              <a:spcBef>
+                <a:spcPct val="20000"/>
+              </a:spcBef>
+              <a:spcAft>
+                <a:spcPts val="600"/>
+              </a:spcAft>
+              <a:buClr>
+                <a:schemeClr val="accent2"/>
+              </a:buClr>
+              <a:buSzPct val="92000"/>
+              <a:buFont typeface="Wingdings 2" panose="05020102010507070707" pitchFamily="18" charset="2"/>
+              <a:buChar char=""/>
+              <a:defRPr sz="1200">
                 <a:solidFill>
                   <a:schemeClr val="tx2"/>
                 </a:solidFill>
               </a:defRPr>
-            </a:lvl2pPr>
-            <a:lvl3pPr eaLnBrk="1" hangingPunct="1">
-              <a:defRPr>
+            </a:lvl6pPr>
+            <a:lvl7pPr marL="2200000" indent="-228600">
+              <a:spcBef>
+                <a:spcPct val="20000"/>
+              </a:spcBef>
+              <a:spcAft>
+                <a:spcPts val="600"/>
+              </a:spcAft>
+              <a:buClr>
+                <a:schemeClr val="accent2"/>
+              </a:buClr>
+              <a:buSzPct val="92000"/>
+              <a:buFont typeface="Wingdings 2" panose="05020102010507070707" pitchFamily="18" charset="2"/>
+              <a:buChar char=""/>
+              <a:defRPr sz="1200">
                 <a:solidFill>
                   <a:schemeClr val="tx2"/>
                 </a:solidFill>
               </a:defRPr>
-            </a:lvl3pPr>
-            <a:lvl4pPr eaLnBrk="1" hangingPunct="1">
-              <a:defRPr>
+            </a:lvl7pPr>
+            <a:lvl8pPr marL="2500000" indent="-228600">
+              <a:spcBef>
+                <a:spcPct val="20000"/>
+              </a:spcBef>
+              <a:spcAft>
+                <a:spcPts val="600"/>
+              </a:spcAft>
+              <a:buClr>
+                <a:schemeClr val="accent2"/>
+              </a:buClr>
+              <a:buSzPct val="92000"/>
+              <a:buFont typeface="Wingdings 2" panose="05020102010507070707" pitchFamily="18" charset="2"/>
+              <a:buChar char=""/>
+              <a:defRPr sz="1200">
                 <a:solidFill>
                   <a:schemeClr val="tx2"/>
                 </a:solidFill>
               </a:defRPr>
-            </a:lvl4pPr>
-            <a:lvl5pPr eaLnBrk="1" hangingPunct="1">
-              <a:defRPr>
-                <a:solidFill>
-                  <a:schemeClr val="tx2"/>
-                </a:solidFill>
-              </a:defRPr>
-            </a:lvl5pPr>
-            <a:lvl6pPr eaLnBrk="1" hangingPunct="1">
-              <a:defRPr>
-                <a:solidFill>
-                  <a:schemeClr val="tx2"/>
-                </a:solidFill>
-              </a:defRPr>
-            </a:lvl6pPr>
-            <a:lvl7pPr eaLnBrk="1" hangingPunct="1">
-              <a:defRPr>
-                <a:solidFill>
-                  <a:schemeClr val="tx2"/>
-                </a:solidFill>
-              </a:defRPr>
-            </a:lvl7pPr>
-            <a:lvl8pPr eaLnBrk="1" hangingPunct="1">
-              <a:defRPr>
-                <a:solidFill>
-                  <a:schemeClr val="tx2"/>
-                </a:solidFill>
-              </a:defRPr>
             </a:lvl8pPr>
-            <a:lvl9pPr eaLnBrk="1" hangingPunct="1">
-              <a:defRPr>
+            <a:lvl9pPr marL="2800000" indent="-228600">
+              <a:spcBef>
+                <a:spcPct val="20000"/>
+              </a:spcBef>
+              <a:spcAft>
+                <a:spcPts val="600"/>
+              </a:spcAft>
+              <a:buClr>
+                <a:schemeClr val="accent2"/>
+              </a:buClr>
+              <a:buSzPct val="92000"/>
+              <a:buFont typeface="Wingdings 2" panose="05020102010507070707" pitchFamily="18" charset="2"/>
+              <a:buChar char=""/>
+              <a:defRPr sz="1200">
                 <a:solidFill>
                   <a:schemeClr val="tx2"/>
                 </a:solidFill>
@@ -4619,52 +5232,429 @@
             </a:lvl9pPr>
           </a:lstStyle>
           <a:p>
-            <a:r>
-              <a:rPr lang="en-US" dirty="0"/>
-              <a:t>Overview of </a:t>
+            <a:endParaRPr lang="en-US" dirty="0"/>
+          </a:p>
+          <a:p>
+            <a:pPr marL="285750" indent="-285750" algn="l">
+              <a:buFont typeface="Wingdings" panose="05000000000000000000" pitchFamily="2" charset="2"/>
+              <a:buChar char="§"/>
+            </a:pPr>
+            <a:r>
+              <a:rPr lang="en-US" dirty="0"/>
+              <a:t>Descriptive analysis (mean, median., </a:t>
             </a:r>
             <a:r>
               <a:rPr lang="en-US" dirty="0" err="1"/>
-              <a:t>Cheatsheets</a:t>
+              <a:t>etc</a:t>
+            </a:r>
+            <a:r>
+              <a:rPr lang="en-US" dirty="0"/>
+              <a:t>)</a:t>
+            </a:r>
+          </a:p>
+          <a:p>
+            <a:pPr marL="285750" indent="-285750" algn="l">
+              <a:buFont typeface="Wingdings" panose="05000000000000000000" pitchFamily="2" charset="2"/>
+              <a:buChar char="§"/>
+            </a:pPr>
+            <a:r>
+              <a:rPr lang="en-US" dirty="0"/>
+              <a:t>Regression analyses (linear, logistic, </a:t>
+            </a:r>
+            <a:r>
+              <a:rPr lang="en-US" dirty="0" err="1"/>
+              <a:t>ect</a:t>
+            </a:r>
+            <a:r>
+              <a:rPr lang="en-US" dirty="0"/>
+              <a:t>)</a:t>
+            </a:r>
+          </a:p>
+          <a:p>
+            <a:pPr marL="285750" indent="-285750" algn="l">
+              <a:buFont typeface="Wingdings" panose="05000000000000000000" pitchFamily="2" charset="2"/>
+              <a:buChar char="§"/>
+            </a:pPr>
+            <a:r>
+              <a:rPr lang="en-US" dirty="0"/>
+              <a:t>Time series analysis (ARIMA, </a:t>
+            </a:r>
+            <a:r>
+              <a:rPr lang="en-US" dirty="0" err="1"/>
+              <a:t>etc</a:t>
+            </a:r>
+            <a:r>
+              <a:rPr lang="en-US" dirty="0"/>
+              <a:t>)</a:t>
+            </a:r>
+          </a:p>
+          <a:p>
+            <a:pPr marL="285750" indent="-285750" algn="l">
+              <a:buFont typeface="Wingdings" panose="05000000000000000000" pitchFamily="2" charset="2"/>
+              <a:buChar char="§"/>
+            </a:pPr>
+            <a:r>
+              <a:rPr lang="en-US" dirty="0"/>
+              <a:t>Multivariate analysis (PCA, factor analysis)</a:t>
+            </a:r>
+          </a:p>
+          <a:p>
+            <a:pPr marL="285750" indent="-285750" algn="l">
+              <a:buFont typeface="Wingdings" panose="05000000000000000000" pitchFamily="2" charset="2"/>
+              <a:buChar char="§"/>
+            </a:pPr>
+            <a:r>
+              <a:rPr lang="en-US" dirty="0">
+                <a:hlinkClick r:id="rId2"/>
+              </a:rPr>
+              <a:t>A handbook of statistical analysis in R</a:t>
             </a:r>
             <a:endParaRPr lang="en-US" dirty="0"/>
           </a:p>
         </p:txBody>
       </p:sp>
-      <p:pic>
-        <p:nvPicPr>
-          <p:cNvPr id="6" name="Picture 5">
+      <p:sp>
+        <p:nvSpPr>
+          <p:cNvPr id="8" name="TextBox 7">
             <a:extLst>
               <a:ext uri="{FF2B5EF4-FFF2-40B4-BE49-F238E27FC236}">
-                <a16:creationId xmlns:a16="http://schemas.microsoft.com/office/drawing/2014/main" id="{FAAE8288-DAA1-8E46-A07E-693A1654BA71}"/>
+                <a16:creationId xmlns:a16="http://schemas.microsoft.com/office/drawing/2014/main" id="{EBBB5179-0B40-9AE5-22CE-E99EBD4AC387}"/>
               </a:ext>
             </a:extLst>
           </p:cNvPr>
-          <p:cNvPicPr>
-            <a:picLocks noChangeAspect="1"/>
-          </p:cNvPicPr>
+          <p:cNvSpPr txBox="1"/>
           <p:nvPr/>
-        </p:nvPicPr>
-        <p:blipFill>
-          <a:blip r:embed="rId2"/>
-          <a:stretch>
-            <a:fillRect/>
-          </a:stretch>
-        </p:blipFill>
-        <p:spPr>
-          <a:xfrm>
-            <a:off x="5361241" y="1664589"/>
-            <a:ext cx="5419725" cy="5010150"/>
+        </p:nvSpPr>
+        <p:spPr>
+          <a:xfrm>
+            <a:off x="6942665" y="1666281"/>
+            <a:ext cx="3810000" cy="369332"/>
           </a:xfrm>
           <a:prstGeom prst="rect">
             <a:avLst/>
           </a:prstGeom>
-        </p:spPr>
-      </p:pic>
+          <a:noFill/>
+        </p:spPr>
+        <p:txBody>
+          <a:bodyPr wrap="square" rtlCol="0">
+            <a:spAutoFit/>
+          </a:bodyPr>
+          <a:lstStyle/>
+          <a:p>
+            <a:r>
+              <a:rPr lang="en-US" dirty="0"/>
+              <a:t>Geospatial Data Analysis</a:t>
+            </a:r>
+          </a:p>
+        </p:txBody>
+      </p:sp>
+      <p:sp>
+        <p:nvSpPr>
+          <p:cNvPr id="14" name="TextBox 13">
+            <a:extLst>
+              <a:ext uri="{FF2B5EF4-FFF2-40B4-BE49-F238E27FC236}">
+                <a16:creationId xmlns:a16="http://schemas.microsoft.com/office/drawing/2014/main" id="{E595609F-EEA2-A807-0BF2-59572CBE4E12}"/>
+              </a:ext>
+            </a:extLst>
+          </p:cNvPr>
+          <p:cNvSpPr txBox="1"/>
+          <p:nvPr/>
+        </p:nvSpPr>
+        <p:spPr>
+          <a:xfrm>
+            <a:off x="1532467" y="1666281"/>
+            <a:ext cx="1921933" cy="369332"/>
+          </a:xfrm>
+          <a:prstGeom prst="rect">
+            <a:avLst/>
+          </a:prstGeom>
+          <a:noFill/>
+        </p:spPr>
+        <p:txBody>
+          <a:bodyPr wrap="square">
+            <a:spAutoFit/>
+          </a:bodyPr>
+          <a:lstStyle/>
+          <a:p>
+            <a:r>
+              <a:rPr lang="en-US" dirty="0"/>
+              <a:t>Statistical Analysis</a:t>
+            </a:r>
+          </a:p>
+        </p:txBody>
+      </p:sp>
+      <p:sp>
+        <p:nvSpPr>
+          <p:cNvPr id="15" name="TextBox 14">
+            <a:extLst>
+              <a:ext uri="{FF2B5EF4-FFF2-40B4-BE49-F238E27FC236}">
+                <a16:creationId xmlns:a16="http://schemas.microsoft.com/office/drawing/2014/main" id="{D97BA49B-23EC-8730-9EB6-3A359BEE2E74}"/>
+              </a:ext>
+            </a:extLst>
+          </p:cNvPr>
+          <p:cNvSpPr txBox="1"/>
+          <p:nvPr/>
+        </p:nvSpPr>
+        <p:spPr>
+          <a:xfrm>
+            <a:off x="6832599" y="2563894"/>
+            <a:ext cx="3522133" cy="1566222"/>
+          </a:xfrm>
+          <a:prstGeom prst="rect">
+            <a:avLst/>
+          </a:prstGeom>
+        </p:spPr>
+        <p:txBody>
+          <a:bodyPr vert="horz" lIns="91440" tIns="45720" rIns="91440" bIns="45720" rtlCol="0" anchor="ctr">
+            <a:normAutofit/>
+          </a:bodyPr>
+          <a:lstStyle>
+            <a:defPPr>
+              <a:defRPr lang="en-US"/>
+            </a:defPPr>
+            <a:lvl1pPr indent="0" algn="ctr">
+              <a:lnSpc>
+                <a:spcPct val="100000"/>
+              </a:lnSpc>
+              <a:spcBef>
+                <a:spcPct val="20000"/>
+              </a:spcBef>
+              <a:spcAft>
+                <a:spcPts val="600"/>
+              </a:spcAft>
+              <a:buClr>
+                <a:schemeClr val="accent1"/>
+              </a:buClr>
+              <a:buSzPct val="92000"/>
+              <a:buFont typeface="Wingdings 2" panose="05020102010507070707" pitchFamily="18" charset="2"/>
+              <a:buNone/>
+              <a:defRPr>
+                <a:solidFill>
+                  <a:schemeClr val="tx1">
+                    <a:lumMod val="75000"/>
+                    <a:lumOff val="25000"/>
+                  </a:schemeClr>
+                </a:solidFill>
+              </a:defRPr>
+            </a:lvl1pPr>
+            <a:lvl2pPr marL="630000" indent="-306000">
+              <a:lnSpc>
+                <a:spcPct val="100000"/>
+              </a:lnSpc>
+              <a:spcBef>
+                <a:spcPct val="20000"/>
+              </a:spcBef>
+              <a:spcAft>
+                <a:spcPts val="600"/>
+              </a:spcAft>
+              <a:buClr>
+                <a:schemeClr val="accent1"/>
+              </a:buClr>
+              <a:buSzPct val="92000"/>
+              <a:buFont typeface="Wingdings 2" panose="05020102010507070707" pitchFamily="18" charset="2"/>
+              <a:buChar char=""/>
+              <a:defRPr sz="1600">
+                <a:solidFill>
+                  <a:schemeClr val="tx1">
+                    <a:lumMod val="75000"/>
+                    <a:lumOff val="25000"/>
+                  </a:schemeClr>
+                </a:solidFill>
+              </a:defRPr>
+            </a:lvl2pPr>
+            <a:lvl3pPr marL="900000" indent="-270000">
+              <a:lnSpc>
+                <a:spcPct val="100000"/>
+              </a:lnSpc>
+              <a:spcBef>
+                <a:spcPct val="20000"/>
+              </a:spcBef>
+              <a:spcAft>
+                <a:spcPts val="600"/>
+              </a:spcAft>
+              <a:buClr>
+                <a:schemeClr val="accent1"/>
+              </a:buClr>
+              <a:buSzPct val="92000"/>
+              <a:buFont typeface="Wingdings 2" panose="05020102010507070707" pitchFamily="18" charset="2"/>
+              <a:buChar char=""/>
+              <a:defRPr sz="1400">
+                <a:solidFill>
+                  <a:schemeClr val="tx1">
+                    <a:lumMod val="75000"/>
+                    <a:lumOff val="25000"/>
+                  </a:schemeClr>
+                </a:solidFill>
+              </a:defRPr>
+            </a:lvl3pPr>
+            <a:lvl4pPr marL="1242000" indent="-234000">
+              <a:lnSpc>
+                <a:spcPct val="100000"/>
+              </a:lnSpc>
+              <a:spcBef>
+                <a:spcPct val="20000"/>
+              </a:spcBef>
+              <a:spcAft>
+                <a:spcPts val="600"/>
+              </a:spcAft>
+              <a:buClr>
+                <a:schemeClr val="accent1"/>
+              </a:buClr>
+              <a:buSzPct val="92000"/>
+              <a:buFont typeface="Wingdings 2" panose="05020102010507070707" pitchFamily="18" charset="2"/>
+              <a:buChar char=""/>
+              <a:defRPr sz="1200">
+                <a:solidFill>
+                  <a:schemeClr val="tx1">
+                    <a:lumMod val="75000"/>
+                    <a:lumOff val="25000"/>
+                  </a:schemeClr>
+                </a:solidFill>
+              </a:defRPr>
+            </a:lvl4pPr>
+            <a:lvl5pPr marL="1602000" indent="-234000">
+              <a:lnSpc>
+                <a:spcPct val="100000"/>
+              </a:lnSpc>
+              <a:spcBef>
+                <a:spcPct val="20000"/>
+              </a:spcBef>
+              <a:spcAft>
+                <a:spcPts val="600"/>
+              </a:spcAft>
+              <a:buClr>
+                <a:schemeClr val="accent1"/>
+              </a:buClr>
+              <a:buSzPct val="92000"/>
+              <a:buFont typeface="Wingdings 2" panose="05020102010507070707" pitchFamily="18" charset="2"/>
+              <a:buChar char=""/>
+              <a:defRPr sz="1200">
+                <a:solidFill>
+                  <a:schemeClr val="tx1">
+                    <a:lumMod val="75000"/>
+                    <a:lumOff val="25000"/>
+                  </a:schemeClr>
+                </a:solidFill>
+              </a:defRPr>
+            </a:lvl5pPr>
+            <a:lvl6pPr marL="1900000" indent="-228600">
+              <a:spcBef>
+                <a:spcPct val="20000"/>
+              </a:spcBef>
+              <a:spcAft>
+                <a:spcPts val="600"/>
+              </a:spcAft>
+              <a:buClr>
+                <a:schemeClr val="accent2"/>
+              </a:buClr>
+              <a:buSzPct val="92000"/>
+              <a:buFont typeface="Wingdings 2" panose="05020102010507070707" pitchFamily="18" charset="2"/>
+              <a:buChar char=""/>
+              <a:defRPr sz="1200">
+                <a:solidFill>
+                  <a:schemeClr val="tx2"/>
+                </a:solidFill>
+              </a:defRPr>
+            </a:lvl6pPr>
+            <a:lvl7pPr marL="2200000" indent="-228600">
+              <a:spcBef>
+                <a:spcPct val="20000"/>
+              </a:spcBef>
+              <a:spcAft>
+                <a:spcPts val="600"/>
+              </a:spcAft>
+              <a:buClr>
+                <a:schemeClr val="accent2"/>
+              </a:buClr>
+              <a:buSzPct val="92000"/>
+              <a:buFont typeface="Wingdings 2" panose="05020102010507070707" pitchFamily="18" charset="2"/>
+              <a:buChar char=""/>
+              <a:defRPr sz="1200">
+                <a:solidFill>
+                  <a:schemeClr val="tx2"/>
+                </a:solidFill>
+              </a:defRPr>
+            </a:lvl7pPr>
+            <a:lvl8pPr marL="2500000" indent="-228600">
+              <a:spcBef>
+                <a:spcPct val="20000"/>
+              </a:spcBef>
+              <a:spcAft>
+                <a:spcPts val="600"/>
+              </a:spcAft>
+              <a:buClr>
+                <a:schemeClr val="accent2"/>
+              </a:buClr>
+              <a:buSzPct val="92000"/>
+              <a:buFont typeface="Wingdings 2" panose="05020102010507070707" pitchFamily="18" charset="2"/>
+              <a:buChar char=""/>
+              <a:defRPr sz="1200">
+                <a:solidFill>
+                  <a:schemeClr val="tx2"/>
+                </a:solidFill>
+              </a:defRPr>
+            </a:lvl8pPr>
+            <a:lvl9pPr marL="2800000" indent="-228600">
+              <a:spcBef>
+                <a:spcPct val="20000"/>
+              </a:spcBef>
+              <a:spcAft>
+                <a:spcPts val="600"/>
+              </a:spcAft>
+              <a:buClr>
+                <a:schemeClr val="accent2"/>
+              </a:buClr>
+              <a:buSzPct val="92000"/>
+              <a:buFont typeface="Wingdings 2" panose="05020102010507070707" pitchFamily="18" charset="2"/>
+              <a:buChar char=""/>
+              <a:defRPr sz="1200">
+                <a:solidFill>
+                  <a:schemeClr val="tx2"/>
+                </a:solidFill>
+              </a:defRPr>
+            </a:lvl9pPr>
+          </a:lstStyle>
+          <a:p>
+            <a:pPr marL="285750" indent="-285750" algn="l">
+              <a:buFont typeface="Wingdings" panose="05000000000000000000" pitchFamily="2" charset="2"/>
+              <a:buChar char="§"/>
+            </a:pPr>
+            <a:r>
+              <a:rPr lang="en-US" dirty="0"/>
+              <a:t>Handle raster and vector data</a:t>
+            </a:r>
+          </a:p>
+          <a:p>
+            <a:pPr marL="285750" indent="-285750" algn="l">
+              <a:buFont typeface="Wingdings" panose="05000000000000000000" pitchFamily="2" charset="2"/>
+              <a:buChar char="§"/>
+            </a:pPr>
+            <a:r>
+              <a:rPr lang="en-US" dirty="0"/>
+              <a:t>Analyze spatial data with sf, </a:t>
+            </a:r>
+            <a:r>
+              <a:rPr lang="en-US" dirty="0" err="1"/>
+              <a:t>sp</a:t>
+            </a:r>
+            <a:r>
+              <a:rPr lang="en-US" dirty="0"/>
+              <a:t> or raster</a:t>
+            </a:r>
+          </a:p>
+          <a:p>
+            <a:pPr marL="285750" indent="-285750">
+              <a:buFont typeface="Wingdings" panose="05000000000000000000" pitchFamily="2" charset="2"/>
+              <a:buChar char="§"/>
+            </a:pPr>
+            <a:endParaRPr lang="en-US" dirty="0"/>
+          </a:p>
+        </p:txBody>
+      </p:sp>
     </p:spTree>
     <p:extLst>
       <p:ext uri="{BB962C8B-B14F-4D97-AF65-F5344CB8AC3E}">
-        <p14:creationId xmlns:p14="http://schemas.microsoft.com/office/powerpoint/2010/main" val="1066013998"/>
+        <p14:creationId xmlns:p14="http://schemas.microsoft.com/office/powerpoint/2010/main" val="2712390012"/>
       </p:ext>
     </p:extLst>
   </p:cSld>
@@ -4679,13 +5669,7 @@
   <p:cSld>
     <p:spTree>
       <p:nvGrpSpPr>
-        <p:cNvPr id="1" name="">
-          <a:extLst>
-            <a:ext uri="{FF2B5EF4-FFF2-40B4-BE49-F238E27FC236}">
-              <a16:creationId xmlns:a16="http://schemas.microsoft.com/office/drawing/2014/main" id="{B5682076-A12C-1B41-2541-84F0EE3E9EC4}"/>
-            </a:ext>
-          </a:extLst>
-        </p:cNvPr>
+        <p:cNvPr id="1" name=""/>
         <p:cNvGrpSpPr/>
         <p:nvPr/>
       </p:nvGrpSpPr>
@@ -4699,10 +5683,10 @@
       </p:grpSpPr>
       <p:sp>
         <p:nvSpPr>
-          <p:cNvPr id="3" name="Content Placeholder 2">
+          <p:cNvPr id="2" name="Title 1">
             <a:extLst>
               <a:ext uri="{FF2B5EF4-FFF2-40B4-BE49-F238E27FC236}">
-                <a16:creationId xmlns:a16="http://schemas.microsoft.com/office/drawing/2014/main" id="{0608D9EA-F9FC-AC7F-95D7-A23A7A6D4FD7}"/>
+                <a16:creationId xmlns:a16="http://schemas.microsoft.com/office/drawing/2014/main" id="{08E5C2BE-4B03-D4E6-DFE7-810B47CD22B5}"/>
               </a:ext>
             </a:extLst>
           </p:cNvPr>
@@ -4710,224 +5694,125 @@
             <a:spLocks noGrp="1"/>
           </p:cNvSpPr>
           <p:nvPr>
-            <p:ph idx="1"/>
-          </p:nvPr>
-        </p:nvSpPr>
-        <p:spPr>
-          <a:xfrm>
-            <a:off x="580857" y="1399032"/>
-            <a:ext cx="11029615" cy="2880868"/>
-          </a:xfrm>
-        </p:spPr>
-        <p:txBody>
-          <a:bodyPr>
-            <a:normAutofit/>
-          </a:bodyPr>
+            <p:ph type="title"/>
+          </p:nvPr>
+        </p:nvSpPr>
+        <p:spPr>
+          <a:xfrm>
+            <a:off x="581192" y="702156"/>
+            <a:ext cx="11029616" cy="542444"/>
+          </a:xfrm>
+        </p:spPr>
+        <p:txBody>
+          <a:bodyPr/>
           <a:lstStyle/>
           <a:p>
             <a:r>
               <a:rPr lang="en-US" dirty="0"/>
-              <a:t>.</a:t>
-            </a:r>
-            <a:r>
-              <a:rPr lang="en-US" dirty="0" err="1"/>
-              <a:t>RData</a:t>
-            </a:r>
-            <a:endParaRPr lang="en-US" dirty="0"/>
-          </a:p>
-          <a:p>
-            <a:pPr lvl="1"/>
-            <a:r>
-              <a:rPr lang="en-US" dirty="0"/>
-              <a:t>Save your workspace, including variables, data frames, lists, and other objects</a:t>
-            </a:r>
-          </a:p>
-          <a:p>
-            <a:r>
-              <a:rPr lang="en-US" dirty="0"/>
-              <a:t>Cons</a:t>
-            </a:r>
-          </a:p>
-          <a:p>
-            <a:pPr lvl="1"/>
-            <a:r>
-              <a:rPr lang="en-US" dirty="0"/>
-              <a:t>Causing confusions especially when we share code with others and assume they have this .</a:t>
-            </a:r>
-            <a:r>
-              <a:rPr lang="en-US" dirty="0" err="1"/>
-              <a:t>Rdata</a:t>
-            </a:r>
-            <a:r>
-              <a:rPr lang="en-US" dirty="0"/>
-              <a:t> file</a:t>
-            </a:r>
-          </a:p>
-          <a:p>
-            <a:r>
-              <a:rPr lang="en-US" dirty="0"/>
-              <a:t>Tools – Global Options</a:t>
-            </a:r>
-          </a:p>
-          <a:p>
-            <a:pPr lvl="1"/>
-            <a:r>
-              <a:rPr lang="en-US" dirty="0"/>
-              <a:t>Change the setting as below</a:t>
-            </a:r>
-          </a:p>
-          <a:p>
-            <a:endParaRPr lang="en-US" dirty="0"/>
-          </a:p>
-        </p:txBody>
-      </p:sp>
-      <p:sp>
-        <p:nvSpPr>
-          <p:cNvPr id="4" name="Title 1">
+              <a:t>R - Introduction</a:t>
+            </a:r>
+          </a:p>
+        </p:txBody>
+      </p:sp>
+      <p:sp>
+        <p:nvSpPr>
+          <p:cNvPr id="4" name="Content Placeholder 3">
             <a:extLst>
               <a:ext uri="{FF2B5EF4-FFF2-40B4-BE49-F238E27FC236}">
-                <a16:creationId xmlns:a16="http://schemas.microsoft.com/office/drawing/2014/main" id="{5BB15C3E-72D3-F3E2-57B4-56FC25D4CB15}"/>
+                <a16:creationId xmlns:a16="http://schemas.microsoft.com/office/drawing/2014/main" id="{618C42D4-80EE-B95F-F8EC-712863166656}"/>
               </a:ext>
             </a:extLst>
           </p:cNvPr>
           <p:cNvSpPr txBox="1">
-            <a:spLocks/>
-          </p:cNvSpPr>
-          <p:nvPr/>
-        </p:nvSpPr>
-        <p:spPr>
-          <a:xfrm>
-            <a:off x="581025" y="701675"/>
-            <a:ext cx="11029950" cy="501483"/>
+            <a:spLocks noGrp="1"/>
+          </p:cNvSpPr>
+          <p:nvPr>
+            <p:ph idx="1"/>
+          </p:nvPr>
+        </p:nvSpPr>
+        <p:spPr>
+          <a:xfrm>
+            <a:off x="1537925" y="1474868"/>
+            <a:ext cx="8105775" cy="2416046"/>
           </a:xfrm>
           <a:prstGeom prst="rect">
             <a:avLst/>
           </a:prstGeom>
         </p:spPr>
         <p:txBody>
-          <a:bodyPr vert="horz" lIns="91440" tIns="45720" rIns="91440" bIns="45720" rtlCol="0" anchor="b">
-            <a:normAutofit fontScale="97500" lnSpcReduction="10000"/>
+          <a:bodyPr vert="horz" lIns="91440" tIns="45720" rIns="91440" bIns="45720" rtlCol="0" anchor="ctr">
+            <a:normAutofit lnSpcReduction="10000"/>
           </a:bodyPr>
-          <a:lstStyle>
-            <a:lvl1pPr algn="l" defTabSz="457200" rtl="0" eaLnBrk="1" latinLnBrk="0" hangingPunct="1">
-              <a:lnSpc>
-                <a:spcPct val="100000"/>
-              </a:lnSpc>
-              <a:spcBef>
-                <a:spcPct val="0"/>
-              </a:spcBef>
+          <a:lstStyle/>
+          <a:p>
+            <a:pPr marL="0" indent="0" algn="ctr">
               <a:buNone/>
-              <a:defRPr sz="2800" b="0" kern="1200" cap="all">
-                <a:solidFill>
-                  <a:schemeClr val="tx1">
-                    <a:lumMod val="75000"/>
-                    <a:lumOff val="25000"/>
-                  </a:schemeClr>
-                </a:solidFill>
-                <a:latin typeface="+mj-lt"/>
-                <a:ea typeface="+mj-ea"/>
-                <a:cs typeface="+mj-cs"/>
-              </a:defRPr>
-            </a:lvl1pPr>
-            <a:lvl2pPr eaLnBrk="1" hangingPunct="1">
-              <a:defRPr>
-                <a:solidFill>
-                  <a:schemeClr val="tx2"/>
-                </a:solidFill>
-              </a:defRPr>
-            </a:lvl2pPr>
-            <a:lvl3pPr eaLnBrk="1" hangingPunct="1">
-              <a:defRPr>
-                <a:solidFill>
-                  <a:schemeClr val="tx2"/>
-                </a:solidFill>
-              </a:defRPr>
-            </a:lvl3pPr>
-            <a:lvl4pPr eaLnBrk="1" hangingPunct="1">
-              <a:defRPr>
-                <a:solidFill>
-                  <a:schemeClr val="tx2"/>
-                </a:solidFill>
-              </a:defRPr>
-            </a:lvl4pPr>
-            <a:lvl5pPr eaLnBrk="1" hangingPunct="1">
-              <a:defRPr>
-                <a:solidFill>
-                  <a:schemeClr val="tx2"/>
-                </a:solidFill>
-              </a:defRPr>
-            </a:lvl5pPr>
-            <a:lvl6pPr eaLnBrk="1" hangingPunct="1">
-              <a:defRPr>
-                <a:solidFill>
-                  <a:schemeClr val="tx2"/>
-                </a:solidFill>
-              </a:defRPr>
-            </a:lvl6pPr>
-            <a:lvl7pPr eaLnBrk="1" hangingPunct="1">
-              <a:defRPr>
-                <a:solidFill>
-                  <a:schemeClr val="tx2"/>
-                </a:solidFill>
-              </a:defRPr>
-            </a:lvl7pPr>
-            <a:lvl8pPr eaLnBrk="1" hangingPunct="1">
-              <a:defRPr>
-                <a:solidFill>
-                  <a:schemeClr val="tx2"/>
-                </a:solidFill>
-              </a:defRPr>
-            </a:lvl8pPr>
-            <a:lvl9pPr eaLnBrk="1" hangingPunct="1">
-              <a:defRPr>
-                <a:solidFill>
-                  <a:schemeClr val="tx2"/>
-                </a:solidFill>
-              </a:defRPr>
-            </a:lvl9pPr>
-          </a:lstStyle>
-          <a:p>
-            <a:r>
-              <a:rPr lang="en-US" dirty="0"/>
-              <a:t>Global setting</a:t>
-            </a:r>
-          </a:p>
-        </p:txBody>
-      </p:sp>
-      <p:pic>
-        <p:nvPicPr>
-          <p:cNvPr id="5" name="Picture 4">
-            <a:extLst>
-              <a:ext uri="{FF2B5EF4-FFF2-40B4-BE49-F238E27FC236}">
-                <a16:creationId xmlns:a16="http://schemas.microsoft.com/office/drawing/2014/main" id="{F21943A9-EA78-62BF-C652-CF0A2A410416}"/>
-              </a:ext>
-            </a:extLst>
-          </p:cNvPr>
-          <p:cNvPicPr>
-            <a:picLocks noChangeAspect="1"/>
-          </p:cNvPicPr>
-          <p:nvPr/>
-        </p:nvPicPr>
-        <p:blipFill>
-          <a:blip r:embed="rId2"/>
-          <a:stretch>
-            <a:fillRect/>
-          </a:stretch>
-        </p:blipFill>
-        <p:spPr>
-          <a:xfrm>
-            <a:off x="3314699" y="4514683"/>
-            <a:ext cx="4898571" cy="1428750"/>
-          </a:xfrm>
-          <a:prstGeom prst="rect">
-            <a:avLst/>
-          </a:prstGeom>
-        </p:spPr>
-      </p:pic>
+            </a:pPr>
+            <a:r>
+              <a:rPr lang="en-US" sz="2400" dirty="0"/>
+              <a:t>Machine Learning</a:t>
+            </a:r>
+          </a:p>
+          <a:p>
+            <a:pPr marL="0" indent="0" algn="ctr">
+              <a:buNone/>
+            </a:pPr>
+            <a:endParaRPr lang="en-US" dirty="0"/>
+          </a:p>
+          <a:p>
+            <a:pPr>
+              <a:buFont typeface="Wingdings" panose="05000000000000000000" pitchFamily="2" charset="2"/>
+              <a:buChar char="§"/>
+            </a:pPr>
+            <a:r>
+              <a:rPr lang="en-US" dirty="0"/>
+              <a:t>Implement supervised learning (classification, regression).</a:t>
+            </a:r>
+          </a:p>
+          <a:p>
+            <a:pPr>
+              <a:buFont typeface="Wingdings" panose="05000000000000000000" pitchFamily="2" charset="2"/>
+              <a:buChar char="§"/>
+            </a:pPr>
+            <a:r>
+              <a:rPr lang="en-US" dirty="0"/>
+              <a:t>Apply unsupervised learning (clustering, dimensionality reduction).</a:t>
+            </a:r>
+          </a:p>
+          <a:p>
+            <a:pPr>
+              <a:buFont typeface="Wingdings" panose="05000000000000000000" pitchFamily="2" charset="2"/>
+              <a:buChar char="§"/>
+            </a:pPr>
+            <a:r>
+              <a:rPr lang="en-US" dirty="0"/>
+              <a:t>Perform deep learning with packages like </a:t>
+            </a:r>
+            <a:r>
+              <a:rPr lang="en-US" dirty="0" err="1"/>
+              <a:t>keras</a:t>
+            </a:r>
+            <a:r>
+              <a:rPr lang="en-US" dirty="0"/>
+              <a:t> or torch.</a:t>
+            </a:r>
+          </a:p>
+          <a:p>
+            <a:pPr>
+              <a:buFont typeface="Wingdings" panose="05000000000000000000" pitchFamily="2" charset="2"/>
+              <a:buChar char="§"/>
+            </a:pPr>
+            <a:r>
+              <a:rPr lang="en-US" dirty="0"/>
+              <a:t>Evaluate models using cross-validation and other metrics.</a:t>
+            </a:r>
+          </a:p>
+        </p:txBody>
+      </p:sp>
     </p:spTree>
     <p:extLst>
       <p:ext uri="{BB962C8B-B14F-4D97-AF65-F5344CB8AC3E}">
-        <p14:creationId xmlns:p14="http://schemas.microsoft.com/office/powerpoint/2010/main" val="11044047"/>
+        <p14:creationId xmlns:p14="http://schemas.microsoft.com/office/powerpoint/2010/main" val="478509582"/>
       </p:ext>
     </p:extLst>
   </p:cSld>
@@ -4959,7 +5844,7 @@
           <p:cNvPr id="2" name="Title 1">
             <a:extLst>
               <a:ext uri="{FF2B5EF4-FFF2-40B4-BE49-F238E27FC236}">
-                <a16:creationId xmlns:a16="http://schemas.microsoft.com/office/drawing/2014/main" id="{50D2A139-2790-9F36-8039-3093833807CA}"/>
+                <a16:creationId xmlns:a16="http://schemas.microsoft.com/office/drawing/2014/main" id="{A6A84645-B522-99BF-18B8-9B3461D1AF2F}"/>
               </a:ext>
             </a:extLst>
           </p:cNvPr>
@@ -4973,7 +5858,7 @@
         <p:spPr>
           <a:xfrm>
             <a:off x="581192" y="702156"/>
-            <a:ext cx="11029616" cy="539503"/>
+            <a:ext cx="11029616" cy="593244"/>
           </a:xfrm>
         </p:spPr>
         <p:txBody>
@@ -4981,8 +5866,12 @@
           <a:lstStyle/>
           <a:p>
             <a:r>
-              <a:rPr lang="en-US" dirty="0"/>
-              <a:t>Working directory</a:t>
+              <a:rPr lang="en-US" dirty="0" err="1"/>
+              <a:t>Rstudio</a:t>
+            </a:r>
+            <a:r>
+              <a:rPr lang="en-US" dirty="0"/>
+              <a:t> – Introduction</a:t>
             </a:r>
           </a:p>
         </p:txBody>
@@ -4992,7 +5881,7 @@
           <p:cNvPr id="3" name="Content Placeholder 2">
             <a:extLst>
               <a:ext uri="{FF2B5EF4-FFF2-40B4-BE49-F238E27FC236}">
-                <a16:creationId xmlns:a16="http://schemas.microsoft.com/office/drawing/2014/main" id="{670E37AD-2FD4-FD3C-3528-762DC00DBCD7}"/>
+                <a16:creationId xmlns:a16="http://schemas.microsoft.com/office/drawing/2014/main" id="{8471809F-C3C0-E273-A913-956504C5CFA4}"/>
               </a:ext>
             </a:extLst>
           </p:cNvPr>
@@ -5005,127 +5894,27 @@
         </p:nvSpPr>
         <p:spPr>
           <a:xfrm>
-            <a:off x="581192" y="1241659"/>
-            <a:ext cx="11029615" cy="3939941"/>
-          </a:xfrm>
-        </p:spPr>
-        <p:txBody>
-          <a:bodyPr>
-            <a:normAutofit fontScale="92500" lnSpcReduction="20000"/>
-          </a:bodyPr>
+            <a:off x="581193" y="1472184"/>
+            <a:ext cx="11029615" cy="493776"/>
+          </a:xfrm>
+        </p:spPr>
+        <p:txBody>
+          <a:bodyPr/>
           <a:lstStyle/>
           <a:p>
             <a:r>
               <a:rPr lang="en-US" dirty="0"/>
-              <a:t>Get working directory where your scripts and workspaces are stored</a:t>
-            </a:r>
-          </a:p>
-          <a:p>
-            <a:pPr lvl="1"/>
-            <a:r>
-              <a:rPr lang="en-US" b="1" dirty="0" err="1"/>
-              <a:t>getwd</a:t>
-            </a:r>
-            <a:r>
-              <a:rPr lang="en-US" b="1" dirty="0"/>
-              <a:t>()</a:t>
-            </a:r>
-          </a:p>
-          <a:p>
-            <a:pPr lvl="1"/>
-            <a:r>
-              <a:rPr lang="en-US" dirty="0"/>
-              <a:t>Run this command: </a:t>
-            </a:r>
-          </a:p>
-          <a:p>
-            <a:pPr lvl="2"/>
-            <a:r>
-              <a:rPr lang="en-US" dirty="0"/>
-              <a:t>Ctrl + Enter</a:t>
-            </a:r>
-          </a:p>
-          <a:p>
-            <a:pPr lvl="2"/>
-            <a:r>
-              <a:rPr lang="en-US" dirty="0"/>
-              <a:t>Or Run in R</a:t>
-            </a:r>
-          </a:p>
-          <a:p>
-            <a:pPr lvl="1"/>
-            <a:r>
-              <a:rPr lang="en-US" dirty="0"/>
-              <a:t>The returning strings, </a:t>
-            </a:r>
-            <a:r>
-              <a:rPr lang="en-US" dirty="0" err="1"/>
-              <a:t>e.g.,"C</a:t>
-            </a:r>
-            <a:r>
-              <a:rPr lang="en-US" dirty="0"/>
-              <a:t>:/Users/yy00021/Documents“ is the path to the working directory</a:t>
-            </a:r>
-          </a:p>
-          <a:p>
-            <a:pPr lvl="1"/>
-            <a:r>
-              <a:rPr lang="en-US" dirty="0"/>
-              <a:t>The windows convention uses slash \ to separate sub-directories</a:t>
-            </a:r>
-          </a:p>
-          <a:p>
-            <a:pPr lvl="1"/>
-            <a:r>
-              <a:rPr lang="en-US" dirty="0"/>
-              <a:t>However, R uses forward slash / or a double backward slash \\</a:t>
-            </a:r>
-          </a:p>
-          <a:p>
-            <a:r>
-              <a:rPr lang="en-US" dirty="0"/>
-              <a:t>Change working directory</a:t>
-            </a:r>
-          </a:p>
-          <a:p>
-            <a:pPr lvl="1"/>
-            <a:r>
-              <a:rPr lang="en-US" dirty="0"/>
-              <a:t>I suggest you to setup a specific directory for this course</a:t>
-            </a:r>
-          </a:p>
-          <a:p>
-            <a:pPr lvl="1"/>
-            <a:r>
-              <a:rPr lang="en-US" b="1" dirty="0" err="1"/>
-              <a:t>setwd</a:t>
-            </a:r>
-            <a:r>
-              <a:rPr lang="en-US" b="1" dirty="0"/>
-              <a:t>('D:\\Spring2025\\geog247’)</a:t>
-            </a:r>
-          </a:p>
-          <a:p>
-            <a:pPr lvl="1"/>
-            <a:r>
-              <a:rPr lang="en-US" dirty="0"/>
-              <a:t>Now check your working directory again</a:t>
-            </a:r>
-          </a:p>
-          <a:p>
-            <a:pPr marL="0" indent="0">
-              <a:buNone/>
-            </a:pPr>
-            <a:endParaRPr lang="en-US" dirty="0"/>
+              <a:t>Open-source IDE (integrated development environment)</a:t>
+            </a:r>
           </a:p>
         </p:txBody>
       </p:sp>
       <p:pic>
         <p:nvPicPr>
-          <p:cNvPr id="6" name="Picture 5">
+          <p:cNvPr id="5" name="Picture 4">
             <a:extLst>
               <a:ext uri="{FF2B5EF4-FFF2-40B4-BE49-F238E27FC236}">
-                <a16:creationId xmlns:a16="http://schemas.microsoft.com/office/drawing/2014/main" id="{1572028A-EB70-4189-9D53-F23CB4815738}"/>
+                <a16:creationId xmlns:a16="http://schemas.microsoft.com/office/drawing/2014/main" id="{CC57D226-0A4A-A70E-48C6-7FDABA8D0F1C}"/>
               </a:ext>
             </a:extLst>
           </p:cNvPr>
@@ -5142,18 +5931,283 @@
         </p:blipFill>
         <p:spPr>
           <a:xfrm>
-            <a:off x="3709986" y="5279136"/>
-            <a:ext cx="5838825" cy="1190625"/>
+            <a:off x="903110" y="2055504"/>
+            <a:ext cx="2407980" cy="904330"/>
           </a:xfrm>
           <a:prstGeom prst="rect">
             <a:avLst/>
           </a:prstGeom>
         </p:spPr>
       </p:pic>
+      <p:sp>
+        <p:nvSpPr>
+          <p:cNvPr id="6" name="Content Placeholder 2">
+            <a:extLst>
+              <a:ext uri="{FF2B5EF4-FFF2-40B4-BE49-F238E27FC236}">
+                <a16:creationId xmlns:a16="http://schemas.microsoft.com/office/drawing/2014/main" id="{7A24E3FF-D473-5C86-1B24-5F300A00D611}"/>
+              </a:ext>
+            </a:extLst>
+          </p:cNvPr>
+          <p:cNvSpPr txBox="1">
+            <a:spLocks/>
+          </p:cNvSpPr>
+          <p:nvPr/>
+        </p:nvSpPr>
+        <p:spPr>
+          <a:xfrm>
+            <a:off x="581193" y="3182112"/>
+            <a:ext cx="11029615" cy="493776"/>
+          </a:xfrm>
+          <a:prstGeom prst="rect">
+            <a:avLst/>
+          </a:prstGeom>
+        </p:spPr>
+        <p:txBody>
+          <a:bodyPr vert="horz" lIns="91440" tIns="45720" rIns="91440" bIns="45720" rtlCol="0" anchor="ctr">
+            <a:normAutofit/>
+          </a:bodyPr>
+          <a:lstStyle>
+            <a:lvl1pPr marL="306000" indent="-306000" algn="l" defTabSz="457200" rtl="0" eaLnBrk="1" latinLnBrk="0" hangingPunct="1">
+              <a:lnSpc>
+                <a:spcPct val="100000"/>
+              </a:lnSpc>
+              <a:spcBef>
+                <a:spcPct val="20000"/>
+              </a:spcBef>
+              <a:spcAft>
+                <a:spcPts val="600"/>
+              </a:spcAft>
+              <a:buClr>
+                <a:schemeClr val="accent1"/>
+              </a:buClr>
+              <a:buSzPct val="92000"/>
+              <a:buFont typeface="Wingdings 2" panose="05020102010507070707" pitchFamily="18" charset="2"/>
+              <a:buChar char=""/>
+              <a:defRPr sz="1800" kern="1200">
+                <a:solidFill>
+                  <a:schemeClr val="tx1">
+                    <a:lumMod val="75000"/>
+                    <a:lumOff val="25000"/>
+                  </a:schemeClr>
+                </a:solidFill>
+                <a:latin typeface="+mn-lt"/>
+                <a:ea typeface="+mn-ea"/>
+                <a:cs typeface="+mn-cs"/>
+              </a:defRPr>
+            </a:lvl1pPr>
+            <a:lvl2pPr marL="630000" indent="-306000" algn="l" defTabSz="457200" rtl="0" eaLnBrk="1" latinLnBrk="0" hangingPunct="1">
+              <a:lnSpc>
+                <a:spcPct val="100000"/>
+              </a:lnSpc>
+              <a:spcBef>
+                <a:spcPct val="20000"/>
+              </a:spcBef>
+              <a:spcAft>
+                <a:spcPts val="600"/>
+              </a:spcAft>
+              <a:buClr>
+                <a:schemeClr val="accent1"/>
+              </a:buClr>
+              <a:buSzPct val="92000"/>
+              <a:buFont typeface="Wingdings 2" panose="05020102010507070707" pitchFamily="18" charset="2"/>
+              <a:buChar char=""/>
+              <a:defRPr sz="1600" kern="1200">
+                <a:solidFill>
+                  <a:schemeClr val="tx1">
+                    <a:lumMod val="75000"/>
+                    <a:lumOff val="25000"/>
+                  </a:schemeClr>
+                </a:solidFill>
+                <a:latin typeface="+mn-lt"/>
+                <a:ea typeface="+mn-ea"/>
+                <a:cs typeface="+mn-cs"/>
+              </a:defRPr>
+            </a:lvl2pPr>
+            <a:lvl3pPr marL="900000" indent="-270000" algn="l" defTabSz="457200" rtl="0" eaLnBrk="1" latinLnBrk="0" hangingPunct="1">
+              <a:lnSpc>
+                <a:spcPct val="100000"/>
+              </a:lnSpc>
+              <a:spcBef>
+                <a:spcPct val="20000"/>
+              </a:spcBef>
+              <a:spcAft>
+                <a:spcPts val="600"/>
+              </a:spcAft>
+              <a:buClr>
+                <a:schemeClr val="accent1"/>
+              </a:buClr>
+              <a:buSzPct val="92000"/>
+              <a:buFont typeface="Wingdings 2" panose="05020102010507070707" pitchFamily="18" charset="2"/>
+              <a:buChar char=""/>
+              <a:defRPr sz="1400" kern="1200">
+                <a:solidFill>
+                  <a:schemeClr val="tx1">
+                    <a:lumMod val="75000"/>
+                    <a:lumOff val="25000"/>
+                  </a:schemeClr>
+                </a:solidFill>
+                <a:latin typeface="+mn-lt"/>
+                <a:ea typeface="+mn-ea"/>
+                <a:cs typeface="+mn-cs"/>
+              </a:defRPr>
+            </a:lvl3pPr>
+            <a:lvl4pPr marL="1242000" indent="-234000" algn="l" defTabSz="457200" rtl="0" eaLnBrk="1" latinLnBrk="0" hangingPunct="1">
+              <a:lnSpc>
+                <a:spcPct val="100000"/>
+              </a:lnSpc>
+              <a:spcBef>
+                <a:spcPct val="20000"/>
+              </a:spcBef>
+              <a:spcAft>
+                <a:spcPts val="600"/>
+              </a:spcAft>
+              <a:buClr>
+                <a:schemeClr val="accent1"/>
+              </a:buClr>
+              <a:buSzPct val="92000"/>
+              <a:buFont typeface="Wingdings 2" panose="05020102010507070707" pitchFamily="18" charset="2"/>
+              <a:buChar char=""/>
+              <a:defRPr sz="1200" kern="1200">
+                <a:solidFill>
+                  <a:schemeClr val="tx1">
+                    <a:lumMod val="75000"/>
+                    <a:lumOff val="25000"/>
+                  </a:schemeClr>
+                </a:solidFill>
+                <a:latin typeface="+mn-lt"/>
+                <a:ea typeface="+mn-ea"/>
+                <a:cs typeface="+mn-cs"/>
+              </a:defRPr>
+            </a:lvl4pPr>
+            <a:lvl5pPr marL="1602000" indent="-234000" algn="l" defTabSz="457200" rtl="0" eaLnBrk="1" latinLnBrk="0" hangingPunct="1">
+              <a:lnSpc>
+                <a:spcPct val="100000"/>
+              </a:lnSpc>
+              <a:spcBef>
+                <a:spcPct val="20000"/>
+              </a:spcBef>
+              <a:spcAft>
+                <a:spcPts val="600"/>
+              </a:spcAft>
+              <a:buClr>
+                <a:schemeClr val="accent1"/>
+              </a:buClr>
+              <a:buSzPct val="92000"/>
+              <a:buFont typeface="Wingdings 2" panose="05020102010507070707" pitchFamily="18" charset="2"/>
+              <a:buChar char=""/>
+              <a:defRPr sz="1200" kern="1200">
+                <a:solidFill>
+                  <a:schemeClr val="tx1">
+                    <a:lumMod val="75000"/>
+                    <a:lumOff val="25000"/>
+                  </a:schemeClr>
+                </a:solidFill>
+                <a:latin typeface="+mn-lt"/>
+                <a:ea typeface="+mn-ea"/>
+                <a:cs typeface="+mn-cs"/>
+              </a:defRPr>
+            </a:lvl5pPr>
+            <a:lvl6pPr marL="1900000" indent="-228600" algn="l" defTabSz="457200" rtl="0" eaLnBrk="1" latinLnBrk="0" hangingPunct="1">
+              <a:spcBef>
+                <a:spcPct val="20000"/>
+              </a:spcBef>
+              <a:spcAft>
+                <a:spcPts val="600"/>
+              </a:spcAft>
+              <a:buClr>
+                <a:schemeClr val="accent2"/>
+              </a:buClr>
+              <a:buSzPct val="92000"/>
+              <a:buFont typeface="Wingdings 2" panose="05020102010507070707" pitchFamily="18" charset="2"/>
+              <a:buChar char=""/>
+              <a:defRPr sz="1200" kern="1200">
+                <a:solidFill>
+                  <a:schemeClr val="tx2"/>
+                </a:solidFill>
+                <a:latin typeface="+mn-lt"/>
+                <a:ea typeface="+mn-ea"/>
+                <a:cs typeface="+mn-cs"/>
+              </a:defRPr>
+            </a:lvl6pPr>
+            <a:lvl7pPr marL="2200000" indent="-228600" algn="l" defTabSz="457200" rtl="0" eaLnBrk="1" latinLnBrk="0" hangingPunct="1">
+              <a:spcBef>
+                <a:spcPct val="20000"/>
+              </a:spcBef>
+              <a:spcAft>
+                <a:spcPts val="600"/>
+              </a:spcAft>
+              <a:buClr>
+                <a:schemeClr val="accent2"/>
+              </a:buClr>
+              <a:buSzPct val="92000"/>
+              <a:buFont typeface="Wingdings 2" panose="05020102010507070707" pitchFamily="18" charset="2"/>
+              <a:buChar char=""/>
+              <a:defRPr sz="1200" kern="1200">
+                <a:solidFill>
+                  <a:schemeClr val="tx2"/>
+                </a:solidFill>
+                <a:latin typeface="+mn-lt"/>
+                <a:ea typeface="+mn-ea"/>
+                <a:cs typeface="+mn-cs"/>
+              </a:defRPr>
+            </a:lvl7pPr>
+            <a:lvl8pPr marL="2500000" indent="-228600" algn="l" defTabSz="457200" rtl="0" eaLnBrk="1" latinLnBrk="0" hangingPunct="1">
+              <a:spcBef>
+                <a:spcPct val="20000"/>
+              </a:spcBef>
+              <a:spcAft>
+                <a:spcPts val="600"/>
+              </a:spcAft>
+              <a:buClr>
+                <a:schemeClr val="accent2"/>
+              </a:buClr>
+              <a:buSzPct val="92000"/>
+              <a:buFont typeface="Wingdings 2" panose="05020102010507070707" pitchFamily="18" charset="2"/>
+              <a:buChar char=""/>
+              <a:defRPr sz="1200" kern="1200">
+                <a:solidFill>
+                  <a:schemeClr val="tx2"/>
+                </a:solidFill>
+                <a:latin typeface="+mn-lt"/>
+                <a:ea typeface="+mn-ea"/>
+                <a:cs typeface="+mn-cs"/>
+              </a:defRPr>
+            </a:lvl8pPr>
+            <a:lvl9pPr marL="2800000" indent="-228600" algn="l" defTabSz="457200" rtl="0" eaLnBrk="1" latinLnBrk="0" hangingPunct="1">
+              <a:spcBef>
+                <a:spcPct val="20000"/>
+              </a:spcBef>
+              <a:spcAft>
+                <a:spcPts val="600"/>
+              </a:spcAft>
+              <a:buClr>
+                <a:schemeClr val="accent2"/>
+              </a:buClr>
+              <a:buSzPct val="92000"/>
+              <a:buFont typeface="Wingdings 2" panose="05020102010507070707" pitchFamily="18" charset="2"/>
+              <a:buChar char=""/>
+              <a:defRPr sz="1200" kern="1200">
+                <a:solidFill>
+                  <a:schemeClr val="tx2"/>
+                </a:solidFill>
+                <a:latin typeface="+mn-lt"/>
+                <a:ea typeface="+mn-ea"/>
+                <a:cs typeface="+mn-cs"/>
+              </a:defRPr>
+            </a:lvl9pPr>
+          </a:lstStyle>
+          <a:p>
+            <a:r>
+              <a:rPr lang="en-US" dirty="0"/>
+              <a:t>Open-source IDE (integrated development environment)</a:t>
+            </a:r>
+          </a:p>
+        </p:txBody>
+      </p:sp>
     </p:spTree>
     <p:extLst>
       <p:ext uri="{BB962C8B-B14F-4D97-AF65-F5344CB8AC3E}">
-        <p14:creationId xmlns:p14="http://schemas.microsoft.com/office/powerpoint/2010/main" val="4014460686"/>
+        <p14:creationId xmlns:p14="http://schemas.microsoft.com/office/powerpoint/2010/main" val="630793298"/>
       </p:ext>
     </p:extLst>
   </p:cSld>
@@ -5168,7 +6222,13 @@
   <p:cSld>
     <p:spTree>
       <p:nvGrpSpPr>
-        <p:cNvPr id="1" name=""/>
+        <p:cNvPr id="1" name="">
+          <a:extLst>
+            <a:ext uri="{FF2B5EF4-FFF2-40B4-BE49-F238E27FC236}">
+              <a16:creationId xmlns:a16="http://schemas.microsoft.com/office/drawing/2014/main" id="{5AE1A827-5F7B-1C9B-DFDA-1A7B41DDD160}"/>
+            </a:ext>
+          </a:extLst>
+        </p:cNvPr>
         <p:cNvGrpSpPr/>
         <p:nvPr/>
       </p:nvGrpSpPr>
@@ -5180,84 +6240,12 @@
           <a:chExt cx="0" cy="0"/>
         </a:xfrm>
       </p:grpSpPr>
-      <p:sp>
-        <p:nvSpPr>
-          <p:cNvPr id="2" name="Title 1">
+      <p:pic>
+        <p:nvPicPr>
+          <p:cNvPr id="4" name="Picture 3" descr="A colorful background with waves&#10;&#10;Description automatically generated with medium confidence">
             <a:extLst>
               <a:ext uri="{FF2B5EF4-FFF2-40B4-BE49-F238E27FC236}">
-                <a16:creationId xmlns:a16="http://schemas.microsoft.com/office/drawing/2014/main" id="{6A0AD525-6325-EF8B-4801-D06B656FF186}"/>
-              </a:ext>
-            </a:extLst>
-          </p:cNvPr>
-          <p:cNvSpPr>
-            <a:spLocks noGrp="1"/>
-          </p:cNvSpPr>
-          <p:nvPr>
-            <p:ph type="title"/>
-          </p:nvPr>
-        </p:nvSpPr>
-        <p:spPr>
-          <a:xfrm>
-            <a:off x="581192" y="702156"/>
-            <a:ext cx="11029616" cy="542444"/>
-          </a:xfrm>
-        </p:spPr>
-        <p:txBody>
-          <a:bodyPr/>
-          <a:lstStyle/>
-          <a:p>
-            <a:r>
-              <a:rPr lang="en-US" dirty="0"/>
-              <a:t>Console window</a:t>
-            </a:r>
-          </a:p>
-        </p:txBody>
-      </p:sp>
-      <p:sp>
-        <p:nvSpPr>
-          <p:cNvPr id="3" name="Content Placeholder 2">
-            <a:extLst>
-              <a:ext uri="{FF2B5EF4-FFF2-40B4-BE49-F238E27FC236}">
-                <a16:creationId xmlns:a16="http://schemas.microsoft.com/office/drawing/2014/main" id="{9FB82D45-6541-3BC0-1254-BF76E069D40A}"/>
-              </a:ext>
-            </a:extLst>
-          </p:cNvPr>
-          <p:cNvSpPr>
-            <a:spLocks noGrp="1"/>
-          </p:cNvSpPr>
-          <p:nvPr>
-            <p:ph idx="1"/>
-          </p:nvPr>
-        </p:nvSpPr>
-        <p:spPr>
-          <a:xfrm>
-            <a:off x="581193" y="1515364"/>
-            <a:ext cx="11029615" cy="1088136"/>
-          </a:xfrm>
-        </p:spPr>
-        <p:txBody>
-          <a:bodyPr/>
-          <a:lstStyle/>
-          <a:p>
-            <a:r>
-              <a:rPr lang="en-US" dirty="0"/>
-              <a:t>The character &gt; in CONSOLE window indicates that R is ready to receive new commands</a:t>
-            </a:r>
-          </a:p>
-          <a:p>
-            <a:r>
-              <a:rPr lang="en-US" dirty="0"/>
-              <a:t>It show up when R completed executing a script</a:t>
-            </a:r>
-          </a:p>
-        </p:txBody>
-      </p:sp>
-      <p:pic>
-        <p:nvPicPr>
-          <p:cNvPr id="5" name="Picture 4">
-            <a:extLst>
-              <a:ext uri="{FF2B5EF4-FFF2-40B4-BE49-F238E27FC236}">
-                <a16:creationId xmlns:a16="http://schemas.microsoft.com/office/drawing/2014/main" id="{F3D03ABD-ABCA-897C-7982-0DE5B2775EC8}"/>
+                <a16:creationId xmlns:a16="http://schemas.microsoft.com/office/drawing/2014/main" id="{80B863BA-C9D0-A0B2-5422-A717FE65BEA4}"/>
               </a:ext>
             </a:extLst>
           </p:cNvPr>
@@ -5268,24 +6256,173 @@
         </p:nvPicPr>
         <p:blipFill>
           <a:blip r:embed="rId2"/>
-          <a:stretch>
-            <a:fillRect/>
-          </a:stretch>
+          <a:srcRect r="11111"/>
+          <a:stretch/>
         </p:blipFill>
         <p:spPr>
           <a:xfrm>
-            <a:off x="3952812" y="2884488"/>
-            <a:ext cx="4286376" cy="2740025"/>
+            <a:off x="20" y="12"/>
+            <a:ext cx="12191980" cy="6857988"/>
           </a:xfrm>
           <a:prstGeom prst="rect">
             <a:avLst/>
           </a:prstGeom>
         </p:spPr>
       </p:pic>
+      <p:sp>
+        <p:nvSpPr>
+          <p:cNvPr id="2" name="Title 1">
+            <a:extLst>
+              <a:ext uri="{FF2B5EF4-FFF2-40B4-BE49-F238E27FC236}">
+                <a16:creationId xmlns:a16="http://schemas.microsoft.com/office/drawing/2014/main" id="{525F13AC-84C1-CB46-6321-DCE6853170D0}"/>
+              </a:ext>
+            </a:extLst>
+          </p:cNvPr>
+          <p:cNvSpPr>
+            <a:spLocks noGrp="1"/>
+          </p:cNvSpPr>
+          <p:nvPr>
+            <p:ph type="ctrTitle"/>
+          </p:nvPr>
+        </p:nvSpPr>
+        <p:spPr>
+          <a:xfrm>
+            <a:off x="837126" y="1693546"/>
+            <a:ext cx="4320227" cy="2009774"/>
+          </a:xfrm>
+        </p:spPr>
+        <p:txBody>
+          <a:bodyPr>
+            <a:normAutofit/>
+          </a:bodyPr>
+          <a:lstStyle/>
+          <a:p>
+            <a:r>
+              <a:rPr lang="en-US" sz="4000" dirty="0">
+                <a:solidFill>
+                  <a:srgbClr val="FFFFFF"/>
+                </a:solidFill>
+              </a:rPr>
+              <a:t>WEEK 01 </a:t>
+            </a:r>
+            <a:br>
+              <a:rPr lang="en-US" sz="4000" dirty="0">
+                <a:solidFill>
+                  <a:srgbClr val="FFFFFF"/>
+                </a:solidFill>
+              </a:rPr>
+            </a:br>
+            <a:br>
+              <a:rPr lang="en-US" sz="4000" dirty="0">
+                <a:solidFill>
+                  <a:srgbClr val="FFFFFF"/>
+                </a:solidFill>
+              </a:rPr>
+            </a:br>
+            <a:r>
+              <a:rPr lang="en-US" sz="4000" dirty="0">
+                <a:solidFill>
+                  <a:srgbClr val="FFFFFF"/>
+                </a:solidFill>
+              </a:rPr>
+              <a:t>lab session</a:t>
+            </a:r>
+          </a:p>
+        </p:txBody>
+      </p:sp>
+      <p:sp>
+        <p:nvSpPr>
+          <p:cNvPr id="5" name="TextBox 4">
+            <a:extLst>
+              <a:ext uri="{FF2B5EF4-FFF2-40B4-BE49-F238E27FC236}">
+                <a16:creationId xmlns:a16="http://schemas.microsoft.com/office/drawing/2014/main" id="{9211D3B9-9728-4880-CDAB-01882AFA691F}"/>
+              </a:ext>
+            </a:extLst>
+          </p:cNvPr>
+          <p:cNvSpPr txBox="1"/>
+          <p:nvPr/>
+        </p:nvSpPr>
+        <p:spPr>
+          <a:xfrm>
+            <a:off x="837126" y="4289196"/>
+            <a:ext cx="3912124" cy="3046988"/>
+          </a:xfrm>
+          <a:prstGeom prst="rect">
+            <a:avLst/>
+          </a:prstGeom>
+          <a:noFill/>
+        </p:spPr>
+        <p:txBody>
+          <a:bodyPr wrap="square" rtlCol="0">
+            <a:spAutoFit/>
+          </a:bodyPr>
+          <a:lstStyle/>
+          <a:p>
+            <a:r>
+              <a:rPr lang="en-US" sz="3200" dirty="0">
+                <a:solidFill>
+                  <a:srgbClr val="FFFFFF">
+                    <a:alpha val="75000"/>
+                  </a:srgbClr>
+                </a:solidFill>
+              </a:rPr>
+              <a:t>Instructor: Yanan Wu</a:t>
+            </a:r>
+          </a:p>
+          <a:p>
+            <a:r>
+              <a:rPr lang="en-US" sz="3200" dirty="0">
+                <a:solidFill>
+                  <a:srgbClr val="FFFFFF">
+                    <a:alpha val="75000"/>
+                  </a:srgbClr>
+                </a:solidFill>
+              </a:rPr>
+              <a:t>TA: Nisar Khadija</a:t>
+            </a:r>
+          </a:p>
+          <a:p>
+            <a:r>
+              <a:rPr lang="en-US" sz="3200" dirty="0">
+                <a:solidFill>
+                  <a:srgbClr val="FFFFFF">
+                    <a:alpha val="75000"/>
+                  </a:srgbClr>
+                </a:solidFill>
+              </a:rPr>
+              <a:t> </a:t>
+            </a:r>
+          </a:p>
+          <a:p>
+            <a:r>
+              <a:rPr lang="en-US" sz="3200" dirty="0">
+                <a:solidFill>
+                  <a:srgbClr val="FFFFFF">
+                    <a:alpha val="75000"/>
+                  </a:srgbClr>
+                </a:solidFill>
+              </a:rPr>
+              <a:t>Spring 2025</a:t>
+            </a:r>
+          </a:p>
+          <a:p>
+            <a:endParaRPr lang="en-US" sz="3200" dirty="0">
+              <a:solidFill>
+                <a:srgbClr val="FFFFFF">
+                  <a:alpha val="75000"/>
+                </a:srgbClr>
+              </a:solidFill>
+            </a:endParaRPr>
+          </a:p>
+          <a:p>
+            <a:endParaRPr lang="en-US" sz="3200" dirty="0"/>
+          </a:p>
+        </p:txBody>
+      </p:sp>
     </p:spTree>
     <p:extLst>
       <p:ext uri="{BB962C8B-B14F-4D97-AF65-F5344CB8AC3E}">
-        <p14:creationId xmlns:p14="http://schemas.microsoft.com/office/powerpoint/2010/main" val="2389625453"/>
+        <p14:creationId xmlns:p14="http://schemas.microsoft.com/office/powerpoint/2010/main" val="121643133"/>
       </p:ext>
     </p:extLst>
   </p:cSld>
@@ -5314,10 +6451,10 @@
       </p:grpSpPr>
       <p:sp>
         <p:nvSpPr>
-          <p:cNvPr id="2" name="Title 1">
+          <p:cNvPr id="3" name="Content Placeholder 2">
             <a:extLst>
               <a:ext uri="{FF2B5EF4-FFF2-40B4-BE49-F238E27FC236}">
-                <a16:creationId xmlns:a16="http://schemas.microsoft.com/office/drawing/2014/main" id="{9A4FB617-0BCB-C1CE-4B9D-49228296F6E6}"/>
+                <a16:creationId xmlns:a16="http://schemas.microsoft.com/office/drawing/2014/main" id="{B2522736-1C8F-D258-ECC8-5331837B4268}"/>
               </a:ext>
             </a:extLst>
           </p:cNvPr>
@@ -5325,70 +6462,180 @@
             <a:spLocks noGrp="1"/>
           </p:cNvSpPr>
           <p:nvPr>
-            <p:ph type="title"/>
-          </p:nvPr>
-        </p:nvSpPr>
-        <p:spPr>
-          <a:xfrm>
-            <a:off x="581192" y="702156"/>
-            <a:ext cx="11029616" cy="529744"/>
-          </a:xfrm>
-        </p:spPr>
-        <p:txBody>
-          <a:bodyPr/>
+            <p:ph idx="1"/>
+          </p:nvPr>
+        </p:nvSpPr>
+        <p:spPr>
+          <a:xfrm>
+            <a:off x="663488" y="1481328"/>
+            <a:ext cx="11029615" cy="1396626"/>
+          </a:xfrm>
+        </p:spPr>
+        <p:txBody>
+          <a:bodyPr>
+            <a:normAutofit lnSpcReduction="10000"/>
+          </a:bodyPr>
           <a:lstStyle/>
           <a:p>
             <a:r>
               <a:rPr lang="en-US" dirty="0"/>
-              <a:t>Terminate script</a:t>
-            </a:r>
-          </a:p>
-        </p:txBody>
-      </p:sp>
-      <p:sp>
-        <p:nvSpPr>
-          <p:cNvPr id="3" name="Content Placeholder 2">
+              <a:t>The panes</a:t>
+            </a:r>
+          </a:p>
+          <a:p>
+            <a:pPr lvl="1"/>
+            <a:r>
+              <a:rPr lang="en-US" dirty="0"/>
+              <a:t>Left pane: R console</a:t>
+            </a:r>
+          </a:p>
+          <a:p>
+            <a:pPr lvl="1"/>
+            <a:r>
+              <a:rPr lang="en-US" dirty="0"/>
+              <a:t>Right top pane: includes tabs such as </a:t>
+            </a:r>
+            <a:r>
+              <a:rPr lang="en-US" i="1" dirty="0"/>
+              <a:t>Environment</a:t>
+            </a:r>
+            <a:r>
+              <a:rPr lang="en-US" dirty="0"/>
+              <a:t> and </a:t>
+            </a:r>
+            <a:r>
+              <a:rPr lang="en-US" i="1" dirty="0"/>
+              <a:t>History</a:t>
+            </a:r>
+          </a:p>
+          <a:p>
+            <a:pPr lvl="1"/>
+            <a:r>
+              <a:rPr lang="en-US" i="1" dirty="0"/>
+              <a:t>Right bottom pane: File, Plots, Packages, Help and Viewer</a:t>
+            </a:r>
+          </a:p>
+        </p:txBody>
+      </p:sp>
+      <p:sp>
+        <p:nvSpPr>
+          <p:cNvPr id="4" name="Title 1">
             <a:extLst>
               <a:ext uri="{FF2B5EF4-FFF2-40B4-BE49-F238E27FC236}">
-                <a16:creationId xmlns:a16="http://schemas.microsoft.com/office/drawing/2014/main" id="{AE0C35A7-D4E0-26A7-CE19-9944604079C1}"/>
+                <a16:creationId xmlns:a16="http://schemas.microsoft.com/office/drawing/2014/main" id="{8782E5CF-FD67-1DB2-A1FC-9DD02AAEBED4}"/>
               </a:ext>
             </a:extLst>
           </p:cNvPr>
-          <p:cNvSpPr>
-            <a:spLocks noGrp="1"/>
-          </p:cNvSpPr>
-          <p:nvPr>
-            <p:ph idx="1"/>
-          </p:nvPr>
-        </p:nvSpPr>
-        <p:spPr>
-          <a:xfrm>
-            <a:off x="581193" y="1439164"/>
-            <a:ext cx="11029615" cy="1900936"/>
-          </a:xfrm>
-        </p:spPr>
-        <p:txBody>
-          <a:bodyPr>
+          <p:cNvSpPr txBox="1">
+            <a:spLocks/>
+          </p:cNvSpPr>
+          <p:nvPr/>
+        </p:nvSpPr>
+        <p:spPr>
+          <a:xfrm>
+            <a:off x="581192" y="702156"/>
+            <a:ext cx="11029616" cy="593244"/>
+          </a:xfrm>
+          <a:prstGeom prst="rect">
+            <a:avLst/>
+          </a:prstGeom>
+        </p:spPr>
+        <p:txBody>
+          <a:bodyPr vert="horz" lIns="91440" tIns="45720" rIns="91440" bIns="45720" rtlCol="0" anchor="b">
             <a:normAutofit/>
           </a:bodyPr>
-          <a:lstStyle/>
-          <a:p>
-            <a:r>
-              <a:rPr lang="en-US" dirty="0"/>
-              <a:t>The Esc Key or pressing          in the CONSOLE window to terminate the script</a:t>
-            </a:r>
-          </a:p>
-          <a:p>
-            <a:endParaRPr lang="en-US" dirty="0"/>
+          <a:lstStyle>
+            <a:lvl1pPr algn="l" defTabSz="457200" rtl="0" eaLnBrk="1" latinLnBrk="0" hangingPunct="1">
+              <a:lnSpc>
+                <a:spcPct val="100000"/>
+              </a:lnSpc>
+              <a:spcBef>
+                <a:spcPct val="0"/>
+              </a:spcBef>
+              <a:buNone/>
+              <a:defRPr sz="2800" b="0" kern="1200" cap="all">
+                <a:solidFill>
+                  <a:schemeClr val="tx1">
+                    <a:lumMod val="75000"/>
+                    <a:lumOff val="25000"/>
+                  </a:schemeClr>
+                </a:solidFill>
+                <a:latin typeface="+mj-lt"/>
+                <a:ea typeface="+mj-ea"/>
+                <a:cs typeface="+mj-cs"/>
+              </a:defRPr>
+            </a:lvl1pPr>
+            <a:lvl2pPr eaLnBrk="1" hangingPunct="1">
+              <a:defRPr>
+                <a:solidFill>
+                  <a:schemeClr val="tx2"/>
+                </a:solidFill>
+              </a:defRPr>
+            </a:lvl2pPr>
+            <a:lvl3pPr eaLnBrk="1" hangingPunct="1">
+              <a:defRPr>
+                <a:solidFill>
+                  <a:schemeClr val="tx2"/>
+                </a:solidFill>
+              </a:defRPr>
+            </a:lvl3pPr>
+            <a:lvl4pPr eaLnBrk="1" hangingPunct="1">
+              <a:defRPr>
+                <a:solidFill>
+                  <a:schemeClr val="tx2"/>
+                </a:solidFill>
+              </a:defRPr>
+            </a:lvl4pPr>
+            <a:lvl5pPr eaLnBrk="1" hangingPunct="1">
+              <a:defRPr>
+                <a:solidFill>
+                  <a:schemeClr val="tx2"/>
+                </a:solidFill>
+              </a:defRPr>
+            </a:lvl5pPr>
+            <a:lvl6pPr eaLnBrk="1" hangingPunct="1">
+              <a:defRPr>
+                <a:solidFill>
+                  <a:schemeClr val="tx2"/>
+                </a:solidFill>
+              </a:defRPr>
+            </a:lvl6pPr>
+            <a:lvl7pPr eaLnBrk="1" hangingPunct="1">
+              <a:defRPr>
+                <a:solidFill>
+                  <a:schemeClr val="tx2"/>
+                </a:solidFill>
+              </a:defRPr>
+            </a:lvl7pPr>
+            <a:lvl8pPr eaLnBrk="1" hangingPunct="1">
+              <a:defRPr>
+                <a:solidFill>
+                  <a:schemeClr val="tx2"/>
+                </a:solidFill>
+              </a:defRPr>
+            </a:lvl8pPr>
+            <a:lvl9pPr eaLnBrk="1" hangingPunct="1">
+              <a:defRPr>
+                <a:solidFill>
+                  <a:schemeClr val="tx2"/>
+                </a:solidFill>
+              </a:defRPr>
+            </a:lvl9pPr>
+          </a:lstStyle>
+          <a:p>
+            <a:r>
+              <a:rPr lang="en-US" dirty="0"/>
+              <a:t>Overview of RSTUDIO INTERFACE</a:t>
+            </a:r>
           </a:p>
         </p:txBody>
       </p:sp>
       <p:pic>
         <p:nvPicPr>
-          <p:cNvPr id="7" name="Picture 6">
+          <p:cNvPr id="6" name="Picture 5">
             <a:extLst>
               <a:ext uri="{FF2B5EF4-FFF2-40B4-BE49-F238E27FC236}">
-                <a16:creationId xmlns:a16="http://schemas.microsoft.com/office/drawing/2014/main" id="{25D4BBB6-2E94-F3E5-3D6B-0E0F3192478D}"/>
+                <a16:creationId xmlns:a16="http://schemas.microsoft.com/office/drawing/2014/main" id="{FDF58720-DE3A-08CF-4402-470FF53E7441}"/>
               </a:ext>
             </a:extLst>
           </p:cNvPr>
@@ -5405,38 +6652,8 @@
         </p:blipFill>
         <p:spPr>
           <a:xfrm>
-            <a:off x="3351213" y="2037652"/>
-            <a:ext cx="333375" cy="377380"/>
-          </a:xfrm>
-          <a:prstGeom prst="rect">
-            <a:avLst/>
-          </a:prstGeom>
-        </p:spPr>
-      </p:pic>
-      <p:pic>
-        <p:nvPicPr>
-          <p:cNvPr id="9" name="Picture 8">
-            <a:extLst>
-              <a:ext uri="{FF2B5EF4-FFF2-40B4-BE49-F238E27FC236}">
-                <a16:creationId xmlns:a16="http://schemas.microsoft.com/office/drawing/2014/main" id="{AA40E618-1799-55AC-3273-D4A3C9304AE1}"/>
-              </a:ext>
-            </a:extLst>
-          </p:cNvPr>
-          <p:cNvPicPr>
-            <a:picLocks noChangeAspect="1"/>
-          </p:cNvPicPr>
-          <p:nvPr/>
-        </p:nvPicPr>
-        <p:blipFill>
-          <a:blip r:embed="rId3"/>
-          <a:stretch>
-            <a:fillRect/>
-          </a:stretch>
-        </p:blipFill>
-        <p:spPr>
-          <a:xfrm>
-            <a:off x="4098925" y="3162300"/>
-            <a:ext cx="3089275" cy="1669087"/>
+            <a:off x="3378468" y="3294247"/>
+            <a:ext cx="6150543" cy="3288187"/>
           </a:xfrm>
           <a:prstGeom prst="rect">
             <a:avLst/>
@@ -5446,7 +6663,7 @@
     </p:spTree>
     <p:extLst>
       <p:ext uri="{BB962C8B-B14F-4D97-AF65-F5344CB8AC3E}">
-        <p14:creationId xmlns:p14="http://schemas.microsoft.com/office/powerpoint/2010/main" val="2878464367"/>
+        <p14:creationId xmlns:p14="http://schemas.microsoft.com/office/powerpoint/2010/main" val="2216533061"/>
       </p:ext>
     </p:extLst>
   </p:cSld>
@@ -5478,7 +6695,7 @@
           <p:cNvPr id="3" name="Content Placeholder 2">
             <a:extLst>
               <a:ext uri="{FF2B5EF4-FFF2-40B4-BE49-F238E27FC236}">
-                <a16:creationId xmlns:a16="http://schemas.microsoft.com/office/drawing/2014/main" id="{D3DDF26D-3409-3B61-A862-04A7F7A61AAF}"/>
+                <a16:creationId xmlns:a16="http://schemas.microsoft.com/office/drawing/2014/main" id="{85D81B12-E785-47B2-9AE5-940E48C25314}"/>
               </a:ext>
             </a:extLst>
           </p:cNvPr>
@@ -5491,81 +6708,26 @@
         </p:nvSpPr>
         <p:spPr>
           <a:xfrm>
-            <a:off x="581360" y="1439164"/>
-            <a:ext cx="11029615" cy="2523236"/>
-          </a:xfrm>
-        </p:spPr>
-        <p:txBody>
-          <a:bodyPr/>
+            <a:off x="677445" y="1295400"/>
+            <a:ext cx="11029615" cy="995413"/>
+          </a:xfrm>
+        </p:spPr>
+        <p:txBody>
+          <a:bodyPr>
+            <a:normAutofit/>
+          </a:bodyPr>
           <a:lstStyle/>
           <a:p>
             <a:r>
               <a:rPr lang="en-US" dirty="0"/>
-              <a:t>Get help for activate libraries</a:t>
+              <a:t>Starts a new pane on the left</a:t>
             </a:r>
           </a:p>
           <a:p>
             <a:pPr lvl="1"/>
             <a:r>
-              <a:rPr lang="en-US" b="1" dirty="0"/>
-              <a:t>help('</a:t>
-            </a:r>
-            <a:r>
-              <a:rPr lang="en-US" b="1" dirty="0" err="1"/>
-              <a:t>dplyr</a:t>
-            </a:r>
-            <a:r>
-              <a:rPr lang="en-US" b="1" dirty="0"/>
-              <a:t>’)</a:t>
-            </a:r>
-          </a:p>
-          <a:p>
-            <a:pPr lvl="1"/>
-            <a:r>
-              <a:rPr lang="en-US" b="1" dirty="0"/>
-              <a:t>?</a:t>
-            </a:r>
-            <a:r>
-              <a:rPr lang="en-US" b="1" dirty="0" err="1"/>
-              <a:t>dplyr</a:t>
-            </a:r>
-            <a:endParaRPr lang="en-US" b="1" dirty="0"/>
-          </a:p>
-          <a:p>
-            <a:r>
-              <a:rPr lang="en-US" dirty="0"/>
-              <a:t>Get help for all installed libraries</a:t>
-            </a:r>
-          </a:p>
-          <a:p>
-            <a:pPr lvl="1"/>
-            <a:r>
-              <a:rPr lang="en-US" b="1" dirty="0"/>
-              <a:t>??</a:t>
-            </a:r>
-            <a:r>
-              <a:rPr lang="en-US" b="1" dirty="0" err="1"/>
-              <a:t>dplyr</a:t>
-            </a:r>
-            <a:endParaRPr lang="en-US" b="1" dirty="0"/>
-          </a:p>
-          <a:p>
-            <a:pPr lvl="1"/>
-            <a:r>
-              <a:rPr lang="en-US" b="1" dirty="0" err="1"/>
-              <a:t>help.search</a:t>
-            </a:r>
-            <a:r>
-              <a:rPr lang="en-US" b="1" dirty="0"/>
-              <a:t>('</a:t>
-            </a:r>
-            <a:r>
-              <a:rPr lang="en-US" b="1" dirty="0" err="1"/>
-              <a:t>dplyr</a:t>
-            </a:r>
-            <a:r>
-              <a:rPr lang="en-US" b="1" dirty="0"/>
-              <a:t>’)</a:t>
+              <a:rPr lang="en-US" dirty="0"/>
+              <a:t>File – New File – R Script</a:t>
             </a:r>
           </a:p>
         </p:txBody>
@@ -5575,38 +6737,148 @@
           <p:cNvPr id="4" name="Title 1">
             <a:extLst>
               <a:ext uri="{FF2B5EF4-FFF2-40B4-BE49-F238E27FC236}">
-                <a16:creationId xmlns:a16="http://schemas.microsoft.com/office/drawing/2014/main" id="{67EB2CE0-F35D-8DEB-2335-CF5D692017F9}"/>
+                <a16:creationId xmlns:a16="http://schemas.microsoft.com/office/drawing/2014/main" id="{4AF9241E-2D9A-B2C3-59A9-E2003B26F47B}"/>
               </a:ext>
             </a:extLst>
           </p:cNvPr>
-          <p:cNvSpPr>
-            <a:spLocks noGrp="1"/>
-          </p:cNvSpPr>
-          <p:nvPr>
-            <p:ph type="title"/>
-          </p:nvPr>
-        </p:nvSpPr>
-        <p:spPr>
-          <a:xfrm>
-            <a:off x="581025" y="701675"/>
-            <a:ext cx="11029950" cy="644525"/>
-          </a:xfrm>
-        </p:spPr>
-        <p:txBody>
-          <a:bodyPr/>
-          <a:lstStyle/>
-          <a:p>
-            <a:r>
-              <a:rPr lang="en-US" dirty="0"/>
-              <a:t>Get help</a:t>
-            </a:r>
-          </a:p>
-        </p:txBody>
-      </p:sp>
+          <p:cNvSpPr txBox="1">
+            <a:spLocks/>
+          </p:cNvSpPr>
+          <p:nvPr/>
+        </p:nvSpPr>
+        <p:spPr>
+          <a:xfrm>
+            <a:off x="581192" y="702156"/>
+            <a:ext cx="11029616" cy="593244"/>
+          </a:xfrm>
+          <a:prstGeom prst="rect">
+            <a:avLst/>
+          </a:prstGeom>
+        </p:spPr>
+        <p:txBody>
+          <a:bodyPr vert="horz" lIns="91440" tIns="45720" rIns="91440" bIns="45720" rtlCol="0" anchor="b">
+            <a:normAutofit/>
+          </a:bodyPr>
+          <a:lstStyle>
+            <a:lvl1pPr algn="l" defTabSz="457200" rtl="0" eaLnBrk="1" latinLnBrk="0" hangingPunct="1">
+              <a:lnSpc>
+                <a:spcPct val="100000"/>
+              </a:lnSpc>
+              <a:spcBef>
+                <a:spcPct val="0"/>
+              </a:spcBef>
+              <a:buNone/>
+              <a:defRPr sz="2800" b="0" kern="1200" cap="all">
+                <a:solidFill>
+                  <a:schemeClr val="tx1">
+                    <a:lumMod val="75000"/>
+                    <a:lumOff val="25000"/>
+                  </a:schemeClr>
+                </a:solidFill>
+                <a:latin typeface="+mj-lt"/>
+                <a:ea typeface="+mj-ea"/>
+                <a:cs typeface="+mj-cs"/>
+              </a:defRPr>
+            </a:lvl1pPr>
+            <a:lvl2pPr eaLnBrk="1" hangingPunct="1">
+              <a:defRPr>
+                <a:solidFill>
+                  <a:schemeClr val="tx2"/>
+                </a:solidFill>
+              </a:defRPr>
+            </a:lvl2pPr>
+            <a:lvl3pPr eaLnBrk="1" hangingPunct="1">
+              <a:defRPr>
+                <a:solidFill>
+                  <a:schemeClr val="tx2"/>
+                </a:solidFill>
+              </a:defRPr>
+            </a:lvl3pPr>
+            <a:lvl4pPr eaLnBrk="1" hangingPunct="1">
+              <a:defRPr>
+                <a:solidFill>
+                  <a:schemeClr val="tx2"/>
+                </a:solidFill>
+              </a:defRPr>
+            </a:lvl4pPr>
+            <a:lvl5pPr eaLnBrk="1" hangingPunct="1">
+              <a:defRPr>
+                <a:solidFill>
+                  <a:schemeClr val="tx2"/>
+                </a:solidFill>
+              </a:defRPr>
+            </a:lvl5pPr>
+            <a:lvl6pPr eaLnBrk="1" hangingPunct="1">
+              <a:defRPr>
+                <a:solidFill>
+                  <a:schemeClr val="tx2"/>
+                </a:solidFill>
+              </a:defRPr>
+            </a:lvl6pPr>
+            <a:lvl7pPr eaLnBrk="1" hangingPunct="1">
+              <a:defRPr>
+                <a:solidFill>
+                  <a:schemeClr val="tx2"/>
+                </a:solidFill>
+              </a:defRPr>
+            </a:lvl7pPr>
+            <a:lvl8pPr eaLnBrk="1" hangingPunct="1">
+              <a:defRPr>
+                <a:solidFill>
+                  <a:schemeClr val="tx2"/>
+                </a:solidFill>
+              </a:defRPr>
+            </a:lvl8pPr>
+            <a:lvl9pPr eaLnBrk="1" hangingPunct="1">
+              <a:defRPr>
+                <a:solidFill>
+                  <a:schemeClr val="tx2"/>
+                </a:solidFill>
+              </a:defRPr>
+            </a:lvl9pPr>
+          </a:lstStyle>
+          <a:p>
+            <a:r>
+              <a:rPr lang="en-US" dirty="0"/>
+              <a:t>Overview of RSTUDIO INTERFACE</a:t>
+            </a:r>
+          </a:p>
+        </p:txBody>
+      </p:sp>
+      <p:pic>
+        <p:nvPicPr>
+          <p:cNvPr id="6" name="Picture 5">
+            <a:extLst>
+              <a:ext uri="{FF2B5EF4-FFF2-40B4-BE49-F238E27FC236}">
+                <a16:creationId xmlns:a16="http://schemas.microsoft.com/office/drawing/2014/main" id="{FDB5C329-AE09-75B3-447C-29C2FD0A42D9}"/>
+              </a:ext>
+            </a:extLst>
+          </p:cNvPr>
+          <p:cNvPicPr>
+            <a:picLocks noChangeAspect="1"/>
+          </p:cNvPicPr>
+          <p:nvPr/>
+        </p:nvPicPr>
+        <p:blipFill>
+          <a:blip r:embed="rId2"/>
+          <a:stretch>
+            <a:fillRect/>
+          </a:stretch>
+        </p:blipFill>
+        <p:spPr>
+          <a:xfrm>
+            <a:off x="3232618" y="2706793"/>
+            <a:ext cx="6622181" cy="3541052"/>
+          </a:xfrm>
+          <a:prstGeom prst="rect">
+            <a:avLst/>
+          </a:prstGeom>
+        </p:spPr>
+      </p:pic>
     </p:spTree>
     <p:extLst>
       <p:ext uri="{BB962C8B-B14F-4D97-AF65-F5344CB8AC3E}">
-        <p14:creationId xmlns:p14="http://schemas.microsoft.com/office/powerpoint/2010/main" val="1958447161"/>
+        <p14:creationId xmlns:p14="http://schemas.microsoft.com/office/powerpoint/2010/main" val="1384846432"/>
       </p:ext>
     </p:extLst>
   </p:cSld>
@@ -5638,7 +6910,7 @@
           <p:cNvPr id="3" name="Content Placeholder 2">
             <a:extLst>
               <a:ext uri="{FF2B5EF4-FFF2-40B4-BE49-F238E27FC236}">
-                <a16:creationId xmlns:a16="http://schemas.microsoft.com/office/drawing/2014/main" id="{67B8AD7F-42F4-0E7A-EFB9-DE8B64C3C19D}"/>
+                <a16:creationId xmlns:a16="http://schemas.microsoft.com/office/drawing/2014/main" id="{6A6A1143-4A87-25CD-F6F1-42721EAA0FBB}"/>
               </a:ext>
             </a:extLst>
           </p:cNvPr>
@@ -5651,8 +6923,8 @@
         </p:nvSpPr>
         <p:spPr>
           <a:xfrm>
-            <a:off x="581360" y="1532382"/>
-            <a:ext cx="11029615" cy="2520061"/>
+            <a:off x="581360" y="1212302"/>
+            <a:ext cx="11029615" cy="999102"/>
           </a:xfrm>
         </p:spPr>
         <p:txBody>
@@ -5661,82 +6933,24 @@
           <a:p>
             <a:r>
               <a:rPr lang="en-US" dirty="0"/>
-              <a:t>All commands (or programs) can be stored in external *.R script-files</a:t>
-            </a:r>
-          </a:p>
-          <a:p>
-            <a:r>
-              <a:rPr lang="en-US" dirty="0"/>
-              <a:t>Single command or a set of highlighted commands can be run using shortcut (</a:t>
-            </a:r>
-            <a:r>
-              <a:rPr lang="en-US" dirty="0" err="1"/>
-              <a:t>shift+enter</a:t>
-            </a:r>
-            <a:r>
-              <a:rPr lang="en-US" dirty="0"/>
-              <a:t>) or Run button in R</a:t>
-            </a:r>
-          </a:p>
-          <a:p>
-            <a:r>
-              <a:rPr lang="en-US" dirty="0"/>
-              <a:t>All commands can be run use the Source button in R </a:t>
-            </a:r>
-          </a:p>
-          <a:p>
-            <a:r>
-              <a:rPr lang="en-US" dirty="0"/>
-              <a:t>Scroll through the history of previously commands in R</a:t>
-            </a:r>
-          </a:p>
-          <a:p>
-            <a:r>
-              <a:rPr lang="en-US" dirty="0"/>
-              <a:t>Using shortcut key (Ctrl + L ) or broom icon to clean the      Console window</a:t>
-            </a:r>
-          </a:p>
-        </p:txBody>
-      </p:sp>
-      <p:sp>
-        <p:nvSpPr>
-          <p:cNvPr id="4" name="Title 1">
+              <a:t>Keyboard shortcuts</a:t>
+            </a:r>
+          </a:p>
+          <a:p>
+            <a:pPr lvl="1"/>
+            <a:r>
+              <a:rPr lang="en-US" dirty="0"/>
+              <a:t> Help – Keyboard Shortcuts Help</a:t>
+            </a:r>
+          </a:p>
+        </p:txBody>
+      </p:sp>
+      <p:pic>
+        <p:nvPicPr>
+          <p:cNvPr id="5" name="Picture 4">
             <a:extLst>
               <a:ext uri="{FF2B5EF4-FFF2-40B4-BE49-F238E27FC236}">
-                <a16:creationId xmlns:a16="http://schemas.microsoft.com/office/drawing/2014/main" id="{01FEB705-D340-D2E9-9D37-9147EF5B5F65}"/>
-              </a:ext>
-            </a:extLst>
-          </p:cNvPr>
-          <p:cNvSpPr>
-            <a:spLocks noGrp="1"/>
-          </p:cNvSpPr>
-          <p:nvPr>
-            <p:ph type="title"/>
-          </p:nvPr>
-        </p:nvSpPr>
-        <p:spPr>
-          <a:xfrm>
-            <a:off x="581025" y="701675"/>
-            <a:ext cx="11029950" cy="581025"/>
-          </a:xfrm>
-        </p:spPr>
-        <p:txBody>
-          <a:bodyPr/>
-          <a:lstStyle/>
-          <a:p>
-            <a:r>
-              <a:rPr lang="en-US" dirty="0"/>
-              <a:t>Interacting with the R-CONSOLE</a:t>
-            </a:r>
-          </a:p>
-        </p:txBody>
-      </p:sp>
-      <p:pic>
-        <p:nvPicPr>
-          <p:cNvPr id="6" name="Picture 5">
-            <a:extLst>
-              <a:ext uri="{FF2B5EF4-FFF2-40B4-BE49-F238E27FC236}">
-                <a16:creationId xmlns:a16="http://schemas.microsoft.com/office/drawing/2014/main" id="{2E220579-ED63-04FA-485C-3B09265B8A79}"/>
+                <a16:creationId xmlns:a16="http://schemas.microsoft.com/office/drawing/2014/main" id="{EBFF9A3C-04DA-C9A4-E97B-1F71A7764958}"/>
               </a:ext>
             </a:extLst>
           </p:cNvPr>
@@ -5753,18 +6967,133 @@
         </p:blipFill>
         <p:spPr>
           <a:xfrm>
-            <a:off x="6096000" y="3515741"/>
-            <a:ext cx="314325" cy="285750"/>
+            <a:off x="6412531" y="2068278"/>
+            <a:ext cx="3448050" cy="3895725"/>
           </a:xfrm>
           <a:prstGeom prst="rect">
             <a:avLst/>
           </a:prstGeom>
         </p:spPr>
       </p:pic>
+      <p:sp>
+        <p:nvSpPr>
+          <p:cNvPr id="7" name="Title 1">
+            <a:extLst>
+              <a:ext uri="{FF2B5EF4-FFF2-40B4-BE49-F238E27FC236}">
+                <a16:creationId xmlns:a16="http://schemas.microsoft.com/office/drawing/2014/main" id="{0E279B3A-8D2F-FBE3-38EB-140E7C40FA9C}"/>
+              </a:ext>
+            </a:extLst>
+          </p:cNvPr>
+          <p:cNvSpPr txBox="1">
+            <a:spLocks noGrp="1"/>
+          </p:cNvSpPr>
+          <p:nvPr>
+            <p:ph type="title"/>
+          </p:nvPr>
+        </p:nvSpPr>
+        <p:spPr>
+          <a:xfrm>
+            <a:off x="581025" y="701675"/>
+            <a:ext cx="11029950" cy="501483"/>
+          </a:xfrm>
+          <a:prstGeom prst="rect">
+            <a:avLst/>
+          </a:prstGeom>
+        </p:spPr>
+        <p:txBody>
+          <a:bodyPr vert="horz" lIns="91440" tIns="45720" rIns="91440" bIns="45720" rtlCol="0" anchor="b">
+            <a:normAutofit fontScale="90000"/>
+          </a:bodyPr>
+          <a:lstStyle>
+            <a:lvl1pPr algn="l" defTabSz="457200" rtl="0" eaLnBrk="1" latinLnBrk="0" hangingPunct="1">
+              <a:lnSpc>
+                <a:spcPct val="100000"/>
+              </a:lnSpc>
+              <a:spcBef>
+                <a:spcPct val="0"/>
+              </a:spcBef>
+              <a:buNone/>
+              <a:defRPr sz="2800" b="0" kern="1200" cap="all">
+                <a:solidFill>
+                  <a:schemeClr val="tx1">
+                    <a:lumMod val="75000"/>
+                    <a:lumOff val="25000"/>
+                  </a:schemeClr>
+                </a:solidFill>
+                <a:latin typeface="+mj-lt"/>
+                <a:ea typeface="+mj-ea"/>
+                <a:cs typeface="+mj-cs"/>
+              </a:defRPr>
+            </a:lvl1pPr>
+            <a:lvl2pPr eaLnBrk="1" hangingPunct="1">
+              <a:defRPr>
+                <a:solidFill>
+                  <a:schemeClr val="tx2"/>
+                </a:solidFill>
+              </a:defRPr>
+            </a:lvl2pPr>
+            <a:lvl3pPr eaLnBrk="1" hangingPunct="1">
+              <a:defRPr>
+                <a:solidFill>
+                  <a:schemeClr val="tx2"/>
+                </a:solidFill>
+              </a:defRPr>
+            </a:lvl3pPr>
+            <a:lvl4pPr eaLnBrk="1" hangingPunct="1">
+              <a:defRPr>
+                <a:solidFill>
+                  <a:schemeClr val="tx2"/>
+                </a:solidFill>
+              </a:defRPr>
+            </a:lvl4pPr>
+            <a:lvl5pPr eaLnBrk="1" hangingPunct="1">
+              <a:defRPr>
+                <a:solidFill>
+                  <a:schemeClr val="tx2"/>
+                </a:solidFill>
+              </a:defRPr>
+            </a:lvl5pPr>
+            <a:lvl6pPr eaLnBrk="1" hangingPunct="1">
+              <a:defRPr>
+                <a:solidFill>
+                  <a:schemeClr val="tx2"/>
+                </a:solidFill>
+              </a:defRPr>
+            </a:lvl6pPr>
+            <a:lvl7pPr eaLnBrk="1" hangingPunct="1">
+              <a:defRPr>
+                <a:solidFill>
+                  <a:schemeClr val="tx2"/>
+                </a:solidFill>
+              </a:defRPr>
+            </a:lvl7pPr>
+            <a:lvl8pPr eaLnBrk="1" hangingPunct="1">
+              <a:defRPr>
+                <a:solidFill>
+                  <a:schemeClr val="tx2"/>
+                </a:solidFill>
+              </a:defRPr>
+            </a:lvl8pPr>
+            <a:lvl9pPr eaLnBrk="1" hangingPunct="1">
+              <a:defRPr>
+                <a:solidFill>
+                  <a:schemeClr val="tx2"/>
+                </a:solidFill>
+              </a:defRPr>
+            </a:lvl9pPr>
+          </a:lstStyle>
+          <a:p>
+            <a:r>
+              <a:rPr lang="en-US" dirty="0"/>
+              <a:t>Overview of keyboard shortcuts</a:t>
+            </a:r>
+          </a:p>
+        </p:txBody>
+      </p:sp>
     </p:spTree>
     <p:extLst>
       <p:ext uri="{BB962C8B-B14F-4D97-AF65-F5344CB8AC3E}">
-        <p14:creationId xmlns:p14="http://schemas.microsoft.com/office/powerpoint/2010/main" val="3114780084"/>
+        <p14:creationId xmlns:p14="http://schemas.microsoft.com/office/powerpoint/2010/main" val="3432800378"/>
       </p:ext>
     </p:extLst>
   </p:cSld>
@@ -5793,10 +7122,10 @@
       </p:grpSpPr>
       <p:sp>
         <p:nvSpPr>
-          <p:cNvPr id="2" name="Title 1">
+          <p:cNvPr id="3" name="Content Placeholder 2">
             <a:extLst>
               <a:ext uri="{FF2B5EF4-FFF2-40B4-BE49-F238E27FC236}">
-                <a16:creationId xmlns:a16="http://schemas.microsoft.com/office/drawing/2014/main" id="{73A6EBB3-287E-391B-DECC-971C9FA4A07B}"/>
+                <a16:creationId xmlns:a16="http://schemas.microsoft.com/office/drawing/2014/main" id="{FBC10F8A-C23D-5A9F-BB5B-0AC49564F914}"/>
               </a:ext>
             </a:extLst>
           </p:cNvPr>
@@ -5804,13 +7133,13 @@
             <a:spLocks noGrp="1"/>
           </p:cNvSpPr>
           <p:nvPr>
-            <p:ph type="title"/>
-          </p:nvPr>
-        </p:nvSpPr>
-        <p:spPr>
-          <a:xfrm>
-            <a:off x="581192" y="702156"/>
-            <a:ext cx="11029616" cy="567844"/>
+            <p:ph idx="1"/>
+          </p:nvPr>
+        </p:nvSpPr>
+        <p:spPr>
+          <a:xfrm>
+            <a:off x="581360" y="1298448"/>
+            <a:ext cx="11029615" cy="896112"/>
           </a:xfrm>
         </p:spPr>
         <p:txBody>
@@ -5818,104 +7147,157 @@
           <a:lstStyle/>
           <a:p>
             <a:r>
-              <a:rPr lang="en-US" dirty="0"/>
-              <a:t>Variables in r</a:t>
-            </a:r>
-          </a:p>
-        </p:txBody>
-      </p:sp>
-      <p:sp>
-        <p:nvSpPr>
-          <p:cNvPr id="3" name="Content Placeholder 2">
+              <a:rPr lang="en-US" dirty="0" err="1"/>
+              <a:t>Cheatsheets</a:t>
+            </a:r>
+            <a:r>
+              <a:rPr lang="en-US" dirty="0"/>
+              <a:t> in </a:t>
+            </a:r>
+            <a:r>
+              <a:rPr lang="en-US" dirty="0" err="1"/>
+              <a:t>Rstudio</a:t>
+            </a:r>
+            <a:endParaRPr lang="en-US" dirty="0"/>
+          </a:p>
+          <a:p>
+            <a:pPr lvl="1"/>
+            <a:r>
+              <a:rPr lang="en-US" dirty="0"/>
+              <a:t>Help - </a:t>
+            </a:r>
+            <a:r>
+              <a:rPr lang="en-US" dirty="0" err="1"/>
+              <a:t>Cheatsheets</a:t>
+            </a:r>
+            <a:endParaRPr lang="en-US" dirty="0"/>
+          </a:p>
+        </p:txBody>
+      </p:sp>
+      <p:sp>
+        <p:nvSpPr>
+          <p:cNvPr id="4" name="Title 1">
             <a:extLst>
               <a:ext uri="{FF2B5EF4-FFF2-40B4-BE49-F238E27FC236}">
-                <a16:creationId xmlns:a16="http://schemas.microsoft.com/office/drawing/2014/main" id="{F12B097E-AAD8-4A7A-B0E0-C39F4E8D71AE}"/>
+                <a16:creationId xmlns:a16="http://schemas.microsoft.com/office/drawing/2014/main" id="{4B06D59C-3F2F-48FF-2272-A15CF996D346}"/>
               </a:ext>
             </a:extLst>
           </p:cNvPr>
-          <p:cNvSpPr>
-            <a:spLocks noGrp="1"/>
-          </p:cNvSpPr>
-          <p:nvPr>
-            <p:ph idx="1"/>
-          </p:nvPr>
-        </p:nvSpPr>
-        <p:spPr>
-          <a:xfrm>
-            <a:off x="581192" y="1337972"/>
-            <a:ext cx="11029615" cy="2802228"/>
-          </a:xfrm>
-        </p:spPr>
-        <p:txBody>
-          <a:bodyPr>
-            <a:normAutofit/>
+          <p:cNvSpPr txBox="1">
+            <a:spLocks/>
+          </p:cNvSpPr>
+          <p:nvPr/>
+        </p:nvSpPr>
+        <p:spPr>
+          <a:xfrm>
+            <a:off x="581025" y="701675"/>
+            <a:ext cx="11029950" cy="501483"/>
+          </a:xfrm>
+          <a:prstGeom prst="rect">
+            <a:avLst/>
+          </a:prstGeom>
+        </p:spPr>
+        <p:txBody>
+          <a:bodyPr vert="horz" lIns="91440" tIns="45720" rIns="91440" bIns="45720" rtlCol="0" anchor="b">
+            <a:normAutofit fontScale="97500" lnSpcReduction="10000"/>
           </a:bodyPr>
-          <a:lstStyle/>
-          <a:p>
-            <a:r>
-              <a:rPr lang="en-US" dirty="0"/>
-              <a:t>Variable names</a:t>
-            </a:r>
-          </a:p>
-          <a:p>
-            <a:pPr lvl="1"/>
-            <a:r>
-              <a:rPr lang="en-US" dirty="0"/>
-              <a:t>Variables are created using the assignment operator &lt;</a:t>
-            </a:r>
-          </a:p>
-          <a:p>
-            <a:pPr lvl="1"/>
-            <a:r>
-              <a:rPr lang="en-US" dirty="0"/>
-              <a:t>Variables can store different types of data (numeric, character, logical, etc.).</a:t>
-            </a:r>
-          </a:p>
-          <a:p>
-            <a:pPr lvl="1"/>
-            <a:r>
-              <a:rPr lang="en-US" dirty="0"/>
-              <a:t>Variables can be reassigned new values anytime.</a:t>
-            </a:r>
-          </a:p>
-          <a:p>
-            <a:pPr lvl="1"/>
-            <a:r>
-              <a:rPr lang="en-US" dirty="0"/>
-              <a:t>The </a:t>
-            </a:r>
-            <a:r>
-              <a:rPr lang="en-US" dirty="0">
-                <a:hlinkClick r:id="rId2"/>
-              </a:rPr>
-              <a:t>document</a:t>
-            </a:r>
-            <a:r>
-              <a:rPr lang="en-US" dirty="0"/>
-              <a:t> shows professional naming for your code</a:t>
-            </a:r>
-          </a:p>
-          <a:p>
-            <a:r>
-              <a:rPr lang="en-US" dirty="0"/>
-              <a:t>Object in the ENVIRONMENT</a:t>
-            </a:r>
-          </a:p>
-          <a:p>
-            <a:pPr lvl="1"/>
-            <a:r>
-              <a:rPr lang="en-US" dirty="0"/>
-              <a:t>Any data structure or function that is defined using commands becomes an object in the ENVIRONMENT</a:t>
-            </a:r>
+          <a:lstStyle>
+            <a:lvl1pPr algn="l" defTabSz="457200" rtl="0" eaLnBrk="1" latinLnBrk="0" hangingPunct="1">
+              <a:lnSpc>
+                <a:spcPct val="100000"/>
+              </a:lnSpc>
+              <a:spcBef>
+                <a:spcPct val="0"/>
+              </a:spcBef>
+              <a:buNone/>
+              <a:defRPr sz="2800" b="0" kern="1200" cap="all">
+                <a:solidFill>
+                  <a:schemeClr val="tx1">
+                    <a:lumMod val="75000"/>
+                    <a:lumOff val="25000"/>
+                  </a:schemeClr>
+                </a:solidFill>
+                <a:latin typeface="+mj-lt"/>
+                <a:ea typeface="+mj-ea"/>
+                <a:cs typeface="+mj-cs"/>
+              </a:defRPr>
+            </a:lvl1pPr>
+            <a:lvl2pPr eaLnBrk="1" hangingPunct="1">
+              <a:defRPr>
+                <a:solidFill>
+                  <a:schemeClr val="tx2"/>
+                </a:solidFill>
+              </a:defRPr>
+            </a:lvl2pPr>
+            <a:lvl3pPr eaLnBrk="1" hangingPunct="1">
+              <a:defRPr>
+                <a:solidFill>
+                  <a:schemeClr val="tx2"/>
+                </a:solidFill>
+              </a:defRPr>
+            </a:lvl3pPr>
+            <a:lvl4pPr eaLnBrk="1" hangingPunct="1">
+              <a:defRPr>
+                <a:solidFill>
+                  <a:schemeClr val="tx2"/>
+                </a:solidFill>
+              </a:defRPr>
+            </a:lvl4pPr>
+            <a:lvl5pPr eaLnBrk="1" hangingPunct="1">
+              <a:defRPr>
+                <a:solidFill>
+                  <a:schemeClr val="tx2"/>
+                </a:solidFill>
+              </a:defRPr>
+            </a:lvl5pPr>
+            <a:lvl6pPr eaLnBrk="1" hangingPunct="1">
+              <a:defRPr>
+                <a:solidFill>
+                  <a:schemeClr val="tx2"/>
+                </a:solidFill>
+              </a:defRPr>
+            </a:lvl6pPr>
+            <a:lvl7pPr eaLnBrk="1" hangingPunct="1">
+              <a:defRPr>
+                <a:solidFill>
+                  <a:schemeClr val="tx2"/>
+                </a:solidFill>
+              </a:defRPr>
+            </a:lvl7pPr>
+            <a:lvl8pPr eaLnBrk="1" hangingPunct="1">
+              <a:defRPr>
+                <a:solidFill>
+                  <a:schemeClr val="tx2"/>
+                </a:solidFill>
+              </a:defRPr>
+            </a:lvl8pPr>
+            <a:lvl9pPr eaLnBrk="1" hangingPunct="1">
+              <a:defRPr>
+                <a:solidFill>
+                  <a:schemeClr val="tx2"/>
+                </a:solidFill>
+              </a:defRPr>
+            </a:lvl9pPr>
+          </a:lstStyle>
+          <a:p>
+            <a:r>
+              <a:rPr lang="en-US" dirty="0"/>
+              <a:t>Overview of </a:t>
+            </a:r>
+            <a:r>
+              <a:rPr lang="en-US" dirty="0" err="1"/>
+              <a:t>Cheatsheets</a:t>
+            </a:r>
+            <a:endParaRPr lang="en-US" dirty="0"/>
           </a:p>
         </p:txBody>
       </p:sp>
       <p:pic>
         <p:nvPicPr>
-          <p:cNvPr id="8" name="Picture 7">
+          <p:cNvPr id="6" name="Picture 5">
             <a:extLst>
               <a:ext uri="{FF2B5EF4-FFF2-40B4-BE49-F238E27FC236}">
-                <a16:creationId xmlns:a16="http://schemas.microsoft.com/office/drawing/2014/main" id="{37B7C4EC-5B29-EEF8-1782-E0B06842D72D}"/>
+                <a16:creationId xmlns:a16="http://schemas.microsoft.com/office/drawing/2014/main" id="{FAAE8288-DAA1-8E46-A07E-693A1654BA71}"/>
               </a:ext>
             </a:extLst>
           </p:cNvPr>
@@ -5925,15 +7307,15 @@
           <p:nvPr/>
         </p:nvPicPr>
         <p:blipFill>
-          <a:blip r:embed="rId3"/>
+          <a:blip r:embed="rId2"/>
           <a:stretch>
             <a:fillRect/>
           </a:stretch>
         </p:blipFill>
         <p:spPr>
           <a:xfrm>
-            <a:off x="4291013" y="4360277"/>
-            <a:ext cx="3925888" cy="2319502"/>
+            <a:off x="5361241" y="1664589"/>
+            <a:ext cx="5419725" cy="5010150"/>
           </a:xfrm>
           <a:prstGeom prst="rect">
             <a:avLst/>
@@ -5943,7 +7325,7 @@
     </p:spTree>
     <p:extLst>
       <p:ext uri="{BB962C8B-B14F-4D97-AF65-F5344CB8AC3E}">
-        <p14:creationId xmlns:p14="http://schemas.microsoft.com/office/powerpoint/2010/main" val="2988595269"/>
+        <p14:creationId xmlns:p14="http://schemas.microsoft.com/office/powerpoint/2010/main" val="1066013998"/>
       </p:ext>
     </p:extLst>
   </p:cSld>
@@ -5958,7 +7340,13 @@
   <p:cSld>
     <p:spTree>
       <p:nvGrpSpPr>
-        <p:cNvPr id="1" name=""/>
+        <p:cNvPr id="1" name="">
+          <a:extLst>
+            <a:ext uri="{FF2B5EF4-FFF2-40B4-BE49-F238E27FC236}">
+              <a16:creationId xmlns:a16="http://schemas.microsoft.com/office/drawing/2014/main" id="{B5682076-A12C-1B41-2541-84F0EE3E9EC4}"/>
+            </a:ext>
+          </a:extLst>
+        </p:cNvPr>
         <p:cNvGrpSpPr/>
         <p:nvPr/>
       </p:nvGrpSpPr>
@@ -5975,7 +7363,7 @@
           <p:cNvPr id="3" name="Content Placeholder 2">
             <a:extLst>
               <a:ext uri="{FF2B5EF4-FFF2-40B4-BE49-F238E27FC236}">
-                <a16:creationId xmlns:a16="http://schemas.microsoft.com/office/drawing/2014/main" id="{B6550E35-2BF9-493A-4D3E-3E981252B988}"/>
+                <a16:creationId xmlns:a16="http://schemas.microsoft.com/office/drawing/2014/main" id="{0608D9EA-F9FC-AC7F-95D7-A23A7A6D4FD7}"/>
               </a:ext>
             </a:extLst>
           </p:cNvPr>
@@ -5988,63 +7376,219 @@
         </p:nvSpPr>
         <p:spPr>
           <a:xfrm>
-            <a:off x="416092" y="791464"/>
-            <a:ext cx="11029615" cy="2345436"/>
-          </a:xfrm>
-        </p:spPr>
-        <p:txBody>
-          <a:bodyPr/>
+            <a:off x="580857" y="1399032"/>
+            <a:ext cx="11029615" cy="2880868"/>
+          </a:xfrm>
+        </p:spPr>
+        <p:txBody>
+          <a:bodyPr>
+            <a:normAutofit/>
+          </a:bodyPr>
           <a:lstStyle/>
           <a:p>
             <a:r>
               <a:rPr lang="en-US" dirty="0"/>
-              <a:t>Remove objects</a:t>
-            </a:r>
+              <a:t>.</a:t>
+            </a:r>
+            <a:r>
+              <a:rPr lang="en-US" dirty="0" err="1"/>
+              <a:t>RData</a:t>
+            </a:r>
+            <a:endParaRPr lang="en-US" dirty="0"/>
           </a:p>
           <a:p>
             <a:pPr lvl="1"/>
             <a:r>
               <a:rPr lang="en-US" dirty="0"/>
-              <a:t>The objects can be removed from the ENVIRONMENT</a:t>
+              <a:t>Save your workspace, including variables, data frames, lists, and other objects</a:t>
+            </a:r>
+          </a:p>
+          <a:p>
+            <a:r>
+              <a:rPr lang="en-US" dirty="0"/>
+              <a:t>Cons</a:t>
             </a:r>
           </a:p>
           <a:p>
             <a:pPr lvl="1"/>
             <a:r>
               <a:rPr lang="en-US" dirty="0"/>
-              <a:t>rm(x)</a:t>
-            </a:r>
-          </a:p>
-          <a:p>
-            <a:r>
-              <a:rPr lang="en-US" dirty="0"/>
-              <a:t>Clean ENVIRONMENT</a:t>
+              <a:t>Causing confusions especially when we share code with others and assume they have this .</a:t>
+            </a:r>
+            <a:r>
+              <a:rPr lang="en-US" dirty="0" err="1"/>
+              <a:t>Rdata</a:t>
+            </a:r>
+            <a:r>
+              <a:rPr lang="en-US" dirty="0"/>
+              <a:t> file</a:t>
+            </a:r>
+          </a:p>
+          <a:p>
+            <a:r>
+              <a:rPr lang="en-US" dirty="0"/>
+              <a:t>Tools – Global Options</a:t>
             </a:r>
           </a:p>
           <a:p>
             <a:pPr lvl="1"/>
             <a:r>
               <a:rPr lang="en-US" dirty="0"/>
-              <a:t>Broom icon in the ENVIRONMENT mean bar</a:t>
-            </a:r>
-          </a:p>
-          <a:p>
-            <a:pPr lvl="1"/>
-            <a:r>
-              <a:rPr lang="en-US" dirty="0"/>
-              <a:t>or </a:t>
-            </a:r>
-            <a:r>
-              <a:rPr lang="en-US" b="1" dirty="0"/>
-              <a:t>rm(list=ls())</a:t>
-            </a:r>
-          </a:p>
-        </p:txBody>
-      </p:sp>
+              <a:t>Change the setting as below</a:t>
+            </a:r>
+          </a:p>
+          <a:p>
+            <a:endParaRPr lang="en-US" dirty="0"/>
+          </a:p>
+        </p:txBody>
+      </p:sp>
+      <p:sp>
+        <p:nvSpPr>
+          <p:cNvPr id="4" name="Title 1">
+            <a:extLst>
+              <a:ext uri="{FF2B5EF4-FFF2-40B4-BE49-F238E27FC236}">
+                <a16:creationId xmlns:a16="http://schemas.microsoft.com/office/drawing/2014/main" id="{5BB15C3E-72D3-F3E2-57B4-56FC25D4CB15}"/>
+              </a:ext>
+            </a:extLst>
+          </p:cNvPr>
+          <p:cNvSpPr txBox="1">
+            <a:spLocks/>
+          </p:cNvSpPr>
+          <p:nvPr/>
+        </p:nvSpPr>
+        <p:spPr>
+          <a:xfrm>
+            <a:off x="581025" y="701675"/>
+            <a:ext cx="11029950" cy="501483"/>
+          </a:xfrm>
+          <a:prstGeom prst="rect">
+            <a:avLst/>
+          </a:prstGeom>
+        </p:spPr>
+        <p:txBody>
+          <a:bodyPr vert="horz" lIns="91440" tIns="45720" rIns="91440" bIns="45720" rtlCol="0" anchor="b">
+            <a:normAutofit fontScale="97500" lnSpcReduction="10000"/>
+          </a:bodyPr>
+          <a:lstStyle>
+            <a:lvl1pPr algn="l" defTabSz="457200" rtl="0" eaLnBrk="1" latinLnBrk="0" hangingPunct="1">
+              <a:lnSpc>
+                <a:spcPct val="100000"/>
+              </a:lnSpc>
+              <a:spcBef>
+                <a:spcPct val="0"/>
+              </a:spcBef>
+              <a:buNone/>
+              <a:defRPr sz="2800" b="0" kern="1200" cap="all">
+                <a:solidFill>
+                  <a:schemeClr val="tx1">
+                    <a:lumMod val="75000"/>
+                    <a:lumOff val="25000"/>
+                  </a:schemeClr>
+                </a:solidFill>
+                <a:latin typeface="+mj-lt"/>
+                <a:ea typeface="+mj-ea"/>
+                <a:cs typeface="+mj-cs"/>
+              </a:defRPr>
+            </a:lvl1pPr>
+            <a:lvl2pPr eaLnBrk="1" hangingPunct="1">
+              <a:defRPr>
+                <a:solidFill>
+                  <a:schemeClr val="tx2"/>
+                </a:solidFill>
+              </a:defRPr>
+            </a:lvl2pPr>
+            <a:lvl3pPr eaLnBrk="1" hangingPunct="1">
+              <a:defRPr>
+                <a:solidFill>
+                  <a:schemeClr val="tx2"/>
+                </a:solidFill>
+              </a:defRPr>
+            </a:lvl3pPr>
+            <a:lvl4pPr eaLnBrk="1" hangingPunct="1">
+              <a:defRPr>
+                <a:solidFill>
+                  <a:schemeClr val="tx2"/>
+                </a:solidFill>
+              </a:defRPr>
+            </a:lvl4pPr>
+            <a:lvl5pPr eaLnBrk="1" hangingPunct="1">
+              <a:defRPr>
+                <a:solidFill>
+                  <a:schemeClr val="tx2"/>
+                </a:solidFill>
+              </a:defRPr>
+            </a:lvl5pPr>
+            <a:lvl6pPr eaLnBrk="1" hangingPunct="1">
+              <a:defRPr>
+                <a:solidFill>
+                  <a:schemeClr val="tx2"/>
+                </a:solidFill>
+              </a:defRPr>
+            </a:lvl6pPr>
+            <a:lvl7pPr eaLnBrk="1" hangingPunct="1">
+              <a:defRPr>
+                <a:solidFill>
+                  <a:schemeClr val="tx2"/>
+                </a:solidFill>
+              </a:defRPr>
+            </a:lvl7pPr>
+            <a:lvl8pPr eaLnBrk="1" hangingPunct="1">
+              <a:defRPr>
+                <a:solidFill>
+                  <a:schemeClr val="tx2"/>
+                </a:solidFill>
+              </a:defRPr>
+            </a:lvl8pPr>
+            <a:lvl9pPr eaLnBrk="1" hangingPunct="1">
+              <a:defRPr>
+                <a:solidFill>
+                  <a:schemeClr val="tx2"/>
+                </a:solidFill>
+              </a:defRPr>
+            </a:lvl9pPr>
+          </a:lstStyle>
+          <a:p>
+            <a:r>
+              <a:rPr lang="en-US" dirty="0"/>
+              <a:t>Global setting</a:t>
+            </a:r>
+          </a:p>
+        </p:txBody>
+      </p:sp>
+      <p:pic>
+        <p:nvPicPr>
+          <p:cNvPr id="5" name="Picture 4">
+            <a:extLst>
+              <a:ext uri="{FF2B5EF4-FFF2-40B4-BE49-F238E27FC236}">
+                <a16:creationId xmlns:a16="http://schemas.microsoft.com/office/drawing/2014/main" id="{F21943A9-EA78-62BF-C652-CF0A2A410416}"/>
+              </a:ext>
+            </a:extLst>
+          </p:cNvPr>
+          <p:cNvPicPr>
+            <a:picLocks noChangeAspect="1"/>
+          </p:cNvPicPr>
+          <p:nvPr/>
+        </p:nvPicPr>
+        <p:blipFill>
+          <a:blip r:embed="rId2"/>
+          <a:stretch>
+            <a:fillRect/>
+          </a:stretch>
+        </p:blipFill>
+        <p:spPr>
+          <a:xfrm>
+            <a:off x="3314699" y="4514683"/>
+            <a:ext cx="4898571" cy="1428750"/>
+          </a:xfrm>
+          <a:prstGeom prst="rect">
+            <a:avLst/>
+          </a:prstGeom>
+        </p:spPr>
+      </p:pic>
     </p:spTree>
     <p:extLst>
       <p:ext uri="{BB962C8B-B14F-4D97-AF65-F5344CB8AC3E}">
-        <p14:creationId xmlns:p14="http://schemas.microsoft.com/office/powerpoint/2010/main" val="1480960887"/>
+        <p14:creationId xmlns:p14="http://schemas.microsoft.com/office/powerpoint/2010/main" val="11044047"/>
       </p:ext>
     </p:extLst>
   </p:cSld>
@@ -6076,7 +7620,7 @@
           <p:cNvPr id="2" name="Title 1">
             <a:extLst>
               <a:ext uri="{FF2B5EF4-FFF2-40B4-BE49-F238E27FC236}">
-                <a16:creationId xmlns:a16="http://schemas.microsoft.com/office/drawing/2014/main" id="{F60D52E1-A985-F05E-3DB3-FA1F8CD9DF52}"/>
+                <a16:creationId xmlns:a16="http://schemas.microsoft.com/office/drawing/2014/main" id="{694A5335-D044-A9D6-F5A6-83E3CFFAEC8B}"/>
               </a:ext>
             </a:extLst>
           </p:cNvPr>
@@ -6090,7 +7634,7 @@
         <p:spPr>
           <a:xfrm>
             <a:off x="581192" y="702156"/>
-            <a:ext cx="11029616" cy="597255"/>
+            <a:ext cx="11029616" cy="550572"/>
           </a:xfrm>
         </p:spPr>
         <p:txBody>
@@ -6099,7 +7643,15 @@
           <a:p>
             <a:r>
               <a:rPr lang="en-US" dirty="0"/>
-              <a:t>Preamble</a:t>
+              <a:t>Yanan </a:t>
+            </a:r>
+            <a:r>
+              <a:rPr lang="en-US" dirty="0" err="1"/>
+              <a:t>wu</a:t>
+            </a:r>
+            <a:r>
+              <a:rPr lang="en-US" dirty="0"/>
+              <a:t> – visiting assistant professor</a:t>
             </a:r>
           </a:p>
         </p:txBody>
@@ -6109,7 +7661,7 @@
           <p:cNvPr id="3" name="Content Placeholder 2">
             <a:extLst>
               <a:ext uri="{FF2B5EF4-FFF2-40B4-BE49-F238E27FC236}">
-                <a16:creationId xmlns:a16="http://schemas.microsoft.com/office/drawing/2014/main" id="{967BC616-FD20-0CC3-4E9B-925D39405D29}"/>
+                <a16:creationId xmlns:a16="http://schemas.microsoft.com/office/drawing/2014/main" id="{09C54241-0AA1-AB79-764C-33BEE4C436B4}"/>
               </a:ext>
             </a:extLst>
           </p:cNvPr>
@@ -6122,8 +7674,8 @@
         </p:nvSpPr>
         <p:spPr>
           <a:xfrm>
-            <a:off x="581192" y="1604211"/>
-            <a:ext cx="11029615" cy="1577901"/>
+            <a:off x="581193" y="1371600"/>
+            <a:ext cx="11029615" cy="402336"/>
           </a:xfrm>
         </p:spPr>
         <p:txBody>
@@ -6132,51 +7684,46 @@
           <a:p>
             <a:r>
               <a:rPr lang="en-US" dirty="0"/>
-              <a:t>A good online textbook, </a:t>
-            </a:r>
-            <a:r>
-              <a:rPr lang="en-US" dirty="0">
-                <a:hlinkClick r:id="rId2"/>
-              </a:rPr>
-              <a:t>Hands-on Programming with R</a:t>
-            </a:r>
-            <a:r>
-              <a:rPr lang="en-US" dirty="0"/>
-              <a:t>, for R beginner. </a:t>
-            </a:r>
-          </a:p>
-          <a:p>
-            <a:r>
-              <a:rPr lang="en-US" dirty="0"/>
-              <a:t>Explore the R project website: </a:t>
-            </a:r>
-            <a:r>
-              <a:rPr lang="en-US" dirty="0">
-                <a:hlinkClick r:id="rId3"/>
-              </a:rPr>
-              <a:t>https://www.r-project.org/</a:t>
-            </a:r>
-            <a:endParaRPr lang="en-US" dirty="0"/>
-          </a:p>
-          <a:p>
-            <a:r>
-              <a:rPr lang="en-US" dirty="0"/>
-              <a:t>Explore R Studio: </a:t>
-            </a:r>
-            <a:r>
-              <a:rPr lang="en-US" dirty="0">
-                <a:hlinkClick r:id="rId4"/>
-              </a:rPr>
-              <a:t>https://posit.co/</a:t>
-            </a:r>
-            <a:endParaRPr lang="en-US" dirty="0"/>
-          </a:p>
-        </p:txBody>
-      </p:sp>
+              <a:t>Education &amp; Experience</a:t>
+            </a:r>
+          </a:p>
+        </p:txBody>
+      </p:sp>
+      <p:pic>
+        <p:nvPicPr>
+          <p:cNvPr id="5" name="Picture 4">
+            <a:hlinkClick r:id="rId2"/>
+            <a:extLst>
+              <a:ext uri="{FF2B5EF4-FFF2-40B4-BE49-F238E27FC236}">
+                <a16:creationId xmlns:a16="http://schemas.microsoft.com/office/drawing/2014/main" id="{CE1E62D1-9FDA-1F7B-7898-9F807EE6C56B}"/>
+              </a:ext>
+            </a:extLst>
+          </p:cNvPr>
+          <p:cNvPicPr>
+            <a:picLocks noChangeAspect="1"/>
+          </p:cNvPicPr>
+          <p:nvPr/>
+        </p:nvPicPr>
+        <p:blipFill>
+          <a:blip r:embed="rId3"/>
+          <a:stretch>
+            <a:fillRect/>
+          </a:stretch>
+        </p:blipFill>
+        <p:spPr>
+          <a:xfrm>
+            <a:off x="2120766" y="1892808"/>
+            <a:ext cx="8296977" cy="4263036"/>
+          </a:xfrm>
+          <a:prstGeom prst="rect">
+            <a:avLst/>
+          </a:prstGeom>
+        </p:spPr>
+      </p:pic>
     </p:spTree>
     <p:extLst>
       <p:ext uri="{BB962C8B-B14F-4D97-AF65-F5344CB8AC3E}">
-        <p14:creationId xmlns:p14="http://schemas.microsoft.com/office/powerpoint/2010/main" val="1235554213"/>
+        <p14:creationId xmlns:p14="http://schemas.microsoft.com/office/powerpoint/2010/main" val="1997607590"/>
       </p:ext>
     </p:extLst>
   </p:cSld>
@@ -6208,7 +7755,7 @@
           <p:cNvPr id="2" name="Title 1">
             <a:extLst>
               <a:ext uri="{FF2B5EF4-FFF2-40B4-BE49-F238E27FC236}">
-                <a16:creationId xmlns:a16="http://schemas.microsoft.com/office/drawing/2014/main" id="{8862BBB0-0FBE-B2B8-506E-78322C7EB688}"/>
+                <a16:creationId xmlns:a16="http://schemas.microsoft.com/office/drawing/2014/main" id="{50D2A139-2790-9F36-8039-3093833807CA}"/>
               </a:ext>
             </a:extLst>
           </p:cNvPr>
@@ -6222,7 +7769,7 @@
         <p:spPr>
           <a:xfrm>
             <a:off x="581192" y="702156"/>
-            <a:ext cx="11029616" cy="523140"/>
+            <a:ext cx="11029616" cy="539503"/>
           </a:xfrm>
         </p:spPr>
         <p:txBody>
@@ -6231,7 +7778,7 @@
           <a:p>
             <a:r>
               <a:rPr lang="en-US" dirty="0"/>
-              <a:t>LIST IN R</a:t>
+              <a:t>Working directory</a:t>
             </a:r>
           </a:p>
         </p:txBody>
@@ -6241,7 +7788,7 @@
           <p:cNvPr id="3" name="Content Placeholder 2">
             <a:extLst>
               <a:ext uri="{FF2B5EF4-FFF2-40B4-BE49-F238E27FC236}">
-                <a16:creationId xmlns:a16="http://schemas.microsoft.com/office/drawing/2014/main" id="{BAAB52E6-6887-C0A3-DDE3-CA6AAA229011}"/>
+                <a16:creationId xmlns:a16="http://schemas.microsoft.com/office/drawing/2014/main" id="{670E37AD-2FD4-FD3C-3528-762DC00DBCD7}"/>
               </a:ext>
             </a:extLst>
           </p:cNvPr>
@@ -6254,69 +7801,155 @@
         </p:nvSpPr>
         <p:spPr>
           <a:xfrm>
-            <a:off x="581193" y="1437540"/>
-            <a:ext cx="11029615" cy="2988156"/>
+            <a:off x="581192" y="1241659"/>
+            <a:ext cx="11029615" cy="3939941"/>
           </a:xfrm>
         </p:spPr>
         <p:txBody>
           <a:bodyPr>
-            <a:normAutofit/>
+            <a:normAutofit fontScale="92500" lnSpcReduction="20000"/>
           </a:bodyPr>
           <a:lstStyle/>
           <a:p>
             <a:r>
               <a:rPr lang="en-US" dirty="0"/>
-              <a:t>Creating a list</a:t>
+              <a:t>Get working directory where your scripts and workspaces are stored</a:t>
             </a:r>
           </a:p>
           <a:p>
             <a:pPr lvl="1"/>
             <a:r>
-              <a:rPr lang="en-US" dirty="0"/>
-              <a:t>A list in R is a flexible data structure that can contain elements of different types: numbers, characters, vectors, matrices, data frames, or even other lists.</a:t>
+              <a:rPr lang="en-US" b="1" dirty="0" err="1"/>
+              <a:t>getwd</a:t>
+            </a:r>
+            <a:r>
+              <a:rPr lang="en-US" b="1" dirty="0"/>
+              <a:t>()</a:t>
             </a:r>
           </a:p>
           <a:p>
             <a:pPr lvl="1"/>
             <a:r>
               <a:rPr lang="en-US" dirty="0"/>
-              <a:t>It's like a container for multiple objects.</a:t>
+              <a:t>Run this command: </a:t>
+            </a:r>
+          </a:p>
+          <a:p>
+            <a:pPr lvl="2"/>
+            <a:r>
+              <a:rPr lang="en-US" dirty="0"/>
+              <a:t>Ctrl + Enter</a:t>
+            </a:r>
+          </a:p>
+          <a:p>
+            <a:pPr lvl="2"/>
+            <a:r>
+              <a:rPr lang="en-US" dirty="0"/>
+              <a:t>Or Run in R</a:t>
             </a:r>
           </a:p>
           <a:p>
             <a:pPr lvl="1"/>
+            <a:r>
+              <a:rPr lang="en-US" dirty="0"/>
+              <a:t>The returning strings, </a:t>
+            </a:r>
+            <a:r>
+              <a:rPr lang="en-US" dirty="0" err="1"/>
+              <a:t>e.g.,"C</a:t>
+            </a:r>
+            <a:r>
+              <a:rPr lang="en-US" dirty="0"/>
+              <a:t>:/Users/yy00021/Documents“ is the path to the working directory</a:t>
+            </a:r>
+          </a:p>
+          <a:p>
+            <a:pPr lvl="1"/>
+            <a:r>
+              <a:rPr lang="en-US" dirty="0"/>
+              <a:t>The windows convention uses slash \ to separate sub-directories</a:t>
+            </a:r>
+          </a:p>
+          <a:p>
+            <a:pPr lvl="1"/>
+            <a:r>
+              <a:rPr lang="en-US" dirty="0"/>
+              <a:t>However, R uses forward slash / or a double backward slash \\</a:t>
+            </a:r>
+          </a:p>
+          <a:p>
+            <a:r>
+              <a:rPr lang="en-US" dirty="0"/>
+              <a:t>Change working directory</a:t>
+            </a:r>
+          </a:p>
+          <a:p>
+            <a:pPr lvl="1"/>
+            <a:r>
+              <a:rPr lang="en-US" dirty="0"/>
+              <a:t>I suggest you to setup a specific directory for this course</a:t>
+            </a:r>
+          </a:p>
+          <a:p>
+            <a:pPr lvl="1"/>
+            <a:r>
+              <a:rPr lang="en-US" b="1" dirty="0" err="1"/>
+              <a:t>setwd</a:t>
+            </a:r>
+            <a:r>
+              <a:rPr lang="en-US" b="1" dirty="0"/>
+              <a:t>('D:\\Spring2025\\geog247’)</a:t>
+            </a:r>
+          </a:p>
+          <a:p>
+            <a:pPr lvl="1"/>
+            <a:r>
+              <a:rPr lang="en-US" dirty="0"/>
+              <a:t>Now check your working directory again</a:t>
+            </a:r>
+          </a:p>
+          <a:p>
+            <a:pPr marL="0" indent="0">
+              <a:buNone/>
+            </a:pPr>
             <a:endParaRPr lang="en-US" dirty="0"/>
           </a:p>
-          <a:p>
-            <a:r>
-              <a:rPr lang="en-US" dirty="0"/>
-              <a:t>Accessing elements in a list</a:t>
-            </a:r>
-          </a:p>
-          <a:p>
-            <a:pPr lvl="1"/>
-            <a:r>
-              <a:rPr lang="en-US" dirty="0"/>
-              <a:t>Use [[ ]] to access elements by position or name.</a:t>
-            </a:r>
-          </a:p>
-          <a:p>
-            <a:pPr lvl="1"/>
-            <a:r>
-              <a:rPr lang="en-US" dirty="0"/>
-              <a:t>Use $ to access elements by name.</a:t>
-            </a:r>
-          </a:p>
-          <a:p>
-            <a:pPr lvl="1"/>
-            <a:endParaRPr lang="en-US" dirty="0"/>
-          </a:p>
-        </p:txBody>
-      </p:sp>
+        </p:txBody>
+      </p:sp>
+      <p:pic>
+        <p:nvPicPr>
+          <p:cNvPr id="6" name="Picture 5">
+            <a:extLst>
+              <a:ext uri="{FF2B5EF4-FFF2-40B4-BE49-F238E27FC236}">
+                <a16:creationId xmlns:a16="http://schemas.microsoft.com/office/drawing/2014/main" id="{1572028A-EB70-4189-9D53-F23CB4815738}"/>
+              </a:ext>
+            </a:extLst>
+          </p:cNvPr>
+          <p:cNvPicPr>
+            <a:picLocks noChangeAspect="1"/>
+          </p:cNvPicPr>
+          <p:nvPr/>
+        </p:nvPicPr>
+        <p:blipFill>
+          <a:blip r:embed="rId2"/>
+          <a:stretch>
+            <a:fillRect/>
+          </a:stretch>
+        </p:blipFill>
+        <p:spPr>
+          <a:xfrm>
+            <a:off x="3709986" y="5279136"/>
+            <a:ext cx="5838825" cy="1190625"/>
+          </a:xfrm>
+          <a:prstGeom prst="rect">
+            <a:avLst/>
+          </a:prstGeom>
+        </p:spPr>
+      </p:pic>
     </p:spTree>
     <p:extLst>
       <p:ext uri="{BB962C8B-B14F-4D97-AF65-F5344CB8AC3E}">
-        <p14:creationId xmlns:p14="http://schemas.microsoft.com/office/powerpoint/2010/main" val="226845293"/>
+        <p14:creationId xmlns:p14="http://schemas.microsoft.com/office/powerpoint/2010/main" val="4014460686"/>
       </p:ext>
     </p:extLst>
   </p:cSld>
@@ -6348,6 +7981,1037 @@
           <p:cNvPr id="2" name="Title 1">
             <a:extLst>
               <a:ext uri="{FF2B5EF4-FFF2-40B4-BE49-F238E27FC236}">
+                <a16:creationId xmlns:a16="http://schemas.microsoft.com/office/drawing/2014/main" id="{6A0AD525-6325-EF8B-4801-D06B656FF186}"/>
+              </a:ext>
+            </a:extLst>
+          </p:cNvPr>
+          <p:cNvSpPr>
+            <a:spLocks noGrp="1"/>
+          </p:cNvSpPr>
+          <p:nvPr>
+            <p:ph type="title"/>
+          </p:nvPr>
+        </p:nvSpPr>
+        <p:spPr>
+          <a:xfrm>
+            <a:off x="581192" y="702156"/>
+            <a:ext cx="11029616" cy="542444"/>
+          </a:xfrm>
+        </p:spPr>
+        <p:txBody>
+          <a:bodyPr/>
+          <a:lstStyle/>
+          <a:p>
+            <a:r>
+              <a:rPr lang="en-US" dirty="0"/>
+              <a:t>Console window</a:t>
+            </a:r>
+          </a:p>
+        </p:txBody>
+      </p:sp>
+      <p:sp>
+        <p:nvSpPr>
+          <p:cNvPr id="3" name="Content Placeholder 2">
+            <a:extLst>
+              <a:ext uri="{FF2B5EF4-FFF2-40B4-BE49-F238E27FC236}">
+                <a16:creationId xmlns:a16="http://schemas.microsoft.com/office/drawing/2014/main" id="{9FB82D45-6541-3BC0-1254-BF76E069D40A}"/>
+              </a:ext>
+            </a:extLst>
+          </p:cNvPr>
+          <p:cNvSpPr>
+            <a:spLocks noGrp="1"/>
+          </p:cNvSpPr>
+          <p:nvPr>
+            <p:ph idx="1"/>
+          </p:nvPr>
+        </p:nvSpPr>
+        <p:spPr>
+          <a:xfrm>
+            <a:off x="581193" y="1515364"/>
+            <a:ext cx="11029615" cy="1088136"/>
+          </a:xfrm>
+        </p:spPr>
+        <p:txBody>
+          <a:bodyPr/>
+          <a:lstStyle/>
+          <a:p>
+            <a:r>
+              <a:rPr lang="en-US" dirty="0"/>
+              <a:t>The character &gt; in CONSOLE window indicates that R is ready to receive new commands</a:t>
+            </a:r>
+          </a:p>
+          <a:p>
+            <a:r>
+              <a:rPr lang="en-US" dirty="0"/>
+              <a:t>It show up when R completed executing a script</a:t>
+            </a:r>
+          </a:p>
+        </p:txBody>
+      </p:sp>
+      <p:pic>
+        <p:nvPicPr>
+          <p:cNvPr id="5" name="Picture 4">
+            <a:extLst>
+              <a:ext uri="{FF2B5EF4-FFF2-40B4-BE49-F238E27FC236}">
+                <a16:creationId xmlns:a16="http://schemas.microsoft.com/office/drawing/2014/main" id="{F3D03ABD-ABCA-897C-7982-0DE5B2775EC8}"/>
+              </a:ext>
+            </a:extLst>
+          </p:cNvPr>
+          <p:cNvPicPr>
+            <a:picLocks noChangeAspect="1"/>
+          </p:cNvPicPr>
+          <p:nvPr/>
+        </p:nvPicPr>
+        <p:blipFill>
+          <a:blip r:embed="rId2"/>
+          <a:stretch>
+            <a:fillRect/>
+          </a:stretch>
+        </p:blipFill>
+        <p:spPr>
+          <a:xfrm>
+            <a:off x="3952812" y="2884488"/>
+            <a:ext cx="4286376" cy="2740025"/>
+          </a:xfrm>
+          <a:prstGeom prst="rect">
+            <a:avLst/>
+          </a:prstGeom>
+        </p:spPr>
+      </p:pic>
+    </p:spTree>
+    <p:extLst>
+      <p:ext uri="{BB962C8B-B14F-4D97-AF65-F5344CB8AC3E}">
+        <p14:creationId xmlns:p14="http://schemas.microsoft.com/office/powerpoint/2010/main" val="2389625453"/>
+      </p:ext>
+    </p:extLst>
+  </p:cSld>
+  <p:clrMapOvr>
+    <a:masterClrMapping/>
+  </p:clrMapOvr>
+</p:sld>
+</file>
+
+<file path=ppt/slides/slide22.xml><?xml version="1.0" encoding="utf-8"?>
+<p:sld xmlns:a="http://schemas.openxmlformats.org/drawingml/2006/main" xmlns:r="http://schemas.openxmlformats.org/officeDocument/2006/relationships" xmlns:p="http://schemas.openxmlformats.org/presentationml/2006/main">
+  <p:cSld>
+    <p:spTree>
+      <p:nvGrpSpPr>
+        <p:cNvPr id="1" name=""/>
+        <p:cNvGrpSpPr/>
+        <p:nvPr/>
+      </p:nvGrpSpPr>
+      <p:grpSpPr>
+        <a:xfrm>
+          <a:off x="0" y="0"/>
+          <a:ext cx="0" cy="0"/>
+          <a:chOff x="0" y="0"/>
+          <a:chExt cx="0" cy="0"/>
+        </a:xfrm>
+      </p:grpSpPr>
+      <p:sp>
+        <p:nvSpPr>
+          <p:cNvPr id="2" name="Title 1">
+            <a:extLst>
+              <a:ext uri="{FF2B5EF4-FFF2-40B4-BE49-F238E27FC236}">
+                <a16:creationId xmlns:a16="http://schemas.microsoft.com/office/drawing/2014/main" id="{9A4FB617-0BCB-C1CE-4B9D-49228296F6E6}"/>
+              </a:ext>
+            </a:extLst>
+          </p:cNvPr>
+          <p:cNvSpPr>
+            <a:spLocks noGrp="1"/>
+          </p:cNvSpPr>
+          <p:nvPr>
+            <p:ph type="title"/>
+          </p:nvPr>
+        </p:nvSpPr>
+        <p:spPr>
+          <a:xfrm>
+            <a:off x="581192" y="702156"/>
+            <a:ext cx="11029616" cy="529744"/>
+          </a:xfrm>
+        </p:spPr>
+        <p:txBody>
+          <a:bodyPr/>
+          <a:lstStyle/>
+          <a:p>
+            <a:r>
+              <a:rPr lang="en-US" dirty="0"/>
+              <a:t>Terminate script</a:t>
+            </a:r>
+          </a:p>
+        </p:txBody>
+      </p:sp>
+      <p:sp>
+        <p:nvSpPr>
+          <p:cNvPr id="3" name="Content Placeholder 2">
+            <a:extLst>
+              <a:ext uri="{FF2B5EF4-FFF2-40B4-BE49-F238E27FC236}">
+                <a16:creationId xmlns:a16="http://schemas.microsoft.com/office/drawing/2014/main" id="{AE0C35A7-D4E0-26A7-CE19-9944604079C1}"/>
+              </a:ext>
+            </a:extLst>
+          </p:cNvPr>
+          <p:cNvSpPr>
+            <a:spLocks noGrp="1"/>
+          </p:cNvSpPr>
+          <p:nvPr>
+            <p:ph idx="1"/>
+          </p:nvPr>
+        </p:nvSpPr>
+        <p:spPr>
+          <a:xfrm>
+            <a:off x="581193" y="1439164"/>
+            <a:ext cx="11029615" cy="1900936"/>
+          </a:xfrm>
+        </p:spPr>
+        <p:txBody>
+          <a:bodyPr>
+            <a:normAutofit/>
+          </a:bodyPr>
+          <a:lstStyle/>
+          <a:p>
+            <a:r>
+              <a:rPr lang="en-US" dirty="0"/>
+              <a:t>The Esc Key or pressing          in the CONSOLE window to terminate the script</a:t>
+            </a:r>
+          </a:p>
+          <a:p>
+            <a:endParaRPr lang="en-US" dirty="0"/>
+          </a:p>
+        </p:txBody>
+      </p:sp>
+      <p:pic>
+        <p:nvPicPr>
+          <p:cNvPr id="7" name="Picture 6">
+            <a:extLst>
+              <a:ext uri="{FF2B5EF4-FFF2-40B4-BE49-F238E27FC236}">
+                <a16:creationId xmlns:a16="http://schemas.microsoft.com/office/drawing/2014/main" id="{25D4BBB6-2E94-F3E5-3D6B-0E0F3192478D}"/>
+              </a:ext>
+            </a:extLst>
+          </p:cNvPr>
+          <p:cNvPicPr>
+            <a:picLocks noChangeAspect="1"/>
+          </p:cNvPicPr>
+          <p:nvPr/>
+        </p:nvPicPr>
+        <p:blipFill>
+          <a:blip r:embed="rId2"/>
+          <a:stretch>
+            <a:fillRect/>
+          </a:stretch>
+        </p:blipFill>
+        <p:spPr>
+          <a:xfrm>
+            <a:off x="3351213" y="2037652"/>
+            <a:ext cx="333375" cy="377380"/>
+          </a:xfrm>
+          <a:prstGeom prst="rect">
+            <a:avLst/>
+          </a:prstGeom>
+        </p:spPr>
+      </p:pic>
+      <p:pic>
+        <p:nvPicPr>
+          <p:cNvPr id="9" name="Picture 8">
+            <a:extLst>
+              <a:ext uri="{FF2B5EF4-FFF2-40B4-BE49-F238E27FC236}">
+                <a16:creationId xmlns:a16="http://schemas.microsoft.com/office/drawing/2014/main" id="{AA40E618-1799-55AC-3273-D4A3C9304AE1}"/>
+              </a:ext>
+            </a:extLst>
+          </p:cNvPr>
+          <p:cNvPicPr>
+            <a:picLocks noChangeAspect="1"/>
+          </p:cNvPicPr>
+          <p:nvPr/>
+        </p:nvPicPr>
+        <p:blipFill>
+          <a:blip r:embed="rId3"/>
+          <a:stretch>
+            <a:fillRect/>
+          </a:stretch>
+        </p:blipFill>
+        <p:spPr>
+          <a:xfrm>
+            <a:off x="4098925" y="3162300"/>
+            <a:ext cx="3089275" cy="1669087"/>
+          </a:xfrm>
+          <a:prstGeom prst="rect">
+            <a:avLst/>
+          </a:prstGeom>
+        </p:spPr>
+      </p:pic>
+    </p:spTree>
+    <p:extLst>
+      <p:ext uri="{BB962C8B-B14F-4D97-AF65-F5344CB8AC3E}">
+        <p14:creationId xmlns:p14="http://schemas.microsoft.com/office/powerpoint/2010/main" val="2878464367"/>
+      </p:ext>
+    </p:extLst>
+  </p:cSld>
+  <p:clrMapOvr>
+    <a:masterClrMapping/>
+  </p:clrMapOvr>
+</p:sld>
+</file>
+
+<file path=ppt/slides/slide23.xml><?xml version="1.0" encoding="utf-8"?>
+<p:sld xmlns:a="http://schemas.openxmlformats.org/drawingml/2006/main" xmlns:r="http://schemas.openxmlformats.org/officeDocument/2006/relationships" xmlns:p="http://schemas.openxmlformats.org/presentationml/2006/main">
+  <p:cSld>
+    <p:spTree>
+      <p:nvGrpSpPr>
+        <p:cNvPr id="1" name=""/>
+        <p:cNvGrpSpPr/>
+        <p:nvPr/>
+      </p:nvGrpSpPr>
+      <p:grpSpPr>
+        <a:xfrm>
+          <a:off x="0" y="0"/>
+          <a:ext cx="0" cy="0"/>
+          <a:chOff x="0" y="0"/>
+          <a:chExt cx="0" cy="0"/>
+        </a:xfrm>
+      </p:grpSpPr>
+      <p:sp>
+        <p:nvSpPr>
+          <p:cNvPr id="3" name="Content Placeholder 2">
+            <a:extLst>
+              <a:ext uri="{FF2B5EF4-FFF2-40B4-BE49-F238E27FC236}">
+                <a16:creationId xmlns:a16="http://schemas.microsoft.com/office/drawing/2014/main" id="{D3DDF26D-3409-3B61-A862-04A7F7A61AAF}"/>
+              </a:ext>
+            </a:extLst>
+          </p:cNvPr>
+          <p:cNvSpPr>
+            <a:spLocks noGrp="1"/>
+          </p:cNvSpPr>
+          <p:nvPr>
+            <p:ph idx="1"/>
+          </p:nvPr>
+        </p:nvSpPr>
+        <p:spPr>
+          <a:xfrm>
+            <a:off x="581360" y="1439164"/>
+            <a:ext cx="11029615" cy="2523236"/>
+          </a:xfrm>
+        </p:spPr>
+        <p:txBody>
+          <a:bodyPr/>
+          <a:lstStyle/>
+          <a:p>
+            <a:r>
+              <a:rPr lang="en-US" dirty="0"/>
+              <a:t>Get help for activate libraries</a:t>
+            </a:r>
+          </a:p>
+          <a:p>
+            <a:pPr lvl="1"/>
+            <a:r>
+              <a:rPr lang="en-US" b="1" dirty="0"/>
+              <a:t>help('</a:t>
+            </a:r>
+            <a:r>
+              <a:rPr lang="en-US" b="1" dirty="0" err="1"/>
+              <a:t>dplyr</a:t>
+            </a:r>
+            <a:r>
+              <a:rPr lang="en-US" b="1" dirty="0"/>
+              <a:t>’)</a:t>
+            </a:r>
+          </a:p>
+          <a:p>
+            <a:pPr lvl="1"/>
+            <a:r>
+              <a:rPr lang="en-US" b="1" dirty="0"/>
+              <a:t>?</a:t>
+            </a:r>
+            <a:r>
+              <a:rPr lang="en-US" b="1" dirty="0" err="1"/>
+              <a:t>dplyr</a:t>
+            </a:r>
+            <a:endParaRPr lang="en-US" b="1" dirty="0"/>
+          </a:p>
+          <a:p>
+            <a:r>
+              <a:rPr lang="en-US" dirty="0"/>
+              <a:t>Get help for all installed libraries</a:t>
+            </a:r>
+          </a:p>
+          <a:p>
+            <a:pPr lvl="1"/>
+            <a:r>
+              <a:rPr lang="en-US" b="1" dirty="0"/>
+              <a:t>??</a:t>
+            </a:r>
+            <a:r>
+              <a:rPr lang="en-US" b="1" dirty="0" err="1"/>
+              <a:t>dplyr</a:t>
+            </a:r>
+            <a:endParaRPr lang="en-US" b="1" dirty="0"/>
+          </a:p>
+          <a:p>
+            <a:pPr lvl="1"/>
+            <a:r>
+              <a:rPr lang="en-US" b="1" dirty="0" err="1"/>
+              <a:t>help.search</a:t>
+            </a:r>
+            <a:r>
+              <a:rPr lang="en-US" b="1" dirty="0"/>
+              <a:t>('</a:t>
+            </a:r>
+            <a:r>
+              <a:rPr lang="en-US" b="1" dirty="0" err="1"/>
+              <a:t>dplyr</a:t>
+            </a:r>
+            <a:r>
+              <a:rPr lang="en-US" b="1" dirty="0"/>
+              <a:t>’)</a:t>
+            </a:r>
+          </a:p>
+        </p:txBody>
+      </p:sp>
+      <p:sp>
+        <p:nvSpPr>
+          <p:cNvPr id="4" name="Title 1">
+            <a:extLst>
+              <a:ext uri="{FF2B5EF4-FFF2-40B4-BE49-F238E27FC236}">
+                <a16:creationId xmlns:a16="http://schemas.microsoft.com/office/drawing/2014/main" id="{67EB2CE0-F35D-8DEB-2335-CF5D692017F9}"/>
+              </a:ext>
+            </a:extLst>
+          </p:cNvPr>
+          <p:cNvSpPr>
+            <a:spLocks noGrp="1"/>
+          </p:cNvSpPr>
+          <p:nvPr>
+            <p:ph type="title"/>
+          </p:nvPr>
+        </p:nvSpPr>
+        <p:spPr>
+          <a:xfrm>
+            <a:off x="581025" y="701675"/>
+            <a:ext cx="11029950" cy="644525"/>
+          </a:xfrm>
+        </p:spPr>
+        <p:txBody>
+          <a:bodyPr/>
+          <a:lstStyle/>
+          <a:p>
+            <a:r>
+              <a:rPr lang="en-US" dirty="0"/>
+              <a:t>Get help</a:t>
+            </a:r>
+          </a:p>
+        </p:txBody>
+      </p:sp>
+    </p:spTree>
+    <p:extLst>
+      <p:ext uri="{BB962C8B-B14F-4D97-AF65-F5344CB8AC3E}">
+        <p14:creationId xmlns:p14="http://schemas.microsoft.com/office/powerpoint/2010/main" val="1958447161"/>
+      </p:ext>
+    </p:extLst>
+  </p:cSld>
+  <p:clrMapOvr>
+    <a:masterClrMapping/>
+  </p:clrMapOvr>
+</p:sld>
+</file>
+
+<file path=ppt/slides/slide24.xml><?xml version="1.0" encoding="utf-8"?>
+<p:sld xmlns:a="http://schemas.openxmlformats.org/drawingml/2006/main" xmlns:r="http://schemas.openxmlformats.org/officeDocument/2006/relationships" xmlns:p="http://schemas.openxmlformats.org/presentationml/2006/main">
+  <p:cSld>
+    <p:spTree>
+      <p:nvGrpSpPr>
+        <p:cNvPr id="1" name=""/>
+        <p:cNvGrpSpPr/>
+        <p:nvPr/>
+      </p:nvGrpSpPr>
+      <p:grpSpPr>
+        <a:xfrm>
+          <a:off x="0" y="0"/>
+          <a:ext cx="0" cy="0"/>
+          <a:chOff x="0" y="0"/>
+          <a:chExt cx="0" cy="0"/>
+        </a:xfrm>
+      </p:grpSpPr>
+      <p:sp>
+        <p:nvSpPr>
+          <p:cNvPr id="3" name="Content Placeholder 2">
+            <a:extLst>
+              <a:ext uri="{FF2B5EF4-FFF2-40B4-BE49-F238E27FC236}">
+                <a16:creationId xmlns:a16="http://schemas.microsoft.com/office/drawing/2014/main" id="{67B8AD7F-42F4-0E7A-EFB9-DE8B64C3C19D}"/>
+              </a:ext>
+            </a:extLst>
+          </p:cNvPr>
+          <p:cNvSpPr>
+            <a:spLocks noGrp="1"/>
+          </p:cNvSpPr>
+          <p:nvPr>
+            <p:ph idx="1"/>
+          </p:nvPr>
+        </p:nvSpPr>
+        <p:spPr>
+          <a:xfrm>
+            <a:off x="581360" y="1532382"/>
+            <a:ext cx="11029615" cy="2520061"/>
+          </a:xfrm>
+        </p:spPr>
+        <p:txBody>
+          <a:bodyPr/>
+          <a:lstStyle/>
+          <a:p>
+            <a:r>
+              <a:rPr lang="en-US" dirty="0"/>
+              <a:t>All commands (or programs) can be stored in external *.R script-files</a:t>
+            </a:r>
+          </a:p>
+          <a:p>
+            <a:r>
+              <a:rPr lang="en-US" dirty="0"/>
+              <a:t>Single command or a set of highlighted commands can be run using shortcut (</a:t>
+            </a:r>
+            <a:r>
+              <a:rPr lang="en-US" dirty="0" err="1"/>
+              <a:t>shift+enter</a:t>
+            </a:r>
+            <a:r>
+              <a:rPr lang="en-US" dirty="0"/>
+              <a:t>) or Run button in R</a:t>
+            </a:r>
+          </a:p>
+          <a:p>
+            <a:r>
+              <a:rPr lang="en-US" dirty="0"/>
+              <a:t>All commands can be run use the Source button in R </a:t>
+            </a:r>
+          </a:p>
+          <a:p>
+            <a:r>
+              <a:rPr lang="en-US" dirty="0"/>
+              <a:t>Scroll through the history of previously commands in R</a:t>
+            </a:r>
+          </a:p>
+          <a:p>
+            <a:r>
+              <a:rPr lang="en-US" dirty="0"/>
+              <a:t>Using shortcut key (Ctrl + L ) or broom icon to clean the      Console window</a:t>
+            </a:r>
+          </a:p>
+        </p:txBody>
+      </p:sp>
+      <p:sp>
+        <p:nvSpPr>
+          <p:cNvPr id="4" name="Title 1">
+            <a:extLst>
+              <a:ext uri="{FF2B5EF4-FFF2-40B4-BE49-F238E27FC236}">
+                <a16:creationId xmlns:a16="http://schemas.microsoft.com/office/drawing/2014/main" id="{01FEB705-D340-D2E9-9D37-9147EF5B5F65}"/>
+              </a:ext>
+            </a:extLst>
+          </p:cNvPr>
+          <p:cNvSpPr>
+            <a:spLocks noGrp="1"/>
+          </p:cNvSpPr>
+          <p:nvPr>
+            <p:ph type="title"/>
+          </p:nvPr>
+        </p:nvSpPr>
+        <p:spPr>
+          <a:xfrm>
+            <a:off x="581025" y="701675"/>
+            <a:ext cx="11029950" cy="581025"/>
+          </a:xfrm>
+        </p:spPr>
+        <p:txBody>
+          <a:bodyPr/>
+          <a:lstStyle/>
+          <a:p>
+            <a:r>
+              <a:rPr lang="en-US" dirty="0"/>
+              <a:t>Interacting with the R-CONSOLE</a:t>
+            </a:r>
+          </a:p>
+        </p:txBody>
+      </p:sp>
+      <p:pic>
+        <p:nvPicPr>
+          <p:cNvPr id="6" name="Picture 5">
+            <a:extLst>
+              <a:ext uri="{FF2B5EF4-FFF2-40B4-BE49-F238E27FC236}">
+                <a16:creationId xmlns:a16="http://schemas.microsoft.com/office/drawing/2014/main" id="{2E220579-ED63-04FA-485C-3B09265B8A79}"/>
+              </a:ext>
+            </a:extLst>
+          </p:cNvPr>
+          <p:cNvPicPr>
+            <a:picLocks noChangeAspect="1"/>
+          </p:cNvPicPr>
+          <p:nvPr/>
+        </p:nvPicPr>
+        <p:blipFill>
+          <a:blip r:embed="rId2"/>
+          <a:stretch>
+            <a:fillRect/>
+          </a:stretch>
+        </p:blipFill>
+        <p:spPr>
+          <a:xfrm>
+            <a:off x="6096000" y="3515741"/>
+            <a:ext cx="314325" cy="285750"/>
+          </a:xfrm>
+          <a:prstGeom prst="rect">
+            <a:avLst/>
+          </a:prstGeom>
+        </p:spPr>
+      </p:pic>
+    </p:spTree>
+    <p:extLst>
+      <p:ext uri="{BB962C8B-B14F-4D97-AF65-F5344CB8AC3E}">
+        <p14:creationId xmlns:p14="http://schemas.microsoft.com/office/powerpoint/2010/main" val="3114780084"/>
+      </p:ext>
+    </p:extLst>
+  </p:cSld>
+  <p:clrMapOvr>
+    <a:masterClrMapping/>
+  </p:clrMapOvr>
+</p:sld>
+</file>
+
+<file path=ppt/slides/slide25.xml><?xml version="1.0" encoding="utf-8"?>
+<p:sld xmlns:a="http://schemas.openxmlformats.org/drawingml/2006/main" xmlns:r="http://schemas.openxmlformats.org/officeDocument/2006/relationships" xmlns:p="http://schemas.openxmlformats.org/presentationml/2006/main">
+  <p:cSld>
+    <p:spTree>
+      <p:nvGrpSpPr>
+        <p:cNvPr id="1" name=""/>
+        <p:cNvGrpSpPr/>
+        <p:nvPr/>
+      </p:nvGrpSpPr>
+      <p:grpSpPr>
+        <a:xfrm>
+          <a:off x="0" y="0"/>
+          <a:ext cx="0" cy="0"/>
+          <a:chOff x="0" y="0"/>
+          <a:chExt cx="0" cy="0"/>
+        </a:xfrm>
+      </p:grpSpPr>
+      <p:sp>
+        <p:nvSpPr>
+          <p:cNvPr id="2" name="Title 1">
+            <a:extLst>
+              <a:ext uri="{FF2B5EF4-FFF2-40B4-BE49-F238E27FC236}">
+                <a16:creationId xmlns:a16="http://schemas.microsoft.com/office/drawing/2014/main" id="{73A6EBB3-287E-391B-DECC-971C9FA4A07B}"/>
+              </a:ext>
+            </a:extLst>
+          </p:cNvPr>
+          <p:cNvSpPr>
+            <a:spLocks noGrp="1"/>
+          </p:cNvSpPr>
+          <p:nvPr>
+            <p:ph type="title"/>
+          </p:nvPr>
+        </p:nvSpPr>
+        <p:spPr>
+          <a:xfrm>
+            <a:off x="581192" y="702156"/>
+            <a:ext cx="11029616" cy="567844"/>
+          </a:xfrm>
+        </p:spPr>
+        <p:txBody>
+          <a:bodyPr/>
+          <a:lstStyle/>
+          <a:p>
+            <a:r>
+              <a:rPr lang="en-US" dirty="0"/>
+              <a:t>Variables in r</a:t>
+            </a:r>
+          </a:p>
+        </p:txBody>
+      </p:sp>
+      <p:sp>
+        <p:nvSpPr>
+          <p:cNvPr id="3" name="Content Placeholder 2">
+            <a:extLst>
+              <a:ext uri="{FF2B5EF4-FFF2-40B4-BE49-F238E27FC236}">
+                <a16:creationId xmlns:a16="http://schemas.microsoft.com/office/drawing/2014/main" id="{F12B097E-AAD8-4A7A-B0E0-C39F4E8D71AE}"/>
+              </a:ext>
+            </a:extLst>
+          </p:cNvPr>
+          <p:cNvSpPr>
+            <a:spLocks noGrp="1"/>
+          </p:cNvSpPr>
+          <p:nvPr>
+            <p:ph idx="1"/>
+          </p:nvPr>
+        </p:nvSpPr>
+        <p:spPr>
+          <a:xfrm>
+            <a:off x="581192" y="1337972"/>
+            <a:ext cx="11029615" cy="2802228"/>
+          </a:xfrm>
+        </p:spPr>
+        <p:txBody>
+          <a:bodyPr>
+            <a:normAutofit/>
+          </a:bodyPr>
+          <a:lstStyle/>
+          <a:p>
+            <a:r>
+              <a:rPr lang="en-US" dirty="0"/>
+              <a:t>Variable names</a:t>
+            </a:r>
+          </a:p>
+          <a:p>
+            <a:pPr lvl="1"/>
+            <a:r>
+              <a:rPr lang="en-US" dirty="0"/>
+              <a:t>Variables are created using the assignment operator &lt;</a:t>
+            </a:r>
+          </a:p>
+          <a:p>
+            <a:pPr lvl="1"/>
+            <a:r>
+              <a:rPr lang="en-US" dirty="0"/>
+              <a:t>Variables can store different types of data (numeric, character, logical, etc.).</a:t>
+            </a:r>
+          </a:p>
+          <a:p>
+            <a:pPr lvl="1"/>
+            <a:r>
+              <a:rPr lang="en-US" dirty="0"/>
+              <a:t>Variables can be reassigned new values anytime.</a:t>
+            </a:r>
+          </a:p>
+          <a:p>
+            <a:pPr lvl="1"/>
+            <a:r>
+              <a:rPr lang="en-US" dirty="0"/>
+              <a:t>The </a:t>
+            </a:r>
+            <a:r>
+              <a:rPr lang="en-US" dirty="0">
+                <a:hlinkClick r:id="rId2"/>
+              </a:rPr>
+              <a:t>document</a:t>
+            </a:r>
+            <a:r>
+              <a:rPr lang="en-US" dirty="0"/>
+              <a:t> shows professional naming for your code</a:t>
+            </a:r>
+          </a:p>
+          <a:p>
+            <a:r>
+              <a:rPr lang="en-US" dirty="0"/>
+              <a:t>Object in the ENVIRONMENT</a:t>
+            </a:r>
+          </a:p>
+          <a:p>
+            <a:pPr lvl="1"/>
+            <a:r>
+              <a:rPr lang="en-US" dirty="0"/>
+              <a:t>Any data structure or function that is defined using commands becomes an object in the ENVIRONMENT</a:t>
+            </a:r>
+          </a:p>
+        </p:txBody>
+      </p:sp>
+      <p:pic>
+        <p:nvPicPr>
+          <p:cNvPr id="8" name="Picture 7">
+            <a:extLst>
+              <a:ext uri="{FF2B5EF4-FFF2-40B4-BE49-F238E27FC236}">
+                <a16:creationId xmlns:a16="http://schemas.microsoft.com/office/drawing/2014/main" id="{37B7C4EC-5B29-EEF8-1782-E0B06842D72D}"/>
+              </a:ext>
+            </a:extLst>
+          </p:cNvPr>
+          <p:cNvPicPr>
+            <a:picLocks noChangeAspect="1"/>
+          </p:cNvPicPr>
+          <p:nvPr/>
+        </p:nvPicPr>
+        <p:blipFill>
+          <a:blip r:embed="rId3"/>
+          <a:stretch>
+            <a:fillRect/>
+          </a:stretch>
+        </p:blipFill>
+        <p:spPr>
+          <a:xfrm>
+            <a:off x="4291013" y="4360277"/>
+            <a:ext cx="3925888" cy="2319502"/>
+          </a:xfrm>
+          <a:prstGeom prst="rect">
+            <a:avLst/>
+          </a:prstGeom>
+        </p:spPr>
+      </p:pic>
+    </p:spTree>
+    <p:extLst>
+      <p:ext uri="{BB962C8B-B14F-4D97-AF65-F5344CB8AC3E}">
+        <p14:creationId xmlns:p14="http://schemas.microsoft.com/office/powerpoint/2010/main" val="2988595269"/>
+      </p:ext>
+    </p:extLst>
+  </p:cSld>
+  <p:clrMapOvr>
+    <a:masterClrMapping/>
+  </p:clrMapOvr>
+</p:sld>
+</file>
+
+<file path=ppt/slides/slide26.xml><?xml version="1.0" encoding="utf-8"?>
+<p:sld xmlns:a="http://schemas.openxmlformats.org/drawingml/2006/main" xmlns:r="http://schemas.openxmlformats.org/officeDocument/2006/relationships" xmlns:p="http://schemas.openxmlformats.org/presentationml/2006/main">
+  <p:cSld>
+    <p:spTree>
+      <p:nvGrpSpPr>
+        <p:cNvPr id="1" name=""/>
+        <p:cNvGrpSpPr/>
+        <p:nvPr/>
+      </p:nvGrpSpPr>
+      <p:grpSpPr>
+        <a:xfrm>
+          <a:off x="0" y="0"/>
+          <a:ext cx="0" cy="0"/>
+          <a:chOff x="0" y="0"/>
+          <a:chExt cx="0" cy="0"/>
+        </a:xfrm>
+      </p:grpSpPr>
+      <p:sp>
+        <p:nvSpPr>
+          <p:cNvPr id="3" name="Content Placeholder 2">
+            <a:extLst>
+              <a:ext uri="{FF2B5EF4-FFF2-40B4-BE49-F238E27FC236}">
+                <a16:creationId xmlns:a16="http://schemas.microsoft.com/office/drawing/2014/main" id="{B6550E35-2BF9-493A-4D3E-3E981252B988}"/>
+              </a:ext>
+            </a:extLst>
+          </p:cNvPr>
+          <p:cNvSpPr>
+            <a:spLocks noGrp="1"/>
+          </p:cNvSpPr>
+          <p:nvPr>
+            <p:ph idx="1"/>
+          </p:nvPr>
+        </p:nvSpPr>
+        <p:spPr>
+          <a:xfrm>
+            <a:off x="416092" y="791464"/>
+            <a:ext cx="11029615" cy="2345436"/>
+          </a:xfrm>
+        </p:spPr>
+        <p:txBody>
+          <a:bodyPr/>
+          <a:lstStyle/>
+          <a:p>
+            <a:r>
+              <a:rPr lang="en-US" dirty="0"/>
+              <a:t>Remove objects</a:t>
+            </a:r>
+          </a:p>
+          <a:p>
+            <a:pPr lvl="1"/>
+            <a:r>
+              <a:rPr lang="en-US" dirty="0"/>
+              <a:t>The objects can be removed from the ENVIRONMENT</a:t>
+            </a:r>
+          </a:p>
+          <a:p>
+            <a:pPr lvl="1"/>
+            <a:r>
+              <a:rPr lang="en-US" dirty="0"/>
+              <a:t>rm(x)</a:t>
+            </a:r>
+          </a:p>
+          <a:p>
+            <a:r>
+              <a:rPr lang="en-US" dirty="0"/>
+              <a:t>Clean ENVIRONMENT</a:t>
+            </a:r>
+          </a:p>
+          <a:p>
+            <a:pPr lvl="1"/>
+            <a:r>
+              <a:rPr lang="en-US" dirty="0"/>
+              <a:t>Broom icon in the ENVIRONMENT mean bar</a:t>
+            </a:r>
+          </a:p>
+          <a:p>
+            <a:pPr lvl="1"/>
+            <a:r>
+              <a:rPr lang="en-US" dirty="0"/>
+              <a:t>or </a:t>
+            </a:r>
+            <a:r>
+              <a:rPr lang="en-US" b="1" dirty="0"/>
+              <a:t>rm(list=ls())</a:t>
+            </a:r>
+          </a:p>
+        </p:txBody>
+      </p:sp>
+    </p:spTree>
+    <p:extLst>
+      <p:ext uri="{BB962C8B-B14F-4D97-AF65-F5344CB8AC3E}">
+        <p14:creationId xmlns:p14="http://schemas.microsoft.com/office/powerpoint/2010/main" val="1480960887"/>
+      </p:ext>
+    </p:extLst>
+  </p:cSld>
+  <p:clrMapOvr>
+    <a:masterClrMapping/>
+  </p:clrMapOvr>
+</p:sld>
+</file>
+
+<file path=ppt/slides/slide27.xml><?xml version="1.0" encoding="utf-8"?>
+<p:sld xmlns:a="http://schemas.openxmlformats.org/drawingml/2006/main" xmlns:r="http://schemas.openxmlformats.org/officeDocument/2006/relationships" xmlns:p="http://schemas.openxmlformats.org/presentationml/2006/main">
+  <p:cSld>
+    <p:spTree>
+      <p:nvGrpSpPr>
+        <p:cNvPr id="1" name=""/>
+        <p:cNvGrpSpPr/>
+        <p:nvPr/>
+      </p:nvGrpSpPr>
+      <p:grpSpPr>
+        <a:xfrm>
+          <a:off x="0" y="0"/>
+          <a:ext cx="0" cy="0"/>
+          <a:chOff x="0" y="0"/>
+          <a:chExt cx="0" cy="0"/>
+        </a:xfrm>
+      </p:grpSpPr>
+      <p:sp>
+        <p:nvSpPr>
+          <p:cNvPr id="2" name="Title 1">
+            <a:extLst>
+              <a:ext uri="{FF2B5EF4-FFF2-40B4-BE49-F238E27FC236}">
+                <a16:creationId xmlns:a16="http://schemas.microsoft.com/office/drawing/2014/main" id="{8862BBB0-0FBE-B2B8-506E-78322C7EB688}"/>
+              </a:ext>
+            </a:extLst>
+          </p:cNvPr>
+          <p:cNvSpPr>
+            <a:spLocks noGrp="1"/>
+          </p:cNvSpPr>
+          <p:nvPr>
+            <p:ph type="title"/>
+          </p:nvPr>
+        </p:nvSpPr>
+        <p:spPr>
+          <a:xfrm>
+            <a:off x="581192" y="702156"/>
+            <a:ext cx="11029616" cy="523140"/>
+          </a:xfrm>
+        </p:spPr>
+        <p:txBody>
+          <a:bodyPr/>
+          <a:lstStyle/>
+          <a:p>
+            <a:r>
+              <a:rPr lang="en-US" dirty="0"/>
+              <a:t>LIST IN R</a:t>
+            </a:r>
+          </a:p>
+        </p:txBody>
+      </p:sp>
+      <p:sp>
+        <p:nvSpPr>
+          <p:cNvPr id="3" name="Content Placeholder 2">
+            <a:extLst>
+              <a:ext uri="{FF2B5EF4-FFF2-40B4-BE49-F238E27FC236}">
+                <a16:creationId xmlns:a16="http://schemas.microsoft.com/office/drawing/2014/main" id="{BAAB52E6-6887-C0A3-DDE3-CA6AAA229011}"/>
+              </a:ext>
+            </a:extLst>
+          </p:cNvPr>
+          <p:cNvSpPr>
+            <a:spLocks noGrp="1"/>
+          </p:cNvSpPr>
+          <p:nvPr>
+            <p:ph idx="1"/>
+          </p:nvPr>
+        </p:nvSpPr>
+        <p:spPr>
+          <a:xfrm>
+            <a:off x="581193" y="1437540"/>
+            <a:ext cx="11029615" cy="2988156"/>
+          </a:xfrm>
+        </p:spPr>
+        <p:txBody>
+          <a:bodyPr>
+            <a:normAutofit/>
+          </a:bodyPr>
+          <a:lstStyle/>
+          <a:p>
+            <a:r>
+              <a:rPr lang="en-US" dirty="0"/>
+              <a:t>Creating a list</a:t>
+            </a:r>
+          </a:p>
+          <a:p>
+            <a:pPr lvl="1"/>
+            <a:r>
+              <a:rPr lang="en-US" dirty="0"/>
+              <a:t>A list in R is a flexible data structure that can contain elements of different types: numbers, characters, vectors, matrices, data frames, or even other lists.</a:t>
+            </a:r>
+          </a:p>
+          <a:p>
+            <a:pPr lvl="1"/>
+            <a:r>
+              <a:rPr lang="en-US" dirty="0"/>
+              <a:t>It's like a container for multiple objects.</a:t>
+            </a:r>
+          </a:p>
+          <a:p>
+            <a:pPr lvl="1"/>
+            <a:endParaRPr lang="en-US" dirty="0"/>
+          </a:p>
+          <a:p>
+            <a:r>
+              <a:rPr lang="en-US" dirty="0"/>
+              <a:t>Accessing elements in a list</a:t>
+            </a:r>
+          </a:p>
+          <a:p>
+            <a:pPr lvl="1"/>
+            <a:r>
+              <a:rPr lang="en-US" dirty="0"/>
+              <a:t>Use [[ ]] to access elements by position or name.</a:t>
+            </a:r>
+          </a:p>
+          <a:p>
+            <a:pPr lvl="1"/>
+            <a:r>
+              <a:rPr lang="en-US" dirty="0"/>
+              <a:t>Use $ to access elements by name.</a:t>
+            </a:r>
+          </a:p>
+          <a:p>
+            <a:pPr lvl="1"/>
+            <a:endParaRPr lang="en-US" dirty="0"/>
+          </a:p>
+        </p:txBody>
+      </p:sp>
+    </p:spTree>
+    <p:extLst>
+      <p:ext uri="{BB962C8B-B14F-4D97-AF65-F5344CB8AC3E}">
+        <p14:creationId xmlns:p14="http://schemas.microsoft.com/office/powerpoint/2010/main" val="226845293"/>
+      </p:ext>
+    </p:extLst>
+  </p:cSld>
+  <p:clrMapOvr>
+    <a:masterClrMapping/>
+  </p:clrMapOvr>
+</p:sld>
+</file>
+
+<file path=ppt/slides/slide28.xml><?xml version="1.0" encoding="utf-8"?>
+<p:sld xmlns:a="http://schemas.openxmlformats.org/drawingml/2006/main" xmlns:r="http://schemas.openxmlformats.org/officeDocument/2006/relationships" xmlns:p="http://schemas.openxmlformats.org/presentationml/2006/main">
+  <p:cSld>
+    <p:spTree>
+      <p:nvGrpSpPr>
+        <p:cNvPr id="1" name=""/>
+        <p:cNvGrpSpPr/>
+        <p:nvPr/>
+      </p:nvGrpSpPr>
+      <p:grpSpPr>
+        <a:xfrm>
+          <a:off x="0" y="0"/>
+          <a:ext cx="0" cy="0"/>
+          <a:chOff x="0" y="0"/>
+          <a:chExt cx="0" cy="0"/>
+        </a:xfrm>
+      </p:grpSpPr>
+      <p:sp>
+        <p:nvSpPr>
+          <p:cNvPr id="2" name="Title 1">
+            <a:extLst>
+              <a:ext uri="{FF2B5EF4-FFF2-40B4-BE49-F238E27FC236}">
                 <a16:creationId xmlns:a16="http://schemas.microsoft.com/office/drawing/2014/main" id="{5EAF1A1A-5D62-6502-24F8-E47A009B8D56}"/>
               </a:ext>
             </a:extLst>
@@ -6469,7 +9133,7 @@
 </p:sld>
 </file>
 
-<file path=ppt/slides/slide22.xml><?xml version="1.0" encoding="utf-8"?>
+<file path=ppt/slides/slide29.xml><?xml version="1.0" encoding="utf-8"?>
 <p:sld xmlns:a="http://schemas.openxmlformats.org/drawingml/2006/main" xmlns:r="http://schemas.openxmlformats.org/officeDocument/2006/relationships" xmlns:p="http://schemas.openxmlformats.org/presentationml/2006/main">
   <p:cSld>
     <p:spTree>
@@ -6684,112 +9348,6 @@
 </p:sld>
 </file>
 
-<file path=ppt/slides/slide23.xml><?xml version="1.0" encoding="utf-8"?>
-<p:sld xmlns:a="http://schemas.openxmlformats.org/drawingml/2006/main" xmlns:r="http://schemas.openxmlformats.org/officeDocument/2006/relationships" xmlns:p="http://schemas.openxmlformats.org/presentationml/2006/main">
-  <p:cSld>
-    <p:spTree>
-      <p:nvGrpSpPr>
-        <p:cNvPr id="1" name=""/>
-        <p:cNvGrpSpPr/>
-        <p:nvPr/>
-      </p:nvGrpSpPr>
-      <p:grpSpPr>
-        <a:xfrm>
-          <a:off x="0" y="0"/>
-          <a:ext cx="0" cy="0"/>
-          <a:chOff x="0" y="0"/>
-          <a:chExt cx="0" cy="0"/>
-        </a:xfrm>
-      </p:grpSpPr>
-      <p:sp>
-        <p:nvSpPr>
-          <p:cNvPr id="2" name="Title 1">
-            <a:extLst>
-              <a:ext uri="{FF2B5EF4-FFF2-40B4-BE49-F238E27FC236}">
-                <a16:creationId xmlns:a16="http://schemas.microsoft.com/office/drawing/2014/main" id="{010207CA-912C-38BB-30B1-146F09180A3B}"/>
-              </a:ext>
-            </a:extLst>
-          </p:cNvPr>
-          <p:cNvSpPr>
-            <a:spLocks noGrp="1"/>
-          </p:cNvSpPr>
-          <p:nvPr>
-            <p:ph type="title"/>
-          </p:nvPr>
-        </p:nvSpPr>
-        <p:spPr>
-          <a:xfrm>
-            <a:off x="581192" y="702156"/>
-            <a:ext cx="11029616" cy="517044"/>
-          </a:xfrm>
-        </p:spPr>
-        <p:txBody>
-          <a:bodyPr>
-            <a:normAutofit fontScale="90000"/>
-          </a:bodyPr>
-          <a:lstStyle/>
-          <a:p>
-            <a:r>
-              <a:rPr lang="en-US" dirty="0"/>
-              <a:t>practices</a:t>
-            </a:r>
-          </a:p>
-        </p:txBody>
-      </p:sp>
-      <p:sp>
-        <p:nvSpPr>
-          <p:cNvPr id="3" name="Content Placeholder 2">
-            <a:extLst>
-              <a:ext uri="{FF2B5EF4-FFF2-40B4-BE49-F238E27FC236}">
-                <a16:creationId xmlns:a16="http://schemas.microsoft.com/office/drawing/2014/main" id="{EF133570-8B44-49C7-A5A9-E5EAAB6D884E}"/>
-              </a:ext>
-            </a:extLst>
-          </p:cNvPr>
-          <p:cNvSpPr>
-            <a:spLocks noGrp="1"/>
-          </p:cNvSpPr>
-          <p:nvPr>
-            <p:ph idx="1"/>
-          </p:nvPr>
-        </p:nvSpPr>
-        <p:spPr>
-          <a:xfrm>
-            <a:off x="581191" y="1413764"/>
-            <a:ext cx="11029615" cy="1439164"/>
-          </a:xfrm>
-        </p:spPr>
-        <p:txBody>
-          <a:bodyPr>
-            <a:normAutofit/>
-          </a:bodyPr>
-          <a:lstStyle/>
-          <a:p>
-            <a:r>
-              <a:rPr lang="en-US" dirty="0"/>
-              <a:t>Explore Tools and Help in RStudio</a:t>
-            </a:r>
-          </a:p>
-          <a:p>
-            <a:r>
-              <a:rPr lang="en-US" dirty="0"/>
-              <a:t>Explore the different tables in RStudio</a:t>
-            </a:r>
-          </a:p>
-        </p:txBody>
-      </p:sp>
-    </p:spTree>
-    <p:extLst>
-      <p:ext uri="{BB962C8B-B14F-4D97-AF65-F5344CB8AC3E}">
-        <p14:creationId xmlns:p14="http://schemas.microsoft.com/office/powerpoint/2010/main" val="1386969337"/>
-      </p:ext>
-    </p:extLst>
-  </p:cSld>
-  <p:clrMapOvr>
-    <a:masterClrMapping/>
-  </p:clrMapOvr>
-</p:sld>
-</file>
-
 <file path=ppt/slides/slide3.xml><?xml version="1.0" encoding="utf-8"?>
 <p:sld xmlns:a="http://schemas.openxmlformats.org/drawingml/2006/main" xmlns:r="http://schemas.openxmlformats.org/officeDocument/2006/relationships" xmlns:p="http://schemas.openxmlformats.org/presentationml/2006/main">
   <p:cSld>
@@ -6812,7 +9370,7 @@
           <p:cNvPr id="2" name="Title 1">
             <a:extLst>
               <a:ext uri="{FF2B5EF4-FFF2-40B4-BE49-F238E27FC236}">
-                <a16:creationId xmlns:a16="http://schemas.microsoft.com/office/drawing/2014/main" id="{00AB2D42-357C-B1A6-9BD8-35AA7EF9E907}"/>
+                <a16:creationId xmlns:a16="http://schemas.microsoft.com/office/drawing/2014/main" id="{CF930E82-A518-862F-792B-11FE1BB7BF98}"/>
               </a:ext>
             </a:extLst>
           </p:cNvPr>
@@ -6825,17 +9383,19 @@
         </p:nvSpPr>
         <p:spPr>
           <a:xfrm>
-            <a:off x="581192" y="702156"/>
-            <a:ext cx="11029616" cy="567844"/>
-          </a:xfrm>
-        </p:spPr>
-        <p:txBody>
-          <a:bodyPr/>
+            <a:off x="581192" y="775308"/>
+            <a:ext cx="11029616" cy="568860"/>
+          </a:xfrm>
+        </p:spPr>
+        <p:txBody>
+          <a:bodyPr>
+            <a:noAutofit/>
+          </a:bodyPr>
           <a:lstStyle/>
           <a:p>
             <a:r>
               <a:rPr lang="en-US" dirty="0"/>
-              <a:t>R-INTRODUCTION</a:t>
+              <a:t>teaching</a:t>
             </a:r>
           </a:p>
         </p:txBody>
@@ -6845,7 +9405,7 @@
           <p:cNvPr id="3" name="Content Placeholder 2">
             <a:extLst>
               <a:ext uri="{FF2B5EF4-FFF2-40B4-BE49-F238E27FC236}">
-                <a16:creationId xmlns:a16="http://schemas.microsoft.com/office/drawing/2014/main" id="{BA0DE883-575A-D8AA-9F01-D0BDB9E3A534}"/>
+                <a16:creationId xmlns:a16="http://schemas.microsoft.com/office/drawing/2014/main" id="{29F5C28E-CA25-B85C-9DCA-B43AA90299D0}"/>
               </a:ext>
             </a:extLst>
           </p:cNvPr>
@@ -6858,8 +9418,8 @@
         </p:nvSpPr>
         <p:spPr>
           <a:xfrm>
-            <a:off x="581191" y="1350264"/>
-            <a:ext cx="11029615" cy="567844"/>
+            <a:off x="645201" y="1472184"/>
+            <a:ext cx="2683216" cy="502920"/>
           </a:xfrm>
         </p:spPr>
         <p:txBody>
@@ -6868,145 +9428,40 @@
           <a:p>
             <a:r>
               <a:rPr lang="en-US" dirty="0"/>
-              <a:t>An online free learning source:  </a:t>
-            </a:r>
-            <a:r>
-              <a:rPr lang="en-US" dirty="0">
-                <a:hlinkClick r:id="rId2"/>
-              </a:rPr>
-              <a:t>An Introduction to R</a:t>
-            </a:r>
-            <a:endParaRPr lang="en-US" dirty="0"/>
-          </a:p>
-        </p:txBody>
-      </p:sp>
-      <p:sp>
-        <p:nvSpPr>
-          <p:cNvPr id="5" name="TextBox 4">
+              <a:t>Intermediate Statistics</a:t>
+            </a:r>
+          </a:p>
+        </p:txBody>
+      </p:sp>
+      <p:sp>
+        <p:nvSpPr>
+          <p:cNvPr id="4" name="Content Placeholder 2">
             <a:extLst>
               <a:ext uri="{FF2B5EF4-FFF2-40B4-BE49-F238E27FC236}">
-                <a16:creationId xmlns:a16="http://schemas.microsoft.com/office/drawing/2014/main" id="{29A0EA8D-5246-A32D-4815-EF7401CB2BD3}"/>
+                <a16:creationId xmlns:a16="http://schemas.microsoft.com/office/drawing/2014/main" id="{94319EC1-A47F-524E-CDAB-56AF99FC9C6D}"/>
               </a:ext>
             </a:extLst>
           </p:cNvPr>
-          <p:cNvSpPr txBox="1"/>
+          <p:cNvSpPr txBox="1">
+            <a:spLocks/>
+          </p:cNvSpPr>
           <p:nvPr/>
         </p:nvSpPr>
         <p:spPr>
           <a:xfrm>
-            <a:off x="2218268" y="1998372"/>
-            <a:ext cx="2438400" cy="369332"/>
+            <a:off x="4281464" y="1344168"/>
+            <a:ext cx="3161751" cy="3337560"/>
           </a:xfrm>
           <a:prstGeom prst="rect">
             <a:avLst/>
           </a:prstGeom>
-          <a:noFill/>
-        </p:spPr>
-        <p:txBody>
-          <a:bodyPr wrap="square" rtlCol="0">
-            <a:spAutoFit/>
-          </a:bodyPr>
-          <a:lstStyle/>
-          <a:p>
-            <a:r>
-              <a:rPr lang="en-US" dirty="0"/>
-              <a:t>Data Manipulation</a:t>
-            </a:r>
-          </a:p>
-        </p:txBody>
-      </p:sp>
-      <p:pic>
-        <p:nvPicPr>
-          <p:cNvPr id="12" name="Picture 11">
-            <a:extLst>
-              <a:ext uri="{FF2B5EF4-FFF2-40B4-BE49-F238E27FC236}">
-                <a16:creationId xmlns:a16="http://schemas.microsoft.com/office/drawing/2014/main" id="{A2ABC7AB-8C96-D4B3-A1D2-E0BB80F5D4F8}"/>
-              </a:ext>
-            </a:extLst>
-          </p:cNvPr>
-          <p:cNvPicPr>
-            <a:picLocks noChangeAspect="1"/>
-          </p:cNvPicPr>
-          <p:nvPr/>
-        </p:nvPicPr>
-        <p:blipFill>
-          <a:blip r:embed="rId3"/>
-          <a:stretch>
-            <a:fillRect/>
-          </a:stretch>
-        </p:blipFill>
-        <p:spPr>
-          <a:xfrm>
-            <a:off x="1162311" y="2568450"/>
-            <a:ext cx="3739889" cy="4130286"/>
-          </a:xfrm>
-          <a:prstGeom prst="rect">
-            <a:avLst/>
-          </a:prstGeom>
-        </p:spPr>
-      </p:pic>
-      <p:sp>
-        <p:nvSpPr>
-          <p:cNvPr id="13" name="TextBox 12">
-            <a:extLst>
-              <a:ext uri="{FF2B5EF4-FFF2-40B4-BE49-F238E27FC236}">
-                <a16:creationId xmlns:a16="http://schemas.microsoft.com/office/drawing/2014/main" id="{34D704B2-E657-F7E3-85CE-A7D7388ADC90}"/>
-              </a:ext>
-            </a:extLst>
-          </p:cNvPr>
-          <p:cNvSpPr txBox="1"/>
-          <p:nvPr/>
-        </p:nvSpPr>
-        <p:spPr>
-          <a:xfrm>
-            <a:off x="8229601" y="3984987"/>
-            <a:ext cx="2438400" cy="369332"/>
-          </a:xfrm>
-          <a:prstGeom prst="rect">
-            <a:avLst/>
-          </a:prstGeom>
-          <a:noFill/>
-        </p:spPr>
-        <p:txBody>
-          <a:bodyPr wrap="square" rtlCol="0">
-            <a:spAutoFit/>
-          </a:bodyPr>
-          <a:lstStyle/>
-          <a:p>
-            <a:r>
-              <a:rPr lang="en-US" dirty="0"/>
-              <a:t>Interactive Applications</a:t>
-            </a:r>
-          </a:p>
-        </p:txBody>
-      </p:sp>
-      <p:sp>
-        <p:nvSpPr>
-          <p:cNvPr id="14" name="TextBox 13">
-            <a:extLst>
-              <a:ext uri="{FF2B5EF4-FFF2-40B4-BE49-F238E27FC236}">
-                <a16:creationId xmlns:a16="http://schemas.microsoft.com/office/drawing/2014/main" id="{44726345-900F-C015-C861-8F342B6E1EC9}"/>
-              </a:ext>
-            </a:extLst>
-          </p:cNvPr>
-          <p:cNvSpPr txBox="1"/>
-          <p:nvPr/>
-        </p:nvSpPr>
-        <p:spPr>
-          <a:xfrm>
-            <a:off x="6629400" y="2098077"/>
-            <a:ext cx="5207001" cy="1533762"/>
-          </a:xfrm>
-          <a:prstGeom prst="rect">
-            <a:avLst/>
-          </a:prstGeom>
         </p:spPr>
         <p:txBody>
           <a:bodyPr vert="horz" lIns="91440" tIns="45720" rIns="91440" bIns="45720" rtlCol="0" anchor="ctr">
-            <a:normAutofit lnSpcReduction="10000"/>
+            <a:normAutofit/>
           </a:bodyPr>
           <a:lstStyle>
-            <a:lvl1pPr marL="306000" indent="-306000">
+            <a:lvl1pPr marL="306000" indent="-306000" algn="l" defTabSz="457200" rtl="0" eaLnBrk="1" latinLnBrk="0" hangingPunct="1">
               <a:lnSpc>
                 <a:spcPct val="100000"/>
               </a:lnSpc>
@@ -7022,16 +9477,19 @@
               <a:buSzPct val="92000"/>
               <a:buFont typeface="Wingdings 2" panose="05020102010507070707" pitchFamily="18" charset="2"/>
               <a:buChar char=""/>
-              <a:defRPr>
+              <a:defRPr sz="1800" kern="1200">
                 <a:solidFill>
                   <a:schemeClr val="tx1">
                     <a:lumMod val="75000"/>
                     <a:lumOff val="25000"/>
                   </a:schemeClr>
                 </a:solidFill>
+                <a:latin typeface="+mn-lt"/>
+                <a:ea typeface="+mn-ea"/>
+                <a:cs typeface="+mn-cs"/>
               </a:defRPr>
             </a:lvl1pPr>
-            <a:lvl2pPr marL="630000" indent="-306000">
+            <a:lvl2pPr marL="630000" indent="-306000" algn="l" defTabSz="457200" rtl="0" eaLnBrk="1" latinLnBrk="0" hangingPunct="1">
               <a:lnSpc>
                 <a:spcPct val="100000"/>
               </a:lnSpc>
@@ -7047,16 +9505,19 @@
               <a:buSzPct val="92000"/>
               <a:buFont typeface="Wingdings 2" panose="05020102010507070707" pitchFamily="18" charset="2"/>
               <a:buChar char=""/>
-              <a:defRPr sz="1600">
+              <a:defRPr sz="1600" kern="1200">
                 <a:solidFill>
                   <a:schemeClr val="tx1">
                     <a:lumMod val="75000"/>
                     <a:lumOff val="25000"/>
                   </a:schemeClr>
                 </a:solidFill>
+                <a:latin typeface="+mn-lt"/>
+                <a:ea typeface="+mn-ea"/>
+                <a:cs typeface="+mn-cs"/>
               </a:defRPr>
             </a:lvl2pPr>
-            <a:lvl3pPr marL="900000" indent="-270000">
+            <a:lvl3pPr marL="900000" indent="-270000" algn="l" defTabSz="457200" rtl="0" eaLnBrk="1" latinLnBrk="0" hangingPunct="1">
               <a:lnSpc>
                 <a:spcPct val="100000"/>
               </a:lnSpc>
@@ -7072,16 +9533,19 @@
               <a:buSzPct val="92000"/>
               <a:buFont typeface="Wingdings 2" panose="05020102010507070707" pitchFamily="18" charset="2"/>
               <a:buChar char=""/>
-              <a:defRPr sz="1400">
+              <a:defRPr sz="1400" kern="1200">
                 <a:solidFill>
                   <a:schemeClr val="tx1">
                     <a:lumMod val="75000"/>
                     <a:lumOff val="25000"/>
                   </a:schemeClr>
                 </a:solidFill>
+                <a:latin typeface="+mn-lt"/>
+                <a:ea typeface="+mn-ea"/>
+                <a:cs typeface="+mn-cs"/>
               </a:defRPr>
             </a:lvl3pPr>
-            <a:lvl4pPr marL="1242000" indent="-234000">
+            <a:lvl4pPr marL="1242000" indent="-234000" algn="l" defTabSz="457200" rtl="0" eaLnBrk="1" latinLnBrk="0" hangingPunct="1">
               <a:lnSpc>
                 <a:spcPct val="100000"/>
               </a:lnSpc>
@@ -7097,16 +9561,19 @@
               <a:buSzPct val="92000"/>
               <a:buFont typeface="Wingdings 2" panose="05020102010507070707" pitchFamily="18" charset="2"/>
               <a:buChar char=""/>
-              <a:defRPr sz="1200">
+              <a:defRPr sz="1200" kern="1200">
                 <a:solidFill>
                   <a:schemeClr val="tx1">
                     <a:lumMod val="75000"/>
                     <a:lumOff val="25000"/>
                   </a:schemeClr>
                 </a:solidFill>
+                <a:latin typeface="+mn-lt"/>
+                <a:ea typeface="+mn-ea"/>
+                <a:cs typeface="+mn-cs"/>
               </a:defRPr>
             </a:lvl4pPr>
-            <a:lvl5pPr marL="1602000" indent="-234000">
+            <a:lvl5pPr marL="1602000" indent="-234000" algn="l" defTabSz="457200" rtl="0" eaLnBrk="1" latinLnBrk="0" hangingPunct="1">
               <a:lnSpc>
                 <a:spcPct val="100000"/>
               </a:lnSpc>
@@ -7122,16 +9589,19 @@
               <a:buSzPct val="92000"/>
               <a:buFont typeface="Wingdings 2" panose="05020102010507070707" pitchFamily="18" charset="2"/>
               <a:buChar char=""/>
-              <a:defRPr sz="1200">
+              <a:defRPr sz="1200" kern="1200">
                 <a:solidFill>
                   <a:schemeClr val="tx1">
                     <a:lumMod val="75000"/>
                     <a:lumOff val="25000"/>
                   </a:schemeClr>
                 </a:solidFill>
+                <a:latin typeface="+mn-lt"/>
+                <a:ea typeface="+mn-ea"/>
+                <a:cs typeface="+mn-cs"/>
               </a:defRPr>
             </a:lvl5pPr>
-            <a:lvl6pPr marL="1900000" indent="-228600">
+            <a:lvl6pPr marL="1900000" indent="-228600" algn="l" defTabSz="457200" rtl="0" eaLnBrk="1" latinLnBrk="0" hangingPunct="1">
               <a:spcBef>
                 <a:spcPct val="20000"/>
               </a:spcBef>
@@ -7144,13 +9614,16 @@
               <a:buSzPct val="92000"/>
               <a:buFont typeface="Wingdings 2" panose="05020102010507070707" pitchFamily="18" charset="2"/>
               <a:buChar char=""/>
-              <a:defRPr sz="1200">
+              <a:defRPr sz="1200" kern="1200">
                 <a:solidFill>
                   <a:schemeClr val="tx2"/>
                 </a:solidFill>
+                <a:latin typeface="+mn-lt"/>
+                <a:ea typeface="+mn-ea"/>
+                <a:cs typeface="+mn-cs"/>
               </a:defRPr>
             </a:lvl6pPr>
-            <a:lvl7pPr marL="2200000" indent="-228600">
+            <a:lvl7pPr marL="2200000" indent="-228600" algn="l" defTabSz="457200" rtl="0" eaLnBrk="1" latinLnBrk="0" hangingPunct="1">
               <a:spcBef>
                 <a:spcPct val="20000"/>
               </a:spcBef>
@@ -7163,13 +9636,16 @@
               <a:buSzPct val="92000"/>
               <a:buFont typeface="Wingdings 2" panose="05020102010507070707" pitchFamily="18" charset="2"/>
               <a:buChar char=""/>
-              <a:defRPr sz="1200">
+              <a:defRPr sz="1200" kern="1200">
                 <a:solidFill>
                   <a:schemeClr val="tx2"/>
                 </a:solidFill>
+                <a:latin typeface="+mn-lt"/>
+                <a:ea typeface="+mn-ea"/>
+                <a:cs typeface="+mn-cs"/>
               </a:defRPr>
             </a:lvl7pPr>
-            <a:lvl8pPr marL="2500000" indent="-228600">
+            <a:lvl8pPr marL="2500000" indent="-228600" algn="l" defTabSz="457200" rtl="0" eaLnBrk="1" latinLnBrk="0" hangingPunct="1">
               <a:spcBef>
                 <a:spcPct val="20000"/>
               </a:spcBef>
@@ -7182,13 +9658,16 @@
               <a:buSzPct val="92000"/>
               <a:buFont typeface="Wingdings 2" panose="05020102010507070707" pitchFamily="18" charset="2"/>
               <a:buChar char=""/>
-              <a:defRPr sz="1200">
+              <a:defRPr sz="1200" kern="1200">
                 <a:solidFill>
                   <a:schemeClr val="tx2"/>
                 </a:solidFill>
+                <a:latin typeface="+mn-lt"/>
+                <a:ea typeface="+mn-ea"/>
+                <a:cs typeface="+mn-cs"/>
               </a:defRPr>
             </a:lvl8pPr>
-            <a:lvl9pPr marL="2800000" indent="-228600">
+            <a:lvl9pPr marL="2800000" indent="-228600" algn="l" defTabSz="457200" rtl="0" eaLnBrk="1" latinLnBrk="0" hangingPunct="1">
               <a:spcBef>
                 <a:spcPct val="20000"/>
               </a:spcBef>
@@ -7201,65 +9680,109 @@
               <a:buSzPct val="92000"/>
               <a:buFont typeface="Wingdings 2" panose="05020102010507070707" pitchFamily="18" charset="2"/>
               <a:buChar char=""/>
-              <a:defRPr sz="1200">
+              <a:defRPr sz="1200" kern="1200">
                 <a:solidFill>
                   <a:schemeClr val="tx2"/>
                 </a:solidFill>
+                <a:latin typeface="+mn-lt"/>
+                <a:ea typeface="+mn-ea"/>
+                <a:cs typeface="+mn-cs"/>
               </a:defRPr>
             </a:lvl9pPr>
           </a:lstStyle>
           <a:p>
-            <a:pPr marL="0" indent="0" algn="ctr">
-              <a:buNone/>
+            <a:r>
+              <a:rPr lang="en-US" dirty="0"/>
+              <a:t>Python Programming in GIS</a:t>
+            </a:r>
+          </a:p>
+          <a:p>
+            <a:pPr lvl="1">
+              <a:buFont typeface="Wingdings" panose="05000000000000000000" pitchFamily="2" charset="2"/>
+              <a:buChar char="Ø"/>
             </a:pPr>
             <a:r>
               <a:rPr lang="en-US" dirty="0"/>
-              <a:t>Data Visualization</a:t>
-            </a:r>
-          </a:p>
-          <a:p>
+              <a:t>Manipulating spatial data</a:t>
+            </a:r>
+          </a:p>
+          <a:p>
+            <a:pPr lvl="1">
+              <a:buFont typeface="Wingdings" panose="05000000000000000000" pitchFamily="2" charset="2"/>
+              <a:buChar char="Ø"/>
+            </a:pPr>
+            <a:r>
+              <a:rPr lang="en-US" dirty="0"/>
+              <a:t>Web mapping</a:t>
+            </a:r>
+          </a:p>
+          <a:p>
+            <a:pPr lvl="1">
+              <a:buFont typeface="Wingdings" panose="05000000000000000000" pitchFamily="2" charset="2"/>
+              <a:buChar char="Ø"/>
+            </a:pPr>
+            <a:r>
+              <a:rPr lang="en-US" dirty="0"/>
+              <a:t>Processing Raster</a:t>
+            </a:r>
+          </a:p>
+          <a:p>
+            <a:pPr lvl="1">
+              <a:buFont typeface="Wingdings" panose="05000000000000000000" pitchFamily="2" charset="2"/>
+              <a:buChar char="Ø"/>
+            </a:pPr>
+            <a:r>
+              <a:rPr lang="en-US" dirty="0"/>
+              <a:t>Data Analysis</a:t>
+            </a:r>
+          </a:p>
+          <a:p>
+            <a:pPr lvl="1">
+              <a:buFont typeface="Wingdings" panose="05000000000000000000" pitchFamily="2" charset="2"/>
+              <a:buChar char="Ø"/>
+            </a:pPr>
+            <a:r>
+              <a:rPr lang="en-US" dirty="0"/>
+              <a:t>Creating Custom Tool</a:t>
+            </a:r>
+          </a:p>
+          <a:p>
+            <a:pPr lvl="1">
+              <a:buFont typeface="Wingdings" panose="05000000000000000000" pitchFamily="2" charset="2"/>
+              <a:buChar char="Ø"/>
+            </a:pPr>
+            <a:r>
+              <a:rPr lang="en-US" dirty="0"/>
+              <a:t>Data visualization</a:t>
+            </a:r>
+          </a:p>
+          <a:p>
+            <a:pPr lvl="1">
+              <a:buFont typeface="Wingdings" panose="05000000000000000000" pitchFamily="2" charset="2"/>
+              <a:buChar char="Ø"/>
+            </a:pPr>
             <a:endParaRPr lang="en-US" dirty="0"/>
           </a:p>
-          <a:p>
-            <a:r>
-              <a:rPr lang="en-US" dirty="0"/>
-              <a:t>Data Visualization Section in </a:t>
-            </a:r>
-            <a:r>
-              <a:rPr lang="en-US" dirty="0">
-                <a:hlinkClick r:id="rId4"/>
-              </a:rPr>
-              <a:t>R for Data Science</a:t>
-            </a:r>
-            <a:endParaRPr lang="en-US" dirty="0"/>
-          </a:p>
-          <a:p>
-            <a:r>
-              <a:rPr lang="en-US" dirty="0">
-                <a:hlinkClick r:id="rId5"/>
-              </a:rPr>
-              <a:t>Modern Data Visualization with R</a:t>
-            </a:r>
-            <a:endParaRPr lang="en-US" dirty="0"/>
-          </a:p>
-        </p:txBody>
-      </p:sp>
-      <p:sp>
-        <p:nvSpPr>
-          <p:cNvPr id="15" name="TextBox 14">
+        </p:txBody>
+      </p:sp>
+      <p:sp>
+        <p:nvSpPr>
+          <p:cNvPr id="5" name="Content Placeholder 2">
             <a:extLst>
               <a:ext uri="{FF2B5EF4-FFF2-40B4-BE49-F238E27FC236}">
-                <a16:creationId xmlns:a16="http://schemas.microsoft.com/office/drawing/2014/main" id="{A9B4895F-93C4-229F-839F-F40E65141117}"/>
+                <a16:creationId xmlns:a16="http://schemas.microsoft.com/office/drawing/2014/main" id="{AAF8B6F9-D537-E2D9-AF38-8D65A0B69C65}"/>
               </a:ext>
             </a:extLst>
           </p:cNvPr>
-          <p:cNvSpPr txBox="1"/>
+          <p:cNvSpPr txBox="1">
+            <a:spLocks/>
+          </p:cNvSpPr>
           <p:nvPr/>
         </p:nvSpPr>
         <p:spPr>
           <a:xfrm>
-            <a:off x="6739467" y="4707467"/>
-            <a:ext cx="4047065" cy="1448377"/>
+            <a:off x="8173760" y="1344168"/>
+            <a:ext cx="3161751" cy="749808"/>
           </a:xfrm>
           <a:prstGeom prst="rect">
             <a:avLst/>
@@ -7270,35 +9793,7 @@
             <a:normAutofit/>
           </a:bodyPr>
           <a:lstStyle>
-            <a:defPPr>
-              <a:defRPr lang="en-US"/>
-            </a:defPPr>
-            <a:lvl1pPr indent="0" algn="ctr">
-              <a:lnSpc>
-                <a:spcPct val="100000"/>
-              </a:lnSpc>
-              <a:spcBef>
-                <a:spcPct val="20000"/>
-              </a:spcBef>
-              <a:spcAft>
-                <a:spcPts val="600"/>
-              </a:spcAft>
-              <a:buClr>
-                <a:schemeClr val="accent1"/>
-              </a:buClr>
-              <a:buSzPct val="92000"/>
-              <a:buFont typeface="Wingdings 2" panose="05020102010507070707" pitchFamily="18" charset="2"/>
-              <a:buNone/>
-              <a:defRPr>
-                <a:solidFill>
-                  <a:schemeClr val="tx1">
-                    <a:lumMod val="75000"/>
-                    <a:lumOff val="25000"/>
-                  </a:schemeClr>
-                </a:solidFill>
-              </a:defRPr>
-            </a:lvl1pPr>
-            <a:lvl2pPr marL="630000" indent="-306000">
+            <a:lvl1pPr marL="306000" indent="-306000" algn="l" defTabSz="457200" rtl="0" eaLnBrk="1" latinLnBrk="0" hangingPunct="1">
               <a:lnSpc>
                 <a:spcPct val="100000"/>
               </a:lnSpc>
@@ -7314,16 +9809,19 @@
               <a:buSzPct val="92000"/>
               <a:buFont typeface="Wingdings 2" panose="05020102010507070707" pitchFamily="18" charset="2"/>
               <a:buChar char=""/>
-              <a:defRPr sz="1600">
+              <a:defRPr sz="1800" kern="1200">
                 <a:solidFill>
                   <a:schemeClr val="tx1">
                     <a:lumMod val="75000"/>
                     <a:lumOff val="25000"/>
                   </a:schemeClr>
                 </a:solidFill>
-              </a:defRPr>
-            </a:lvl2pPr>
-            <a:lvl3pPr marL="900000" indent="-270000">
+                <a:latin typeface="+mn-lt"/>
+                <a:ea typeface="+mn-ea"/>
+                <a:cs typeface="+mn-cs"/>
+              </a:defRPr>
+            </a:lvl1pPr>
+            <a:lvl2pPr marL="630000" indent="-306000" algn="l" defTabSz="457200" rtl="0" eaLnBrk="1" latinLnBrk="0" hangingPunct="1">
               <a:lnSpc>
                 <a:spcPct val="100000"/>
               </a:lnSpc>
@@ -7339,16 +9837,19 @@
               <a:buSzPct val="92000"/>
               <a:buFont typeface="Wingdings 2" panose="05020102010507070707" pitchFamily="18" charset="2"/>
               <a:buChar char=""/>
-              <a:defRPr sz="1400">
+              <a:defRPr sz="1600" kern="1200">
                 <a:solidFill>
                   <a:schemeClr val="tx1">
                     <a:lumMod val="75000"/>
                     <a:lumOff val="25000"/>
                   </a:schemeClr>
                 </a:solidFill>
-              </a:defRPr>
-            </a:lvl3pPr>
-            <a:lvl4pPr marL="1242000" indent="-234000">
+                <a:latin typeface="+mn-lt"/>
+                <a:ea typeface="+mn-ea"/>
+                <a:cs typeface="+mn-cs"/>
+              </a:defRPr>
+            </a:lvl2pPr>
+            <a:lvl3pPr marL="900000" indent="-270000" algn="l" defTabSz="457200" rtl="0" eaLnBrk="1" latinLnBrk="0" hangingPunct="1">
               <a:lnSpc>
                 <a:spcPct val="100000"/>
               </a:lnSpc>
@@ -7364,16 +9865,19 @@
               <a:buSzPct val="92000"/>
               <a:buFont typeface="Wingdings 2" panose="05020102010507070707" pitchFamily="18" charset="2"/>
               <a:buChar char=""/>
-              <a:defRPr sz="1200">
+              <a:defRPr sz="1400" kern="1200">
                 <a:solidFill>
                   <a:schemeClr val="tx1">
                     <a:lumMod val="75000"/>
                     <a:lumOff val="25000"/>
                   </a:schemeClr>
                 </a:solidFill>
-              </a:defRPr>
-            </a:lvl4pPr>
-            <a:lvl5pPr marL="1602000" indent="-234000">
+                <a:latin typeface="+mn-lt"/>
+                <a:ea typeface="+mn-ea"/>
+                <a:cs typeface="+mn-cs"/>
+              </a:defRPr>
+            </a:lvl3pPr>
+            <a:lvl4pPr marL="1242000" indent="-234000" algn="l" defTabSz="457200" rtl="0" eaLnBrk="1" latinLnBrk="0" hangingPunct="1">
               <a:lnSpc>
                 <a:spcPct val="100000"/>
               </a:lnSpc>
@@ -7389,16 +9893,47 @@
               <a:buSzPct val="92000"/>
               <a:buFont typeface="Wingdings 2" panose="05020102010507070707" pitchFamily="18" charset="2"/>
               <a:buChar char=""/>
-              <a:defRPr sz="1200">
+              <a:defRPr sz="1200" kern="1200">
                 <a:solidFill>
                   <a:schemeClr val="tx1">
                     <a:lumMod val="75000"/>
                     <a:lumOff val="25000"/>
                   </a:schemeClr>
                 </a:solidFill>
+                <a:latin typeface="+mn-lt"/>
+                <a:ea typeface="+mn-ea"/>
+                <a:cs typeface="+mn-cs"/>
+              </a:defRPr>
+            </a:lvl4pPr>
+            <a:lvl5pPr marL="1602000" indent="-234000" algn="l" defTabSz="457200" rtl="0" eaLnBrk="1" latinLnBrk="0" hangingPunct="1">
+              <a:lnSpc>
+                <a:spcPct val="100000"/>
+              </a:lnSpc>
+              <a:spcBef>
+                <a:spcPct val="20000"/>
+              </a:spcBef>
+              <a:spcAft>
+                <a:spcPts val="600"/>
+              </a:spcAft>
+              <a:buClr>
+                <a:schemeClr val="accent1"/>
+              </a:buClr>
+              <a:buSzPct val="92000"/>
+              <a:buFont typeface="Wingdings 2" panose="05020102010507070707" pitchFamily="18" charset="2"/>
+              <a:buChar char=""/>
+              <a:defRPr sz="1200" kern="1200">
+                <a:solidFill>
+                  <a:schemeClr val="tx1">
+                    <a:lumMod val="75000"/>
+                    <a:lumOff val="25000"/>
+                  </a:schemeClr>
+                </a:solidFill>
+                <a:latin typeface="+mn-lt"/>
+                <a:ea typeface="+mn-ea"/>
+                <a:cs typeface="+mn-cs"/>
               </a:defRPr>
             </a:lvl5pPr>
-            <a:lvl6pPr marL="1900000" indent="-228600">
+            <a:lvl6pPr marL="1900000" indent="-228600" algn="l" defTabSz="457200" rtl="0" eaLnBrk="1" latinLnBrk="0" hangingPunct="1">
               <a:spcBef>
                 <a:spcPct val="20000"/>
               </a:spcBef>
@@ -7411,13 +9946,16 @@
               <a:buSzPct val="92000"/>
               <a:buFont typeface="Wingdings 2" panose="05020102010507070707" pitchFamily="18" charset="2"/>
               <a:buChar char=""/>
-              <a:defRPr sz="1200">
+              <a:defRPr sz="1200" kern="1200">
                 <a:solidFill>
                   <a:schemeClr val="tx2"/>
                 </a:solidFill>
+                <a:latin typeface="+mn-lt"/>
+                <a:ea typeface="+mn-ea"/>
+                <a:cs typeface="+mn-cs"/>
               </a:defRPr>
             </a:lvl6pPr>
-            <a:lvl7pPr marL="2200000" indent="-228600">
+            <a:lvl7pPr marL="2200000" indent="-228600" algn="l" defTabSz="457200" rtl="0" eaLnBrk="1" latinLnBrk="0" hangingPunct="1">
               <a:spcBef>
                 <a:spcPct val="20000"/>
               </a:spcBef>
@@ -7430,13 +9968,16 @@
               <a:buSzPct val="92000"/>
               <a:buFont typeface="Wingdings 2" panose="05020102010507070707" pitchFamily="18" charset="2"/>
               <a:buChar char=""/>
-              <a:defRPr sz="1200">
+              <a:defRPr sz="1200" kern="1200">
                 <a:solidFill>
                   <a:schemeClr val="tx2"/>
                 </a:solidFill>
+                <a:latin typeface="+mn-lt"/>
+                <a:ea typeface="+mn-ea"/>
+                <a:cs typeface="+mn-cs"/>
               </a:defRPr>
             </a:lvl7pPr>
-            <a:lvl8pPr marL="2500000" indent="-228600">
+            <a:lvl8pPr marL="2500000" indent="-228600" algn="l" defTabSz="457200" rtl="0" eaLnBrk="1" latinLnBrk="0" hangingPunct="1">
               <a:spcBef>
                 <a:spcPct val="20000"/>
               </a:spcBef>
@@ -7449,13 +9990,16 @@
               <a:buSzPct val="92000"/>
               <a:buFont typeface="Wingdings 2" panose="05020102010507070707" pitchFamily="18" charset="2"/>
               <a:buChar char=""/>
-              <a:defRPr sz="1200">
+              <a:defRPr sz="1200" kern="1200">
                 <a:solidFill>
                   <a:schemeClr val="tx2"/>
                 </a:solidFill>
+                <a:latin typeface="+mn-lt"/>
+                <a:ea typeface="+mn-ea"/>
+                <a:cs typeface="+mn-cs"/>
               </a:defRPr>
             </a:lvl8pPr>
-            <a:lvl9pPr marL="2800000" indent="-228600">
+            <a:lvl9pPr marL="2800000" indent="-228600" algn="l" defTabSz="457200" rtl="0" eaLnBrk="1" latinLnBrk="0" hangingPunct="1">
               <a:spcBef>
                 <a:spcPct val="20000"/>
               </a:spcBef>
@@ -7468,35 +10012,134 @@
               <a:buSzPct val="92000"/>
               <a:buFont typeface="Wingdings 2" panose="05020102010507070707" pitchFamily="18" charset="2"/>
               <a:buChar char=""/>
-              <a:defRPr sz="1200">
+              <a:defRPr sz="1200" kern="1200">
                 <a:solidFill>
                   <a:schemeClr val="tx2"/>
                 </a:solidFill>
+                <a:latin typeface="+mn-lt"/>
+                <a:ea typeface="+mn-ea"/>
+                <a:cs typeface="+mn-cs"/>
               </a:defRPr>
             </a:lvl9pPr>
           </a:lstStyle>
           <a:p>
-            <a:pPr marL="285750" indent="-285750" algn="l">
-              <a:buFont typeface="Wingdings" panose="05000000000000000000" pitchFamily="2" charset="2"/>
-              <a:buChar char="§"/>
-            </a:pPr>
-            <a:r>
-              <a:rPr lang="en-US" dirty="0">
-                <a:hlinkClick r:id="rId6"/>
-              </a:rPr>
-              <a:t>Shiny Gallery in R</a:t>
-            </a:r>
-            <a:endParaRPr lang="en-US" dirty="0"/>
-          </a:p>
-          <a:p>
-            <a:endParaRPr lang="en-US" dirty="0"/>
+            <a:r>
+              <a:rPr lang="en-US" dirty="0"/>
+              <a:t>Spatial Database</a:t>
+            </a:r>
           </a:p>
         </p:txBody>
       </p:sp>
     </p:spTree>
     <p:extLst>
       <p:ext uri="{BB962C8B-B14F-4D97-AF65-F5344CB8AC3E}">
-        <p14:creationId xmlns:p14="http://schemas.microsoft.com/office/powerpoint/2010/main" val="389562344"/>
+        <p14:creationId xmlns:p14="http://schemas.microsoft.com/office/powerpoint/2010/main" val="76064357"/>
+      </p:ext>
+    </p:extLst>
+  </p:cSld>
+  <p:clrMapOvr>
+    <a:masterClrMapping/>
+  </p:clrMapOvr>
+</p:sld>
+</file>
+
+<file path=ppt/slides/slide30.xml><?xml version="1.0" encoding="utf-8"?>
+<p:sld xmlns:a="http://schemas.openxmlformats.org/drawingml/2006/main" xmlns:r="http://schemas.openxmlformats.org/officeDocument/2006/relationships" xmlns:p="http://schemas.openxmlformats.org/presentationml/2006/main">
+  <p:cSld>
+    <p:spTree>
+      <p:nvGrpSpPr>
+        <p:cNvPr id="1" name=""/>
+        <p:cNvGrpSpPr/>
+        <p:nvPr/>
+      </p:nvGrpSpPr>
+      <p:grpSpPr>
+        <a:xfrm>
+          <a:off x="0" y="0"/>
+          <a:ext cx="0" cy="0"/>
+          <a:chOff x="0" y="0"/>
+          <a:chExt cx="0" cy="0"/>
+        </a:xfrm>
+      </p:grpSpPr>
+      <p:sp>
+        <p:nvSpPr>
+          <p:cNvPr id="2" name="Title 1">
+            <a:extLst>
+              <a:ext uri="{FF2B5EF4-FFF2-40B4-BE49-F238E27FC236}">
+                <a16:creationId xmlns:a16="http://schemas.microsoft.com/office/drawing/2014/main" id="{010207CA-912C-38BB-30B1-146F09180A3B}"/>
+              </a:ext>
+            </a:extLst>
+          </p:cNvPr>
+          <p:cNvSpPr>
+            <a:spLocks noGrp="1"/>
+          </p:cNvSpPr>
+          <p:nvPr>
+            <p:ph type="title"/>
+          </p:nvPr>
+        </p:nvSpPr>
+        <p:spPr>
+          <a:xfrm>
+            <a:off x="581192" y="702156"/>
+            <a:ext cx="11029616" cy="517044"/>
+          </a:xfrm>
+        </p:spPr>
+        <p:txBody>
+          <a:bodyPr>
+            <a:normAutofit fontScale="90000"/>
+          </a:bodyPr>
+          <a:lstStyle/>
+          <a:p>
+            <a:r>
+              <a:rPr lang="en-US" dirty="0"/>
+              <a:t>practices</a:t>
+            </a:r>
+          </a:p>
+        </p:txBody>
+      </p:sp>
+      <p:sp>
+        <p:nvSpPr>
+          <p:cNvPr id="3" name="Content Placeholder 2">
+            <a:extLst>
+              <a:ext uri="{FF2B5EF4-FFF2-40B4-BE49-F238E27FC236}">
+                <a16:creationId xmlns:a16="http://schemas.microsoft.com/office/drawing/2014/main" id="{EF133570-8B44-49C7-A5A9-E5EAAB6D884E}"/>
+              </a:ext>
+            </a:extLst>
+          </p:cNvPr>
+          <p:cNvSpPr>
+            <a:spLocks noGrp="1"/>
+          </p:cNvSpPr>
+          <p:nvPr>
+            <p:ph idx="1"/>
+          </p:nvPr>
+        </p:nvSpPr>
+        <p:spPr>
+          <a:xfrm>
+            <a:off x="581191" y="1413764"/>
+            <a:ext cx="11029615" cy="1439164"/>
+          </a:xfrm>
+        </p:spPr>
+        <p:txBody>
+          <a:bodyPr>
+            <a:normAutofit/>
+          </a:bodyPr>
+          <a:lstStyle/>
+          <a:p>
+            <a:r>
+              <a:rPr lang="en-US" dirty="0"/>
+              <a:t>Explore Tools and Help in RStudio</a:t>
+            </a:r>
+          </a:p>
+          <a:p>
+            <a:r>
+              <a:rPr lang="en-US" dirty="0"/>
+              <a:t>Explore the different tables in RStudio</a:t>
+            </a:r>
+          </a:p>
+        </p:txBody>
+      </p:sp>
+    </p:spTree>
+    <p:extLst>
+      <p:ext uri="{BB962C8B-B14F-4D97-AF65-F5344CB8AC3E}">
+        <p14:creationId xmlns:p14="http://schemas.microsoft.com/office/powerpoint/2010/main" val="1386969337"/>
       </p:ext>
     </p:extLst>
   </p:cSld>
@@ -7525,10 +10168,10 @@
       </p:grpSpPr>
       <p:sp>
         <p:nvSpPr>
-          <p:cNvPr id="6" name="Title 5">
+          <p:cNvPr id="2" name="Title 1">
             <a:extLst>
               <a:ext uri="{FF2B5EF4-FFF2-40B4-BE49-F238E27FC236}">
-                <a16:creationId xmlns:a16="http://schemas.microsoft.com/office/drawing/2014/main" id="{2ABC362E-1B18-9966-A9CB-F82CFEA7ABA2}"/>
+                <a16:creationId xmlns:a16="http://schemas.microsoft.com/office/drawing/2014/main" id="{F7774546-1E76-0851-BC94-37A858966BD1}"/>
               </a:ext>
             </a:extLst>
           </p:cNvPr>
@@ -7542,7 +10185,7 @@
         <p:spPr>
           <a:xfrm>
             <a:off x="581192" y="702156"/>
-            <a:ext cx="11029616" cy="646331"/>
+            <a:ext cx="11029616" cy="559716"/>
           </a:xfrm>
         </p:spPr>
         <p:txBody>
@@ -7551,666 +10194,64 @@
           <a:p>
             <a:r>
               <a:rPr lang="en-US" dirty="0"/>
-              <a:t>R - Introduction</a:t>
-            </a:r>
-          </a:p>
-        </p:txBody>
-      </p:sp>
-      <p:sp>
-        <p:nvSpPr>
-          <p:cNvPr id="7" name="TextBox 6">
+              <a:t>Ta introduction</a:t>
+            </a:r>
+          </a:p>
+        </p:txBody>
+      </p:sp>
+      <p:sp>
+        <p:nvSpPr>
+          <p:cNvPr id="3" name="Content Placeholder 2">
             <a:extLst>
               <a:ext uri="{FF2B5EF4-FFF2-40B4-BE49-F238E27FC236}">
-                <a16:creationId xmlns:a16="http://schemas.microsoft.com/office/drawing/2014/main" id="{785BB354-13AE-5762-F3DF-53CFFD1955AC}"/>
+                <a16:creationId xmlns:a16="http://schemas.microsoft.com/office/drawing/2014/main" id="{B9B5C6A6-F4A7-A78B-5041-F6DD403307D8}"/>
               </a:ext>
             </a:extLst>
           </p:cNvPr>
-          <p:cNvSpPr txBox="1"/>
-          <p:nvPr/>
-        </p:nvSpPr>
-        <p:spPr>
-          <a:xfrm>
-            <a:off x="482602" y="2125132"/>
-            <a:ext cx="5613398" cy="2443747"/>
-          </a:xfrm>
-          <a:prstGeom prst="rect">
-            <a:avLst/>
-          </a:prstGeom>
-        </p:spPr>
-        <p:txBody>
-          <a:bodyPr vert="horz" lIns="91440" tIns="45720" rIns="91440" bIns="45720" rtlCol="0" anchor="ctr">
-            <a:normAutofit/>
-          </a:bodyPr>
-          <a:lstStyle>
-            <a:defPPr>
-              <a:defRPr lang="en-US"/>
-            </a:defPPr>
-            <a:lvl1pPr indent="0" algn="ctr">
+          <p:cNvSpPr>
+            <a:spLocks noGrp="1"/>
+          </p:cNvSpPr>
+          <p:nvPr>
+            <p:ph idx="1"/>
+          </p:nvPr>
+        </p:nvSpPr>
+        <p:spPr>
+          <a:xfrm>
+            <a:off x="581193" y="1318668"/>
+            <a:ext cx="11029615" cy="1581912"/>
+          </a:xfrm>
+        </p:spPr>
+        <p:txBody>
+          <a:bodyPr/>
+          <a:lstStyle/>
+          <a:p>
+            <a:pPr>
               <a:lnSpc>
-                <a:spcPct val="100000"/>
+                <a:spcPct val="200000"/>
               </a:lnSpc>
-              <a:spcBef>
-                <a:spcPct val="20000"/>
-              </a:spcBef>
-              <a:spcAft>
-                <a:spcPts val="600"/>
-              </a:spcAft>
-              <a:buClr>
-                <a:schemeClr val="accent1"/>
-              </a:buClr>
-              <a:buSzPct val="92000"/>
-              <a:buFont typeface="Wingdings 2" panose="05020102010507070707" pitchFamily="18" charset="2"/>
-              <a:buNone/>
-              <a:defRPr>
-                <a:solidFill>
-                  <a:schemeClr val="tx1">
-                    <a:lumMod val="75000"/>
-                    <a:lumOff val="25000"/>
-                  </a:schemeClr>
-                </a:solidFill>
-              </a:defRPr>
-            </a:lvl1pPr>
-            <a:lvl2pPr marL="630000" indent="-306000">
+            </a:pPr>
+            <a:r>
+              <a:rPr lang="en-US" dirty="0"/>
+              <a:t>Office Hours:</a:t>
+            </a:r>
+          </a:p>
+          <a:p>
+            <a:pPr>
               <a:lnSpc>
-                <a:spcPct val="100000"/>
+                <a:spcPct val="200000"/>
               </a:lnSpc>
-              <a:spcBef>
-                <a:spcPct val="20000"/>
-              </a:spcBef>
-              <a:spcAft>
-                <a:spcPts val="600"/>
-              </a:spcAft>
-              <a:buClr>
-                <a:schemeClr val="accent1"/>
-              </a:buClr>
-              <a:buSzPct val="92000"/>
-              <a:buFont typeface="Wingdings 2" panose="05020102010507070707" pitchFamily="18" charset="2"/>
-              <a:buChar char=""/>
-              <a:defRPr sz="1600">
-                <a:solidFill>
-                  <a:schemeClr val="tx1">
-                    <a:lumMod val="75000"/>
-                    <a:lumOff val="25000"/>
-                  </a:schemeClr>
-                </a:solidFill>
-              </a:defRPr>
-            </a:lvl2pPr>
-            <a:lvl3pPr marL="900000" indent="-270000">
-              <a:lnSpc>
-                <a:spcPct val="100000"/>
-              </a:lnSpc>
-              <a:spcBef>
-                <a:spcPct val="20000"/>
-              </a:spcBef>
-              <a:spcAft>
-                <a:spcPts val="600"/>
-              </a:spcAft>
-              <a:buClr>
-                <a:schemeClr val="accent1"/>
-              </a:buClr>
-              <a:buSzPct val="92000"/>
-              <a:buFont typeface="Wingdings 2" panose="05020102010507070707" pitchFamily="18" charset="2"/>
-              <a:buChar char=""/>
-              <a:defRPr sz="1400">
-                <a:solidFill>
-                  <a:schemeClr val="tx1">
-                    <a:lumMod val="75000"/>
-                    <a:lumOff val="25000"/>
-                  </a:schemeClr>
-                </a:solidFill>
-              </a:defRPr>
-            </a:lvl3pPr>
-            <a:lvl4pPr marL="1242000" indent="-234000">
-              <a:lnSpc>
-                <a:spcPct val="100000"/>
-              </a:lnSpc>
-              <a:spcBef>
-                <a:spcPct val="20000"/>
-              </a:spcBef>
-              <a:spcAft>
-                <a:spcPts val="600"/>
-              </a:spcAft>
-              <a:buClr>
-                <a:schemeClr val="accent1"/>
-              </a:buClr>
-              <a:buSzPct val="92000"/>
-              <a:buFont typeface="Wingdings 2" panose="05020102010507070707" pitchFamily="18" charset="2"/>
-              <a:buChar char=""/>
-              <a:defRPr sz="1200">
-                <a:solidFill>
-                  <a:schemeClr val="tx1">
-                    <a:lumMod val="75000"/>
-                    <a:lumOff val="25000"/>
-                  </a:schemeClr>
-                </a:solidFill>
-              </a:defRPr>
-            </a:lvl4pPr>
-            <a:lvl5pPr marL="1602000" indent="-234000">
-              <a:lnSpc>
-                <a:spcPct val="100000"/>
-              </a:lnSpc>
-              <a:spcBef>
-                <a:spcPct val="20000"/>
-              </a:spcBef>
-              <a:spcAft>
-                <a:spcPts val="600"/>
-              </a:spcAft>
-              <a:buClr>
-                <a:schemeClr val="accent1"/>
-              </a:buClr>
-              <a:buSzPct val="92000"/>
-              <a:buFont typeface="Wingdings 2" panose="05020102010507070707" pitchFamily="18" charset="2"/>
-              <a:buChar char=""/>
-              <a:defRPr sz="1200">
-                <a:solidFill>
-                  <a:schemeClr val="tx1">
-                    <a:lumMod val="75000"/>
-                    <a:lumOff val="25000"/>
-                  </a:schemeClr>
-                </a:solidFill>
-              </a:defRPr>
-            </a:lvl5pPr>
-            <a:lvl6pPr marL="1900000" indent="-228600">
-              <a:spcBef>
-                <a:spcPct val="20000"/>
-              </a:spcBef>
-              <a:spcAft>
-                <a:spcPts val="600"/>
-              </a:spcAft>
-              <a:buClr>
-                <a:schemeClr val="accent2"/>
-              </a:buClr>
-              <a:buSzPct val="92000"/>
-              <a:buFont typeface="Wingdings 2" panose="05020102010507070707" pitchFamily="18" charset="2"/>
-              <a:buChar char=""/>
-              <a:defRPr sz="1200">
-                <a:solidFill>
-                  <a:schemeClr val="tx2"/>
-                </a:solidFill>
-              </a:defRPr>
-            </a:lvl6pPr>
-            <a:lvl7pPr marL="2200000" indent="-228600">
-              <a:spcBef>
-                <a:spcPct val="20000"/>
-              </a:spcBef>
-              <a:spcAft>
-                <a:spcPts val="600"/>
-              </a:spcAft>
-              <a:buClr>
-                <a:schemeClr val="accent2"/>
-              </a:buClr>
-              <a:buSzPct val="92000"/>
-              <a:buFont typeface="Wingdings 2" panose="05020102010507070707" pitchFamily="18" charset="2"/>
-              <a:buChar char=""/>
-              <a:defRPr sz="1200">
-                <a:solidFill>
-                  <a:schemeClr val="tx2"/>
-                </a:solidFill>
-              </a:defRPr>
-            </a:lvl7pPr>
-            <a:lvl8pPr marL="2500000" indent="-228600">
-              <a:spcBef>
-                <a:spcPct val="20000"/>
-              </a:spcBef>
-              <a:spcAft>
-                <a:spcPts val="600"/>
-              </a:spcAft>
-              <a:buClr>
-                <a:schemeClr val="accent2"/>
-              </a:buClr>
-              <a:buSzPct val="92000"/>
-              <a:buFont typeface="Wingdings 2" panose="05020102010507070707" pitchFamily="18" charset="2"/>
-              <a:buChar char=""/>
-              <a:defRPr sz="1200">
-                <a:solidFill>
-                  <a:schemeClr val="tx2"/>
-                </a:solidFill>
-              </a:defRPr>
-            </a:lvl8pPr>
-            <a:lvl9pPr marL="2800000" indent="-228600">
-              <a:spcBef>
-                <a:spcPct val="20000"/>
-              </a:spcBef>
-              <a:spcAft>
-                <a:spcPts val="600"/>
-              </a:spcAft>
-              <a:buClr>
-                <a:schemeClr val="accent2"/>
-              </a:buClr>
-              <a:buSzPct val="92000"/>
-              <a:buFont typeface="Wingdings 2" panose="05020102010507070707" pitchFamily="18" charset="2"/>
-              <a:buChar char=""/>
-              <a:defRPr sz="1200">
-                <a:solidFill>
-                  <a:schemeClr val="tx2"/>
-                </a:solidFill>
-              </a:defRPr>
-            </a:lvl9pPr>
-          </a:lstStyle>
-          <a:p>
-            <a:endParaRPr lang="en-US" dirty="0"/>
-          </a:p>
-          <a:p>
-            <a:pPr marL="285750" indent="-285750" algn="l">
-              <a:buFont typeface="Wingdings" panose="05000000000000000000" pitchFamily="2" charset="2"/>
-              <a:buChar char="§"/>
             </a:pPr>
             <a:r>
               <a:rPr lang="en-US" dirty="0"/>
-              <a:t>Descriptive analysis (mean, median., </a:t>
-            </a:r>
-            <a:r>
-              <a:rPr lang="en-US" dirty="0" err="1"/>
-              <a:t>etc</a:t>
-            </a:r>
-            <a:r>
-              <a:rPr lang="en-US" dirty="0"/>
-              <a:t>)</a:t>
-            </a:r>
-          </a:p>
-          <a:p>
-            <a:pPr marL="285750" indent="-285750" algn="l">
-              <a:buFont typeface="Wingdings" panose="05000000000000000000" pitchFamily="2" charset="2"/>
-              <a:buChar char="§"/>
-            </a:pPr>
-            <a:r>
-              <a:rPr lang="en-US" dirty="0"/>
-              <a:t>Regression analyses (linear, logistic, </a:t>
-            </a:r>
-            <a:r>
-              <a:rPr lang="en-US" dirty="0" err="1"/>
-              <a:t>ect</a:t>
-            </a:r>
-            <a:r>
-              <a:rPr lang="en-US" dirty="0"/>
-              <a:t>)</a:t>
-            </a:r>
-          </a:p>
-          <a:p>
-            <a:pPr marL="285750" indent="-285750" algn="l">
-              <a:buFont typeface="Wingdings" panose="05000000000000000000" pitchFamily="2" charset="2"/>
-              <a:buChar char="§"/>
-            </a:pPr>
-            <a:r>
-              <a:rPr lang="en-US" dirty="0"/>
-              <a:t>Time series analysis (ARIMA, </a:t>
-            </a:r>
-            <a:r>
-              <a:rPr lang="en-US" dirty="0" err="1"/>
-              <a:t>etc</a:t>
-            </a:r>
-            <a:r>
-              <a:rPr lang="en-US" dirty="0"/>
-              <a:t>)</a:t>
-            </a:r>
-          </a:p>
-          <a:p>
-            <a:pPr marL="285750" indent="-285750" algn="l">
-              <a:buFont typeface="Wingdings" panose="05000000000000000000" pitchFamily="2" charset="2"/>
-              <a:buChar char="§"/>
-            </a:pPr>
-            <a:r>
-              <a:rPr lang="en-US" dirty="0"/>
-              <a:t>Multivariate analysis (PCA, factor analysis)</a:t>
-            </a:r>
-          </a:p>
-          <a:p>
-            <a:pPr marL="285750" indent="-285750" algn="l">
-              <a:buFont typeface="Wingdings" panose="05000000000000000000" pitchFamily="2" charset="2"/>
-              <a:buChar char="§"/>
-            </a:pPr>
-            <a:r>
-              <a:rPr lang="en-US" dirty="0">
-                <a:hlinkClick r:id="rId2"/>
-              </a:rPr>
-              <a:t>A handbook of statistical analysis in R</a:t>
-            </a:r>
-            <a:endParaRPr lang="en-US" dirty="0"/>
-          </a:p>
-        </p:txBody>
-      </p:sp>
-      <p:sp>
-        <p:nvSpPr>
-          <p:cNvPr id="8" name="TextBox 7">
-            <a:extLst>
-              <a:ext uri="{FF2B5EF4-FFF2-40B4-BE49-F238E27FC236}">
-                <a16:creationId xmlns:a16="http://schemas.microsoft.com/office/drawing/2014/main" id="{EBBB5179-0B40-9AE5-22CE-E99EBD4AC387}"/>
-              </a:ext>
-            </a:extLst>
-          </p:cNvPr>
-          <p:cNvSpPr txBox="1"/>
-          <p:nvPr/>
-        </p:nvSpPr>
-        <p:spPr>
-          <a:xfrm>
-            <a:off x="6942665" y="1666281"/>
-            <a:ext cx="3810000" cy="369332"/>
-          </a:xfrm>
-          <a:prstGeom prst="rect">
-            <a:avLst/>
-          </a:prstGeom>
-          <a:noFill/>
-        </p:spPr>
-        <p:txBody>
-          <a:bodyPr wrap="square" rtlCol="0">
-            <a:spAutoFit/>
-          </a:bodyPr>
-          <a:lstStyle/>
-          <a:p>
-            <a:r>
-              <a:rPr lang="en-US" dirty="0"/>
-              <a:t>Geospatial Data Analysis</a:t>
-            </a:r>
-          </a:p>
-        </p:txBody>
-      </p:sp>
-      <p:sp>
-        <p:nvSpPr>
-          <p:cNvPr id="14" name="TextBox 13">
-            <a:extLst>
-              <a:ext uri="{FF2B5EF4-FFF2-40B4-BE49-F238E27FC236}">
-                <a16:creationId xmlns:a16="http://schemas.microsoft.com/office/drawing/2014/main" id="{E595609F-EEA2-A807-0BF2-59572CBE4E12}"/>
-              </a:ext>
-            </a:extLst>
-          </p:cNvPr>
-          <p:cNvSpPr txBox="1"/>
-          <p:nvPr/>
-        </p:nvSpPr>
-        <p:spPr>
-          <a:xfrm>
-            <a:off x="1532467" y="1666281"/>
-            <a:ext cx="1921933" cy="369332"/>
-          </a:xfrm>
-          <a:prstGeom prst="rect">
-            <a:avLst/>
-          </a:prstGeom>
-          <a:noFill/>
-        </p:spPr>
-        <p:txBody>
-          <a:bodyPr wrap="square">
-            <a:spAutoFit/>
-          </a:bodyPr>
-          <a:lstStyle/>
-          <a:p>
-            <a:r>
-              <a:rPr lang="en-US" dirty="0"/>
-              <a:t>Statistical Analysis</a:t>
-            </a:r>
-          </a:p>
-        </p:txBody>
-      </p:sp>
-      <p:sp>
-        <p:nvSpPr>
-          <p:cNvPr id="15" name="TextBox 14">
-            <a:extLst>
-              <a:ext uri="{FF2B5EF4-FFF2-40B4-BE49-F238E27FC236}">
-                <a16:creationId xmlns:a16="http://schemas.microsoft.com/office/drawing/2014/main" id="{D97BA49B-23EC-8730-9EB6-3A359BEE2E74}"/>
-              </a:ext>
-            </a:extLst>
-          </p:cNvPr>
-          <p:cNvSpPr txBox="1"/>
-          <p:nvPr/>
-        </p:nvSpPr>
-        <p:spPr>
-          <a:xfrm>
-            <a:off x="6832599" y="2563894"/>
-            <a:ext cx="3522133" cy="1566222"/>
-          </a:xfrm>
-          <a:prstGeom prst="rect">
-            <a:avLst/>
-          </a:prstGeom>
-        </p:spPr>
-        <p:txBody>
-          <a:bodyPr vert="horz" lIns="91440" tIns="45720" rIns="91440" bIns="45720" rtlCol="0" anchor="ctr">
-            <a:normAutofit/>
-          </a:bodyPr>
-          <a:lstStyle>
-            <a:defPPr>
-              <a:defRPr lang="en-US"/>
-            </a:defPPr>
-            <a:lvl1pPr indent="0" algn="ctr">
-              <a:lnSpc>
-                <a:spcPct val="100000"/>
-              </a:lnSpc>
-              <a:spcBef>
-                <a:spcPct val="20000"/>
-              </a:spcBef>
-              <a:spcAft>
-                <a:spcPts val="600"/>
-              </a:spcAft>
-              <a:buClr>
-                <a:schemeClr val="accent1"/>
-              </a:buClr>
-              <a:buSzPct val="92000"/>
-              <a:buFont typeface="Wingdings 2" panose="05020102010507070707" pitchFamily="18" charset="2"/>
-              <a:buNone/>
-              <a:defRPr>
-                <a:solidFill>
-                  <a:schemeClr val="tx1">
-                    <a:lumMod val="75000"/>
-                    <a:lumOff val="25000"/>
-                  </a:schemeClr>
-                </a:solidFill>
-              </a:defRPr>
-            </a:lvl1pPr>
-            <a:lvl2pPr marL="630000" indent="-306000">
-              <a:lnSpc>
-                <a:spcPct val="100000"/>
-              </a:lnSpc>
-              <a:spcBef>
-                <a:spcPct val="20000"/>
-              </a:spcBef>
-              <a:spcAft>
-                <a:spcPts val="600"/>
-              </a:spcAft>
-              <a:buClr>
-                <a:schemeClr val="accent1"/>
-              </a:buClr>
-              <a:buSzPct val="92000"/>
-              <a:buFont typeface="Wingdings 2" panose="05020102010507070707" pitchFamily="18" charset="2"/>
-              <a:buChar char=""/>
-              <a:defRPr sz="1600">
-                <a:solidFill>
-                  <a:schemeClr val="tx1">
-                    <a:lumMod val="75000"/>
-                    <a:lumOff val="25000"/>
-                  </a:schemeClr>
-                </a:solidFill>
-              </a:defRPr>
-            </a:lvl2pPr>
-            <a:lvl3pPr marL="900000" indent="-270000">
-              <a:lnSpc>
-                <a:spcPct val="100000"/>
-              </a:lnSpc>
-              <a:spcBef>
-                <a:spcPct val="20000"/>
-              </a:spcBef>
-              <a:spcAft>
-                <a:spcPts val="600"/>
-              </a:spcAft>
-              <a:buClr>
-                <a:schemeClr val="accent1"/>
-              </a:buClr>
-              <a:buSzPct val="92000"/>
-              <a:buFont typeface="Wingdings 2" panose="05020102010507070707" pitchFamily="18" charset="2"/>
-              <a:buChar char=""/>
-              <a:defRPr sz="1400">
-                <a:solidFill>
-                  <a:schemeClr val="tx1">
-                    <a:lumMod val="75000"/>
-                    <a:lumOff val="25000"/>
-                  </a:schemeClr>
-                </a:solidFill>
-              </a:defRPr>
-            </a:lvl3pPr>
-            <a:lvl4pPr marL="1242000" indent="-234000">
-              <a:lnSpc>
-                <a:spcPct val="100000"/>
-              </a:lnSpc>
-              <a:spcBef>
-                <a:spcPct val="20000"/>
-              </a:spcBef>
-              <a:spcAft>
-                <a:spcPts val="600"/>
-              </a:spcAft>
-              <a:buClr>
-                <a:schemeClr val="accent1"/>
-              </a:buClr>
-              <a:buSzPct val="92000"/>
-              <a:buFont typeface="Wingdings 2" panose="05020102010507070707" pitchFamily="18" charset="2"/>
-              <a:buChar char=""/>
-              <a:defRPr sz="1200">
-                <a:solidFill>
-                  <a:schemeClr val="tx1">
-                    <a:lumMod val="75000"/>
-                    <a:lumOff val="25000"/>
-                  </a:schemeClr>
-                </a:solidFill>
-              </a:defRPr>
-            </a:lvl4pPr>
-            <a:lvl5pPr marL="1602000" indent="-234000">
-              <a:lnSpc>
-                <a:spcPct val="100000"/>
-              </a:lnSpc>
-              <a:spcBef>
-                <a:spcPct val="20000"/>
-              </a:spcBef>
-              <a:spcAft>
-                <a:spcPts val="600"/>
-              </a:spcAft>
-              <a:buClr>
-                <a:schemeClr val="accent1"/>
-              </a:buClr>
-              <a:buSzPct val="92000"/>
-              <a:buFont typeface="Wingdings 2" panose="05020102010507070707" pitchFamily="18" charset="2"/>
-              <a:buChar char=""/>
-              <a:defRPr sz="1200">
-                <a:solidFill>
-                  <a:schemeClr val="tx1">
-                    <a:lumMod val="75000"/>
-                    <a:lumOff val="25000"/>
-                  </a:schemeClr>
-                </a:solidFill>
-              </a:defRPr>
-            </a:lvl5pPr>
-            <a:lvl6pPr marL="1900000" indent="-228600">
-              <a:spcBef>
-                <a:spcPct val="20000"/>
-              </a:spcBef>
-              <a:spcAft>
-                <a:spcPts val="600"/>
-              </a:spcAft>
-              <a:buClr>
-                <a:schemeClr val="accent2"/>
-              </a:buClr>
-              <a:buSzPct val="92000"/>
-              <a:buFont typeface="Wingdings 2" panose="05020102010507070707" pitchFamily="18" charset="2"/>
-              <a:buChar char=""/>
-              <a:defRPr sz="1200">
-                <a:solidFill>
-                  <a:schemeClr val="tx2"/>
-                </a:solidFill>
-              </a:defRPr>
-            </a:lvl6pPr>
-            <a:lvl7pPr marL="2200000" indent="-228600">
-              <a:spcBef>
-                <a:spcPct val="20000"/>
-              </a:spcBef>
-              <a:spcAft>
-                <a:spcPts val="600"/>
-              </a:spcAft>
-              <a:buClr>
-                <a:schemeClr val="accent2"/>
-              </a:buClr>
-              <a:buSzPct val="92000"/>
-              <a:buFont typeface="Wingdings 2" panose="05020102010507070707" pitchFamily="18" charset="2"/>
-              <a:buChar char=""/>
-              <a:defRPr sz="1200">
-                <a:solidFill>
-                  <a:schemeClr val="tx2"/>
-                </a:solidFill>
-              </a:defRPr>
-            </a:lvl7pPr>
-            <a:lvl8pPr marL="2500000" indent="-228600">
-              <a:spcBef>
-                <a:spcPct val="20000"/>
-              </a:spcBef>
-              <a:spcAft>
-                <a:spcPts val="600"/>
-              </a:spcAft>
-              <a:buClr>
-                <a:schemeClr val="accent2"/>
-              </a:buClr>
-              <a:buSzPct val="92000"/>
-              <a:buFont typeface="Wingdings 2" panose="05020102010507070707" pitchFamily="18" charset="2"/>
-              <a:buChar char=""/>
-              <a:defRPr sz="1200">
-                <a:solidFill>
-                  <a:schemeClr val="tx2"/>
-                </a:solidFill>
-              </a:defRPr>
-            </a:lvl8pPr>
-            <a:lvl9pPr marL="2800000" indent="-228600">
-              <a:spcBef>
-                <a:spcPct val="20000"/>
-              </a:spcBef>
-              <a:spcAft>
-                <a:spcPts val="600"/>
-              </a:spcAft>
-              <a:buClr>
-                <a:schemeClr val="accent2"/>
-              </a:buClr>
-              <a:buSzPct val="92000"/>
-              <a:buFont typeface="Wingdings 2" panose="05020102010507070707" pitchFamily="18" charset="2"/>
-              <a:buChar char=""/>
-              <a:defRPr sz="1200">
-                <a:solidFill>
-                  <a:schemeClr val="tx2"/>
-                </a:solidFill>
-              </a:defRPr>
-            </a:lvl9pPr>
-          </a:lstStyle>
-          <a:p>
-            <a:pPr marL="285750" indent="-285750" algn="l">
-              <a:buFont typeface="Wingdings" panose="05000000000000000000" pitchFamily="2" charset="2"/>
-              <a:buChar char="§"/>
-            </a:pPr>
-            <a:r>
-              <a:rPr lang="en-US" dirty="0"/>
-              <a:t>Handle raster and vector data</a:t>
-            </a:r>
-          </a:p>
-          <a:p>
-            <a:pPr marL="285750" indent="-285750" algn="l">
-              <a:buFont typeface="Wingdings" panose="05000000000000000000" pitchFamily="2" charset="2"/>
-              <a:buChar char="§"/>
-            </a:pPr>
-            <a:r>
-              <a:rPr lang="en-US" dirty="0"/>
-              <a:t>Analyze spatial data with sf, </a:t>
-            </a:r>
-            <a:r>
-              <a:rPr lang="en-US" dirty="0" err="1"/>
-              <a:t>sp</a:t>
-            </a:r>
-            <a:r>
-              <a:rPr lang="en-US" dirty="0"/>
-              <a:t> or raster</a:t>
-            </a:r>
-          </a:p>
-          <a:p>
-            <a:pPr marL="285750" indent="-285750">
-              <a:buFont typeface="Wingdings" panose="05000000000000000000" pitchFamily="2" charset="2"/>
-              <a:buChar char="§"/>
-            </a:pPr>
-            <a:endParaRPr lang="en-US" dirty="0"/>
+              <a:t>Office Location</a:t>
+            </a:r>
           </a:p>
         </p:txBody>
       </p:sp>
     </p:spTree>
     <p:extLst>
       <p:ext uri="{BB962C8B-B14F-4D97-AF65-F5344CB8AC3E}">
-        <p14:creationId xmlns:p14="http://schemas.microsoft.com/office/powerpoint/2010/main" val="2712390012"/>
+        <p14:creationId xmlns:p14="http://schemas.microsoft.com/office/powerpoint/2010/main" val="1809261439"/>
       </p:ext>
     </p:extLst>
   </p:cSld>
@@ -8242,7 +10283,7 @@
           <p:cNvPr id="2" name="Title 1">
             <a:extLst>
               <a:ext uri="{FF2B5EF4-FFF2-40B4-BE49-F238E27FC236}">
-                <a16:creationId xmlns:a16="http://schemas.microsoft.com/office/drawing/2014/main" id="{08E5C2BE-4B03-D4E6-DFE7-810B47CD22B5}"/>
+                <a16:creationId xmlns:a16="http://schemas.microsoft.com/office/drawing/2014/main" id="{4B5BF29F-2975-8149-4D2E-13B298DAB684}"/>
               </a:ext>
             </a:extLst>
           </p:cNvPr>
@@ -8256,30 +10297,32 @@
         <p:spPr>
           <a:xfrm>
             <a:off x="581192" y="702156"/>
-            <a:ext cx="11029616" cy="542444"/>
-          </a:xfrm>
-        </p:spPr>
-        <p:txBody>
-          <a:bodyPr/>
+            <a:ext cx="11029616" cy="843180"/>
+          </a:xfrm>
+        </p:spPr>
+        <p:txBody>
+          <a:bodyPr>
+            <a:normAutofit/>
+          </a:bodyPr>
           <a:lstStyle/>
           <a:p>
             <a:r>
-              <a:rPr lang="en-US" dirty="0"/>
-              <a:t>R - Introduction</a:t>
-            </a:r>
-          </a:p>
-        </p:txBody>
-      </p:sp>
-      <p:sp>
-        <p:nvSpPr>
-          <p:cNvPr id="4" name="Content Placeholder 3">
+              <a:rPr lang="en-US" sz="4000" dirty="0"/>
+              <a:t>How about you?</a:t>
+            </a:r>
+          </a:p>
+        </p:txBody>
+      </p:sp>
+      <p:sp>
+        <p:nvSpPr>
+          <p:cNvPr id="3" name="Content Placeholder 2">
             <a:extLst>
               <a:ext uri="{FF2B5EF4-FFF2-40B4-BE49-F238E27FC236}">
-                <a16:creationId xmlns:a16="http://schemas.microsoft.com/office/drawing/2014/main" id="{618C42D4-80EE-B95F-F8EC-712863166656}"/>
+                <a16:creationId xmlns:a16="http://schemas.microsoft.com/office/drawing/2014/main" id="{F7B7FA28-2DE1-140A-6DB6-7F35DC02A2FB}"/>
               </a:ext>
             </a:extLst>
           </p:cNvPr>
-          <p:cNvSpPr txBox="1">
+          <p:cNvSpPr>
             <a:spLocks noGrp="1"/>
           </p:cNvSpPr>
           <p:nvPr>
@@ -8288,79 +10331,57 @@
         </p:nvSpPr>
         <p:spPr>
           <a:xfrm>
-            <a:off x="1537925" y="1474868"/>
-            <a:ext cx="8105775" cy="2416046"/>
-          </a:xfrm>
-          <a:prstGeom prst="rect">
-            <a:avLst/>
-          </a:prstGeom>
-        </p:spPr>
-        <p:txBody>
-          <a:bodyPr vert="horz" lIns="91440" tIns="45720" rIns="91440" bIns="45720" rtlCol="0" anchor="ctr">
-            <a:normAutofit lnSpcReduction="10000"/>
+            <a:off x="581193" y="1691640"/>
+            <a:ext cx="11029615" cy="4050792"/>
+          </a:xfrm>
+        </p:spPr>
+        <p:txBody>
+          <a:bodyPr>
+            <a:normAutofit/>
           </a:bodyPr>
           <a:lstStyle/>
           <a:p>
-            <a:pPr marL="0" indent="0" algn="ctr">
-              <a:buNone/>
+            <a:pPr>
+              <a:lnSpc>
+                <a:spcPct val="200000"/>
+              </a:lnSpc>
             </a:pPr>
             <a:r>
-              <a:rPr lang="en-US" sz="2400" dirty="0"/>
-              <a:t>Machine Learning</a:t>
-            </a:r>
-          </a:p>
-          <a:p>
-            <a:pPr marL="0" indent="0" algn="ctr">
-              <a:buNone/>
+              <a:rPr lang="en-US" sz="2800" dirty="0"/>
+              <a:t>Your background (e.g., name, major, where you come from)</a:t>
+            </a:r>
+          </a:p>
+          <a:p>
+            <a:pPr>
+              <a:lnSpc>
+                <a:spcPct val="200000"/>
+              </a:lnSpc>
             </a:pPr>
-            <a:endParaRPr lang="en-US" dirty="0"/>
+            <a:r>
+              <a:rPr lang="en-US" sz="2800" dirty="0"/>
+              <a:t>What is your funniest thing that happened during your winter break?</a:t>
+            </a:r>
           </a:p>
           <a:p>
             <a:pPr>
-              <a:buFont typeface="Wingdings" panose="05000000000000000000" pitchFamily="2" charset="2"/>
-              <a:buChar char="§"/>
+              <a:lnSpc>
+                <a:spcPct val="200000"/>
+              </a:lnSpc>
             </a:pPr>
             <a:r>
-              <a:rPr lang="en-US" dirty="0"/>
-              <a:t>Implement supervised learning (classification, regression).</a:t>
+              <a:rPr lang="en-US" sz="2800" dirty="0"/>
+              <a:t>What relevant experience do you have with statistics?</a:t>
             </a:r>
           </a:p>
           <a:p>
             <a:pPr>
-              <a:buFont typeface="Wingdings" panose="05000000000000000000" pitchFamily="2" charset="2"/>
-              <a:buChar char="§"/>
+              <a:lnSpc>
+                <a:spcPct val="200000"/>
+              </a:lnSpc>
             </a:pPr>
             <a:r>
-              <a:rPr lang="en-US" dirty="0"/>
-              <a:t>Apply unsupervised learning (clustering, dimensionality reduction).</a:t>
-            </a:r>
-          </a:p>
-          <a:p>
-            <a:pPr>
-              <a:buFont typeface="Wingdings" panose="05000000000000000000" pitchFamily="2" charset="2"/>
-              <a:buChar char="§"/>
-            </a:pPr>
-            <a:r>
-              <a:rPr lang="en-US" dirty="0"/>
-              <a:t>Perform deep learning with packages like </a:t>
-            </a:r>
-            <a:r>
-              <a:rPr lang="en-US" dirty="0" err="1"/>
-              <a:t>keras</a:t>
-            </a:r>
-            <a:r>
-              <a:rPr lang="en-US" dirty="0"/>
-              <a:t> or torch.</a:t>
-            </a:r>
-          </a:p>
-          <a:p>
-            <a:pPr>
-              <a:buFont typeface="Wingdings" panose="05000000000000000000" pitchFamily="2" charset="2"/>
-              <a:buChar char="§"/>
-            </a:pPr>
-            <a:r>
-              <a:rPr lang="en-US" dirty="0"/>
-              <a:t>Evaluate models using cross-validation and other metrics.</a:t>
+              <a:rPr lang="en-US" sz="2800" dirty="0"/>
+              <a:t>What are your expectations for this course?</a:t>
             </a:r>
           </a:p>
         </p:txBody>
@@ -8368,7 +10389,7 @@
     </p:spTree>
     <p:extLst>
       <p:ext uri="{BB962C8B-B14F-4D97-AF65-F5344CB8AC3E}">
-        <p14:creationId xmlns:p14="http://schemas.microsoft.com/office/powerpoint/2010/main" val="478509582"/>
+        <p14:creationId xmlns:p14="http://schemas.microsoft.com/office/powerpoint/2010/main" val="3358990620"/>
       </p:ext>
     </p:extLst>
   </p:cSld>
@@ -8400,7 +10421,7 @@
           <p:cNvPr id="2" name="Title 1">
             <a:extLst>
               <a:ext uri="{FF2B5EF4-FFF2-40B4-BE49-F238E27FC236}">
-                <a16:creationId xmlns:a16="http://schemas.microsoft.com/office/drawing/2014/main" id="{A6A84645-B522-99BF-18B8-9B3461D1AF2F}"/>
+                <a16:creationId xmlns:a16="http://schemas.microsoft.com/office/drawing/2014/main" id="{7B669B35-026B-D91C-AC9C-0821A1328204}"/>
               </a:ext>
             </a:extLst>
           </p:cNvPr>
@@ -8414,20 +10435,18 @@
         <p:spPr>
           <a:xfrm>
             <a:off x="581192" y="702156"/>
-            <a:ext cx="11029616" cy="593244"/>
-          </a:xfrm>
-        </p:spPr>
-        <p:txBody>
-          <a:bodyPr/>
+            <a:ext cx="11029616" cy="513996"/>
+          </a:xfrm>
+        </p:spPr>
+        <p:txBody>
+          <a:bodyPr>
+            <a:normAutofit fontScale="90000"/>
+          </a:bodyPr>
           <a:lstStyle/>
           <a:p>
             <a:r>
-              <a:rPr lang="en-US" dirty="0" err="1"/>
-              <a:t>Rstudio</a:t>
-            </a:r>
-            <a:r>
-              <a:rPr lang="en-US" dirty="0"/>
-              <a:t> – Introduction</a:t>
+              <a:rPr lang="en-US" dirty="0"/>
+              <a:t>Course format</a:t>
             </a:r>
           </a:p>
         </p:txBody>
@@ -8437,7 +10456,7 @@
           <p:cNvPr id="3" name="Content Placeholder 2">
             <a:extLst>
               <a:ext uri="{FF2B5EF4-FFF2-40B4-BE49-F238E27FC236}">
-                <a16:creationId xmlns:a16="http://schemas.microsoft.com/office/drawing/2014/main" id="{8471809F-C3C0-E273-A913-956504C5CFA4}"/>
+                <a16:creationId xmlns:a16="http://schemas.microsoft.com/office/drawing/2014/main" id="{2F368300-8F49-5F38-358A-A6A4EE5B0C43}"/>
               </a:ext>
             </a:extLst>
           </p:cNvPr>
@@ -8450,312 +10469,115 @@
         </p:nvSpPr>
         <p:spPr>
           <a:xfrm>
-            <a:off x="581193" y="1472184"/>
-            <a:ext cx="11029615" cy="493776"/>
-          </a:xfrm>
-        </p:spPr>
-        <p:txBody>
-          <a:bodyPr/>
+            <a:off x="690920" y="1399032"/>
+            <a:ext cx="11029615" cy="4828032"/>
+          </a:xfrm>
+        </p:spPr>
+        <p:txBody>
+          <a:bodyPr>
+            <a:normAutofit fontScale="77500" lnSpcReduction="20000"/>
+          </a:bodyPr>
           <a:lstStyle/>
           <a:p>
-            <a:r>
-              <a:rPr lang="en-US" dirty="0"/>
-              <a:t>Open-source IDE (integrated development environment)</a:t>
-            </a:r>
-          </a:p>
-        </p:txBody>
-      </p:sp>
-      <p:pic>
-        <p:nvPicPr>
-          <p:cNvPr id="5" name="Picture 4">
-            <a:extLst>
-              <a:ext uri="{FF2B5EF4-FFF2-40B4-BE49-F238E27FC236}">
-                <a16:creationId xmlns:a16="http://schemas.microsoft.com/office/drawing/2014/main" id="{CC57D226-0A4A-A70E-48C6-7FDABA8D0F1C}"/>
-              </a:ext>
-            </a:extLst>
-          </p:cNvPr>
-          <p:cNvPicPr>
-            <a:picLocks noChangeAspect="1"/>
-          </p:cNvPicPr>
-          <p:nvPr/>
-        </p:nvPicPr>
-        <p:blipFill>
-          <a:blip r:embed="rId2"/>
-          <a:stretch>
-            <a:fillRect/>
-          </a:stretch>
-        </p:blipFill>
-        <p:spPr>
-          <a:xfrm>
-            <a:off x="903110" y="2055504"/>
-            <a:ext cx="2407980" cy="904330"/>
-          </a:xfrm>
-          <a:prstGeom prst="rect">
-            <a:avLst/>
-          </a:prstGeom>
-        </p:spPr>
-      </p:pic>
-      <p:sp>
-        <p:nvSpPr>
-          <p:cNvPr id="6" name="Content Placeholder 2">
-            <a:extLst>
-              <a:ext uri="{FF2B5EF4-FFF2-40B4-BE49-F238E27FC236}">
-                <a16:creationId xmlns:a16="http://schemas.microsoft.com/office/drawing/2014/main" id="{7A24E3FF-D473-5C86-1B24-5F300A00D611}"/>
-              </a:ext>
-            </a:extLst>
-          </p:cNvPr>
-          <p:cNvSpPr txBox="1">
-            <a:spLocks/>
-          </p:cNvSpPr>
-          <p:nvPr/>
-        </p:nvSpPr>
-        <p:spPr>
-          <a:xfrm>
-            <a:off x="581193" y="3182112"/>
-            <a:ext cx="11029615" cy="493776"/>
-          </a:xfrm>
-          <a:prstGeom prst="rect">
-            <a:avLst/>
-          </a:prstGeom>
-        </p:spPr>
-        <p:txBody>
-          <a:bodyPr vert="horz" lIns="91440" tIns="45720" rIns="91440" bIns="45720" rtlCol="0" anchor="ctr">
-            <a:normAutofit/>
-          </a:bodyPr>
-          <a:lstStyle>
-            <a:lvl1pPr marL="306000" indent="-306000" algn="l" defTabSz="457200" rtl="0" eaLnBrk="1" latinLnBrk="0" hangingPunct="1">
+            <a:pPr>
               <a:lnSpc>
-                <a:spcPct val="100000"/>
+                <a:spcPct val="150000"/>
               </a:lnSpc>
-              <a:spcBef>
-                <a:spcPct val="20000"/>
-              </a:spcBef>
-              <a:spcAft>
-                <a:spcPts val="600"/>
-              </a:spcAft>
-              <a:buClr>
-                <a:schemeClr val="accent1"/>
-              </a:buClr>
-              <a:buSzPct val="92000"/>
-              <a:buFont typeface="Wingdings 2" panose="05020102010507070707" pitchFamily="18" charset="2"/>
-              <a:buChar char=""/>
-              <a:defRPr sz="1800" kern="1200">
-                <a:solidFill>
-                  <a:schemeClr val="tx1">
-                    <a:lumMod val="75000"/>
-                    <a:lumOff val="25000"/>
-                  </a:schemeClr>
-                </a:solidFill>
-                <a:latin typeface="+mn-lt"/>
-                <a:ea typeface="+mn-ea"/>
-                <a:cs typeface="+mn-cs"/>
-              </a:defRPr>
-            </a:lvl1pPr>
-            <a:lvl2pPr marL="630000" indent="-306000" algn="l" defTabSz="457200" rtl="0" eaLnBrk="1" latinLnBrk="0" hangingPunct="1">
+            </a:pPr>
+            <a:r>
+              <a:rPr lang="en-US" sz="2800" dirty="0"/>
+              <a:t>Lectures: Instructor &amp; TA</a:t>
+            </a:r>
+          </a:p>
+          <a:p>
+            <a:pPr lvl="1">
               <a:lnSpc>
-                <a:spcPct val="100000"/>
+                <a:spcPct val="150000"/>
               </a:lnSpc>
-              <a:spcBef>
-                <a:spcPct val="20000"/>
-              </a:spcBef>
-              <a:spcAft>
-                <a:spcPts val="600"/>
-              </a:spcAft>
-              <a:buClr>
-                <a:schemeClr val="accent1"/>
-              </a:buClr>
-              <a:buSzPct val="92000"/>
-              <a:buFont typeface="Wingdings 2" panose="05020102010507070707" pitchFamily="18" charset="2"/>
-              <a:buChar char=""/>
-              <a:defRPr sz="1600" kern="1200">
-                <a:solidFill>
-                  <a:schemeClr val="tx1">
-                    <a:lumMod val="75000"/>
-                    <a:lumOff val="25000"/>
-                  </a:schemeClr>
-                </a:solidFill>
-                <a:latin typeface="+mn-lt"/>
-                <a:ea typeface="+mn-ea"/>
-                <a:cs typeface="+mn-cs"/>
-              </a:defRPr>
-            </a:lvl2pPr>
-            <a:lvl3pPr marL="900000" indent="-270000" algn="l" defTabSz="457200" rtl="0" eaLnBrk="1" latinLnBrk="0" hangingPunct="1">
+              <a:buFont typeface="Wingdings" panose="05000000000000000000" pitchFamily="2" charset="2"/>
+              <a:buChar char="Ø"/>
+            </a:pPr>
+            <a:r>
+              <a:rPr lang="en-US" sz="2800" dirty="0"/>
+              <a:t>Location: </a:t>
+            </a:r>
+          </a:p>
+          <a:p>
+            <a:pPr lvl="1">
               <a:lnSpc>
-                <a:spcPct val="100000"/>
+                <a:spcPct val="150000"/>
               </a:lnSpc>
-              <a:spcBef>
-                <a:spcPct val="20000"/>
-              </a:spcBef>
-              <a:spcAft>
-                <a:spcPts val="600"/>
-              </a:spcAft>
-              <a:buClr>
-                <a:schemeClr val="accent1"/>
-              </a:buClr>
-              <a:buSzPct val="92000"/>
-              <a:buFont typeface="Wingdings 2" panose="05020102010507070707" pitchFamily="18" charset="2"/>
-              <a:buChar char=""/>
-              <a:defRPr sz="1400" kern="1200">
-                <a:solidFill>
-                  <a:schemeClr val="tx1">
-                    <a:lumMod val="75000"/>
-                    <a:lumOff val="25000"/>
-                  </a:schemeClr>
-                </a:solidFill>
-                <a:latin typeface="+mn-lt"/>
-                <a:ea typeface="+mn-ea"/>
-                <a:cs typeface="+mn-cs"/>
-              </a:defRPr>
-            </a:lvl3pPr>
-            <a:lvl4pPr marL="1242000" indent="-234000" algn="l" defTabSz="457200" rtl="0" eaLnBrk="1" latinLnBrk="0" hangingPunct="1">
+              <a:buFont typeface="Wingdings" panose="05000000000000000000" pitchFamily="2" charset="2"/>
+              <a:buChar char="Ø"/>
+            </a:pPr>
+            <a:r>
+              <a:rPr lang="en-US" sz="2800" dirty="0"/>
+              <a:t>Time</a:t>
+            </a:r>
+          </a:p>
+          <a:p>
+            <a:pPr>
               <a:lnSpc>
-                <a:spcPct val="100000"/>
+                <a:spcPct val="150000"/>
               </a:lnSpc>
-              <a:spcBef>
-                <a:spcPct val="20000"/>
-              </a:spcBef>
-              <a:spcAft>
-                <a:spcPts val="600"/>
-              </a:spcAft>
-              <a:buClr>
-                <a:schemeClr val="accent1"/>
-              </a:buClr>
-              <a:buSzPct val="92000"/>
-              <a:buFont typeface="Wingdings 2" panose="05020102010507070707" pitchFamily="18" charset="2"/>
-              <a:buChar char=""/>
-              <a:defRPr sz="1200" kern="1200">
-                <a:solidFill>
-                  <a:schemeClr val="tx1">
-                    <a:lumMod val="75000"/>
-                    <a:lumOff val="25000"/>
-                  </a:schemeClr>
-                </a:solidFill>
-                <a:latin typeface="+mn-lt"/>
-                <a:ea typeface="+mn-ea"/>
-                <a:cs typeface="+mn-cs"/>
-              </a:defRPr>
-            </a:lvl4pPr>
-            <a:lvl5pPr marL="1602000" indent="-234000" algn="l" defTabSz="457200" rtl="0" eaLnBrk="1" latinLnBrk="0" hangingPunct="1">
+              <a:buFont typeface="Wingdings" panose="05000000000000000000" pitchFamily="2" charset="2"/>
+              <a:buChar char="§"/>
+            </a:pPr>
+            <a:r>
+              <a:rPr lang="en-US" sz="2900" dirty="0"/>
+              <a:t>Labs: TA</a:t>
+            </a:r>
+          </a:p>
+          <a:p>
+            <a:pPr lvl="1">
               <a:lnSpc>
-                <a:spcPct val="100000"/>
+                <a:spcPct val="150000"/>
               </a:lnSpc>
-              <a:spcBef>
-                <a:spcPct val="20000"/>
-              </a:spcBef>
-              <a:spcAft>
-                <a:spcPts val="600"/>
-              </a:spcAft>
-              <a:buClr>
-                <a:schemeClr val="accent1"/>
-              </a:buClr>
-              <a:buSzPct val="92000"/>
-              <a:buFont typeface="Wingdings 2" panose="05020102010507070707" pitchFamily="18" charset="2"/>
-              <a:buChar char=""/>
-              <a:defRPr sz="1200" kern="1200">
-                <a:solidFill>
-                  <a:schemeClr val="tx1">
-                    <a:lumMod val="75000"/>
-                    <a:lumOff val="25000"/>
-                  </a:schemeClr>
-                </a:solidFill>
-                <a:latin typeface="+mn-lt"/>
-                <a:ea typeface="+mn-ea"/>
-                <a:cs typeface="+mn-cs"/>
-              </a:defRPr>
-            </a:lvl5pPr>
-            <a:lvl6pPr marL="1900000" indent="-228600" algn="l" defTabSz="457200" rtl="0" eaLnBrk="1" latinLnBrk="0" hangingPunct="1">
-              <a:spcBef>
-                <a:spcPct val="20000"/>
-              </a:spcBef>
-              <a:spcAft>
-                <a:spcPts val="600"/>
-              </a:spcAft>
-              <a:buClr>
-                <a:schemeClr val="accent2"/>
-              </a:buClr>
-              <a:buSzPct val="92000"/>
-              <a:buFont typeface="Wingdings 2" panose="05020102010507070707" pitchFamily="18" charset="2"/>
-              <a:buChar char=""/>
-              <a:defRPr sz="1200" kern="1200">
-                <a:solidFill>
-                  <a:schemeClr val="tx2"/>
-                </a:solidFill>
-                <a:latin typeface="+mn-lt"/>
-                <a:ea typeface="+mn-ea"/>
-                <a:cs typeface="+mn-cs"/>
-              </a:defRPr>
-            </a:lvl6pPr>
-            <a:lvl7pPr marL="2200000" indent="-228600" algn="l" defTabSz="457200" rtl="0" eaLnBrk="1" latinLnBrk="0" hangingPunct="1">
-              <a:spcBef>
-                <a:spcPct val="20000"/>
-              </a:spcBef>
-              <a:spcAft>
-                <a:spcPts val="600"/>
-              </a:spcAft>
-              <a:buClr>
-                <a:schemeClr val="accent2"/>
-              </a:buClr>
-              <a:buSzPct val="92000"/>
-              <a:buFont typeface="Wingdings 2" panose="05020102010507070707" pitchFamily="18" charset="2"/>
-              <a:buChar char=""/>
-              <a:defRPr sz="1200" kern="1200">
-                <a:solidFill>
-                  <a:schemeClr val="tx2"/>
-                </a:solidFill>
-                <a:latin typeface="+mn-lt"/>
-                <a:ea typeface="+mn-ea"/>
-                <a:cs typeface="+mn-cs"/>
-              </a:defRPr>
-            </a:lvl7pPr>
-            <a:lvl8pPr marL="2500000" indent="-228600" algn="l" defTabSz="457200" rtl="0" eaLnBrk="1" latinLnBrk="0" hangingPunct="1">
-              <a:spcBef>
-                <a:spcPct val="20000"/>
-              </a:spcBef>
-              <a:spcAft>
-                <a:spcPts val="600"/>
-              </a:spcAft>
-              <a:buClr>
-                <a:schemeClr val="accent2"/>
-              </a:buClr>
-              <a:buSzPct val="92000"/>
-              <a:buFont typeface="Wingdings 2" panose="05020102010507070707" pitchFamily="18" charset="2"/>
-              <a:buChar char=""/>
-              <a:defRPr sz="1200" kern="1200">
-                <a:solidFill>
-                  <a:schemeClr val="tx2"/>
-                </a:solidFill>
-                <a:latin typeface="+mn-lt"/>
-                <a:ea typeface="+mn-ea"/>
-                <a:cs typeface="+mn-cs"/>
-              </a:defRPr>
-            </a:lvl8pPr>
-            <a:lvl9pPr marL="2800000" indent="-228600" algn="l" defTabSz="457200" rtl="0" eaLnBrk="1" latinLnBrk="0" hangingPunct="1">
-              <a:spcBef>
-                <a:spcPct val="20000"/>
-              </a:spcBef>
-              <a:spcAft>
-                <a:spcPts val="600"/>
-              </a:spcAft>
-              <a:buClr>
-                <a:schemeClr val="accent2"/>
-              </a:buClr>
-              <a:buSzPct val="92000"/>
-              <a:buFont typeface="Wingdings 2" panose="05020102010507070707" pitchFamily="18" charset="2"/>
-              <a:buChar char=""/>
-              <a:defRPr sz="1200" kern="1200">
-                <a:solidFill>
-                  <a:schemeClr val="tx2"/>
-                </a:solidFill>
-                <a:latin typeface="+mn-lt"/>
-                <a:ea typeface="+mn-ea"/>
-                <a:cs typeface="+mn-cs"/>
-              </a:defRPr>
-            </a:lvl9pPr>
-          </a:lstStyle>
-          <a:p>
-            <a:r>
-              <a:rPr lang="en-US" dirty="0"/>
-              <a:t>Open-source IDE (integrated development environment)</a:t>
+              <a:buFont typeface="Wingdings" panose="05000000000000000000" pitchFamily="2" charset="2"/>
+              <a:buChar char="Ø"/>
+            </a:pPr>
+            <a:r>
+              <a:rPr lang="en-US" sz="2600" dirty="0"/>
+              <a:t>Location</a:t>
+            </a:r>
+          </a:p>
+          <a:p>
+            <a:pPr lvl="1">
+              <a:lnSpc>
+                <a:spcPct val="150000"/>
+              </a:lnSpc>
+              <a:buFont typeface="Wingdings" panose="05000000000000000000" pitchFamily="2" charset="2"/>
+              <a:buChar char="Ø"/>
+            </a:pPr>
+            <a:r>
+              <a:rPr lang="en-US" sz="2600" dirty="0"/>
+              <a:t>Time</a:t>
+            </a:r>
+          </a:p>
+          <a:p>
+            <a:pPr>
+              <a:lnSpc>
+                <a:spcPct val="150000"/>
+              </a:lnSpc>
+              <a:buFont typeface="Wingdings" panose="05000000000000000000" pitchFamily="2" charset="2"/>
+              <a:buChar char="§"/>
+            </a:pPr>
+            <a:r>
+              <a:rPr lang="en-US" sz="2800" dirty="0"/>
+              <a:t>Office Hours</a:t>
+            </a:r>
+          </a:p>
+          <a:p>
+            <a:pPr>
+              <a:lnSpc>
+                <a:spcPct val="150000"/>
+              </a:lnSpc>
+              <a:buFont typeface="Wingdings" panose="05000000000000000000" pitchFamily="2" charset="2"/>
+              <a:buChar char="§"/>
+            </a:pPr>
+            <a:r>
+              <a:rPr lang="en-US" sz="2800" dirty="0"/>
+              <a:t>Office Location</a:t>
             </a:r>
           </a:p>
         </p:txBody>
@@ -8763,7 +10585,7 @@
     </p:spTree>
     <p:extLst>
       <p:ext uri="{BB962C8B-B14F-4D97-AF65-F5344CB8AC3E}">
-        <p14:creationId xmlns:p14="http://schemas.microsoft.com/office/powerpoint/2010/main" val="630793298"/>
+        <p14:creationId xmlns:p14="http://schemas.microsoft.com/office/powerpoint/2010/main" val="954700492"/>
       </p:ext>
     </p:extLst>
   </p:cSld>
@@ -8778,13 +10600,7 @@
   <p:cSld>
     <p:spTree>
       <p:nvGrpSpPr>
-        <p:cNvPr id="1" name="">
-          <a:extLst>
-            <a:ext uri="{FF2B5EF4-FFF2-40B4-BE49-F238E27FC236}">
-              <a16:creationId xmlns:a16="http://schemas.microsoft.com/office/drawing/2014/main" id="{5AE1A827-5F7B-1C9B-DFDA-1A7B41DDD160}"/>
-            </a:ext>
-          </a:extLst>
-        </p:cNvPr>
+        <p:cNvPr id="1" name=""/>
         <p:cNvGrpSpPr/>
         <p:nvPr/>
       </p:nvGrpSpPr>
@@ -8796,41 +10612,45 @@
           <a:chExt cx="0" cy="0"/>
         </a:xfrm>
       </p:grpSpPr>
-      <p:pic>
-        <p:nvPicPr>
-          <p:cNvPr id="4" name="Picture 3" descr="A colorful background with waves&#10;&#10;Description automatically generated with medium confidence">
+      <p:sp>
+        <p:nvSpPr>
+          <p:cNvPr id="2" name="Title 1">
             <a:extLst>
               <a:ext uri="{FF2B5EF4-FFF2-40B4-BE49-F238E27FC236}">
-                <a16:creationId xmlns:a16="http://schemas.microsoft.com/office/drawing/2014/main" id="{80B863BA-C9D0-A0B2-5422-A717FE65BEA4}"/>
+                <a16:creationId xmlns:a16="http://schemas.microsoft.com/office/drawing/2014/main" id="{E0D25BEA-F835-5188-91C9-2F7211B9D48A}"/>
               </a:ext>
             </a:extLst>
           </p:cNvPr>
-          <p:cNvPicPr>
-            <a:picLocks noChangeAspect="1"/>
-          </p:cNvPicPr>
-          <p:nvPr/>
-        </p:nvPicPr>
-        <p:blipFill>
-          <a:blip r:embed="rId2"/>
-          <a:srcRect r="11111"/>
-          <a:stretch/>
-        </p:blipFill>
-        <p:spPr>
-          <a:xfrm>
-            <a:off x="20" y="12"/>
-            <a:ext cx="12191980" cy="6857988"/>
-          </a:xfrm>
-          <a:prstGeom prst="rect">
-            <a:avLst/>
-          </a:prstGeom>
-        </p:spPr>
-      </p:pic>
-      <p:sp>
-        <p:nvSpPr>
-          <p:cNvPr id="2" name="Title 1">
+          <p:cNvSpPr>
+            <a:spLocks noGrp="1"/>
+          </p:cNvSpPr>
+          <p:nvPr>
+            <p:ph type="title"/>
+          </p:nvPr>
+        </p:nvSpPr>
+        <p:spPr>
+          <a:xfrm>
+            <a:off x="581192" y="702156"/>
+            <a:ext cx="11029616" cy="925476"/>
+          </a:xfrm>
+        </p:spPr>
+        <p:txBody>
+          <a:bodyPr/>
+          <a:lstStyle/>
+          <a:p>
+            <a:r>
+              <a:rPr lang="en-US" dirty="0"/>
+              <a:t>Course requirements</a:t>
+            </a:r>
+          </a:p>
+        </p:txBody>
+      </p:sp>
+      <p:sp>
+        <p:nvSpPr>
+          <p:cNvPr id="3" name="Content Placeholder 2">
             <a:extLst>
               <a:ext uri="{FF2B5EF4-FFF2-40B4-BE49-F238E27FC236}">
-                <a16:creationId xmlns:a16="http://schemas.microsoft.com/office/drawing/2014/main" id="{525F13AC-84C1-CB46-6321-DCE6853170D0}"/>
+                <a16:creationId xmlns:a16="http://schemas.microsoft.com/office/drawing/2014/main" id="{2D67FD95-1CD0-E227-926C-BDF162BB830E}"/>
               </a:ext>
             </a:extLst>
           </p:cNvPr>
@@ -8838,147 +10658,73 @@
             <a:spLocks noGrp="1"/>
           </p:cNvSpPr>
           <p:nvPr>
-            <p:ph type="ctrTitle"/>
-          </p:nvPr>
-        </p:nvSpPr>
-        <p:spPr>
-          <a:xfrm>
-            <a:off x="837126" y="1693546"/>
-            <a:ext cx="4320227" cy="2009774"/>
+            <p:ph idx="1"/>
+          </p:nvPr>
+        </p:nvSpPr>
+        <p:spPr>
+          <a:xfrm>
+            <a:off x="581191" y="2002535"/>
+            <a:ext cx="11029615" cy="3227833"/>
           </a:xfrm>
         </p:spPr>
         <p:txBody>
           <a:bodyPr>
-            <a:normAutofit/>
+            <a:noAutofit/>
           </a:bodyPr>
           <a:lstStyle/>
           <a:p>
             <a:r>
-              <a:rPr lang="en-US" sz="4000" dirty="0">
-                <a:solidFill>
-                  <a:srgbClr val="FFFFFF"/>
-                </a:solidFill>
+              <a:rPr lang="en-US" sz="2400" b="0" i="0" u="none" strike="noStrike" baseline="0" dirty="0">
+                <a:solidFill>
+                  <a:srgbClr val="000000"/>
+                </a:solidFill>
+                <a:latin typeface="Calibri" panose="020F0502020204030204" pitchFamily="34" charset="0"/>
               </a:rPr>
-              <a:t>WEEK 01 </a:t>
-            </a:r>
-            <a:br>
-              <a:rPr lang="en-US" sz="4000" dirty="0">
-                <a:solidFill>
-                  <a:srgbClr val="FFFFFF"/>
-                </a:solidFill>
+              <a:t>Labs: 11 in total</a:t>
+            </a:r>
+          </a:p>
+          <a:p>
+            <a:pPr marL="324000" lvl="1" indent="0">
+              <a:buNone/>
+            </a:pPr>
+            <a:r>
+              <a:rPr lang="en-US" sz="2200" b="0" i="0" u="none" strike="noStrike" baseline="0" dirty="0">
+                <a:solidFill>
+                  <a:srgbClr val="000000"/>
+                </a:solidFill>
+                <a:latin typeface="Calibri" panose="020F0502020204030204" pitchFamily="34" charset="0"/>
               </a:rPr>
-            </a:br>
-            <a:br>
-              <a:rPr lang="en-US" sz="4000" dirty="0">
-                <a:solidFill>
-                  <a:srgbClr val="FFFFFF"/>
-                </a:solidFill>
+              <a:t>For any graded assignment, if the you do not agree with the grade received, the instructor and TA must be notified within one week after the assignment is graded.</a:t>
+            </a:r>
+          </a:p>
+          <a:p>
+            <a:r>
+              <a:rPr lang="en-US" sz="2400" dirty="0">
+                <a:solidFill>
+                  <a:srgbClr val="000000"/>
+                </a:solidFill>
+                <a:latin typeface="Calibri" panose="020F0502020204030204" pitchFamily="34" charset="0"/>
               </a:rPr>
-            </a:br>
-            <a:r>
-              <a:rPr lang="en-US" sz="4000" dirty="0">
-                <a:solidFill>
-                  <a:srgbClr val="FFFFFF"/>
-                </a:solidFill>
+              <a:t>Late policy for lab (excluding midterm and final project)</a:t>
+            </a:r>
+          </a:p>
+          <a:p>
+            <a:r>
+              <a:rPr lang="en-US" sz="2400" dirty="0">
+                <a:solidFill>
+                  <a:srgbClr val="000000"/>
+                </a:solidFill>
+                <a:latin typeface="Calibri" panose="020F0502020204030204" pitchFamily="34" charset="0"/>
               </a:rPr>
-              <a:t>lab session</a:t>
-            </a:r>
-          </a:p>
-        </p:txBody>
-      </p:sp>
-      <p:sp>
-        <p:nvSpPr>
-          <p:cNvPr id="5" name="TextBox 4">
-            <a:extLst>
-              <a:ext uri="{FF2B5EF4-FFF2-40B4-BE49-F238E27FC236}">
-                <a16:creationId xmlns:a16="http://schemas.microsoft.com/office/drawing/2014/main" id="{9211D3B9-9728-4880-CDAB-01882AFA691F}"/>
-              </a:ext>
-            </a:extLst>
-          </p:cNvPr>
-          <p:cNvSpPr txBox="1"/>
-          <p:nvPr/>
-        </p:nvSpPr>
-        <p:spPr>
-          <a:xfrm>
-            <a:off x="837126" y="4289196"/>
-            <a:ext cx="3912124" cy="3046988"/>
-          </a:xfrm>
-          <a:prstGeom prst="rect">
-            <a:avLst/>
-          </a:prstGeom>
-          <a:noFill/>
-        </p:spPr>
-        <p:txBody>
-          <a:bodyPr wrap="square" rtlCol="0">
-            <a:spAutoFit/>
-          </a:bodyPr>
-          <a:lstStyle/>
-          <a:p>
-            <a:r>
-              <a:rPr lang="en-US" sz="3200" dirty="0">
-                <a:solidFill>
-                  <a:srgbClr val="FFFFFF">
-                    <a:alpha val="75000"/>
-                  </a:srgbClr>
-                </a:solidFill>
-              </a:rPr>
-              <a:t>Instructor: Yanan Wu</a:t>
-            </a:r>
-          </a:p>
-          <a:p>
-            <a:r>
-              <a:rPr lang="en-US" sz="3200" dirty="0">
-                <a:solidFill>
-                  <a:srgbClr val="FFFFFF">
-                    <a:alpha val="75000"/>
-                  </a:srgbClr>
-                </a:solidFill>
-              </a:rPr>
-              <a:t>TA: Nisar Khadija</a:t>
-            </a:r>
-          </a:p>
-          <a:p>
-            <a:r>
-              <a:rPr lang="en-US" sz="3200" dirty="0">
-                <a:solidFill>
-                  <a:srgbClr val="FFFFFF">
-                    <a:alpha val="75000"/>
-                  </a:srgbClr>
-                </a:solidFill>
-              </a:rPr>
-              <a:t> </a:t>
-            </a:r>
-          </a:p>
-          <a:p>
-            <a:r>
-              <a:rPr lang="en-US" sz="3200" dirty="0">
-                <a:solidFill>
-                  <a:srgbClr val="FFFFFF">
-                    <a:alpha val="75000"/>
-                  </a:srgbClr>
-                </a:solidFill>
-              </a:rPr>
-              <a:t>Spring 2025</a:t>
-            </a:r>
-          </a:p>
-          <a:p>
-            <a:endParaRPr lang="en-US" sz="3200" dirty="0">
-              <a:solidFill>
-                <a:srgbClr val="FFFFFF">
-                  <a:alpha val="75000"/>
-                </a:srgbClr>
-              </a:solidFill>
-            </a:endParaRPr>
-          </a:p>
-          <a:p>
-            <a:endParaRPr lang="en-US" sz="3200" dirty="0"/>
+              <a:t>One midterm exam &amp; One final project (oral presentation and paper report)</a:t>
+            </a:r>
           </a:p>
         </p:txBody>
       </p:sp>
     </p:spTree>
     <p:extLst>
       <p:ext uri="{BB962C8B-B14F-4D97-AF65-F5344CB8AC3E}">
-        <p14:creationId xmlns:p14="http://schemas.microsoft.com/office/powerpoint/2010/main" val="121643133"/>
+        <p14:creationId xmlns:p14="http://schemas.microsoft.com/office/powerpoint/2010/main" val="2680321299"/>
       </p:ext>
     </p:extLst>
   </p:cSld>
@@ -9007,10 +10753,44 @@
       </p:grpSpPr>
       <p:sp>
         <p:nvSpPr>
+          <p:cNvPr id="2" name="Title 1">
+            <a:extLst>
+              <a:ext uri="{FF2B5EF4-FFF2-40B4-BE49-F238E27FC236}">
+                <a16:creationId xmlns:a16="http://schemas.microsoft.com/office/drawing/2014/main" id="{143F6657-AA77-37DD-7B25-83BB2CA07614}"/>
+              </a:ext>
+            </a:extLst>
+          </p:cNvPr>
+          <p:cNvSpPr>
+            <a:spLocks noGrp="1"/>
+          </p:cNvSpPr>
+          <p:nvPr>
+            <p:ph type="title"/>
+          </p:nvPr>
+        </p:nvSpPr>
+        <p:spPr>
+          <a:xfrm>
+            <a:off x="581192" y="702156"/>
+            <a:ext cx="11029616" cy="651156"/>
+          </a:xfrm>
+        </p:spPr>
+        <p:txBody>
+          <a:bodyPr/>
+          <a:lstStyle/>
+          <a:p>
+            <a:r>
+              <a:rPr lang="en-US" dirty="0" err="1"/>
+              <a:t>gRADE</a:t>
+            </a:r>
+            <a:endParaRPr lang="en-US" dirty="0"/>
+          </a:p>
+        </p:txBody>
+      </p:sp>
+      <p:sp>
+        <p:nvSpPr>
           <p:cNvPr id="3" name="Content Placeholder 2">
             <a:extLst>
               <a:ext uri="{FF2B5EF4-FFF2-40B4-BE49-F238E27FC236}">
-                <a16:creationId xmlns:a16="http://schemas.microsoft.com/office/drawing/2014/main" id="{B2522736-1C8F-D258-ECC8-5331837B4268}"/>
+                <a16:creationId xmlns:a16="http://schemas.microsoft.com/office/drawing/2014/main" id="{D23B6DEA-8159-B287-B5B7-189C68B41E78}"/>
               </a:ext>
             </a:extLst>
           </p:cNvPr>
@@ -9023,203 +10803,22 @@
         </p:nvSpPr>
         <p:spPr>
           <a:xfrm>
-            <a:off x="663488" y="1481328"/>
-            <a:ext cx="11029615" cy="1396626"/>
-          </a:xfrm>
-        </p:spPr>
-        <p:txBody>
-          <a:bodyPr>
-            <a:normAutofit lnSpcReduction="10000"/>
-          </a:bodyPr>
+            <a:off x="581193" y="1737360"/>
+            <a:ext cx="11029615" cy="3634486"/>
+          </a:xfrm>
+        </p:spPr>
+        <p:txBody>
+          <a:bodyPr/>
           <a:lstStyle/>
           <a:p>
-            <a:r>
-              <a:rPr lang="en-US" dirty="0"/>
-              <a:t>The panes</a:t>
-            </a:r>
-          </a:p>
-          <a:p>
-            <a:pPr lvl="1"/>
-            <a:r>
-              <a:rPr lang="en-US" dirty="0"/>
-              <a:t>Left pane: R console</a:t>
-            </a:r>
-          </a:p>
-          <a:p>
-            <a:pPr lvl="1"/>
-            <a:r>
-              <a:rPr lang="en-US" dirty="0"/>
-              <a:t>Right top pane: includes tabs such as </a:t>
-            </a:r>
-            <a:r>
-              <a:rPr lang="en-US" i="1" dirty="0"/>
-              <a:t>Environment</a:t>
-            </a:r>
-            <a:r>
-              <a:rPr lang="en-US" dirty="0"/>
-              <a:t> and </a:t>
-            </a:r>
-            <a:r>
-              <a:rPr lang="en-US" i="1" dirty="0"/>
-              <a:t>History</a:t>
-            </a:r>
-          </a:p>
-          <a:p>
-            <a:pPr lvl="1"/>
-            <a:r>
-              <a:rPr lang="en-US" i="1" dirty="0"/>
-              <a:t>Right bottom pane: File, Plots, Packages, Help and Viewer</a:t>
-            </a:r>
-          </a:p>
-        </p:txBody>
-      </p:sp>
-      <p:sp>
-        <p:nvSpPr>
-          <p:cNvPr id="4" name="Title 1">
-            <a:extLst>
-              <a:ext uri="{FF2B5EF4-FFF2-40B4-BE49-F238E27FC236}">
-                <a16:creationId xmlns:a16="http://schemas.microsoft.com/office/drawing/2014/main" id="{8782E5CF-FD67-1DB2-A1FC-9DD02AAEBED4}"/>
-              </a:ext>
-            </a:extLst>
-          </p:cNvPr>
-          <p:cNvSpPr txBox="1">
-            <a:spLocks/>
-          </p:cNvSpPr>
-          <p:nvPr/>
-        </p:nvSpPr>
-        <p:spPr>
-          <a:xfrm>
-            <a:off x="581192" y="702156"/>
-            <a:ext cx="11029616" cy="593244"/>
-          </a:xfrm>
-          <a:prstGeom prst="rect">
-            <a:avLst/>
-          </a:prstGeom>
-        </p:spPr>
-        <p:txBody>
-          <a:bodyPr vert="horz" lIns="91440" tIns="45720" rIns="91440" bIns="45720" rtlCol="0" anchor="b">
-            <a:normAutofit/>
-          </a:bodyPr>
-          <a:lstStyle>
-            <a:lvl1pPr algn="l" defTabSz="457200" rtl="0" eaLnBrk="1" latinLnBrk="0" hangingPunct="1">
-              <a:lnSpc>
-                <a:spcPct val="100000"/>
-              </a:lnSpc>
-              <a:spcBef>
-                <a:spcPct val="0"/>
-              </a:spcBef>
-              <a:buNone/>
-              <a:defRPr sz="2800" b="0" kern="1200" cap="all">
-                <a:solidFill>
-                  <a:schemeClr val="tx1">
-                    <a:lumMod val="75000"/>
-                    <a:lumOff val="25000"/>
-                  </a:schemeClr>
-                </a:solidFill>
-                <a:latin typeface="+mj-lt"/>
-                <a:ea typeface="+mj-ea"/>
-                <a:cs typeface="+mj-cs"/>
-              </a:defRPr>
-            </a:lvl1pPr>
-            <a:lvl2pPr eaLnBrk="1" hangingPunct="1">
-              <a:defRPr>
-                <a:solidFill>
-                  <a:schemeClr val="tx2"/>
-                </a:solidFill>
-              </a:defRPr>
-            </a:lvl2pPr>
-            <a:lvl3pPr eaLnBrk="1" hangingPunct="1">
-              <a:defRPr>
-                <a:solidFill>
-                  <a:schemeClr val="tx2"/>
-                </a:solidFill>
-              </a:defRPr>
-            </a:lvl3pPr>
-            <a:lvl4pPr eaLnBrk="1" hangingPunct="1">
-              <a:defRPr>
-                <a:solidFill>
-                  <a:schemeClr val="tx2"/>
-                </a:solidFill>
-              </a:defRPr>
-            </a:lvl4pPr>
-            <a:lvl5pPr eaLnBrk="1" hangingPunct="1">
-              <a:defRPr>
-                <a:solidFill>
-                  <a:schemeClr val="tx2"/>
-                </a:solidFill>
-              </a:defRPr>
-            </a:lvl5pPr>
-            <a:lvl6pPr eaLnBrk="1" hangingPunct="1">
-              <a:defRPr>
-                <a:solidFill>
-                  <a:schemeClr val="tx2"/>
-                </a:solidFill>
-              </a:defRPr>
-            </a:lvl6pPr>
-            <a:lvl7pPr eaLnBrk="1" hangingPunct="1">
-              <a:defRPr>
-                <a:solidFill>
-                  <a:schemeClr val="tx2"/>
-                </a:solidFill>
-              </a:defRPr>
-            </a:lvl7pPr>
-            <a:lvl8pPr eaLnBrk="1" hangingPunct="1">
-              <a:defRPr>
-                <a:solidFill>
-                  <a:schemeClr val="tx2"/>
-                </a:solidFill>
-              </a:defRPr>
-            </a:lvl8pPr>
-            <a:lvl9pPr eaLnBrk="1" hangingPunct="1">
-              <a:defRPr>
-                <a:solidFill>
-                  <a:schemeClr val="tx2"/>
-                </a:solidFill>
-              </a:defRPr>
-            </a:lvl9pPr>
-          </a:lstStyle>
-          <a:p>
-            <a:r>
-              <a:rPr lang="en-US" dirty="0"/>
-              <a:t>Overview of RSTUDIO INTERFACE</a:t>
-            </a:r>
-          </a:p>
-        </p:txBody>
-      </p:sp>
-      <p:pic>
-        <p:nvPicPr>
-          <p:cNvPr id="6" name="Picture 5">
-            <a:extLst>
-              <a:ext uri="{FF2B5EF4-FFF2-40B4-BE49-F238E27FC236}">
-                <a16:creationId xmlns:a16="http://schemas.microsoft.com/office/drawing/2014/main" id="{FDF58720-DE3A-08CF-4402-470FF53E7441}"/>
-              </a:ext>
-            </a:extLst>
-          </p:cNvPr>
-          <p:cNvPicPr>
-            <a:picLocks noChangeAspect="1"/>
-          </p:cNvPicPr>
-          <p:nvPr/>
-        </p:nvPicPr>
-        <p:blipFill>
-          <a:blip r:embed="rId2"/>
-          <a:stretch>
-            <a:fillRect/>
-          </a:stretch>
-        </p:blipFill>
-        <p:spPr>
-          <a:xfrm>
-            <a:off x="3378468" y="3294247"/>
-            <a:ext cx="6150543" cy="3288187"/>
-          </a:xfrm>
-          <a:prstGeom prst="rect">
-            <a:avLst/>
-          </a:prstGeom>
-        </p:spPr>
-      </p:pic>
+            <a:endParaRPr lang="en-US" dirty="0"/>
+          </a:p>
+        </p:txBody>
+      </p:sp>
     </p:spTree>
     <p:extLst>
       <p:ext uri="{BB962C8B-B14F-4D97-AF65-F5344CB8AC3E}">
-        <p14:creationId xmlns:p14="http://schemas.microsoft.com/office/powerpoint/2010/main" val="2216533061"/>
+        <p14:creationId xmlns:p14="http://schemas.microsoft.com/office/powerpoint/2010/main" val="3362862605"/>
       </p:ext>
     </p:extLst>
   </p:cSld>
@@ -9248,10 +10847,43 @@
       </p:grpSpPr>
       <p:sp>
         <p:nvSpPr>
+          <p:cNvPr id="2" name="Title 1">
+            <a:extLst>
+              <a:ext uri="{FF2B5EF4-FFF2-40B4-BE49-F238E27FC236}">
+                <a16:creationId xmlns:a16="http://schemas.microsoft.com/office/drawing/2014/main" id="{F60D52E1-A985-F05E-3DB3-FA1F8CD9DF52}"/>
+              </a:ext>
+            </a:extLst>
+          </p:cNvPr>
+          <p:cNvSpPr>
+            <a:spLocks noGrp="1"/>
+          </p:cNvSpPr>
+          <p:nvPr>
+            <p:ph type="title"/>
+          </p:nvPr>
+        </p:nvSpPr>
+        <p:spPr>
+          <a:xfrm>
+            <a:off x="581192" y="702156"/>
+            <a:ext cx="11029616" cy="597255"/>
+          </a:xfrm>
+        </p:spPr>
+        <p:txBody>
+          <a:bodyPr/>
+          <a:lstStyle/>
+          <a:p>
+            <a:r>
+              <a:rPr lang="en-US" dirty="0"/>
+              <a:t>Preamble</a:t>
+            </a:r>
+          </a:p>
+        </p:txBody>
+      </p:sp>
+      <p:sp>
+        <p:nvSpPr>
           <p:cNvPr id="3" name="Content Placeholder 2">
             <a:extLst>
               <a:ext uri="{FF2B5EF4-FFF2-40B4-BE49-F238E27FC236}">
-                <a16:creationId xmlns:a16="http://schemas.microsoft.com/office/drawing/2014/main" id="{85D81B12-E785-47B2-9AE5-940E48C25314}"/>
+                <a16:creationId xmlns:a16="http://schemas.microsoft.com/office/drawing/2014/main" id="{967BC616-FD20-0CC3-4E9B-925D39405D29}"/>
               </a:ext>
             </a:extLst>
           </p:cNvPr>
@@ -9264,177 +10896,61 @@
         </p:nvSpPr>
         <p:spPr>
           <a:xfrm>
-            <a:off x="677445" y="1295400"/>
-            <a:ext cx="11029615" cy="995413"/>
-          </a:xfrm>
-        </p:spPr>
-        <p:txBody>
-          <a:bodyPr>
-            <a:normAutofit/>
-          </a:bodyPr>
+            <a:off x="581192" y="1604211"/>
+            <a:ext cx="11029615" cy="1577901"/>
+          </a:xfrm>
+        </p:spPr>
+        <p:txBody>
+          <a:bodyPr/>
           <a:lstStyle/>
           <a:p>
             <a:r>
               <a:rPr lang="en-US" dirty="0"/>
-              <a:t>Starts a new pane on the left</a:t>
-            </a:r>
-          </a:p>
-          <a:p>
-            <a:pPr lvl="1"/>
-            <a:r>
-              <a:rPr lang="en-US" dirty="0"/>
-              <a:t>File – New File – R Script</a:t>
-            </a:r>
-          </a:p>
-        </p:txBody>
-      </p:sp>
-      <p:sp>
-        <p:nvSpPr>
-          <p:cNvPr id="4" name="Title 1">
-            <a:extLst>
-              <a:ext uri="{FF2B5EF4-FFF2-40B4-BE49-F238E27FC236}">
-                <a16:creationId xmlns:a16="http://schemas.microsoft.com/office/drawing/2014/main" id="{4AF9241E-2D9A-B2C3-59A9-E2003B26F47B}"/>
-              </a:ext>
-            </a:extLst>
-          </p:cNvPr>
-          <p:cNvSpPr txBox="1">
-            <a:spLocks/>
-          </p:cNvSpPr>
-          <p:nvPr/>
-        </p:nvSpPr>
-        <p:spPr>
-          <a:xfrm>
-            <a:off x="581192" y="702156"/>
-            <a:ext cx="11029616" cy="593244"/>
-          </a:xfrm>
-          <a:prstGeom prst="rect">
-            <a:avLst/>
-          </a:prstGeom>
-        </p:spPr>
-        <p:txBody>
-          <a:bodyPr vert="horz" lIns="91440" tIns="45720" rIns="91440" bIns="45720" rtlCol="0" anchor="b">
-            <a:normAutofit/>
-          </a:bodyPr>
-          <a:lstStyle>
-            <a:lvl1pPr algn="l" defTabSz="457200" rtl="0" eaLnBrk="1" latinLnBrk="0" hangingPunct="1">
-              <a:lnSpc>
-                <a:spcPct val="100000"/>
-              </a:lnSpc>
-              <a:spcBef>
-                <a:spcPct val="0"/>
-              </a:spcBef>
-              <a:buNone/>
-              <a:defRPr sz="2800" b="0" kern="1200" cap="all">
-                <a:solidFill>
-                  <a:schemeClr val="tx1">
-                    <a:lumMod val="75000"/>
-                    <a:lumOff val="25000"/>
-                  </a:schemeClr>
-                </a:solidFill>
-                <a:latin typeface="+mj-lt"/>
-                <a:ea typeface="+mj-ea"/>
-                <a:cs typeface="+mj-cs"/>
-              </a:defRPr>
-            </a:lvl1pPr>
-            <a:lvl2pPr eaLnBrk="1" hangingPunct="1">
-              <a:defRPr>
-                <a:solidFill>
-                  <a:schemeClr val="tx2"/>
-                </a:solidFill>
-              </a:defRPr>
-            </a:lvl2pPr>
-            <a:lvl3pPr eaLnBrk="1" hangingPunct="1">
-              <a:defRPr>
-                <a:solidFill>
-                  <a:schemeClr val="tx2"/>
-                </a:solidFill>
-              </a:defRPr>
-            </a:lvl3pPr>
-            <a:lvl4pPr eaLnBrk="1" hangingPunct="1">
-              <a:defRPr>
-                <a:solidFill>
-                  <a:schemeClr val="tx2"/>
-                </a:solidFill>
-              </a:defRPr>
-            </a:lvl4pPr>
-            <a:lvl5pPr eaLnBrk="1" hangingPunct="1">
-              <a:defRPr>
-                <a:solidFill>
-                  <a:schemeClr val="tx2"/>
-                </a:solidFill>
-              </a:defRPr>
-            </a:lvl5pPr>
-            <a:lvl6pPr eaLnBrk="1" hangingPunct="1">
-              <a:defRPr>
-                <a:solidFill>
-                  <a:schemeClr val="tx2"/>
-                </a:solidFill>
-              </a:defRPr>
-            </a:lvl6pPr>
-            <a:lvl7pPr eaLnBrk="1" hangingPunct="1">
-              <a:defRPr>
-                <a:solidFill>
-                  <a:schemeClr val="tx2"/>
-                </a:solidFill>
-              </a:defRPr>
-            </a:lvl7pPr>
-            <a:lvl8pPr eaLnBrk="1" hangingPunct="1">
-              <a:defRPr>
-                <a:solidFill>
-                  <a:schemeClr val="tx2"/>
-                </a:solidFill>
-              </a:defRPr>
-            </a:lvl8pPr>
-            <a:lvl9pPr eaLnBrk="1" hangingPunct="1">
-              <a:defRPr>
-                <a:solidFill>
-                  <a:schemeClr val="tx2"/>
-                </a:solidFill>
-              </a:defRPr>
-            </a:lvl9pPr>
-          </a:lstStyle>
-          <a:p>
-            <a:r>
-              <a:rPr lang="en-US" dirty="0"/>
-              <a:t>Overview of RSTUDIO INTERFACE</a:t>
-            </a:r>
-          </a:p>
-        </p:txBody>
-      </p:sp>
-      <p:pic>
-        <p:nvPicPr>
-          <p:cNvPr id="6" name="Picture 5">
-            <a:extLst>
-              <a:ext uri="{FF2B5EF4-FFF2-40B4-BE49-F238E27FC236}">
-                <a16:creationId xmlns:a16="http://schemas.microsoft.com/office/drawing/2014/main" id="{FDB5C329-AE09-75B3-447C-29C2FD0A42D9}"/>
-              </a:ext>
-            </a:extLst>
-          </p:cNvPr>
-          <p:cNvPicPr>
-            <a:picLocks noChangeAspect="1"/>
-          </p:cNvPicPr>
-          <p:nvPr/>
-        </p:nvPicPr>
-        <p:blipFill>
-          <a:blip r:embed="rId2"/>
-          <a:stretch>
-            <a:fillRect/>
-          </a:stretch>
-        </p:blipFill>
-        <p:spPr>
-          <a:xfrm>
-            <a:off x="3232618" y="2706793"/>
-            <a:ext cx="6622181" cy="3541052"/>
-          </a:xfrm>
-          <a:prstGeom prst="rect">
-            <a:avLst/>
-          </a:prstGeom>
-        </p:spPr>
-      </p:pic>
+              <a:t>A good online textbook, </a:t>
+            </a:r>
+            <a:r>
+              <a:rPr lang="en-US" dirty="0">
+                <a:hlinkClick r:id="rId2"/>
+              </a:rPr>
+              <a:t>Hands-on Programming with R</a:t>
+            </a:r>
+            <a:r>
+              <a:rPr lang="en-US" dirty="0"/>
+              <a:t>, for R beginner. </a:t>
+            </a:r>
+          </a:p>
+          <a:p>
+            <a:r>
+              <a:rPr lang="en-US" dirty="0"/>
+              <a:t>Explore the R project website: </a:t>
+            </a:r>
+            <a:r>
+              <a:rPr lang="en-US" dirty="0">
+                <a:hlinkClick r:id="rId3"/>
+              </a:rPr>
+              <a:t>https://www.r-project.org/</a:t>
+            </a:r>
+            <a:endParaRPr lang="en-US" dirty="0"/>
+          </a:p>
+          <a:p>
+            <a:r>
+              <a:rPr lang="en-US" dirty="0"/>
+              <a:t>Explore R Studio: </a:t>
+            </a:r>
+            <a:r>
+              <a:rPr lang="en-US" dirty="0">
+                <a:hlinkClick r:id="rId4"/>
+              </a:rPr>
+              <a:t>https://posit.co/</a:t>
+            </a:r>
+            <a:endParaRPr lang="en-US" dirty="0"/>
+          </a:p>
+        </p:txBody>
+      </p:sp>
     </p:spTree>
     <p:extLst>
       <p:ext uri="{BB962C8B-B14F-4D97-AF65-F5344CB8AC3E}">
-        <p14:creationId xmlns:p14="http://schemas.microsoft.com/office/powerpoint/2010/main" val="1384846432"/>
+        <p14:creationId xmlns:p14="http://schemas.microsoft.com/office/powerpoint/2010/main" val="1235554213"/>
       </p:ext>
     </p:extLst>
   </p:cSld>

--- a/docs/Lectures/Week01/Week01_Intro.pptx
+++ b/docs/Lectures/Week01/Week01_Intro.pptx
@@ -21,7 +21,7 @@
     <p:sldId id="260" r:id="rId15"/>
     <p:sldId id="258" r:id="rId16"/>
     <p:sldId id="259" r:id="rId17"/>
-    <p:sldId id="261" r:id="rId18"/>
+    <p:sldId id="291" r:id="rId18"/>
     <p:sldId id="265" r:id="rId19"/>
     <p:sldId id="262" r:id="rId20"/>
     <p:sldId id="263" r:id="rId21"/>
@@ -383,7 +383,7 @@
           <a:p>
             <a:fld id="{ED291B17-9318-49DB-B28B-6E5994AE9581}" type="datetime1">
               <a:rPr lang="en-US" smtClean="0"/>
-              <a:t>12/30/2024</a:t>
+              <a:t>1/1/2025</a:t>
             </a:fld>
             <a:endParaRPr lang="en-US" dirty="0"/>
           </a:p>
@@ -586,7 +586,7 @@
           <a:p>
             <a:fld id="{2CED4963-E985-44C4-B8C4-FDD613B7C2F8}" type="datetime1">
               <a:rPr lang="en-US" smtClean="0"/>
-              <a:t>12/30/2024</a:t>
+              <a:t>1/1/2025</a:t>
             </a:fld>
             <a:endParaRPr lang="en-US" dirty="0"/>
           </a:p>
@@ -948,7 +948,7 @@
           <a:p>
             <a:fld id="{ED291B17-9318-49DB-B28B-6E5994AE9581}" type="datetime1">
               <a:rPr lang="en-US" smtClean="0"/>
-              <a:t>12/30/2024</a:t>
+              <a:t>1/1/2025</a:t>
             </a:fld>
             <a:endParaRPr lang="en-US" dirty="0"/>
           </a:p>
@@ -1145,7 +1145,7 @@
           <a:p>
             <a:fld id="{78DD82B9-B8EE-4375-B6FF-88FA6ABB15D9}" type="datetime1">
               <a:rPr lang="en-US" smtClean="0"/>
-              <a:t>12/30/2024</a:t>
+              <a:t>1/1/2025</a:t>
             </a:fld>
             <a:endParaRPr lang="en-US" dirty="0"/>
           </a:p>
@@ -1456,7 +1456,7 @@
           <a:p>
             <a:fld id="{B2497495-0637-405E-AE64-5CC7506D51F5}" type="datetime1">
               <a:rPr lang="en-US" smtClean="0"/>
-              <a:t>12/30/2024</a:t>
+              <a:t>1/1/2025</a:t>
             </a:fld>
             <a:endParaRPr lang="en-US" dirty="0"/>
           </a:p>
@@ -1709,7 +1709,7 @@
           <a:p>
             <a:fld id="{7BFFD690-9426-415D-8B65-26881E07B2D4}" type="datetime1">
               <a:rPr lang="en-US" smtClean="0"/>
-              <a:t>12/30/2024</a:t>
+              <a:t>1/1/2025</a:t>
             </a:fld>
             <a:endParaRPr lang="en-US" dirty="0"/>
           </a:p>
@@ -2131,7 +2131,7 @@
           <a:p>
             <a:fld id="{04C4989A-474C-40DE-95B9-011C28B71673}" type="datetime1">
               <a:rPr lang="en-US" smtClean="0"/>
-              <a:t>12/30/2024</a:t>
+              <a:t>1/1/2025</a:t>
             </a:fld>
             <a:endParaRPr lang="en-US" dirty="0"/>
           </a:p>
@@ -2254,7 +2254,7 @@
           <a:p>
             <a:fld id="{5DB4ED54-5B5E-4A04-93D3-5772E3CE3818}" type="datetime1">
               <a:rPr lang="en-US" smtClean="0"/>
-              <a:t>12/30/2024</a:t>
+              <a:t>1/1/2025</a:t>
             </a:fld>
             <a:endParaRPr lang="en-US" dirty="0"/>
           </a:p>
@@ -2349,7 +2349,7 @@
           <a:p>
             <a:fld id="{4EDE50D6-574B-40AF-946F-D52A04ADE379}" type="datetime1">
               <a:rPr lang="en-US" smtClean="0"/>
-              <a:t>12/30/2024</a:t>
+              <a:t>1/1/2025</a:t>
             </a:fld>
             <a:endParaRPr lang="en-US" dirty="0"/>
           </a:p>
@@ -2726,7 +2726,7 @@
           <a:p>
             <a:fld id="{D82884F1-FFEA-405F-9602-3DCA865EDA4E}" type="datetime1">
               <a:rPr lang="en-US" smtClean="0"/>
-              <a:t>12/30/2024</a:t>
+              <a:t>1/1/2025</a:t>
             </a:fld>
             <a:endParaRPr lang="en-US" dirty="0"/>
           </a:p>
@@ -3019,7 +3019,7 @@
           <a:p>
             <a:fld id="{7E18DB4A-8810-4A10-AD5C-D5E2C667F5B3}" type="datetime1">
               <a:rPr lang="en-US" smtClean="0"/>
-              <a:t>12/30/2024</a:t>
+              <a:t>1/1/2025</a:t>
             </a:fld>
             <a:endParaRPr lang="en-US" dirty="0"/>
           </a:p>
@@ -3234,7 +3234,7 @@
           <a:p>
             <a:fld id="{ED291B17-9318-49DB-B28B-6E5994AE9581}" type="datetime1">
               <a:rPr lang="en-US" smtClean="0"/>
-              <a:t>12/30/2024</a:t>
+              <a:t>1/1/2025</a:t>
             </a:fld>
             <a:endParaRPr lang="en-US" dirty="0"/>
           </a:p>
@@ -4618,10 +4618,9 @@
           <a:lstStyle/>
           <a:p>
             <a:r>
-              <a:rPr lang="en-US" dirty="0" err="1"/>
-              <a:t>softwares</a:t>
-            </a:r>
-            <a:endParaRPr lang="en-US" dirty="0"/>
+              <a:rPr lang="en-US" dirty="0"/>
+              <a:t>software</a:t>
+            </a:r>
           </a:p>
         </p:txBody>
       </p:sp>
@@ -4643,8 +4642,8 @@
         </p:nvSpPr>
         <p:spPr>
           <a:xfrm>
-            <a:off x="581193" y="1435608"/>
-            <a:ext cx="11029615" cy="1088136"/>
+            <a:off x="581193" y="1435607"/>
+            <a:ext cx="11029615" cy="4553713"/>
           </a:xfrm>
         </p:spPr>
         <p:txBody>
@@ -4659,13 +4658,328 @@
             </a:r>
           </a:p>
           <a:p>
+            <a:endParaRPr lang="en-US" sz="2400" dirty="0"/>
+          </a:p>
+          <a:p>
+            <a:endParaRPr lang="en-US" sz="2400" dirty="0"/>
+          </a:p>
+          <a:p>
             <a:r>
               <a:rPr lang="en-US" sz="2400" dirty="0"/>
               <a:t>R-Studio</a:t>
             </a:r>
           </a:p>
-        </p:txBody>
-      </p:sp>
+          <a:p>
+            <a:pPr lvl="1">
+              <a:buFont typeface="Wingdings" panose="05000000000000000000" pitchFamily="2" charset="2"/>
+              <a:buChar char="Ø"/>
+            </a:pPr>
+            <a:r>
+              <a:rPr lang="en-US" sz="2200" dirty="0"/>
+              <a:t>Open-source IDE (integrated development environment)</a:t>
+            </a:r>
+          </a:p>
+          <a:p>
+            <a:pPr lvl="1">
+              <a:buFont typeface="Wingdings" panose="05000000000000000000" pitchFamily="2" charset="2"/>
+              <a:buChar char="Ø"/>
+            </a:pPr>
+            <a:endParaRPr lang="en-US" sz="2200" dirty="0"/>
+          </a:p>
+        </p:txBody>
+      </p:sp>
+      <p:sp>
+        <p:nvSpPr>
+          <p:cNvPr id="4" name="Content Placeholder 2">
+            <a:extLst>
+              <a:ext uri="{FF2B5EF4-FFF2-40B4-BE49-F238E27FC236}">
+                <a16:creationId xmlns:a16="http://schemas.microsoft.com/office/drawing/2014/main" id="{8471809F-C3C0-E273-A913-956504C5CFA4}"/>
+              </a:ext>
+            </a:extLst>
+          </p:cNvPr>
+          <p:cNvSpPr txBox="1">
+            <a:spLocks/>
+          </p:cNvSpPr>
+          <p:nvPr/>
+        </p:nvSpPr>
+        <p:spPr>
+          <a:xfrm>
+            <a:off x="581192" y="2505456"/>
+            <a:ext cx="11029615" cy="493776"/>
+          </a:xfrm>
+          <a:prstGeom prst="rect">
+            <a:avLst/>
+          </a:prstGeom>
+        </p:spPr>
+        <p:txBody>
+          <a:bodyPr vert="horz" lIns="91440" tIns="45720" rIns="91440" bIns="45720" rtlCol="0" anchor="ctr">
+            <a:normAutofit/>
+          </a:bodyPr>
+          <a:lstStyle>
+            <a:lvl1pPr marL="306000" indent="-306000" algn="l" defTabSz="457200" rtl="0" eaLnBrk="1" latinLnBrk="0" hangingPunct="1">
+              <a:lnSpc>
+                <a:spcPct val="100000"/>
+              </a:lnSpc>
+              <a:spcBef>
+                <a:spcPct val="20000"/>
+              </a:spcBef>
+              <a:spcAft>
+                <a:spcPts val="600"/>
+              </a:spcAft>
+              <a:buClr>
+                <a:schemeClr val="accent1"/>
+              </a:buClr>
+              <a:buSzPct val="92000"/>
+              <a:buFont typeface="Wingdings 2" panose="05020102010507070707" pitchFamily="18" charset="2"/>
+              <a:buChar char=""/>
+              <a:defRPr sz="1800" kern="1200">
+                <a:solidFill>
+                  <a:schemeClr val="tx1">
+                    <a:lumMod val="75000"/>
+                    <a:lumOff val="25000"/>
+                  </a:schemeClr>
+                </a:solidFill>
+                <a:latin typeface="+mn-lt"/>
+                <a:ea typeface="+mn-ea"/>
+                <a:cs typeface="+mn-cs"/>
+              </a:defRPr>
+            </a:lvl1pPr>
+            <a:lvl2pPr marL="630000" indent="-306000" algn="l" defTabSz="457200" rtl="0" eaLnBrk="1" latinLnBrk="0" hangingPunct="1">
+              <a:lnSpc>
+                <a:spcPct val="100000"/>
+              </a:lnSpc>
+              <a:spcBef>
+                <a:spcPct val="20000"/>
+              </a:spcBef>
+              <a:spcAft>
+                <a:spcPts val="600"/>
+              </a:spcAft>
+              <a:buClr>
+                <a:schemeClr val="accent1"/>
+              </a:buClr>
+              <a:buSzPct val="92000"/>
+              <a:buFont typeface="Wingdings 2" panose="05020102010507070707" pitchFamily="18" charset="2"/>
+              <a:buChar char=""/>
+              <a:defRPr sz="1600" kern="1200">
+                <a:solidFill>
+                  <a:schemeClr val="tx1">
+                    <a:lumMod val="75000"/>
+                    <a:lumOff val="25000"/>
+                  </a:schemeClr>
+                </a:solidFill>
+                <a:latin typeface="+mn-lt"/>
+                <a:ea typeface="+mn-ea"/>
+                <a:cs typeface="+mn-cs"/>
+              </a:defRPr>
+            </a:lvl2pPr>
+            <a:lvl3pPr marL="900000" indent="-270000" algn="l" defTabSz="457200" rtl="0" eaLnBrk="1" latinLnBrk="0" hangingPunct="1">
+              <a:lnSpc>
+                <a:spcPct val="100000"/>
+              </a:lnSpc>
+              <a:spcBef>
+                <a:spcPct val="20000"/>
+              </a:spcBef>
+              <a:spcAft>
+                <a:spcPts val="600"/>
+              </a:spcAft>
+              <a:buClr>
+                <a:schemeClr val="accent1"/>
+              </a:buClr>
+              <a:buSzPct val="92000"/>
+              <a:buFont typeface="Wingdings 2" panose="05020102010507070707" pitchFamily="18" charset="2"/>
+              <a:buChar char=""/>
+              <a:defRPr sz="1400" kern="1200">
+                <a:solidFill>
+                  <a:schemeClr val="tx1">
+                    <a:lumMod val="75000"/>
+                    <a:lumOff val="25000"/>
+                  </a:schemeClr>
+                </a:solidFill>
+                <a:latin typeface="+mn-lt"/>
+                <a:ea typeface="+mn-ea"/>
+                <a:cs typeface="+mn-cs"/>
+              </a:defRPr>
+            </a:lvl3pPr>
+            <a:lvl4pPr marL="1242000" indent="-234000" algn="l" defTabSz="457200" rtl="0" eaLnBrk="1" latinLnBrk="0" hangingPunct="1">
+              <a:lnSpc>
+                <a:spcPct val="100000"/>
+              </a:lnSpc>
+              <a:spcBef>
+                <a:spcPct val="20000"/>
+              </a:spcBef>
+              <a:spcAft>
+                <a:spcPts val="600"/>
+              </a:spcAft>
+              <a:buClr>
+                <a:schemeClr val="accent1"/>
+              </a:buClr>
+              <a:buSzPct val="92000"/>
+              <a:buFont typeface="Wingdings 2" panose="05020102010507070707" pitchFamily="18" charset="2"/>
+              <a:buChar char=""/>
+              <a:defRPr sz="1200" kern="1200">
+                <a:solidFill>
+                  <a:schemeClr val="tx1">
+                    <a:lumMod val="75000"/>
+                    <a:lumOff val="25000"/>
+                  </a:schemeClr>
+                </a:solidFill>
+                <a:latin typeface="+mn-lt"/>
+                <a:ea typeface="+mn-ea"/>
+                <a:cs typeface="+mn-cs"/>
+              </a:defRPr>
+            </a:lvl4pPr>
+            <a:lvl5pPr marL="1602000" indent="-234000" algn="l" defTabSz="457200" rtl="0" eaLnBrk="1" latinLnBrk="0" hangingPunct="1">
+              <a:lnSpc>
+                <a:spcPct val="100000"/>
+              </a:lnSpc>
+              <a:spcBef>
+                <a:spcPct val="20000"/>
+              </a:spcBef>
+              <a:spcAft>
+                <a:spcPts val="600"/>
+              </a:spcAft>
+              <a:buClr>
+                <a:schemeClr val="accent1"/>
+              </a:buClr>
+              <a:buSzPct val="92000"/>
+              <a:buFont typeface="Wingdings 2" panose="05020102010507070707" pitchFamily="18" charset="2"/>
+              <a:buChar char=""/>
+              <a:defRPr sz="1200" kern="1200">
+                <a:solidFill>
+                  <a:schemeClr val="tx1">
+                    <a:lumMod val="75000"/>
+                    <a:lumOff val="25000"/>
+                  </a:schemeClr>
+                </a:solidFill>
+                <a:latin typeface="+mn-lt"/>
+                <a:ea typeface="+mn-ea"/>
+                <a:cs typeface="+mn-cs"/>
+              </a:defRPr>
+            </a:lvl5pPr>
+            <a:lvl6pPr marL="1900000" indent="-228600" algn="l" defTabSz="457200" rtl="0" eaLnBrk="1" latinLnBrk="0" hangingPunct="1">
+              <a:spcBef>
+                <a:spcPct val="20000"/>
+              </a:spcBef>
+              <a:spcAft>
+                <a:spcPts val="600"/>
+              </a:spcAft>
+              <a:buClr>
+                <a:schemeClr val="accent2"/>
+              </a:buClr>
+              <a:buSzPct val="92000"/>
+              <a:buFont typeface="Wingdings 2" panose="05020102010507070707" pitchFamily="18" charset="2"/>
+              <a:buChar char=""/>
+              <a:defRPr sz="1200" kern="1200">
+                <a:solidFill>
+                  <a:schemeClr val="tx2"/>
+                </a:solidFill>
+                <a:latin typeface="+mn-lt"/>
+                <a:ea typeface="+mn-ea"/>
+                <a:cs typeface="+mn-cs"/>
+              </a:defRPr>
+            </a:lvl6pPr>
+            <a:lvl7pPr marL="2200000" indent="-228600" algn="l" defTabSz="457200" rtl="0" eaLnBrk="1" latinLnBrk="0" hangingPunct="1">
+              <a:spcBef>
+                <a:spcPct val="20000"/>
+              </a:spcBef>
+              <a:spcAft>
+                <a:spcPts val="600"/>
+              </a:spcAft>
+              <a:buClr>
+                <a:schemeClr val="accent2"/>
+              </a:buClr>
+              <a:buSzPct val="92000"/>
+              <a:buFont typeface="Wingdings 2" panose="05020102010507070707" pitchFamily="18" charset="2"/>
+              <a:buChar char=""/>
+              <a:defRPr sz="1200" kern="1200">
+                <a:solidFill>
+                  <a:schemeClr val="tx2"/>
+                </a:solidFill>
+                <a:latin typeface="+mn-lt"/>
+                <a:ea typeface="+mn-ea"/>
+                <a:cs typeface="+mn-cs"/>
+              </a:defRPr>
+            </a:lvl7pPr>
+            <a:lvl8pPr marL="2500000" indent="-228600" algn="l" defTabSz="457200" rtl="0" eaLnBrk="1" latinLnBrk="0" hangingPunct="1">
+              <a:spcBef>
+                <a:spcPct val="20000"/>
+              </a:spcBef>
+              <a:spcAft>
+                <a:spcPts val="600"/>
+              </a:spcAft>
+              <a:buClr>
+                <a:schemeClr val="accent2"/>
+              </a:buClr>
+              <a:buSzPct val="92000"/>
+              <a:buFont typeface="Wingdings 2" panose="05020102010507070707" pitchFamily="18" charset="2"/>
+              <a:buChar char=""/>
+              <a:defRPr sz="1200" kern="1200">
+                <a:solidFill>
+                  <a:schemeClr val="tx2"/>
+                </a:solidFill>
+                <a:latin typeface="+mn-lt"/>
+                <a:ea typeface="+mn-ea"/>
+                <a:cs typeface="+mn-cs"/>
+              </a:defRPr>
+            </a:lvl8pPr>
+            <a:lvl9pPr marL="2800000" indent="-228600" algn="l" defTabSz="457200" rtl="0" eaLnBrk="1" latinLnBrk="0" hangingPunct="1">
+              <a:spcBef>
+                <a:spcPct val="20000"/>
+              </a:spcBef>
+              <a:spcAft>
+                <a:spcPts val="600"/>
+              </a:spcAft>
+              <a:buClr>
+                <a:schemeClr val="accent2"/>
+              </a:buClr>
+              <a:buSzPct val="92000"/>
+              <a:buFont typeface="Wingdings 2" panose="05020102010507070707" pitchFamily="18" charset="2"/>
+              <a:buChar char=""/>
+              <a:defRPr sz="1200" kern="1200">
+                <a:solidFill>
+                  <a:schemeClr val="tx2"/>
+                </a:solidFill>
+                <a:latin typeface="+mn-lt"/>
+                <a:ea typeface="+mn-ea"/>
+                <a:cs typeface="+mn-cs"/>
+              </a:defRPr>
+            </a:lvl9pPr>
+          </a:lstStyle>
+          <a:p>
+            <a:endParaRPr lang="en-US" dirty="0"/>
+          </a:p>
+        </p:txBody>
+      </p:sp>
+      <p:pic>
+        <p:nvPicPr>
+          <p:cNvPr id="5" name="Picture 4">
+            <a:extLst>
+              <a:ext uri="{FF2B5EF4-FFF2-40B4-BE49-F238E27FC236}">
+                <a16:creationId xmlns:a16="http://schemas.microsoft.com/office/drawing/2014/main" id="{CC57D226-0A4A-A70E-48C6-7FDABA8D0F1C}"/>
+              </a:ext>
+            </a:extLst>
+          </p:cNvPr>
+          <p:cNvPicPr>
+            <a:picLocks noChangeAspect="1"/>
+          </p:cNvPicPr>
+          <p:nvPr/>
+        </p:nvPicPr>
+        <p:blipFill>
+          <a:blip r:embed="rId2"/>
+          <a:stretch>
+            <a:fillRect/>
+          </a:stretch>
+        </p:blipFill>
+        <p:spPr>
+          <a:xfrm>
+            <a:off x="462319" y="2813168"/>
+            <a:ext cx="2407980" cy="904330"/>
+          </a:xfrm>
+          <a:prstGeom prst="rect">
+            <a:avLst/>
+          </a:prstGeom>
+        </p:spPr>
+      </p:pic>
     </p:spTree>
     <p:extLst>
       <p:ext uri="{BB962C8B-B14F-4D97-AF65-F5344CB8AC3E}">
@@ -6421,7 +6735,7 @@
           <p:cNvPr id="2" name="Title 1">
             <a:extLst>
               <a:ext uri="{FF2B5EF4-FFF2-40B4-BE49-F238E27FC236}">
-                <a16:creationId xmlns:a16="http://schemas.microsoft.com/office/drawing/2014/main" id="{A6A84645-B522-99BF-18B8-9B3461D1AF2F}"/>
+                <a16:creationId xmlns:a16="http://schemas.microsoft.com/office/drawing/2014/main" id="{15CF6AEF-9C5D-06DD-C3B6-4393AB08028D}"/>
               </a:ext>
             </a:extLst>
           </p:cNvPr>
@@ -6435,7 +6749,7 @@
         <p:spPr>
           <a:xfrm>
             <a:off x="581192" y="702156"/>
-            <a:ext cx="11029616" cy="593244"/>
+            <a:ext cx="11029616" cy="523140"/>
           </a:xfrm>
         </p:spPr>
         <p:txBody>
@@ -6443,12 +6757,8 @@
           <a:lstStyle/>
           <a:p>
             <a:r>
-              <a:rPr lang="en-US" dirty="0" err="1"/>
-              <a:t>Rstudio</a:t>
-            </a:r>
-            <a:r>
-              <a:rPr lang="en-US" dirty="0"/>
-              <a:t> – Introduction</a:t>
+              <a:rPr lang="en-US" dirty="0"/>
+              <a:t>COURSE TOPICS</a:t>
             </a:r>
           </a:p>
         </p:txBody>
@@ -6458,7 +6768,7 @@
           <p:cNvPr id="3" name="Content Placeholder 2">
             <a:extLst>
               <a:ext uri="{FF2B5EF4-FFF2-40B4-BE49-F238E27FC236}">
-                <a16:creationId xmlns:a16="http://schemas.microsoft.com/office/drawing/2014/main" id="{8471809F-C3C0-E273-A913-956504C5CFA4}"/>
+                <a16:creationId xmlns:a16="http://schemas.microsoft.com/office/drawing/2014/main" id="{B16EA269-3002-E778-5389-57E9F332E61A}"/>
               </a:ext>
             </a:extLst>
           </p:cNvPr>
@@ -6471,320 +6781,107 @@
         </p:nvSpPr>
         <p:spPr>
           <a:xfrm>
-            <a:off x="581193" y="1472184"/>
-            <a:ext cx="11029615" cy="493776"/>
-          </a:xfrm>
-        </p:spPr>
-        <p:txBody>
-          <a:bodyPr/>
-          <a:lstStyle/>
-          <a:p>
-            <a:r>
-              <a:rPr lang="en-US" dirty="0"/>
-              <a:t>Open-source IDE (integrated development environment)</a:t>
-            </a:r>
-          </a:p>
-        </p:txBody>
-      </p:sp>
-      <p:pic>
-        <p:nvPicPr>
-          <p:cNvPr id="5" name="Picture 4">
-            <a:extLst>
-              <a:ext uri="{FF2B5EF4-FFF2-40B4-BE49-F238E27FC236}">
-                <a16:creationId xmlns:a16="http://schemas.microsoft.com/office/drawing/2014/main" id="{CC57D226-0A4A-A70E-48C6-7FDABA8D0F1C}"/>
-              </a:ext>
-            </a:extLst>
-          </p:cNvPr>
-          <p:cNvPicPr>
-            <a:picLocks noChangeAspect="1"/>
-          </p:cNvPicPr>
-          <p:nvPr/>
-        </p:nvPicPr>
-        <p:blipFill>
-          <a:blip r:embed="rId2"/>
-          <a:stretch>
-            <a:fillRect/>
-          </a:stretch>
-        </p:blipFill>
-        <p:spPr>
-          <a:xfrm>
-            <a:off x="903110" y="2055504"/>
-            <a:ext cx="2407980" cy="904330"/>
-          </a:xfrm>
-          <a:prstGeom prst="rect">
-            <a:avLst/>
-          </a:prstGeom>
-        </p:spPr>
-      </p:pic>
-      <p:sp>
-        <p:nvSpPr>
-          <p:cNvPr id="6" name="Content Placeholder 2">
-            <a:extLst>
-              <a:ext uri="{FF2B5EF4-FFF2-40B4-BE49-F238E27FC236}">
-                <a16:creationId xmlns:a16="http://schemas.microsoft.com/office/drawing/2014/main" id="{7A24E3FF-D473-5C86-1B24-5F300A00D611}"/>
-              </a:ext>
-            </a:extLst>
-          </p:cNvPr>
-          <p:cNvSpPr txBox="1">
-            <a:spLocks/>
-          </p:cNvSpPr>
-          <p:nvPr/>
-        </p:nvSpPr>
-        <p:spPr>
-          <a:xfrm>
-            <a:off x="581193" y="3182112"/>
-            <a:ext cx="11029615" cy="493776"/>
-          </a:xfrm>
-          <a:prstGeom prst="rect">
-            <a:avLst/>
-          </a:prstGeom>
-        </p:spPr>
-        <p:txBody>
-          <a:bodyPr vert="horz" lIns="91440" tIns="45720" rIns="91440" bIns="45720" rtlCol="0" anchor="ctr">
+            <a:off x="581193" y="1463040"/>
+            <a:ext cx="11029615" cy="3968496"/>
+          </a:xfrm>
+        </p:spPr>
+        <p:txBody>
+          <a:bodyPr>
             <a:normAutofit/>
           </a:bodyPr>
-          <a:lstStyle>
-            <a:lvl1pPr marL="306000" indent="-306000" algn="l" defTabSz="457200" rtl="0" eaLnBrk="1" latinLnBrk="0" hangingPunct="1">
-              <a:lnSpc>
-                <a:spcPct val="100000"/>
-              </a:lnSpc>
-              <a:spcBef>
-                <a:spcPct val="20000"/>
-              </a:spcBef>
-              <a:spcAft>
-                <a:spcPts val="600"/>
-              </a:spcAft>
-              <a:buClr>
-                <a:schemeClr val="accent1"/>
-              </a:buClr>
-              <a:buSzPct val="92000"/>
-              <a:buFont typeface="Wingdings 2" panose="05020102010507070707" pitchFamily="18" charset="2"/>
-              <a:buChar char=""/>
-              <a:defRPr sz="1800" kern="1200">
-                <a:solidFill>
-                  <a:schemeClr val="tx1">
-                    <a:lumMod val="75000"/>
-                    <a:lumOff val="25000"/>
-                  </a:schemeClr>
-                </a:solidFill>
-                <a:latin typeface="+mn-lt"/>
-                <a:ea typeface="+mn-ea"/>
-                <a:cs typeface="+mn-cs"/>
-              </a:defRPr>
-            </a:lvl1pPr>
-            <a:lvl2pPr marL="630000" indent="-306000" algn="l" defTabSz="457200" rtl="0" eaLnBrk="1" latinLnBrk="0" hangingPunct="1">
-              <a:lnSpc>
-                <a:spcPct val="100000"/>
-              </a:lnSpc>
-              <a:spcBef>
-                <a:spcPct val="20000"/>
-              </a:spcBef>
-              <a:spcAft>
-                <a:spcPts val="600"/>
-              </a:spcAft>
-              <a:buClr>
-                <a:schemeClr val="accent1"/>
-              </a:buClr>
-              <a:buSzPct val="92000"/>
-              <a:buFont typeface="Wingdings 2" panose="05020102010507070707" pitchFamily="18" charset="2"/>
-              <a:buChar char=""/>
-              <a:defRPr sz="1600" kern="1200">
-                <a:solidFill>
-                  <a:schemeClr val="tx1">
-                    <a:lumMod val="75000"/>
-                    <a:lumOff val="25000"/>
-                  </a:schemeClr>
-                </a:solidFill>
-                <a:latin typeface="+mn-lt"/>
-                <a:ea typeface="+mn-ea"/>
-                <a:cs typeface="+mn-cs"/>
-              </a:defRPr>
-            </a:lvl2pPr>
-            <a:lvl3pPr marL="900000" indent="-270000" algn="l" defTabSz="457200" rtl="0" eaLnBrk="1" latinLnBrk="0" hangingPunct="1">
-              <a:lnSpc>
-                <a:spcPct val="100000"/>
-              </a:lnSpc>
-              <a:spcBef>
-                <a:spcPct val="20000"/>
-              </a:spcBef>
-              <a:spcAft>
-                <a:spcPts val="600"/>
-              </a:spcAft>
-              <a:buClr>
-                <a:schemeClr val="accent1"/>
-              </a:buClr>
-              <a:buSzPct val="92000"/>
-              <a:buFont typeface="Wingdings 2" panose="05020102010507070707" pitchFamily="18" charset="2"/>
-              <a:buChar char=""/>
-              <a:defRPr sz="1400" kern="1200">
-                <a:solidFill>
-                  <a:schemeClr val="tx1">
-                    <a:lumMod val="75000"/>
-                    <a:lumOff val="25000"/>
-                  </a:schemeClr>
-                </a:solidFill>
-                <a:latin typeface="+mn-lt"/>
-                <a:ea typeface="+mn-ea"/>
-                <a:cs typeface="+mn-cs"/>
-              </a:defRPr>
-            </a:lvl3pPr>
-            <a:lvl4pPr marL="1242000" indent="-234000" algn="l" defTabSz="457200" rtl="0" eaLnBrk="1" latinLnBrk="0" hangingPunct="1">
-              <a:lnSpc>
-                <a:spcPct val="100000"/>
-              </a:lnSpc>
-              <a:spcBef>
-                <a:spcPct val="20000"/>
-              </a:spcBef>
-              <a:spcAft>
-                <a:spcPts val="600"/>
-              </a:spcAft>
-              <a:buClr>
-                <a:schemeClr val="accent1"/>
-              </a:buClr>
-              <a:buSzPct val="92000"/>
-              <a:buFont typeface="Wingdings 2" panose="05020102010507070707" pitchFamily="18" charset="2"/>
-              <a:buChar char=""/>
-              <a:defRPr sz="1200" kern="1200">
-                <a:solidFill>
-                  <a:schemeClr val="tx1">
-                    <a:lumMod val="75000"/>
-                    <a:lumOff val="25000"/>
-                  </a:schemeClr>
-                </a:solidFill>
-                <a:latin typeface="+mn-lt"/>
-                <a:ea typeface="+mn-ea"/>
-                <a:cs typeface="+mn-cs"/>
-              </a:defRPr>
-            </a:lvl4pPr>
-            <a:lvl5pPr marL="1602000" indent="-234000" algn="l" defTabSz="457200" rtl="0" eaLnBrk="1" latinLnBrk="0" hangingPunct="1">
-              <a:lnSpc>
-                <a:spcPct val="100000"/>
-              </a:lnSpc>
-              <a:spcBef>
-                <a:spcPct val="20000"/>
-              </a:spcBef>
-              <a:spcAft>
-                <a:spcPts val="600"/>
-              </a:spcAft>
-              <a:buClr>
-                <a:schemeClr val="accent1"/>
-              </a:buClr>
-              <a:buSzPct val="92000"/>
-              <a:buFont typeface="Wingdings 2" panose="05020102010507070707" pitchFamily="18" charset="2"/>
-              <a:buChar char=""/>
-              <a:defRPr sz="1200" kern="1200">
-                <a:solidFill>
-                  <a:schemeClr val="tx1">
-                    <a:lumMod val="75000"/>
-                    <a:lumOff val="25000"/>
-                  </a:schemeClr>
-                </a:solidFill>
-                <a:latin typeface="+mn-lt"/>
-                <a:ea typeface="+mn-ea"/>
-                <a:cs typeface="+mn-cs"/>
-              </a:defRPr>
-            </a:lvl5pPr>
-            <a:lvl6pPr marL="1900000" indent="-228600" algn="l" defTabSz="457200" rtl="0" eaLnBrk="1" latinLnBrk="0" hangingPunct="1">
-              <a:spcBef>
-                <a:spcPct val="20000"/>
-              </a:spcBef>
-              <a:spcAft>
-                <a:spcPts val="600"/>
-              </a:spcAft>
-              <a:buClr>
-                <a:schemeClr val="accent2"/>
-              </a:buClr>
-              <a:buSzPct val="92000"/>
-              <a:buFont typeface="Wingdings 2" panose="05020102010507070707" pitchFamily="18" charset="2"/>
-              <a:buChar char=""/>
-              <a:defRPr sz="1200" kern="1200">
-                <a:solidFill>
-                  <a:schemeClr val="tx2"/>
-                </a:solidFill>
-                <a:latin typeface="+mn-lt"/>
-                <a:ea typeface="+mn-ea"/>
-                <a:cs typeface="+mn-cs"/>
-              </a:defRPr>
-            </a:lvl6pPr>
-            <a:lvl7pPr marL="2200000" indent="-228600" algn="l" defTabSz="457200" rtl="0" eaLnBrk="1" latinLnBrk="0" hangingPunct="1">
-              <a:spcBef>
-                <a:spcPct val="20000"/>
-              </a:spcBef>
-              <a:spcAft>
-                <a:spcPts val="600"/>
-              </a:spcAft>
-              <a:buClr>
-                <a:schemeClr val="accent2"/>
-              </a:buClr>
-              <a:buSzPct val="92000"/>
-              <a:buFont typeface="Wingdings 2" panose="05020102010507070707" pitchFamily="18" charset="2"/>
-              <a:buChar char=""/>
-              <a:defRPr sz="1200" kern="1200">
-                <a:solidFill>
-                  <a:schemeClr val="tx2"/>
-                </a:solidFill>
-                <a:latin typeface="+mn-lt"/>
-                <a:ea typeface="+mn-ea"/>
-                <a:cs typeface="+mn-cs"/>
-              </a:defRPr>
-            </a:lvl7pPr>
-            <a:lvl8pPr marL="2500000" indent="-228600" algn="l" defTabSz="457200" rtl="0" eaLnBrk="1" latinLnBrk="0" hangingPunct="1">
-              <a:spcBef>
-                <a:spcPct val="20000"/>
-              </a:spcBef>
-              <a:spcAft>
-                <a:spcPts val="600"/>
-              </a:spcAft>
-              <a:buClr>
-                <a:schemeClr val="accent2"/>
-              </a:buClr>
-              <a:buSzPct val="92000"/>
-              <a:buFont typeface="Wingdings 2" panose="05020102010507070707" pitchFamily="18" charset="2"/>
-              <a:buChar char=""/>
-              <a:defRPr sz="1200" kern="1200">
-                <a:solidFill>
-                  <a:schemeClr val="tx2"/>
-                </a:solidFill>
-                <a:latin typeface="+mn-lt"/>
-                <a:ea typeface="+mn-ea"/>
-                <a:cs typeface="+mn-cs"/>
-              </a:defRPr>
-            </a:lvl8pPr>
-            <a:lvl9pPr marL="2800000" indent="-228600" algn="l" defTabSz="457200" rtl="0" eaLnBrk="1" latinLnBrk="0" hangingPunct="1">
-              <a:spcBef>
-                <a:spcPct val="20000"/>
-              </a:spcBef>
-              <a:spcAft>
-                <a:spcPts val="600"/>
-              </a:spcAft>
-              <a:buClr>
-                <a:schemeClr val="accent2"/>
-              </a:buClr>
-              <a:buSzPct val="92000"/>
-              <a:buFont typeface="Wingdings 2" panose="05020102010507070707" pitchFamily="18" charset="2"/>
-              <a:buChar char=""/>
-              <a:defRPr sz="1200" kern="1200">
-                <a:solidFill>
-                  <a:schemeClr val="tx2"/>
-                </a:solidFill>
-                <a:latin typeface="+mn-lt"/>
-                <a:ea typeface="+mn-ea"/>
-                <a:cs typeface="+mn-cs"/>
-              </a:defRPr>
-            </a:lvl9pPr>
-          </a:lstStyle>
-          <a:p>
-            <a:r>
-              <a:rPr lang="en-US" dirty="0"/>
-              <a:t>Open-source IDE (integrated development environment)</a:t>
-            </a:r>
+          <a:lstStyle/>
+          <a:p>
+            <a:pPr marL="0" indent="0">
+              <a:buNone/>
+            </a:pPr>
+            <a:r>
+              <a:rPr lang="en-US" dirty="0"/>
+              <a:t>Week 2</a:t>
+            </a:r>
+          </a:p>
+          <a:p>
+            <a:pPr lvl="1">
+              <a:buFont typeface="Wingdings" panose="05000000000000000000" pitchFamily="2" charset="2"/>
+              <a:buChar char="Ø"/>
+            </a:pPr>
+            <a:r>
+              <a:rPr lang="en-US" dirty="0"/>
+              <a:t>Foundations of Inferential Statistics</a:t>
+            </a:r>
+          </a:p>
+          <a:p>
+            <a:pPr lvl="2">
+              <a:buFont typeface="Wingdings" panose="05000000000000000000" pitchFamily="2" charset="2"/>
+              <a:buChar char="Ø"/>
+            </a:pPr>
+            <a:r>
+              <a:rPr lang="en-US" dirty="0"/>
+              <a:t>Point estimates and sampling variability</a:t>
+            </a:r>
+          </a:p>
+          <a:p>
+            <a:pPr lvl="2">
+              <a:buFont typeface="Wingdings" panose="05000000000000000000" pitchFamily="2" charset="2"/>
+              <a:buChar char="Ø"/>
+            </a:pPr>
+            <a:r>
+              <a:rPr lang="en-US" dirty="0"/>
+              <a:t>Confidence intervals and hypothesis testing </a:t>
+            </a:r>
+          </a:p>
+          <a:p>
+            <a:pPr lvl="2">
+              <a:buFont typeface="Wingdings" panose="05000000000000000000" pitchFamily="2" charset="2"/>
+              <a:buChar char="Ø"/>
+            </a:pPr>
+            <a:r>
+              <a:rPr lang="en-US" dirty="0"/>
+              <a:t>…</a:t>
+            </a:r>
+          </a:p>
+          <a:p>
+            <a:pPr lvl="1">
+              <a:buFont typeface="Wingdings" panose="05000000000000000000" pitchFamily="2" charset="2"/>
+              <a:buChar char="Ø"/>
+            </a:pPr>
+            <a:r>
+              <a:rPr lang="en-US" dirty="0"/>
+              <a:t>Inference for numerical data</a:t>
+            </a:r>
+          </a:p>
+          <a:p>
+            <a:pPr lvl="2">
+              <a:buFont typeface="Wingdings" panose="05000000000000000000" pitchFamily="2" charset="2"/>
+              <a:buChar char="Ø"/>
+            </a:pPr>
+            <a:r>
+              <a:rPr lang="en-US" dirty="0"/>
+              <a:t>t-distribution</a:t>
+            </a:r>
+          </a:p>
+          <a:p>
+            <a:pPr lvl="2">
+              <a:buFont typeface="Wingdings" panose="05000000000000000000" pitchFamily="2" charset="2"/>
+              <a:buChar char="Ø"/>
+            </a:pPr>
+            <a:r>
+              <a:rPr lang="en-US" dirty="0"/>
+              <a:t>… </a:t>
+            </a:r>
+          </a:p>
+          <a:p>
+            <a:pPr lvl="1">
+              <a:buFont typeface="Wingdings" panose="05000000000000000000" pitchFamily="2" charset="2"/>
+              <a:buChar char="Ø"/>
+            </a:pPr>
+            <a:endParaRPr lang="en-US" dirty="0"/>
           </a:p>
         </p:txBody>
       </p:sp>
     </p:spTree>
     <p:extLst>
       <p:ext uri="{BB962C8B-B14F-4D97-AF65-F5344CB8AC3E}">
-        <p14:creationId xmlns:p14="http://schemas.microsoft.com/office/powerpoint/2010/main" val="630793298"/>
+        <p14:creationId xmlns:p14="http://schemas.microsoft.com/office/powerpoint/2010/main" val="2288646862"/>
       </p:ext>
     </p:extLst>
   </p:cSld>
@@ -11364,7 +11461,7 @@
                 </a:solidFill>
                 <a:latin typeface="Calibri" panose="020F0502020204030204" pitchFamily="34" charset="0"/>
               </a:rPr>
-              <a:t>: 7 in total</a:t>
+              <a:t>: 9 in total</a:t>
             </a:r>
           </a:p>
           <a:p>
@@ -11400,7 +11497,7 @@
                 </a:solidFill>
                 <a:latin typeface="Calibri" panose="020F0502020204030204" pitchFamily="34" charset="0"/>
               </a:rPr>
-              <a:t>One midterm exam &amp; One final project (oral presentation and paper report)</a:t>
+              <a:t>One final project (oral presentation and paper report)</a:t>
             </a:r>
           </a:p>
         </p:txBody>
@@ -11509,7 +11606,7 @@
                 <a:ea typeface="DengXian" panose="02010600030101010101" pitchFamily="2" charset="-122"/>
                 <a:cs typeface="Times New Roman" panose="02020603050405020304" pitchFamily="18" charset="0"/>
               </a:rPr>
-              <a:t>Assignments 		70% = seven assignments </a:t>
+              <a:t>Assignments 		80% = nine assignments </a:t>
             </a:r>
           </a:p>
           <a:p>
@@ -11589,7 +11686,31 @@
                 <a:ea typeface="DengXian" panose="02010600030101010101" pitchFamily="2" charset="-122"/>
                 <a:cs typeface="Times New Roman" panose="02020603050405020304" pitchFamily="18" charset="0"/>
               </a:rPr>
-              <a:t>Final Project	 	30% = 20% oral + 10% written</a:t>
+              <a:t>Final Project	 	20% = 15% oral </a:t>
+            </a:r>
+            <a:r>
+              <a:rPr lang="en-US" sz="1800">
+                <a:solidFill>
+                  <a:srgbClr val="000000"/>
+                </a:solidFill>
+                <a:effectLst/>
+                <a:latin typeface="Calibri" panose="020F0502020204030204" pitchFamily="34" charset="0"/>
+                <a:ea typeface="DengXian" panose="02010600030101010101" pitchFamily="2" charset="-122"/>
+                <a:cs typeface="Times New Roman" panose="02020603050405020304" pitchFamily="18" charset="0"/>
+              </a:rPr>
+              <a:t>+ 5% </a:t>
+            </a:r>
+            <a:r>
+              <a:rPr lang="en-US" sz="1800" dirty="0">
+                <a:solidFill>
+                  <a:srgbClr val="000000"/>
+                </a:solidFill>
+                <a:effectLst/>
+                <a:latin typeface="Calibri" panose="020F0502020204030204" pitchFamily="34" charset="0"/>
+                <a:ea typeface="DengXian" panose="02010600030101010101" pitchFamily="2" charset="-122"/>
+                <a:cs typeface="Times New Roman" panose="02020603050405020304" pitchFamily="18" charset="0"/>
+              </a:rPr>
+              <a:t>written</a:t>
             </a:r>
           </a:p>
           <a:p>
